--- a/Presentation1.pptx
+++ b/Presentation1.pptx
@@ -5,20 +5,30 @@
     <p:sldMasterId id="2147483660" r:id="rId1"/>
   </p:sldMasterIdLst>
   <p:sldIdLst>
-    <p:sldId id="258" r:id="rId2"/>
-    <p:sldId id="257" r:id="rId3"/>
-    <p:sldId id="259" r:id="rId4"/>
-    <p:sldId id="268" r:id="rId5"/>
-    <p:sldId id="266" r:id="rId6"/>
-    <p:sldId id="267" r:id="rId7"/>
-    <p:sldId id="260" r:id="rId8"/>
-    <p:sldId id="261" r:id="rId9"/>
-    <p:sldId id="263" r:id="rId10"/>
-    <p:sldId id="262" r:id="rId11"/>
-    <p:sldId id="264" r:id="rId12"/>
-    <p:sldId id="265" r:id="rId13"/>
-    <p:sldId id="269" r:id="rId14"/>
-    <p:sldId id="270" r:id="rId15"/>
+    <p:sldId id="256" r:id="rId2"/>
+    <p:sldId id="275" r:id="rId3"/>
+    <p:sldId id="276" r:id="rId4"/>
+    <p:sldId id="277" r:id="rId5"/>
+    <p:sldId id="258" r:id="rId6"/>
+    <p:sldId id="257" r:id="rId7"/>
+    <p:sldId id="259" r:id="rId8"/>
+    <p:sldId id="268" r:id="rId9"/>
+    <p:sldId id="266" r:id="rId10"/>
+    <p:sldId id="267" r:id="rId11"/>
+    <p:sldId id="260" r:id="rId12"/>
+    <p:sldId id="261" r:id="rId13"/>
+    <p:sldId id="263" r:id="rId14"/>
+    <p:sldId id="262" r:id="rId15"/>
+    <p:sldId id="264" r:id="rId16"/>
+    <p:sldId id="265" r:id="rId17"/>
+    <p:sldId id="269" r:id="rId18"/>
+    <p:sldId id="270" r:id="rId19"/>
+    <p:sldId id="271" r:id="rId20"/>
+    <p:sldId id="272" r:id="rId21"/>
+    <p:sldId id="273" r:id="rId22"/>
+    <p:sldId id="274" r:id="rId23"/>
+    <p:sldId id="278" r:id="rId24"/>
+    <p:sldId id="279" r:id="rId25"/>
   </p:sldIdLst>
   <p:sldSz cx="12192000" cy="6858000"/>
   <p:notesSz cx="6858000" cy="9144000"/>
@@ -117,6 +127,11 @@
       </a:defRPr>
     </a:lvl9pPr>
   </p:defaultTextStyle>
+  <p:extLst>
+    <p:ext uri="{EFAFB233-063F-42B5-8137-9DF3F51BA10A}">
+      <p15:sldGuideLst xmlns:p15="http://schemas.microsoft.com/office/powerpoint/2012/main"/>
+    </p:ext>
+  </p:extLst>
 </p:presentation>
 </file>
 
@@ -842,7 +857,7 @@
           <a:p>
             <a:fld id="{010A7FB3-A316-402C-99FC-ECFF33919AD8}" type="datetimeFigureOut">
               <a:rPr lang="en-US" smtClean="0"/>
-              <a:t>4/11/2019</a:t>
+              <a:t>4/11/19</a:t>
             </a:fld>
             <a:endParaRPr lang="en-US"/>
           </a:p>
@@ -1093,7 +1108,7 @@
           <a:p>
             <a:fld id="{010A7FB3-A316-402C-99FC-ECFF33919AD8}" type="datetimeFigureOut">
               <a:rPr lang="en-US" smtClean="0"/>
-              <a:t>4/11/2019</a:t>
+              <a:t>4/11/19</a:t>
             </a:fld>
             <a:endParaRPr lang="en-US"/>
           </a:p>
@@ -1407,7 +1422,7 @@
           <a:p>
             <a:fld id="{010A7FB3-A316-402C-99FC-ECFF33919AD8}" type="datetimeFigureOut">
               <a:rPr lang="en-US" smtClean="0"/>
-              <a:t>4/11/2019</a:t>
+              <a:t>4/11/19</a:t>
             </a:fld>
             <a:endParaRPr lang="en-US"/>
           </a:p>
@@ -1748,7 +1763,7 @@
           <a:p>
             <a:fld id="{010A7FB3-A316-402C-99FC-ECFF33919AD8}" type="datetimeFigureOut">
               <a:rPr lang="en-US" smtClean="0"/>
-              <a:t>4/11/2019</a:t>
+              <a:t>4/11/19</a:t>
             </a:fld>
             <a:endParaRPr lang="en-US"/>
           </a:p>
@@ -2062,7 +2077,7 @@
           <a:p>
             <a:fld id="{010A7FB3-A316-402C-99FC-ECFF33919AD8}" type="datetimeFigureOut">
               <a:rPr lang="en-US" smtClean="0"/>
-              <a:t>4/11/2019</a:t>
+              <a:t>4/11/19</a:t>
             </a:fld>
             <a:endParaRPr lang="en-US"/>
           </a:p>
@@ -2455,7 +2470,7 @@
           <a:p>
             <a:fld id="{010A7FB3-A316-402C-99FC-ECFF33919AD8}" type="datetimeFigureOut">
               <a:rPr lang="en-US" smtClean="0"/>
-              <a:t>4/11/2019</a:t>
+              <a:t>4/11/19</a:t>
             </a:fld>
             <a:endParaRPr lang="en-US"/>
           </a:p>
@@ -2625,7 +2640,7 @@
           <a:p>
             <a:fld id="{010A7FB3-A316-402C-99FC-ECFF33919AD8}" type="datetimeFigureOut">
               <a:rPr lang="en-US" smtClean="0"/>
-              <a:t>4/11/2019</a:t>
+              <a:t>4/11/19</a:t>
             </a:fld>
             <a:endParaRPr lang="en-US"/>
           </a:p>
@@ -2805,7 +2820,7 @@
           <a:p>
             <a:fld id="{010A7FB3-A316-402C-99FC-ECFF33919AD8}" type="datetimeFigureOut">
               <a:rPr lang="en-US" smtClean="0"/>
-              <a:t>4/11/2019</a:t>
+              <a:t>4/11/19</a:t>
             </a:fld>
             <a:endParaRPr lang="en-US"/>
           </a:p>
@@ -2981,7 +2996,7 @@
           <a:p>
             <a:fld id="{010A7FB3-A316-402C-99FC-ECFF33919AD8}" type="datetimeFigureOut">
               <a:rPr lang="en-US" smtClean="0"/>
-              <a:t>4/11/2019</a:t>
+              <a:t>4/11/19</a:t>
             </a:fld>
             <a:endParaRPr lang="en-US"/>
           </a:p>
@@ -3228,7 +3243,7 @@
           <a:p>
             <a:fld id="{010A7FB3-A316-402C-99FC-ECFF33919AD8}" type="datetimeFigureOut">
               <a:rPr lang="en-US" smtClean="0"/>
-              <a:t>4/11/2019</a:t>
+              <a:t>4/11/19</a:t>
             </a:fld>
             <a:endParaRPr lang="en-US"/>
           </a:p>
@@ -3460,7 +3475,7 @@
           <a:p>
             <a:fld id="{010A7FB3-A316-402C-99FC-ECFF33919AD8}" type="datetimeFigureOut">
               <a:rPr lang="en-US" smtClean="0"/>
-              <a:t>4/11/2019</a:t>
+              <a:t>4/11/19</a:t>
             </a:fld>
             <a:endParaRPr lang="en-US"/>
           </a:p>
@@ -3834,7 +3849,7 @@
           <a:p>
             <a:fld id="{010A7FB3-A316-402C-99FC-ECFF33919AD8}" type="datetimeFigureOut">
               <a:rPr lang="en-US" smtClean="0"/>
-              <a:t>4/11/2019</a:t>
+              <a:t>4/11/19</a:t>
             </a:fld>
             <a:endParaRPr lang="en-US"/>
           </a:p>
@@ -3957,7 +3972,7 @@
           <a:p>
             <a:fld id="{010A7FB3-A316-402C-99FC-ECFF33919AD8}" type="datetimeFigureOut">
               <a:rPr lang="en-US" smtClean="0"/>
-              <a:t>4/11/2019</a:t>
+              <a:t>4/11/19</a:t>
             </a:fld>
             <a:endParaRPr lang="en-US"/>
           </a:p>
@@ -4052,7 +4067,7 @@
           <a:p>
             <a:fld id="{010A7FB3-A316-402C-99FC-ECFF33919AD8}" type="datetimeFigureOut">
               <a:rPr lang="en-US" smtClean="0"/>
-              <a:t>4/11/2019</a:t>
+              <a:t>4/11/19</a:t>
             </a:fld>
             <a:endParaRPr lang="en-US"/>
           </a:p>
@@ -4307,7 +4322,7 @@
           <a:p>
             <a:fld id="{010A7FB3-A316-402C-99FC-ECFF33919AD8}" type="datetimeFigureOut">
               <a:rPr lang="en-US" smtClean="0"/>
-              <a:t>4/11/2019</a:t>
+              <a:t>4/11/19</a:t>
             </a:fld>
             <a:endParaRPr lang="en-US"/>
           </a:p>
@@ -4570,7 +4585,7 @@
           <a:p>
             <a:fld id="{010A7FB3-A316-402C-99FC-ECFF33919AD8}" type="datetimeFigureOut">
               <a:rPr lang="en-US" smtClean="0"/>
-              <a:t>4/11/2019</a:t>
+              <a:t>4/11/19</a:t>
             </a:fld>
             <a:endParaRPr lang="en-US"/>
           </a:p>
@@ -5313,7 +5328,7 @@
           <a:p>
             <a:fld id="{010A7FB3-A316-402C-99FC-ECFF33919AD8}" type="datetimeFigureOut">
               <a:rPr lang="en-US" smtClean="0"/>
-              <a:t>4/11/2019</a:t>
+              <a:t>4/11/19</a:t>
             </a:fld>
             <a:endParaRPr lang="en-US"/>
           </a:p>
@@ -5842,7 +5857,117 @@
           <p:cNvPr id="2" name="Title 1">
             <a:extLst>
               <a:ext uri="{FF2B5EF4-FFF2-40B4-BE49-F238E27FC236}">
-                <a16:creationId xmlns:a16="http://schemas.microsoft.com/office/drawing/2014/main" id="{574F119C-EEA3-4EB2-BE31-F79ACAB60D87}"/>
+                <a16:creationId xmlns:a16="http://schemas.microsoft.com/office/drawing/2014/main" id="{334242BA-58D2-468F-A973-6EA5A69E653A}"/>
+              </a:ext>
+            </a:extLst>
+          </p:cNvPr>
+          <p:cNvSpPr>
+            <a:spLocks noGrp="1"/>
+          </p:cNvSpPr>
+          <p:nvPr>
+            <p:ph type="ctrTitle"/>
+          </p:nvPr>
+        </p:nvSpPr>
+        <p:spPr/>
+        <p:txBody>
+          <a:bodyPr/>
+          <a:lstStyle/>
+          <a:p>
+            <a:r>
+              <a:rPr lang="en-US" dirty="0"/>
+              <a:t>Electric Vehicles</a:t>
+            </a:r>
+          </a:p>
+        </p:txBody>
+      </p:sp>
+      <p:sp>
+        <p:nvSpPr>
+          <p:cNvPr id="3" name="Subtitle 2">
+            <a:extLst>
+              <a:ext uri="{FF2B5EF4-FFF2-40B4-BE49-F238E27FC236}">
+                <a16:creationId xmlns:a16="http://schemas.microsoft.com/office/drawing/2014/main" id="{50ACCC6B-2038-4C0A-A8FC-7D21F2B98A24}"/>
+              </a:ext>
+            </a:extLst>
+          </p:cNvPr>
+          <p:cNvSpPr>
+            <a:spLocks noGrp="1"/>
+          </p:cNvSpPr>
+          <p:nvPr>
+            <p:ph type="subTitle" idx="1"/>
+          </p:nvPr>
+        </p:nvSpPr>
+        <p:spPr/>
+        <p:txBody>
+          <a:bodyPr/>
+          <a:lstStyle/>
+          <a:p>
+            <a:r>
+              <a:rPr lang="en-US" dirty="0"/>
+              <a:t>Daniel </a:t>
+            </a:r>
+            <a:r>
+              <a:rPr lang="en-US" dirty="0" err="1"/>
+              <a:t>Mihok</a:t>
+            </a:r>
+            <a:r>
+              <a:rPr lang="en-US" dirty="0"/>
+              <a:t>, Erin Cunningham, Jae Lee, </a:t>
+            </a:r>
+            <a:r>
+              <a:rPr lang="en-US" dirty="0" err="1"/>
+              <a:t>Sirish</a:t>
+            </a:r>
+            <a:r>
+              <a:rPr lang="en-US" dirty="0"/>
+              <a:t> </a:t>
+            </a:r>
+            <a:r>
+              <a:rPr lang="en-US" dirty="0" err="1"/>
+              <a:t>Kanukunta</a:t>
+            </a:r>
+            <a:r>
+              <a:rPr lang="en-US" dirty="0"/>
+              <a:t> </a:t>
+            </a:r>
+          </a:p>
+        </p:txBody>
+      </p:sp>
+    </p:spTree>
+    <p:extLst>
+      <p:ext uri="{BB962C8B-B14F-4D97-AF65-F5344CB8AC3E}">
+        <p14:creationId xmlns:p14="http://schemas.microsoft.com/office/powerpoint/2010/main" val="1819358361"/>
+      </p:ext>
+    </p:extLst>
+  </p:cSld>
+  <p:clrMapOvr>
+    <a:masterClrMapping/>
+  </p:clrMapOvr>
+</p:sld>
+</file>
+
+<file path=ppt/slides/slide10.xml><?xml version="1.0" encoding="utf-8"?>
+<p:sld xmlns:a="http://schemas.openxmlformats.org/drawingml/2006/main" xmlns:r="http://schemas.openxmlformats.org/officeDocument/2006/relationships" xmlns:p="http://schemas.openxmlformats.org/presentationml/2006/main">
+  <p:cSld>
+    <p:spTree>
+      <p:nvGrpSpPr>
+        <p:cNvPr id="1" name=""/>
+        <p:cNvGrpSpPr/>
+        <p:nvPr/>
+      </p:nvGrpSpPr>
+      <p:grpSpPr>
+        <a:xfrm>
+          <a:off x="0" y="0"/>
+          <a:ext cx="0" cy="0"/>
+          <a:chOff x="0" y="0"/>
+          <a:chExt cx="0" cy="0"/>
+        </a:xfrm>
+      </p:grpSpPr>
+      <p:sp>
+        <p:nvSpPr>
+          <p:cNvPr id="2" name="Title 1">
+            <a:extLst>
+              <a:ext uri="{FF2B5EF4-FFF2-40B4-BE49-F238E27FC236}">
+                <a16:creationId xmlns:a16="http://schemas.microsoft.com/office/drawing/2014/main" id="{9F2FC880-1F23-4B21-BF8B-8F83C578D037}"/>
               </a:ext>
             </a:extLst>
           </p:cNvPr>
@@ -5867,7 +5992,7 @@
           <p:cNvPr id="5" name="Content Placeholder 4">
             <a:extLst>
               <a:ext uri="{FF2B5EF4-FFF2-40B4-BE49-F238E27FC236}">
-                <a16:creationId xmlns:a16="http://schemas.microsoft.com/office/drawing/2014/main" id="{5FD41C02-496E-4EAD-8354-CA8CA6457611}"/>
+                <a16:creationId xmlns:a16="http://schemas.microsoft.com/office/drawing/2014/main" id="{4C75B6EC-F102-41D3-8E7B-B9FC45CD8F9B}"/>
               </a:ext>
             </a:extLst>
           </p:cNvPr>
@@ -5892,15 +6017,15 @@
         </p:blipFill>
         <p:spPr>
           <a:xfrm>
-            <a:off x="677863" y="2310408"/>
-            <a:ext cx="8596312" cy="3581796"/>
+            <a:off x="265019" y="999424"/>
+            <a:ext cx="11661961" cy="4859151"/>
           </a:xfrm>
         </p:spPr>
       </p:pic>
     </p:spTree>
     <p:extLst>
       <p:ext uri="{BB962C8B-B14F-4D97-AF65-F5344CB8AC3E}">
-        <p14:creationId xmlns:p14="http://schemas.microsoft.com/office/powerpoint/2010/main" val="92396245"/>
+        <p14:creationId xmlns:p14="http://schemas.microsoft.com/office/powerpoint/2010/main" val="2348836302"/>
       </p:ext>
     </p:extLst>
   </p:cSld>
@@ -5910,7 +6035,276 @@
 </p:sld>
 </file>
 
-<file path=ppt/slides/slide10.xml><?xml version="1.0" encoding="utf-8"?>
+<file path=ppt/slides/slide11.xml><?xml version="1.0" encoding="utf-8"?>
+<p:sld xmlns:a="http://schemas.openxmlformats.org/drawingml/2006/main" xmlns:r="http://schemas.openxmlformats.org/officeDocument/2006/relationships" xmlns:p="http://schemas.openxmlformats.org/presentationml/2006/main">
+  <p:cSld>
+    <p:spTree>
+      <p:nvGrpSpPr>
+        <p:cNvPr id="1" name=""/>
+        <p:cNvGrpSpPr/>
+        <p:nvPr/>
+      </p:nvGrpSpPr>
+      <p:grpSpPr>
+        <a:xfrm>
+          <a:off x="0" y="0"/>
+          <a:ext cx="0" cy="0"/>
+          <a:chOff x="0" y="0"/>
+          <a:chExt cx="0" cy="0"/>
+        </a:xfrm>
+      </p:grpSpPr>
+      <p:sp>
+        <p:nvSpPr>
+          <p:cNvPr id="2" name="Title 1">
+            <a:extLst>
+              <a:ext uri="{FF2B5EF4-FFF2-40B4-BE49-F238E27FC236}">
+                <a16:creationId xmlns:a16="http://schemas.microsoft.com/office/drawing/2014/main" id="{6679D015-EEB7-44D6-9A8B-E5B1D27516E9}"/>
+              </a:ext>
+            </a:extLst>
+          </p:cNvPr>
+          <p:cNvSpPr>
+            <a:spLocks noGrp="1"/>
+          </p:cNvSpPr>
+          <p:nvPr>
+            <p:ph type="title"/>
+          </p:nvPr>
+        </p:nvSpPr>
+        <p:spPr/>
+        <p:txBody>
+          <a:bodyPr/>
+          <a:lstStyle/>
+          <a:p>
+            <a:endParaRPr lang="en-US"/>
+          </a:p>
+        </p:txBody>
+      </p:sp>
+      <p:pic>
+        <p:nvPicPr>
+          <p:cNvPr id="5" name="Content Placeholder 4">
+            <a:extLst>
+              <a:ext uri="{FF2B5EF4-FFF2-40B4-BE49-F238E27FC236}">
+                <a16:creationId xmlns:a16="http://schemas.microsoft.com/office/drawing/2014/main" id="{D03A0EDE-77F2-4981-849F-C23D3450E904}"/>
+              </a:ext>
+            </a:extLst>
+          </p:cNvPr>
+          <p:cNvPicPr>
+            <a:picLocks noGrp="1" noChangeAspect="1"/>
+          </p:cNvPicPr>
+          <p:nvPr>
+            <p:ph idx="1"/>
+          </p:nvPr>
+        </p:nvPicPr>
+        <p:blipFill>
+          <a:blip r:embed="rId2">
+            <a:extLst>
+              <a:ext uri="{28A0092B-C50C-407E-A947-70E740481C1C}">
+                <a14:useLocalDpi xmlns:a14="http://schemas.microsoft.com/office/drawing/2010/main" val="0"/>
+              </a:ext>
+            </a:extLst>
+          </a:blip>
+          <a:stretch>
+            <a:fillRect/>
+          </a:stretch>
+        </p:blipFill>
+        <p:spPr>
+          <a:xfrm>
+            <a:off x="1180694" y="623574"/>
+            <a:ext cx="9830611" cy="5610851"/>
+          </a:xfrm>
+        </p:spPr>
+      </p:pic>
+    </p:spTree>
+    <p:extLst>
+      <p:ext uri="{BB962C8B-B14F-4D97-AF65-F5344CB8AC3E}">
+        <p14:creationId xmlns:p14="http://schemas.microsoft.com/office/powerpoint/2010/main" val="2525985050"/>
+      </p:ext>
+    </p:extLst>
+  </p:cSld>
+  <p:clrMapOvr>
+    <a:masterClrMapping/>
+  </p:clrMapOvr>
+</p:sld>
+</file>
+
+<file path=ppt/slides/slide12.xml><?xml version="1.0" encoding="utf-8"?>
+<p:sld xmlns:a="http://schemas.openxmlformats.org/drawingml/2006/main" xmlns:r="http://schemas.openxmlformats.org/officeDocument/2006/relationships" xmlns:p="http://schemas.openxmlformats.org/presentationml/2006/main">
+  <p:cSld>
+    <p:spTree>
+      <p:nvGrpSpPr>
+        <p:cNvPr id="1" name=""/>
+        <p:cNvGrpSpPr/>
+        <p:nvPr/>
+      </p:nvGrpSpPr>
+      <p:grpSpPr>
+        <a:xfrm>
+          <a:off x="0" y="0"/>
+          <a:ext cx="0" cy="0"/>
+          <a:chOff x="0" y="0"/>
+          <a:chExt cx="0" cy="0"/>
+        </a:xfrm>
+      </p:grpSpPr>
+      <p:sp>
+        <p:nvSpPr>
+          <p:cNvPr id="2" name="Title 1">
+            <a:extLst>
+              <a:ext uri="{FF2B5EF4-FFF2-40B4-BE49-F238E27FC236}">
+                <a16:creationId xmlns:a16="http://schemas.microsoft.com/office/drawing/2014/main" id="{F100986A-2B16-4D98-8296-3807E41CA447}"/>
+              </a:ext>
+            </a:extLst>
+          </p:cNvPr>
+          <p:cNvSpPr>
+            <a:spLocks noGrp="1"/>
+          </p:cNvSpPr>
+          <p:nvPr>
+            <p:ph type="title"/>
+          </p:nvPr>
+        </p:nvSpPr>
+        <p:spPr/>
+        <p:txBody>
+          <a:bodyPr/>
+          <a:lstStyle/>
+          <a:p>
+            <a:endParaRPr lang="en-US"/>
+          </a:p>
+        </p:txBody>
+      </p:sp>
+      <p:pic>
+        <p:nvPicPr>
+          <p:cNvPr id="5" name="Content Placeholder 4">
+            <a:extLst>
+              <a:ext uri="{FF2B5EF4-FFF2-40B4-BE49-F238E27FC236}">
+                <a16:creationId xmlns:a16="http://schemas.microsoft.com/office/drawing/2014/main" id="{42DFD729-14D3-4FC7-937B-950F03115C26}"/>
+              </a:ext>
+            </a:extLst>
+          </p:cNvPr>
+          <p:cNvPicPr>
+            <a:picLocks noGrp="1" noChangeAspect="1"/>
+          </p:cNvPicPr>
+          <p:nvPr>
+            <p:ph idx="1"/>
+          </p:nvPr>
+        </p:nvPicPr>
+        <p:blipFill>
+          <a:blip r:embed="rId2">
+            <a:extLst>
+              <a:ext uri="{28A0092B-C50C-407E-A947-70E740481C1C}">
+                <a14:useLocalDpi xmlns:a14="http://schemas.microsoft.com/office/drawing/2010/main" val="0"/>
+              </a:ext>
+            </a:extLst>
+          </a:blip>
+          <a:stretch>
+            <a:fillRect/>
+          </a:stretch>
+        </p:blipFill>
+        <p:spPr>
+          <a:xfrm>
+            <a:off x="1267327" y="129465"/>
+            <a:ext cx="9898604" cy="6599069"/>
+          </a:xfrm>
+        </p:spPr>
+      </p:pic>
+    </p:spTree>
+    <p:extLst>
+      <p:ext uri="{BB962C8B-B14F-4D97-AF65-F5344CB8AC3E}">
+        <p14:creationId xmlns:p14="http://schemas.microsoft.com/office/powerpoint/2010/main" val="1855985092"/>
+      </p:ext>
+    </p:extLst>
+  </p:cSld>
+  <p:clrMapOvr>
+    <a:masterClrMapping/>
+  </p:clrMapOvr>
+</p:sld>
+</file>
+
+<file path=ppt/slides/slide13.xml><?xml version="1.0" encoding="utf-8"?>
+<p:sld xmlns:a="http://schemas.openxmlformats.org/drawingml/2006/main" xmlns:r="http://schemas.openxmlformats.org/officeDocument/2006/relationships" xmlns:p="http://schemas.openxmlformats.org/presentationml/2006/main">
+  <p:cSld>
+    <p:spTree>
+      <p:nvGrpSpPr>
+        <p:cNvPr id="1" name=""/>
+        <p:cNvGrpSpPr/>
+        <p:nvPr/>
+      </p:nvGrpSpPr>
+      <p:grpSpPr>
+        <a:xfrm>
+          <a:off x="0" y="0"/>
+          <a:ext cx="0" cy="0"/>
+          <a:chOff x="0" y="0"/>
+          <a:chExt cx="0" cy="0"/>
+        </a:xfrm>
+      </p:grpSpPr>
+      <p:sp>
+        <p:nvSpPr>
+          <p:cNvPr id="2" name="Title 1">
+            <a:extLst>
+              <a:ext uri="{FF2B5EF4-FFF2-40B4-BE49-F238E27FC236}">
+                <a16:creationId xmlns:a16="http://schemas.microsoft.com/office/drawing/2014/main" id="{7E781093-2703-4C82-9B8F-C3E838AF4A95}"/>
+              </a:ext>
+            </a:extLst>
+          </p:cNvPr>
+          <p:cNvSpPr>
+            <a:spLocks noGrp="1"/>
+          </p:cNvSpPr>
+          <p:nvPr>
+            <p:ph type="title"/>
+          </p:nvPr>
+        </p:nvSpPr>
+        <p:spPr/>
+        <p:txBody>
+          <a:bodyPr/>
+          <a:lstStyle/>
+          <a:p>
+            <a:endParaRPr lang="en-US"/>
+          </a:p>
+        </p:txBody>
+      </p:sp>
+      <p:pic>
+        <p:nvPicPr>
+          <p:cNvPr id="5" name="Content Placeholder 4">
+            <a:extLst>
+              <a:ext uri="{FF2B5EF4-FFF2-40B4-BE49-F238E27FC236}">
+                <a16:creationId xmlns:a16="http://schemas.microsoft.com/office/drawing/2014/main" id="{110EC511-B753-4FA0-AD33-2FC81B57351C}"/>
+              </a:ext>
+            </a:extLst>
+          </p:cNvPr>
+          <p:cNvPicPr>
+            <a:picLocks noGrp="1" noChangeAspect="1"/>
+          </p:cNvPicPr>
+          <p:nvPr>
+            <p:ph idx="1"/>
+          </p:nvPr>
+        </p:nvPicPr>
+        <p:blipFill rotWithShape="1">
+          <a:blip r:embed="rId2">
+            <a:extLst>
+              <a:ext uri="{28A0092B-C50C-407E-A947-70E740481C1C}">
+                <a14:useLocalDpi xmlns:a14="http://schemas.microsoft.com/office/drawing/2010/main" val="0"/>
+              </a:ext>
+            </a:extLst>
+          </a:blip>
+          <a:srcRect l="6687" r="7719"/>
+          <a:stretch/>
+        </p:blipFill>
+        <p:spPr>
+          <a:xfrm>
+            <a:off x="100523" y="365125"/>
+            <a:ext cx="12091477" cy="5889207"/>
+          </a:xfrm>
+        </p:spPr>
+      </p:pic>
+    </p:spTree>
+    <p:extLst>
+      <p:ext uri="{BB962C8B-B14F-4D97-AF65-F5344CB8AC3E}">
+        <p14:creationId xmlns:p14="http://schemas.microsoft.com/office/powerpoint/2010/main" val="2484642320"/>
+      </p:ext>
+    </p:extLst>
+  </p:cSld>
+  <p:clrMapOvr>
+    <a:masterClrMapping/>
+  </p:clrMapOvr>
+</p:sld>
+</file>
+
+<file path=ppt/slides/slide14.xml><?xml version="1.0" encoding="utf-8"?>
 <p:sld xmlns:a="http://schemas.openxmlformats.org/drawingml/2006/main" xmlns:r="http://schemas.openxmlformats.org/officeDocument/2006/relationships" xmlns:p="http://schemas.openxmlformats.org/presentationml/2006/main">
   <p:cSld>
     <p:spTree>
@@ -6000,7 +6394,7 @@
 </p:sld>
 </file>
 
-<file path=ppt/slides/slide11.xml><?xml version="1.0" encoding="utf-8"?>
+<file path=ppt/slides/slide15.xml><?xml version="1.0" encoding="utf-8"?>
 <p:sld xmlns:a="http://schemas.openxmlformats.org/drawingml/2006/main" xmlns:r="http://schemas.openxmlformats.org/officeDocument/2006/relationships" xmlns:p="http://schemas.openxmlformats.org/presentationml/2006/main">
   <p:cSld>
     <p:spTree>
@@ -6090,7 +6484,7 @@
 </p:sld>
 </file>
 
-<file path=ppt/slides/slide12.xml><?xml version="1.0" encoding="utf-8"?>
+<file path=ppt/slides/slide16.xml><?xml version="1.0" encoding="utf-8"?>
 <p:sld xmlns:a="http://schemas.openxmlformats.org/drawingml/2006/main" xmlns:r="http://schemas.openxmlformats.org/officeDocument/2006/relationships" xmlns:p="http://schemas.openxmlformats.org/presentationml/2006/main">
   <p:cSld>
     <p:spTree>
@@ -6214,7 +6608,7 @@
 </p:sld>
 </file>
 
-<file path=ppt/slides/slide13.xml><?xml version="1.0" encoding="utf-8"?>
+<file path=ppt/slides/slide17.xml><?xml version="1.0" encoding="utf-8"?>
 <p:sld xmlns:a="http://schemas.openxmlformats.org/drawingml/2006/main" xmlns:r="http://schemas.openxmlformats.org/officeDocument/2006/relationships" xmlns:p="http://schemas.openxmlformats.org/presentationml/2006/main">
   <p:cSld>
     <p:spTree>
@@ -6303,7 +6697,7 @@
 </p:sld>
 </file>
 
-<file path=ppt/slides/slide14.xml><?xml version="1.0" encoding="utf-8"?>
+<file path=ppt/slides/slide18.xml><?xml version="1.0" encoding="utf-8"?>
 <p:sld xmlns:a="http://schemas.openxmlformats.org/drawingml/2006/main" xmlns:r="http://schemas.openxmlformats.org/officeDocument/2006/relationships" xmlns:p="http://schemas.openxmlformats.org/presentationml/2006/main">
   <p:cSld>
     <p:spTree>
@@ -6392,7 +6786,1461 @@
 </p:sld>
 </file>
 
+<file path=ppt/slides/slide19.xml><?xml version="1.0" encoding="utf-8"?>
+<p:sld xmlns:a="http://schemas.openxmlformats.org/drawingml/2006/main" xmlns:r="http://schemas.openxmlformats.org/officeDocument/2006/relationships" xmlns:p="http://schemas.openxmlformats.org/presentationml/2006/main">
+  <p:cSld>
+    <p:spTree>
+      <p:nvGrpSpPr>
+        <p:cNvPr id="1" name=""/>
+        <p:cNvGrpSpPr/>
+        <p:nvPr/>
+      </p:nvGrpSpPr>
+      <p:grpSpPr>
+        <a:xfrm>
+          <a:off x="0" y="0"/>
+          <a:ext cx="0" cy="0"/>
+          <a:chOff x="0" y="0"/>
+          <a:chExt cx="0" cy="0"/>
+        </a:xfrm>
+      </p:grpSpPr>
+      <p:sp>
+        <p:nvSpPr>
+          <p:cNvPr id="2" name="Title 1">
+            <a:extLst>
+              <a:ext uri="{FF2B5EF4-FFF2-40B4-BE49-F238E27FC236}">
+                <a16:creationId xmlns:a16="http://schemas.microsoft.com/office/drawing/2014/main" id="{2AA94FA4-F4F6-45D2-94F4-E99D2C750DF1}"/>
+              </a:ext>
+            </a:extLst>
+          </p:cNvPr>
+          <p:cNvSpPr>
+            <a:spLocks noGrp="1"/>
+          </p:cNvSpPr>
+          <p:nvPr>
+            <p:ph type="title"/>
+          </p:nvPr>
+        </p:nvSpPr>
+        <p:spPr/>
+        <p:txBody>
+          <a:bodyPr/>
+          <a:lstStyle/>
+          <a:p>
+            <a:r>
+              <a:rPr lang="en-US" dirty="0"/>
+              <a:t>Four Major Air Pollutants &amp; AQI</a:t>
+            </a:r>
+          </a:p>
+        </p:txBody>
+      </p:sp>
+      <p:sp>
+        <p:nvSpPr>
+          <p:cNvPr id="3" name="Content Placeholder 2">
+            <a:extLst>
+              <a:ext uri="{FF2B5EF4-FFF2-40B4-BE49-F238E27FC236}">
+                <a16:creationId xmlns:a16="http://schemas.microsoft.com/office/drawing/2014/main" id="{D2970F6B-3415-4044-95B5-C0FD3C0B5BB8}"/>
+              </a:ext>
+            </a:extLst>
+          </p:cNvPr>
+          <p:cNvSpPr>
+            <a:spLocks noGrp="1"/>
+          </p:cNvSpPr>
+          <p:nvPr>
+            <p:ph idx="1"/>
+          </p:nvPr>
+        </p:nvSpPr>
+        <p:spPr>
+          <a:xfrm>
+            <a:off x="677334" y="1330079"/>
+            <a:ext cx="8596668" cy="3880773"/>
+          </a:xfrm>
+        </p:spPr>
+        <p:txBody>
+          <a:bodyPr>
+            <a:normAutofit fontScale="85000" lnSpcReduction="20000"/>
+          </a:bodyPr>
+          <a:lstStyle/>
+          <a:p>
+            <a:r>
+              <a:rPr lang="en-US" dirty="0"/>
+              <a:t>Nitrogen Dioxide (NO2)</a:t>
+            </a:r>
+          </a:p>
+          <a:p>
+            <a:pPr lvl="1"/>
+            <a:r>
+              <a:rPr lang="en-US" dirty="0"/>
+              <a:t>Form Ozone and can cause lung irritation</a:t>
+            </a:r>
+          </a:p>
+          <a:p>
+            <a:r>
+              <a:rPr lang="en-US" dirty="0"/>
+              <a:t>Sulphur Dioxide (SO2)</a:t>
+            </a:r>
+          </a:p>
+          <a:p>
+            <a:pPr lvl="1"/>
+            <a:r>
+              <a:rPr lang="en-US" dirty="0"/>
+              <a:t>Product of burning sulfur-containing fuels</a:t>
+            </a:r>
+          </a:p>
+          <a:p>
+            <a:r>
+              <a:rPr lang="en-US" dirty="0"/>
+              <a:t>Carbon Monoxide (CO)</a:t>
+            </a:r>
+          </a:p>
+          <a:p>
+            <a:pPr lvl="1"/>
+            <a:r>
+              <a:rPr lang="en-US" dirty="0"/>
+              <a:t>Formed by the combustion of fossil fuels.  When inhaled, blocks oxygen from the brain, heart, and other vital organs</a:t>
+            </a:r>
+          </a:p>
+          <a:p>
+            <a:r>
+              <a:rPr lang="en-US" dirty="0"/>
+              <a:t>Ozone (O3)</a:t>
+            </a:r>
+          </a:p>
+          <a:p>
+            <a:pPr lvl="1"/>
+            <a:r>
+              <a:rPr lang="en-US" dirty="0"/>
+              <a:t>Main component of smog and is the </a:t>
+            </a:r>
+            <a:r>
+              <a:rPr lang="en-US" b="1" dirty="0">
+                <a:solidFill>
+                  <a:srgbClr val="FF0000"/>
+                </a:solidFill>
+              </a:rPr>
+              <a:t>product of sunlight and emissions from sources such as motor vehicles and industry</a:t>
+            </a:r>
+          </a:p>
+          <a:p>
+            <a:r>
+              <a:rPr lang="en-US" b="1" dirty="0">
+                <a:solidFill>
+                  <a:schemeClr val="tx1"/>
+                </a:solidFill>
+              </a:rPr>
+              <a:t>Air Quality Index (AQI)</a:t>
+            </a:r>
+          </a:p>
+          <a:p>
+            <a:pPr lvl="1"/>
+            <a:r>
+              <a:rPr lang="en-US" dirty="0">
+                <a:solidFill>
+                  <a:schemeClr val="tx1"/>
+                </a:solidFill>
+              </a:rPr>
+              <a:t>The higher the AQI value, the greater the level of air pollution.  </a:t>
+            </a:r>
+          </a:p>
+          <a:p>
+            <a:pPr lvl="1"/>
+            <a:r>
+              <a:rPr lang="en-US" dirty="0">
+                <a:solidFill>
+                  <a:schemeClr val="tx1"/>
+                </a:solidFill>
+              </a:rPr>
+              <a:t>AQI values are generated for each of the major pollutants, and the </a:t>
+            </a:r>
+            <a:r>
+              <a:rPr lang="en-US" b="1" dirty="0">
+                <a:solidFill>
+                  <a:schemeClr val="accent5"/>
+                </a:solidFill>
+              </a:rPr>
+              <a:t>highest</a:t>
+            </a:r>
+            <a:r>
+              <a:rPr lang="en-US" dirty="0">
+                <a:solidFill>
+                  <a:schemeClr val="tx1"/>
+                </a:solidFill>
+              </a:rPr>
+              <a:t> value is reported daily as an indicator of air quality for that day</a:t>
+            </a:r>
+          </a:p>
+        </p:txBody>
+      </p:sp>
+      <p:sp>
+        <p:nvSpPr>
+          <p:cNvPr id="4" name="TextBox 3">
+            <a:extLst>
+              <a:ext uri="{FF2B5EF4-FFF2-40B4-BE49-F238E27FC236}">
+                <a16:creationId xmlns:a16="http://schemas.microsoft.com/office/drawing/2014/main" id="{F2AD386D-CE85-4706-984F-C5DB9B51425A}"/>
+              </a:ext>
+            </a:extLst>
+          </p:cNvPr>
+          <p:cNvSpPr txBox="1"/>
+          <p:nvPr/>
+        </p:nvSpPr>
+        <p:spPr>
+          <a:xfrm>
+            <a:off x="477506" y="6137762"/>
+            <a:ext cx="11236987" cy="646331"/>
+          </a:xfrm>
+          <a:prstGeom prst="rect">
+            <a:avLst/>
+          </a:prstGeom>
+          <a:noFill/>
+        </p:spPr>
+        <p:txBody>
+          <a:bodyPr wrap="none" rtlCol="0">
+            <a:spAutoFit/>
+          </a:bodyPr>
+          <a:lstStyle/>
+          <a:p>
+            <a:r>
+              <a:rPr lang="en-US" dirty="0"/>
+              <a:t>Source: </a:t>
+            </a:r>
+            <a:r>
+              <a:rPr lang="en-US" dirty="0">
+                <a:hlinkClick r:id="rId2"/>
+              </a:rPr>
+              <a:t>https://airnow.gov/index.cfm?action=aqi_brochure.index</a:t>
+            </a:r>
+            <a:endParaRPr lang="en-US" dirty="0"/>
+          </a:p>
+          <a:p>
+            <a:r>
+              <a:rPr lang="en-US" dirty="0">
+                <a:hlinkClick r:id="rId3"/>
+              </a:rPr>
+              <a:t>https://www.ucsusa.org/clean-vehicles/vehicles-air-pollution-and-human-health/cars-trucks-air-pollution</a:t>
+            </a:r>
+            <a:endParaRPr lang="en-US" dirty="0"/>
+          </a:p>
+        </p:txBody>
+      </p:sp>
+    </p:spTree>
+    <p:extLst>
+      <p:ext uri="{BB962C8B-B14F-4D97-AF65-F5344CB8AC3E}">
+        <p14:creationId xmlns:p14="http://schemas.microsoft.com/office/powerpoint/2010/main" val="2333952725"/>
+      </p:ext>
+    </p:extLst>
+  </p:cSld>
+  <p:clrMapOvr>
+    <a:masterClrMapping/>
+  </p:clrMapOvr>
+</p:sld>
+</file>
+
 <file path=ppt/slides/slide2.xml><?xml version="1.0" encoding="utf-8"?>
+<p:sld xmlns:a="http://schemas.openxmlformats.org/drawingml/2006/main" xmlns:r="http://schemas.openxmlformats.org/officeDocument/2006/relationships" xmlns:p="http://schemas.openxmlformats.org/presentationml/2006/main">
+  <p:cSld>
+    <p:spTree>
+      <p:nvGrpSpPr>
+        <p:cNvPr id="1" name=""/>
+        <p:cNvGrpSpPr/>
+        <p:nvPr/>
+      </p:nvGrpSpPr>
+      <p:grpSpPr>
+        <a:xfrm>
+          <a:off x="0" y="0"/>
+          <a:ext cx="0" cy="0"/>
+          <a:chOff x="0" y="0"/>
+          <a:chExt cx="0" cy="0"/>
+        </a:xfrm>
+      </p:grpSpPr>
+      <p:sp>
+        <p:nvSpPr>
+          <p:cNvPr id="2" name="Title 1">
+            <a:extLst>
+              <a:ext uri="{FF2B5EF4-FFF2-40B4-BE49-F238E27FC236}">
+                <a16:creationId xmlns:a16="http://schemas.microsoft.com/office/drawing/2014/main" id="{212A4066-7DA1-4FDB-B5B4-5FCA180CDB3A}"/>
+              </a:ext>
+            </a:extLst>
+          </p:cNvPr>
+          <p:cNvSpPr>
+            <a:spLocks noGrp="1"/>
+          </p:cNvSpPr>
+          <p:nvPr>
+            <p:ph type="title"/>
+          </p:nvPr>
+        </p:nvSpPr>
+        <p:spPr/>
+        <p:txBody>
+          <a:bodyPr/>
+          <a:lstStyle/>
+          <a:p>
+            <a:r>
+              <a:rPr lang="en-US" dirty="0"/>
+              <a:t>Motivation &amp; Summary</a:t>
+            </a:r>
+          </a:p>
+        </p:txBody>
+      </p:sp>
+      <p:sp>
+        <p:nvSpPr>
+          <p:cNvPr id="3" name="Content Placeholder 2">
+            <a:extLst>
+              <a:ext uri="{FF2B5EF4-FFF2-40B4-BE49-F238E27FC236}">
+                <a16:creationId xmlns:a16="http://schemas.microsoft.com/office/drawing/2014/main" id="{CCE29D34-71FB-4891-AE17-F6149F4EECFE}"/>
+              </a:ext>
+            </a:extLst>
+          </p:cNvPr>
+          <p:cNvSpPr>
+            <a:spLocks noGrp="1"/>
+          </p:cNvSpPr>
+          <p:nvPr>
+            <p:ph idx="1"/>
+          </p:nvPr>
+        </p:nvSpPr>
+        <p:spPr/>
+        <p:txBody>
+          <a:bodyPr/>
+          <a:lstStyle/>
+          <a:p>
+            <a:r>
+              <a:rPr lang="en-US" dirty="0"/>
+              <a:t>Historical analysis of Electric Vehicle (EV) Market share</a:t>
+            </a:r>
+          </a:p>
+          <a:p>
+            <a:r>
+              <a:rPr lang="en-US" dirty="0"/>
+              <a:t>With the growth in purchases of electric vehicles, how has air pollution been impacted?</a:t>
+            </a:r>
+          </a:p>
+        </p:txBody>
+      </p:sp>
+    </p:spTree>
+    <p:extLst>
+      <p:ext uri="{BB962C8B-B14F-4D97-AF65-F5344CB8AC3E}">
+        <p14:creationId xmlns:p14="http://schemas.microsoft.com/office/powerpoint/2010/main" val="3205176446"/>
+      </p:ext>
+    </p:extLst>
+  </p:cSld>
+  <p:clrMapOvr>
+    <a:masterClrMapping/>
+  </p:clrMapOvr>
+</p:sld>
+</file>
+
+<file path=ppt/slides/slide20.xml><?xml version="1.0" encoding="utf-8"?>
+<p:sld xmlns:a="http://schemas.openxmlformats.org/drawingml/2006/main" xmlns:r="http://schemas.openxmlformats.org/officeDocument/2006/relationships" xmlns:p="http://schemas.openxmlformats.org/presentationml/2006/main">
+  <p:cSld>
+    <p:spTree>
+      <p:nvGrpSpPr>
+        <p:cNvPr id="1" name=""/>
+        <p:cNvGrpSpPr/>
+        <p:nvPr/>
+      </p:nvGrpSpPr>
+      <p:grpSpPr>
+        <a:xfrm>
+          <a:off x="0" y="0"/>
+          <a:ext cx="0" cy="0"/>
+          <a:chOff x="0" y="0"/>
+          <a:chExt cx="0" cy="0"/>
+        </a:xfrm>
+      </p:grpSpPr>
+      <p:sp>
+        <p:nvSpPr>
+          <p:cNvPr id="2" name="Title 1">
+            <a:extLst>
+              <a:ext uri="{FF2B5EF4-FFF2-40B4-BE49-F238E27FC236}">
+                <a16:creationId xmlns:a16="http://schemas.microsoft.com/office/drawing/2014/main" id="{9C840873-6823-417F-8027-82E07C2753F4}"/>
+              </a:ext>
+            </a:extLst>
+          </p:cNvPr>
+          <p:cNvSpPr>
+            <a:spLocks noGrp="1"/>
+          </p:cNvSpPr>
+          <p:nvPr>
+            <p:ph type="title"/>
+          </p:nvPr>
+        </p:nvSpPr>
+        <p:spPr/>
+        <p:txBody>
+          <a:bodyPr/>
+          <a:lstStyle/>
+          <a:p>
+            <a:r>
+              <a:rPr lang="en-US" dirty="0"/>
+              <a:t>Air Quality Index (AQI) by State &amp; Pollutant</a:t>
+            </a:r>
+          </a:p>
+        </p:txBody>
+      </p:sp>
+      <p:pic>
+        <p:nvPicPr>
+          <p:cNvPr id="4" name="Content Placeholder 3">
+            <a:extLst>
+              <a:ext uri="{FF2B5EF4-FFF2-40B4-BE49-F238E27FC236}">
+                <a16:creationId xmlns:a16="http://schemas.microsoft.com/office/drawing/2014/main" id="{FA1F5858-072E-425D-8533-C307446D32BD}"/>
+              </a:ext>
+            </a:extLst>
+          </p:cNvPr>
+          <p:cNvPicPr>
+            <a:picLocks noGrp="1" noChangeAspect="1"/>
+          </p:cNvPicPr>
+          <p:nvPr>
+            <p:ph idx="1"/>
+          </p:nvPr>
+        </p:nvPicPr>
+        <p:blipFill>
+          <a:blip r:embed="rId2"/>
+          <a:stretch>
+            <a:fillRect/>
+          </a:stretch>
+        </p:blipFill>
+        <p:spPr>
+          <a:xfrm>
+            <a:off x="677334" y="2085975"/>
+            <a:ext cx="4600575" cy="2686050"/>
+          </a:xfrm>
+          <a:prstGeom prst="rect">
+            <a:avLst/>
+          </a:prstGeom>
+        </p:spPr>
+      </p:pic>
+      <p:pic>
+        <p:nvPicPr>
+          <p:cNvPr id="5" name="Picture 4">
+            <a:extLst>
+              <a:ext uri="{FF2B5EF4-FFF2-40B4-BE49-F238E27FC236}">
+                <a16:creationId xmlns:a16="http://schemas.microsoft.com/office/drawing/2014/main" id="{F23F1E55-2A80-4556-8948-3C253977DE84}"/>
+              </a:ext>
+            </a:extLst>
+          </p:cNvPr>
+          <p:cNvPicPr>
+            <a:picLocks noChangeAspect="1"/>
+          </p:cNvPicPr>
+          <p:nvPr/>
+        </p:nvPicPr>
+        <p:blipFill>
+          <a:blip r:embed="rId3"/>
+          <a:stretch>
+            <a:fillRect/>
+          </a:stretch>
+        </p:blipFill>
+        <p:spPr>
+          <a:xfrm>
+            <a:off x="5752182" y="1914525"/>
+            <a:ext cx="6257925" cy="2857500"/>
+          </a:xfrm>
+          <a:prstGeom prst="rect">
+            <a:avLst/>
+          </a:prstGeom>
+        </p:spPr>
+      </p:pic>
+      <p:sp>
+        <p:nvSpPr>
+          <p:cNvPr id="6" name="TextBox 5">
+            <a:extLst>
+              <a:ext uri="{FF2B5EF4-FFF2-40B4-BE49-F238E27FC236}">
+                <a16:creationId xmlns:a16="http://schemas.microsoft.com/office/drawing/2014/main" id="{09686A58-8900-4A75-A276-34F8FC99885E}"/>
+              </a:ext>
+            </a:extLst>
+          </p:cNvPr>
+          <p:cNvSpPr txBox="1"/>
+          <p:nvPr/>
+        </p:nvSpPr>
+        <p:spPr>
+          <a:xfrm>
+            <a:off x="2106400" y="6488668"/>
+            <a:ext cx="6343018" cy="369332"/>
+          </a:xfrm>
+          <a:prstGeom prst="rect">
+            <a:avLst/>
+          </a:prstGeom>
+          <a:noFill/>
+        </p:spPr>
+        <p:txBody>
+          <a:bodyPr wrap="none" rtlCol="0">
+            <a:spAutoFit/>
+          </a:bodyPr>
+          <a:lstStyle/>
+          <a:p>
+            <a:r>
+              <a:rPr lang="en-US" dirty="0"/>
+              <a:t>Source: </a:t>
+            </a:r>
+            <a:r>
+              <a:rPr lang="en-US" dirty="0">
+                <a:hlinkClick r:id="rId4"/>
+              </a:rPr>
+              <a:t>https://airnow.gov/index.cfm?action=aqibasics.aqi</a:t>
+            </a:r>
+            <a:endParaRPr lang="en-US" dirty="0"/>
+          </a:p>
+        </p:txBody>
+      </p:sp>
+    </p:spTree>
+    <p:extLst>
+      <p:ext uri="{BB962C8B-B14F-4D97-AF65-F5344CB8AC3E}">
+        <p14:creationId xmlns:p14="http://schemas.microsoft.com/office/powerpoint/2010/main" val="3634847899"/>
+      </p:ext>
+    </p:extLst>
+  </p:cSld>
+  <p:clrMapOvr>
+    <a:masterClrMapping/>
+  </p:clrMapOvr>
+</p:sld>
+</file>
+
+<file path=ppt/slides/slide21.xml><?xml version="1.0" encoding="utf-8"?>
+<p:sld xmlns:a="http://schemas.openxmlformats.org/drawingml/2006/main" xmlns:r="http://schemas.openxmlformats.org/officeDocument/2006/relationships" xmlns:p="http://schemas.openxmlformats.org/presentationml/2006/main">
+  <p:cSld>
+    <p:spTree>
+      <p:nvGrpSpPr>
+        <p:cNvPr id="1" name=""/>
+        <p:cNvGrpSpPr/>
+        <p:nvPr/>
+      </p:nvGrpSpPr>
+      <p:grpSpPr>
+        <a:xfrm>
+          <a:off x="0" y="0"/>
+          <a:ext cx="0" cy="0"/>
+          <a:chOff x="0" y="0"/>
+          <a:chExt cx="0" cy="0"/>
+        </a:xfrm>
+      </p:grpSpPr>
+      <p:sp>
+        <p:nvSpPr>
+          <p:cNvPr id="2" name="Title 1">
+            <a:extLst>
+              <a:ext uri="{FF2B5EF4-FFF2-40B4-BE49-F238E27FC236}">
+                <a16:creationId xmlns:a16="http://schemas.microsoft.com/office/drawing/2014/main" id="{599269E5-ADAE-472B-8B69-54E5F2A22A40}"/>
+              </a:ext>
+            </a:extLst>
+          </p:cNvPr>
+          <p:cNvSpPr>
+            <a:spLocks noGrp="1"/>
+          </p:cNvSpPr>
+          <p:nvPr>
+            <p:ph type="title"/>
+          </p:nvPr>
+        </p:nvSpPr>
+        <p:spPr/>
+        <p:txBody>
+          <a:bodyPr/>
+          <a:lstStyle/>
+          <a:p>
+            <a:r>
+              <a:rPr lang="en-US" dirty="0"/>
+              <a:t>Findings</a:t>
+            </a:r>
+          </a:p>
+        </p:txBody>
+      </p:sp>
+      <p:pic>
+        <p:nvPicPr>
+          <p:cNvPr id="5" name="Picture 4">
+            <a:extLst>
+              <a:ext uri="{FF2B5EF4-FFF2-40B4-BE49-F238E27FC236}">
+                <a16:creationId xmlns:a16="http://schemas.microsoft.com/office/drawing/2014/main" id="{C65D030C-8A4B-40AF-964B-61B493471E2F}"/>
+              </a:ext>
+            </a:extLst>
+          </p:cNvPr>
+          <p:cNvPicPr>
+            <a:picLocks noChangeAspect="1"/>
+          </p:cNvPicPr>
+          <p:nvPr/>
+        </p:nvPicPr>
+        <p:blipFill>
+          <a:blip r:embed="rId2"/>
+          <a:stretch>
+            <a:fillRect/>
+          </a:stretch>
+        </p:blipFill>
+        <p:spPr>
+          <a:xfrm>
+            <a:off x="677334" y="1201722"/>
+            <a:ext cx="4114800" cy="2743200"/>
+          </a:xfrm>
+          <a:prstGeom prst="rect">
+            <a:avLst/>
+          </a:prstGeom>
+          <a:ln>
+            <a:noFill/>
+          </a:ln>
+        </p:spPr>
+      </p:pic>
+      <p:pic>
+        <p:nvPicPr>
+          <p:cNvPr id="7" name="Picture 6">
+            <a:extLst>
+              <a:ext uri="{FF2B5EF4-FFF2-40B4-BE49-F238E27FC236}">
+                <a16:creationId xmlns:a16="http://schemas.microsoft.com/office/drawing/2014/main" id="{9A28F3F0-8CAC-4739-BC46-9007D09539F1}"/>
+              </a:ext>
+            </a:extLst>
+          </p:cNvPr>
+          <p:cNvPicPr>
+            <a:picLocks noChangeAspect="1"/>
+          </p:cNvPicPr>
+          <p:nvPr/>
+        </p:nvPicPr>
+        <p:blipFill>
+          <a:blip r:embed="rId3"/>
+          <a:stretch>
+            <a:fillRect/>
+          </a:stretch>
+        </p:blipFill>
+        <p:spPr>
+          <a:xfrm>
+            <a:off x="5159202" y="1201722"/>
+            <a:ext cx="4114800" cy="2743200"/>
+          </a:xfrm>
+          <a:prstGeom prst="rect">
+            <a:avLst/>
+          </a:prstGeom>
+        </p:spPr>
+      </p:pic>
+      <p:pic>
+        <p:nvPicPr>
+          <p:cNvPr id="9" name="Picture 8">
+            <a:extLst>
+              <a:ext uri="{FF2B5EF4-FFF2-40B4-BE49-F238E27FC236}">
+                <a16:creationId xmlns:a16="http://schemas.microsoft.com/office/drawing/2014/main" id="{6500BEDD-B836-40C3-A39B-36912BEC9CE3}"/>
+              </a:ext>
+            </a:extLst>
+          </p:cNvPr>
+          <p:cNvPicPr>
+            <a:picLocks noChangeAspect="1"/>
+          </p:cNvPicPr>
+          <p:nvPr/>
+        </p:nvPicPr>
+        <p:blipFill>
+          <a:blip r:embed="rId4"/>
+          <a:stretch>
+            <a:fillRect/>
+          </a:stretch>
+        </p:blipFill>
+        <p:spPr>
+          <a:xfrm>
+            <a:off x="677334" y="3760365"/>
+            <a:ext cx="4114800" cy="2743200"/>
+          </a:xfrm>
+          <a:prstGeom prst="rect">
+            <a:avLst/>
+          </a:prstGeom>
+        </p:spPr>
+      </p:pic>
+      <p:pic>
+        <p:nvPicPr>
+          <p:cNvPr id="11" name="Picture 10">
+            <a:extLst>
+              <a:ext uri="{FF2B5EF4-FFF2-40B4-BE49-F238E27FC236}">
+                <a16:creationId xmlns:a16="http://schemas.microsoft.com/office/drawing/2014/main" id="{0B50C005-2AF4-40CA-A437-F3061239AC29}"/>
+              </a:ext>
+            </a:extLst>
+          </p:cNvPr>
+          <p:cNvPicPr>
+            <a:picLocks noChangeAspect="1"/>
+          </p:cNvPicPr>
+          <p:nvPr/>
+        </p:nvPicPr>
+        <p:blipFill>
+          <a:blip r:embed="rId5"/>
+          <a:stretch>
+            <a:fillRect/>
+          </a:stretch>
+        </p:blipFill>
+        <p:spPr>
+          <a:xfrm>
+            <a:off x="5159202" y="3760365"/>
+            <a:ext cx="4114800" cy="2743200"/>
+          </a:xfrm>
+          <a:prstGeom prst="rect">
+            <a:avLst/>
+          </a:prstGeom>
+        </p:spPr>
+      </p:pic>
+      <p:sp>
+        <p:nvSpPr>
+          <p:cNvPr id="12" name="Rectangle 11">
+            <a:extLst>
+              <a:ext uri="{FF2B5EF4-FFF2-40B4-BE49-F238E27FC236}">
+                <a16:creationId xmlns:a16="http://schemas.microsoft.com/office/drawing/2014/main" id="{5EA9D497-A5BF-42AD-B3A0-16E933F3A116}"/>
+              </a:ext>
+            </a:extLst>
+          </p:cNvPr>
+          <p:cNvSpPr/>
+          <p:nvPr/>
+        </p:nvSpPr>
+        <p:spPr>
+          <a:xfrm>
+            <a:off x="677334" y="1201722"/>
+            <a:ext cx="4114800" cy="2472656"/>
+          </a:xfrm>
+          <a:prstGeom prst="rect">
+            <a:avLst/>
+          </a:prstGeom>
+          <a:noFill/>
+          <a:ln>
+            <a:solidFill>
+              <a:srgbClr val="FF0000"/>
+            </a:solidFill>
+          </a:ln>
+        </p:spPr>
+        <p:style>
+          <a:lnRef idx="2">
+            <a:schemeClr val="accent1">
+              <a:shade val="50000"/>
+            </a:schemeClr>
+          </a:lnRef>
+          <a:fillRef idx="1">
+            <a:schemeClr val="accent1"/>
+          </a:fillRef>
+          <a:effectRef idx="0">
+            <a:schemeClr val="accent1"/>
+          </a:effectRef>
+          <a:fontRef idx="minor">
+            <a:schemeClr val="lt1"/>
+          </a:fontRef>
+        </p:style>
+        <p:txBody>
+          <a:bodyPr rtlCol="0" anchor="ctr"/>
+          <a:lstStyle/>
+          <a:p>
+            <a:pPr algn="ctr"/>
+            <a:endParaRPr lang="en-US"/>
+          </a:p>
+        </p:txBody>
+      </p:sp>
+      <p:pic>
+        <p:nvPicPr>
+          <p:cNvPr id="13" name="Picture 12">
+            <a:extLst>
+              <a:ext uri="{FF2B5EF4-FFF2-40B4-BE49-F238E27FC236}">
+                <a16:creationId xmlns:a16="http://schemas.microsoft.com/office/drawing/2014/main" id="{3BB6A836-9C14-4989-B119-EF6D6A597B65}"/>
+              </a:ext>
+            </a:extLst>
+          </p:cNvPr>
+          <p:cNvPicPr>
+            <a:picLocks noChangeAspect="1"/>
+          </p:cNvPicPr>
+          <p:nvPr/>
+        </p:nvPicPr>
+        <p:blipFill>
+          <a:blip r:embed="rId6"/>
+          <a:stretch>
+            <a:fillRect/>
+          </a:stretch>
+        </p:blipFill>
+        <p:spPr>
+          <a:xfrm>
+            <a:off x="8525086" y="0"/>
+            <a:ext cx="3666914" cy="1674390"/>
+          </a:xfrm>
+          <a:prstGeom prst="rect">
+            <a:avLst/>
+          </a:prstGeom>
+        </p:spPr>
+      </p:pic>
+    </p:spTree>
+    <p:extLst>
+      <p:ext uri="{BB962C8B-B14F-4D97-AF65-F5344CB8AC3E}">
+        <p14:creationId xmlns:p14="http://schemas.microsoft.com/office/powerpoint/2010/main" val="1562297322"/>
+      </p:ext>
+    </p:extLst>
+  </p:cSld>
+  <p:clrMapOvr>
+    <a:masterClrMapping/>
+  </p:clrMapOvr>
+</p:sld>
+</file>
+
+<file path=ppt/slides/slide22.xml><?xml version="1.0" encoding="utf-8"?>
+<p:sld xmlns:a="http://schemas.openxmlformats.org/drawingml/2006/main" xmlns:r="http://schemas.openxmlformats.org/officeDocument/2006/relationships" xmlns:p="http://schemas.openxmlformats.org/presentationml/2006/main">
+  <p:cSld>
+    <p:spTree>
+      <p:nvGrpSpPr>
+        <p:cNvPr id="1" name=""/>
+        <p:cNvGrpSpPr/>
+        <p:nvPr/>
+      </p:nvGrpSpPr>
+      <p:grpSpPr>
+        <a:xfrm>
+          <a:off x="0" y="0"/>
+          <a:ext cx="0" cy="0"/>
+          <a:chOff x="0" y="0"/>
+          <a:chExt cx="0" cy="0"/>
+        </a:xfrm>
+      </p:grpSpPr>
+      <p:sp>
+        <p:nvSpPr>
+          <p:cNvPr id="2" name="Title 1">
+            <a:extLst>
+              <a:ext uri="{FF2B5EF4-FFF2-40B4-BE49-F238E27FC236}">
+                <a16:creationId xmlns:a16="http://schemas.microsoft.com/office/drawing/2014/main" id="{5FF0B3A1-1C18-4E15-8302-ECB3385F1CA4}"/>
+              </a:ext>
+            </a:extLst>
+          </p:cNvPr>
+          <p:cNvSpPr>
+            <a:spLocks noGrp="1"/>
+          </p:cNvSpPr>
+          <p:nvPr>
+            <p:ph type="title"/>
+          </p:nvPr>
+        </p:nvSpPr>
+        <p:spPr/>
+        <p:txBody>
+          <a:bodyPr/>
+          <a:lstStyle/>
+          <a:p>
+            <a:r>
+              <a:rPr lang="en-US" dirty="0"/>
+              <a:t>US Vehicle-Miles Trend</a:t>
+            </a:r>
+          </a:p>
+        </p:txBody>
+      </p:sp>
+      <p:pic>
+        <p:nvPicPr>
+          <p:cNvPr id="5" name="Content Placeholder 4">
+            <a:extLst>
+              <a:ext uri="{FF2B5EF4-FFF2-40B4-BE49-F238E27FC236}">
+                <a16:creationId xmlns:a16="http://schemas.microsoft.com/office/drawing/2014/main" id="{783DE995-2505-4458-AD4D-959BE65A5247}"/>
+              </a:ext>
+            </a:extLst>
+          </p:cNvPr>
+          <p:cNvPicPr>
+            <a:picLocks noGrp="1" noChangeAspect="1"/>
+          </p:cNvPicPr>
+          <p:nvPr>
+            <p:ph idx="1"/>
+          </p:nvPr>
+        </p:nvPicPr>
+        <p:blipFill>
+          <a:blip r:embed="rId2"/>
+          <a:stretch>
+            <a:fillRect/>
+          </a:stretch>
+        </p:blipFill>
+        <p:spPr>
+          <a:xfrm>
+            <a:off x="608350" y="1846510"/>
+            <a:ext cx="5487650" cy="3658433"/>
+          </a:xfrm>
+        </p:spPr>
+      </p:pic>
+      <p:sp>
+        <p:nvSpPr>
+          <p:cNvPr id="6" name="TextBox 5">
+            <a:extLst>
+              <a:ext uri="{FF2B5EF4-FFF2-40B4-BE49-F238E27FC236}">
+                <a16:creationId xmlns:a16="http://schemas.microsoft.com/office/drawing/2014/main" id="{23BF74BE-A3F2-4935-A3C3-70A60DEC502A}"/>
+              </a:ext>
+            </a:extLst>
+          </p:cNvPr>
+          <p:cNvSpPr txBox="1"/>
+          <p:nvPr/>
+        </p:nvSpPr>
+        <p:spPr>
+          <a:xfrm>
+            <a:off x="5645791" y="2106065"/>
+            <a:ext cx="4362275" cy="3416320"/>
+          </a:xfrm>
+          <a:prstGeom prst="rect">
+            <a:avLst/>
+          </a:prstGeom>
+          <a:noFill/>
+        </p:spPr>
+        <p:txBody>
+          <a:bodyPr wrap="square" rtlCol="0">
+            <a:spAutoFit/>
+          </a:bodyPr>
+          <a:lstStyle/>
+          <a:p>
+            <a:pPr marL="285750" indent="-285750">
+              <a:buFont typeface="Arial" panose="020B0604020202020204" pitchFamily="34" charset="0"/>
+              <a:buChar char="•"/>
+            </a:pPr>
+            <a:r>
+              <a:rPr lang="en-US" dirty="0"/>
+              <a:t>Miles traveled via ground vehicles (highway) within the US has increased steadily since 2000</a:t>
+            </a:r>
+          </a:p>
+          <a:p>
+            <a:pPr marL="285750" indent="-285750">
+              <a:buFont typeface="Arial" panose="020B0604020202020204" pitchFamily="34" charset="0"/>
+              <a:buChar char="•"/>
+            </a:pPr>
+            <a:r>
+              <a:rPr lang="en-US" dirty="0"/>
+              <a:t>This indicates a negative correlation between air pollution levels and vehicle miles traveled – </a:t>
+            </a:r>
+            <a:r>
+              <a:rPr lang="en-US" b="1" dirty="0"/>
+              <a:t>does this make sense?</a:t>
+            </a:r>
+          </a:p>
+          <a:p>
+            <a:pPr marL="285750" indent="-285750">
+              <a:buFont typeface="Arial" panose="020B0604020202020204" pitchFamily="34" charset="0"/>
+              <a:buChar char="•"/>
+            </a:pPr>
+            <a:r>
+              <a:rPr lang="en-US" dirty="0"/>
+              <a:t>Based off this analysis, our next inference would be that the growth of Hybrid/EV sales is dropping pollution levels despite a growth in miles traveled via ground vehicles</a:t>
+            </a:r>
+          </a:p>
+        </p:txBody>
+      </p:sp>
+      <p:sp>
+        <p:nvSpPr>
+          <p:cNvPr id="7" name="TextBox 6">
+            <a:extLst>
+              <a:ext uri="{FF2B5EF4-FFF2-40B4-BE49-F238E27FC236}">
+                <a16:creationId xmlns:a16="http://schemas.microsoft.com/office/drawing/2014/main" id="{6861BBBF-99E1-4A2C-993F-A01F02DA527F}"/>
+              </a:ext>
+            </a:extLst>
+          </p:cNvPr>
+          <p:cNvSpPr txBox="1"/>
+          <p:nvPr/>
+        </p:nvSpPr>
+        <p:spPr>
+          <a:xfrm>
+            <a:off x="2038525" y="6372521"/>
+            <a:ext cx="6460038" cy="369332"/>
+          </a:xfrm>
+          <a:prstGeom prst="rect">
+            <a:avLst/>
+          </a:prstGeom>
+          <a:noFill/>
+        </p:spPr>
+        <p:txBody>
+          <a:bodyPr wrap="none" rtlCol="0">
+            <a:spAutoFit/>
+          </a:bodyPr>
+          <a:lstStyle/>
+          <a:p>
+            <a:r>
+              <a:rPr lang="en-US" dirty="0"/>
+              <a:t>Data source: </a:t>
+            </a:r>
+            <a:r>
+              <a:rPr lang="en-US" dirty="0">
+                <a:hlinkClick r:id="rId3"/>
+              </a:rPr>
+              <a:t>https://www.bts.gov/content/us-vehicle-miles</a:t>
+            </a:r>
+            <a:endParaRPr lang="en-US" dirty="0"/>
+          </a:p>
+        </p:txBody>
+      </p:sp>
+    </p:spTree>
+    <p:extLst>
+      <p:ext uri="{BB962C8B-B14F-4D97-AF65-F5344CB8AC3E}">
+        <p14:creationId xmlns:p14="http://schemas.microsoft.com/office/powerpoint/2010/main" val="626922327"/>
+      </p:ext>
+    </p:extLst>
+  </p:cSld>
+  <p:clrMapOvr>
+    <a:masterClrMapping/>
+  </p:clrMapOvr>
+</p:sld>
+</file>
+
+<file path=ppt/slides/slide23.xml><?xml version="1.0" encoding="utf-8"?>
+<p:sld xmlns:a="http://schemas.openxmlformats.org/drawingml/2006/main" xmlns:r="http://schemas.openxmlformats.org/officeDocument/2006/relationships" xmlns:p="http://schemas.openxmlformats.org/presentationml/2006/main">
+  <p:cSld>
+    <p:spTree>
+      <p:nvGrpSpPr>
+        <p:cNvPr id="1" name=""/>
+        <p:cNvGrpSpPr/>
+        <p:nvPr/>
+      </p:nvGrpSpPr>
+      <p:grpSpPr>
+        <a:xfrm>
+          <a:off x="0" y="0"/>
+          <a:ext cx="0" cy="0"/>
+          <a:chOff x="0" y="0"/>
+          <a:chExt cx="0" cy="0"/>
+        </a:xfrm>
+      </p:grpSpPr>
+      <p:sp>
+        <p:nvSpPr>
+          <p:cNvPr id="2" name="Title 1">
+            <a:extLst>
+              <a:ext uri="{FF2B5EF4-FFF2-40B4-BE49-F238E27FC236}">
+                <a16:creationId xmlns:a16="http://schemas.microsoft.com/office/drawing/2014/main" id="{AC746231-4583-4AC7-A701-EFC099707208}"/>
+              </a:ext>
+            </a:extLst>
+          </p:cNvPr>
+          <p:cNvSpPr>
+            <a:spLocks noGrp="1"/>
+          </p:cNvSpPr>
+          <p:nvPr>
+            <p:ph type="title"/>
+          </p:nvPr>
+        </p:nvSpPr>
+        <p:spPr/>
+        <p:txBody>
+          <a:bodyPr/>
+          <a:lstStyle/>
+          <a:p>
+            <a:r>
+              <a:rPr lang="en-US" dirty="0"/>
+              <a:t>Post Mortem</a:t>
+            </a:r>
+          </a:p>
+        </p:txBody>
+      </p:sp>
+      <p:sp>
+        <p:nvSpPr>
+          <p:cNvPr id="3" name="Content Placeholder 2">
+            <a:extLst>
+              <a:ext uri="{FF2B5EF4-FFF2-40B4-BE49-F238E27FC236}">
+                <a16:creationId xmlns:a16="http://schemas.microsoft.com/office/drawing/2014/main" id="{8D4C4395-BB2E-44B8-AC8F-6D82FF144DF8}"/>
+              </a:ext>
+            </a:extLst>
+          </p:cNvPr>
+          <p:cNvSpPr>
+            <a:spLocks noGrp="1"/>
+          </p:cNvSpPr>
+          <p:nvPr>
+            <p:ph idx="1"/>
+          </p:nvPr>
+        </p:nvSpPr>
+        <p:spPr/>
+        <p:txBody>
+          <a:bodyPr/>
+          <a:lstStyle/>
+          <a:p>
+            <a:endParaRPr lang="en-US"/>
+          </a:p>
+        </p:txBody>
+      </p:sp>
+    </p:spTree>
+    <p:extLst>
+      <p:ext uri="{BB962C8B-B14F-4D97-AF65-F5344CB8AC3E}">
+        <p14:creationId xmlns:p14="http://schemas.microsoft.com/office/powerpoint/2010/main" val="1002952025"/>
+      </p:ext>
+    </p:extLst>
+  </p:cSld>
+  <p:clrMapOvr>
+    <a:masterClrMapping/>
+  </p:clrMapOvr>
+</p:sld>
+</file>
+
+<file path=ppt/slides/slide24.xml><?xml version="1.0" encoding="utf-8"?>
+<p:sld xmlns:a="http://schemas.openxmlformats.org/drawingml/2006/main" xmlns:r="http://schemas.openxmlformats.org/officeDocument/2006/relationships" xmlns:p="http://schemas.openxmlformats.org/presentationml/2006/main">
+  <p:cSld>
+    <p:spTree>
+      <p:nvGrpSpPr>
+        <p:cNvPr id="1" name=""/>
+        <p:cNvGrpSpPr/>
+        <p:nvPr/>
+      </p:nvGrpSpPr>
+      <p:grpSpPr>
+        <a:xfrm>
+          <a:off x="0" y="0"/>
+          <a:ext cx="0" cy="0"/>
+          <a:chOff x="0" y="0"/>
+          <a:chExt cx="0" cy="0"/>
+        </a:xfrm>
+      </p:grpSpPr>
+      <p:sp>
+        <p:nvSpPr>
+          <p:cNvPr id="2" name="Title 1">
+            <a:extLst>
+              <a:ext uri="{FF2B5EF4-FFF2-40B4-BE49-F238E27FC236}">
+                <a16:creationId xmlns:a16="http://schemas.microsoft.com/office/drawing/2014/main" id="{334242BA-58D2-468F-A973-6EA5A69E653A}"/>
+              </a:ext>
+            </a:extLst>
+          </p:cNvPr>
+          <p:cNvSpPr>
+            <a:spLocks noGrp="1"/>
+          </p:cNvSpPr>
+          <p:nvPr>
+            <p:ph type="ctrTitle"/>
+          </p:nvPr>
+        </p:nvSpPr>
+        <p:spPr/>
+        <p:txBody>
+          <a:bodyPr/>
+          <a:lstStyle/>
+          <a:p>
+            <a:r>
+              <a:rPr lang="en-US" dirty="0"/>
+              <a:t>Q&amp;A</a:t>
+            </a:r>
+          </a:p>
+        </p:txBody>
+      </p:sp>
+    </p:spTree>
+    <p:extLst>
+      <p:ext uri="{BB962C8B-B14F-4D97-AF65-F5344CB8AC3E}">
+        <p14:creationId xmlns:p14="http://schemas.microsoft.com/office/powerpoint/2010/main" val="872807738"/>
+      </p:ext>
+    </p:extLst>
+  </p:cSld>
+  <p:clrMapOvr>
+    <a:masterClrMapping/>
+  </p:clrMapOvr>
+</p:sld>
+</file>
+
+<file path=ppt/slides/slide3.xml><?xml version="1.0" encoding="utf-8"?>
+<p:sld xmlns:a="http://schemas.openxmlformats.org/drawingml/2006/main" xmlns:r="http://schemas.openxmlformats.org/officeDocument/2006/relationships" xmlns:p="http://schemas.openxmlformats.org/presentationml/2006/main">
+  <p:cSld>
+    <p:spTree>
+      <p:nvGrpSpPr>
+        <p:cNvPr id="1" name=""/>
+        <p:cNvGrpSpPr/>
+        <p:nvPr/>
+      </p:nvGrpSpPr>
+      <p:grpSpPr>
+        <a:xfrm>
+          <a:off x="0" y="0"/>
+          <a:ext cx="0" cy="0"/>
+          <a:chOff x="0" y="0"/>
+          <a:chExt cx="0" cy="0"/>
+        </a:xfrm>
+      </p:grpSpPr>
+      <p:sp>
+        <p:nvSpPr>
+          <p:cNvPr id="2" name="Title 1">
+            <a:extLst>
+              <a:ext uri="{FF2B5EF4-FFF2-40B4-BE49-F238E27FC236}">
+                <a16:creationId xmlns:a16="http://schemas.microsoft.com/office/drawing/2014/main" id="{EAD63432-2154-4C58-A66A-E16DC15663A2}"/>
+              </a:ext>
+            </a:extLst>
+          </p:cNvPr>
+          <p:cNvSpPr>
+            <a:spLocks noGrp="1"/>
+          </p:cNvSpPr>
+          <p:nvPr>
+            <p:ph type="title"/>
+          </p:nvPr>
+        </p:nvSpPr>
+        <p:spPr/>
+        <p:txBody>
+          <a:bodyPr/>
+          <a:lstStyle/>
+          <a:p>
+            <a:r>
+              <a:rPr lang="en-US" dirty="0"/>
+              <a:t>Questions &amp; Data</a:t>
+            </a:r>
+          </a:p>
+        </p:txBody>
+      </p:sp>
+      <p:sp>
+        <p:nvSpPr>
+          <p:cNvPr id="3" name="Content Placeholder 2">
+            <a:extLst>
+              <a:ext uri="{FF2B5EF4-FFF2-40B4-BE49-F238E27FC236}">
+                <a16:creationId xmlns:a16="http://schemas.microsoft.com/office/drawing/2014/main" id="{70D8A547-BA4D-4C0F-A46B-7499FE4AF5CD}"/>
+              </a:ext>
+            </a:extLst>
+          </p:cNvPr>
+          <p:cNvSpPr>
+            <a:spLocks noGrp="1"/>
+          </p:cNvSpPr>
+          <p:nvPr>
+            <p:ph idx="1"/>
+          </p:nvPr>
+        </p:nvSpPr>
+        <p:spPr/>
+        <p:txBody>
+          <a:bodyPr/>
+          <a:lstStyle/>
+          <a:p>
+            <a:r>
+              <a:rPr lang="en-US" dirty="0"/>
+              <a:t>Historical analysis of Electric Vehicle (EV) Market share</a:t>
+            </a:r>
+          </a:p>
+          <a:p>
+            <a:r>
+              <a:rPr lang="en-US" dirty="0"/>
+              <a:t>With the growth in purchases of electric vehicles, how has air pollution been impacted?</a:t>
+            </a:r>
+          </a:p>
+          <a:p>
+            <a:endParaRPr lang="en-US" dirty="0"/>
+          </a:p>
+          <a:p>
+            <a:r>
+              <a:rPr lang="en-US" dirty="0"/>
+              <a:t>Data sourced from Kaggle “U.S. Pollution Data” (</a:t>
+            </a:r>
+            <a:r>
+              <a:rPr lang="en-US" dirty="0">
+                <a:hlinkClick r:id="rId2"/>
+              </a:rPr>
+              <a:t>https://www.kaggle.com/sogun3/uspollution/version/1</a:t>
+            </a:r>
+            <a:r>
+              <a:rPr lang="en-US" dirty="0"/>
+              <a:t>)</a:t>
+            </a:r>
+          </a:p>
+          <a:p>
+            <a:endParaRPr lang="en-US" dirty="0"/>
+          </a:p>
+          <a:p>
+            <a:endParaRPr lang="en-US" dirty="0"/>
+          </a:p>
+        </p:txBody>
+      </p:sp>
+    </p:spTree>
+    <p:extLst>
+      <p:ext uri="{BB962C8B-B14F-4D97-AF65-F5344CB8AC3E}">
+        <p14:creationId xmlns:p14="http://schemas.microsoft.com/office/powerpoint/2010/main" val="1180815208"/>
+      </p:ext>
+    </p:extLst>
+  </p:cSld>
+  <p:clrMapOvr>
+    <a:masterClrMapping/>
+  </p:clrMapOvr>
+</p:sld>
+</file>
+
+<file path=ppt/slides/slide4.xml><?xml version="1.0" encoding="utf-8"?>
+<p:sld xmlns:a="http://schemas.openxmlformats.org/drawingml/2006/main" xmlns:r="http://schemas.openxmlformats.org/officeDocument/2006/relationships" xmlns:p="http://schemas.openxmlformats.org/presentationml/2006/main">
+  <p:cSld>
+    <p:spTree>
+      <p:nvGrpSpPr>
+        <p:cNvPr id="1" name=""/>
+        <p:cNvGrpSpPr/>
+        <p:nvPr/>
+      </p:nvGrpSpPr>
+      <p:grpSpPr>
+        <a:xfrm>
+          <a:off x="0" y="0"/>
+          <a:ext cx="0" cy="0"/>
+          <a:chOff x="0" y="0"/>
+          <a:chExt cx="0" cy="0"/>
+        </a:xfrm>
+      </p:grpSpPr>
+      <p:sp>
+        <p:nvSpPr>
+          <p:cNvPr id="2" name="Title 1">
+            <a:extLst>
+              <a:ext uri="{FF2B5EF4-FFF2-40B4-BE49-F238E27FC236}">
+                <a16:creationId xmlns:a16="http://schemas.microsoft.com/office/drawing/2014/main" id="{5E0CDF61-D443-46B4-8853-6216FBEBC082}"/>
+              </a:ext>
+            </a:extLst>
+          </p:cNvPr>
+          <p:cNvSpPr>
+            <a:spLocks noGrp="1"/>
+          </p:cNvSpPr>
+          <p:nvPr>
+            <p:ph type="title"/>
+          </p:nvPr>
+        </p:nvSpPr>
+        <p:spPr/>
+        <p:txBody>
+          <a:bodyPr/>
+          <a:lstStyle/>
+          <a:p>
+            <a:r>
+              <a:rPr lang="en-US" dirty="0"/>
+              <a:t>Data Cleanup &amp; Exploration</a:t>
+            </a:r>
+          </a:p>
+        </p:txBody>
+      </p:sp>
+      <p:sp>
+        <p:nvSpPr>
+          <p:cNvPr id="3" name="Content Placeholder 2">
+            <a:extLst>
+              <a:ext uri="{FF2B5EF4-FFF2-40B4-BE49-F238E27FC236}">
+                <a16:creationId xmlns:a16="http://schemas.microsoft.com/office/drawing/2014/main" id="{BDECCC88-8DF0-4508-9084-6EB00371806F}"/>
+              </a:ext>
+            </a:extLst>
+          </p:cNvPr>
+          <p:cNvSpPr>
+            <a:spLocks noGrp="1"/>
+          </p:cNvSpPr>
+          <p:nvPr>
+            <p:ph idx="1"/>
+          </p:nvPr>
+        </p:nvSpPr>
+        <p:spPr>
+          <a:xfrm>
+            <a:off x="677334" y="1488613"/>
+            <a:ext cx="8596668" cy="3880773"/>
+          </a:xfrm>
+        </p:spPr>
+        <p:txBody>
+          <a:bodyPr/>
+          <a:lstStyle/>
+          <a:p>
+            <a:r>
+              <a:rPr lang="en-US" dirty="0"/>
+              <a:t>Read csv into a pandas </a:t>
+            </a:r>
+            <a:r>
+              <a:rPr lang="en-US" dirty="0" err="1"/>
+              <a:t>DataFrame</a:t>
+            </a:r>
+            <a:endParaRPr lang="en-US" dirty="0"/>
+          </a:p>
+          <a:p>
+            <a:r>
+              <a:rPr lang="en-US" dirty="0"/>
+              <a:t>Get rid of unnecessary data</a:t>
+            </a:r>
+          </a:p>
+          <a:p>
+            <a:r>
+              <a:rPr lang="en-US" dirty="0"/>
+              <a:t>Handle multiple records for same day (measured in morning and afternoon)</a:t>
+            </a:r>
+          </a:p>
+          <a:p>
+            <a:r>
+              <a:rPr lang="en-US" dirty="0"/>
+              <a:t>Separate data by Year, and return max AQI value for each pollutant by Year</a:t>
+            </a:r>
+          </a:p>
+          <a:p>
+            <a:r>
+              <a:rPr lang="en-US" dirty="0"/>
+              <a:t>Using </a:t>
+            </a:r>
+            <a:r>
+              <a:rPr lang="en-US" dirty="0" err="1"/>
+              <a:t>Cartopy</a:t>
+            </a:r>
+            <a:r>
+              <a:rPr lang="en-US" dirty="0"/>
+              <a:t>, create a US Map Figure while color coding shape based on AQI value for a given year</a:t>
+            </a:r>
+          </a:p>
+          <a:p>
+            <a:r>
+              <a:rPr lang="en-US" dirty="0"/>
+              <a:t>Using matplotlib, leverage </a:t>
+            </a:r>
+            <a:r>
+              <a:rPr lang="en-US" dirty="0" err="1"/>
+              <a:t>FuncAnimation</a:t>
+            </a:r>
+            <a:r>
+              <a:rPr lang="en-US" dirty="0"/>
+              <a:t> to create animation that shows Max AQI values for each year from 2000-2016</a:t>
+            </a:r>
+          </a:p>
+          <a:p>
+            <a:r>
+              <a:rPr lang="en-US" dirty="0"/>
+              <a:t>Repeat for each air pollutant</a:t>
+            </a:r>
+          </a:p>
+          <a:p>
+            <a:endParaRPr lang="en-US" dirty="0"/>
+          </a:p>
+        </p:txBody>
+      </p:sp>
+    </p:spTree>
+    <p:extLst>
+      <p:ext uri="{BB962C8B-B14F-4D97-AF65-F5344CB8AC3E}">
+        <p14:creationId xmlns:p14="http://schemas.microsoft.com/office/powerpoint/2010/main" val="4294828183"/>
+      </p:ext>
+    </p:extLst>
+  </p:cSld>
+  <p:clrMapOvr>
+    <a:masterClrMapping/>
+  </p:clrMapOvr>
+</p:sld>
+</file>
+
+<file path=ppt/slides/slide5.xml><?xml version="1.0" encoding="utf-8"?>
+<p:sld xmlns:a="http://schemas.openxmlformats.org/drawingml/2006/main" xmlns:r="http://schemas.openxmlformats.org/officeDocument/2006/relationships" xmlns:p="http://schemas.openxmlformats.org/presentationml/2006/main">
+  <p:cSld>
+    <p:spTree>
+      <p:nvGrpSpPr>
+        <p:cNvPr id="1" name=""/>
+        <p:cNvGrpSpPr/>
+        <p:nvPr/>
+      </p:nvGrpSpPr>
+      <p:grpSpPr>
+        <a:xfrm>
+          <a:off x="0" y="0"/>
+          <a:ext cx="0" cy="0"/>
+          <a:chOff x="0" y="0"/>
+          <a:chExt cx="0" cy="0"/>
+        </a:xfrm>
+      </p:grpSpPr>
+      <p:sp>
+        <p:nvSpPr>
+          <p:cNvPr id="2" name="Title 1">
+            <a:extLst>
+              <a:ext uri="{FF2B5EF4-FFF2-40B4-BE49-F238E27FC236}">
+                <a16:creationId xmlns:a16="http://schemas.microsoft.com/office/drawing/2014/main" id="{574F119C-EEA3-4EB2-BE31-F79ACAB60D87}"/>
+              </a:ext>
+            </a:extLst>
+          </p:cNvPr>
+          <p:cNvSpPr>
+            <a:spLocks noGrp="1"/>
+          </p:cNvSpPr>
+          <p:nvPr>
+            <p:ph type="title"/>
+          </p:nvPr>
+        </p:nvSpPr>
+        <p:spPr/>
+        <p:txBody>
+          <a:bodyPr/>
+          <a:lstStyle/>
+          <a:p>
+            <a:endParaRPr lang="en-US"/>
+          </a:p>
+        </p:txBody>
+      </p:sp>
+      <p:pic>
+        <p:nvPicPr>
+          <p:cNvPr id="5" name="Content Placeholder 4">
+            <a:extLst>
+              <a:ext uri="{FF2B5EF4-FFF2-40B4-BE49-F238E27FC236}">
+                <a16:creationId xmlns:a16="http://schemas.microsoft.com/office/drawing/2014/main" id="{5FD41C02-496E-4EAD-8354-CA8CA6457611}"/>
+              </a:ext>
+            </a:extLst>
+          </p:cNvPr>
+          <p:cNvPicPr>
+            <a:picLocks noGrp="1" noChangeAspect="1"/>
+          </p:cNvPicPr>
+          <p:nvPr>
+            <p:ph idx="1"/>
+          </p:nvPr>
+        </p:nvPicPr>
+        <p:blipFill>
+          <a:blip r:embed="rId2">
+            <a:extLst>
+              <a:ext uri="{28A0092B-C50C-407E-A947-70E740481C1C}">
+                <a14:useLocalDpi xmlns:a14="http://schemas.microsoft.com/office/drawing/2010/main" val="0"/>
+              </a:ext>
+            </a:extLst>
+          </a:blip>
+          <a:stretch>
+            <a:fillRect/>
+          </a:stretch>
+        </p:blipFill>
+        <p:spPr>
+          <a:xfrm>
+            <a:off x="677863" y="2310408"/>
+            <a:ext cx="8596312" cy="3581796"/>
+          </a:xfrm>
+        </p:spPr>
+      </p:pic>
+    </p:spTree>
+    <p:extLst>
+      <p:ext uri="{BB962C8B-B14F-4D97-AF65-F5344CB8AC3E}">
+        <p14:creationId xmlns:p14="http://schemas.microsoft.com/office/powerpoint/2010/main" val="92396245"/>
+      </p:ext>
+    </p:extLst>
+  </p:cSld>
+  <p:clrMapOvr>
+    <a:masterClrMapping/>
+  </p:clrMapOvr>
+</p:sld>
+</file>
+
+<file path=ppt/slides/slide6.xml><?xml version="1.0" encoding="utf-8"?>
 <p:sld xmlns:a="http://schemas.openxmlformats.org/drawingml/2006/main" xmlns:r="http://schemas.openxmlformats.org/officeDocument/2006/relationships" xmlns:p="http://schemas.openxmlformats.org/presentationml/2006/main">
   <p:cSld>
     <p:spTree>
@@ -6482,7 +8330,7 @@
 </p:sld>
 </file>
 
-<file path=ppt/slides/slide3.xml><?xml version="1.0" encoding="utf-8"?>
+<file path=ppt/slides/slide7.xml><?xml version="1.0" encoding="utf-8"?>
 <p:sld xmlns:a="http://schemas.openxmlformats.org/drawingml/2006/main" xmlns:r="http://schemas.openxmlformats.org/officeDocument/2006/relationships" xmlns:p="http://schemas.openxmlformats.org/presentationml/2006/main">
   <p:cSld>
     <p:spTree>
@@ -6572,7 +8420,7 @@
 </p:sld>
 </file>
 
-<file path=ppt/slides/slide4.xml><?xml version="1.0" encoding="utf-8"?>
+<file path=ppt/slides/slide8.xml><?xml version="1.0" encoding="utf-8"?>
 <p:sld xmlns:a="http://schemas.openxmlformats.org/drawingml/2006/main" xmlns:r="http://schemas.openxmlformats.org/officeDocument/2006/relationships" xmlns:p="http://schemas.openxmlformats.org/presentationml/2006/main">
   <p:cSld>
     <p:spTree>
@@ -6662,7 +8510,7 @@
 </p:sld>
 </file>
 
-<file path=ppt/slides/slide5.xml><?xml version="1.0" encoding="utf-8"?>
+<file path=ppt/slides/slide9.xml><?xml version="1.0" encoding="utf-8"?>
 <p:sld xmlns:a="http://schemas.openxmlformats.org/drawingml/2006/main" xmlns:r="http://schemas.openxmlformats.org/officeDocument/2006/relationships" xmlns:p="http://schemas.openxmlformats.org/presentationml/2006/main">
   <p:cSld>
     <p:spTree>
@@ -6743,365 +8591,6 @@
     <p:extLst>
       <p:ext uri="{BB962C8B-B14F-4D97-AF65-F5344CB8AC3E}">
         <p14:creationId xmlns:p14="http://schemas.microsoft.com/office/powerpoint/2010/main" val="295353461"/>
-      </p:ext>
-    </p:extLst>
-  </p:cSld>
-  <p:clrMapOvr>
-    <a:masterClrMapping/>
-  </p:clrMapOvr>
-</p:sld>
-</file>
-
-<file path=ppt/slides/slide6.xml><?xml version="1.0" encoding="utf-8"?>
-<p:sld xmlns:a="http://schemas.openxmlformats.org/drawingml/2006/main" xmlns:r="http://schemas.openxmlformats.org/officeDocument/2006/relationships" xmlns:p="http://schemas.openxmlformats.org/presentationml/2006/main">
-  <p:cSld>
-    <p:spTree>
-      <p:nvGrpSpPr>
-        <p:cNvPr id="1" name=""/>
-        <p:cNvGrpSpPr/>
-        <p:nvPr/>
-      </p:nvGrpSpPr>
-      <p:grpSpPr>
-        <a:xfrm>
-          <a:off x="0" y="0"/>
-          <a:ext cx="0" cy="0"/>
-          <a:chOff x="0" y="0"/>
-          <a:chExt cx="0" cy="0"/>
-        </a:xfrm>
-      </p:grpSpPr>
-      <p:sp>
-        <p:nvSpPr>
-          <p:cNvPr id="2" name="Title 1">
-            <a:extLst>
-              <a:ext uri="{FF2B5EF4-FFF2-40B4-BE49-F238E27FC236}">
-                <a16:creationId xmlns:a16="http://schemas.microsoft.com/office/drawing/2014/main" id="{9F2FC880-1F23-4B21-BF8B-8F83C578D037}"/>
-              </a:ext>
-            </a:extLst>
-          </p:cNvPr>
-          <p:cNvSpPr>
-            <a:spLocks noGrp="1"/>
-          </p:cNvSpPr>
-          <p:nvPr>
-            <p:ph type="title"/>
-          </p:nvPr>
-        </p:nvSpPr>
-        <p:spPr/>
-        <p:txBody>
-          <a:bodyPr/>
-          <a:lstStyle/>
-          <a:p>
-            <a:endParaRPr lang="en-US"/>
-          </a:p>
-        </p:txBody>
-      </p:sp>
-      <p:pic>
-        <p:nvPicPr>
-          <p:cNvPr id="5" name="Content Placeholder 4">
-            <a:extLst>
-              <a:ext uri="{FF2B5EF4-FFF2-40B4-BE49-F238E27FC236}">
-                <a16:creationId xmlns:a16="http://schemas.microsoft.com/office/drawing/2014/main" id="{4C75B6EC-F102-41D3-8E7B-B9FC45CD8F9B}"/>
-              </a:ext>
-            </a:extLst>
-          </p:cNvPr>
-          <p:cNvPicPr>
-            <a:picLocks noGrp="1" noChangeAspect="1"/>
-          </p:cNvPicPr>
-          <p:nvPr>
-            <p:ph idx="1"/>
-          </p:nvPr>
-        </p:nvPicPr>
-        <p:blipFill>
-          <a:blip r:embed="rId2">
-            <a:extLst>
-              <a:ext uri="{28A0092B-C50C-407E-A947-70E740481C1C}">
-                <a14:useLocalDpi xmlns:a14="http://schemas.microsoft.com/office/drawing/2010/main" val="0"/>
-              </a:ext>
-            </a:extLst>
-          </a:blip>
-          <a:stretch>
-            <a:fillRect/>
-          </a:stretch>
-        </p:blipFill>
-        <p:spPr>
-          <a:xfrm>
-            <a:off x="265019" y="999424"/>
-            <a:ext cx="11661961" cy="4859151"/>
-          </a:xfrm>
-        </p:spPr>
-      </p:pic>
-    </p:spTree>
-    <p:extLst>
-      <p:ext uri="{BB962C8B-B14F-4D97-AF65-F5344CB8AC3E}">
-        <p14:creationId xmlns:p14="http://schemas.microsoft.com/office/powerpoint/2010/main" val="2348836302"/>
-      </p:ext>
-    </p:extLst>
-  </p:cSld>
-  <p:clrMapOvr>
-    <a:masterClrMapping/>
-  </p:clrMapOvr>
-</p:sld>
-</file>
-
-<file path=ppt/slides/slide7.xml><?xml version="1.0" encoding="utf-8"?>
-<p:sld xmlns:a="http://schemas.openxmlformats.org/drawingml/2006/main" xmlns:r="http://schemas.openxmlformats.org/officeDocument/2006/relationships" xmlns:p="http://schemas.openxmlformats.org/presentationml/2006/main">
-  <p:cSld>
-    <p:spTree>
-      <p:nvGrpSpPr>
-        <p:cNvPr id="1" name=""/>
-        <p:cNvGrpSpPr/>
-        <p:nvPr/>
-      </p:nvGrpSpPr>
-      <p:grpSpPr>
-        <a:xfrm>
-          <a:off x="0" y="0"/>
-          <a:ext cx="0" cy="0"/>
-          <a:chOff x="0" y="0"/>
-          <a:chExt cx="0" cy="0"/>
-        </a:xfrm>
-      </p:grpSpPr>
-      <p:sp>
-        <p:nvSpPr>
-          <p:cNvPr id="2" name="Title 1">
-            <a:extLst>
-              <a:ext uri="{FF2B5EF4-FFF2-40B4-BE49-F238E27FC236}">
-                <a16:creationId xmlns:a16="http://schemas.microsoft.com/office/drawing/2014/main" id="{6679D015-EEB7-44D6-9A8B-E5B1D27516E9}"/>
-              </a:ext>
-            </a:extLst>
-          </p:cNvPr>
-          <p:cNvSpPr>
-            <a:spLocks noGrp="1"/>
-          </p:cNvSpPr>
-          <p:nvPr>
-            <p:ph type="title"/>
-          </p:nvPr>
-        </p:nvSpPr>
-        <p:spPr/>
-        <p:txBody>
-          <a:bodyPr/>
-          <a:lstStyle/>
-          <a:p>
-            <a:endParaRPr lang="en-US"/>
-          </a:p>
-        </p:txBody>
-      </p:sp>
-      <p:pic>
-        <p:nvPicPr>
-          <p:cNvPr id="5" name="Content Placeholder 4">
-            <a:extLst>
-              <a:ext uri="{FF2B5EF4-FFF2-40B4-BE49-F238E27FC236}">
-                <a16:creationId xmlns:a16="http://schemas.microsoft.com/office/drawing/2014/main" id="{D03A0EDE-77F2-4981-849F-C23D3450E904}"/>
-              </a:ext>
-            </a:extLst>
-          </p:cNvPr>
-          <p:cNvPicPr>
-            <a:picLocks noGrp="1" noChangeAspect="1"/>
-          </p:cNvPicPr>
-          <p:nvPr>
-            <p:ph idx="1"/>
-          </p:nvPr>
-        </p:nvPicPr>
-        <p:blipFill>
-          <a:blip r:embed="rId2">
-            <a:extLst>
-              <a:ext uri="{28A0092B-C50C-407E-A947-70E740481C1C}">
-                <a14:useLocalDpi xmlns:a14="http://schemas.microsoft.com/office/drawing/2010/main" val="0"/>
-              </a:ext>
-            </a:extLst>
-          </a:blip>
-          <a:stretch>
-            <a:fillRect/>
-          </a:stretch>
-        </p:blipFill>
-        <p:spPr>
-          <a:xfrm>
-            <a:off x="1180694" y="623574"/>
-            <a:ext cx="9830611" cy="5610851"/>
-          </a:xfrm>
-        </p:spPr>
-      </p:pic>
-    </p:spTree>
-    <p:extLst>
-      <p:ext uri="{BB962C8B-B14F-4D97-AF65-F5344CB8AC3E}">
-        <p14:creationId xmlns:p14="http://schemas.microsoft.com/office/powerpoint/2010/main" val="2525985050"/>
-      </p:ext>
-    </p:extLst>
-  </p:cSld>
-  <p:clrMapOvr>
-    <a:masterClrMapping/>
-  </p:clrMapOvr>
-</p:sld>
-</file>
-
-<file path=ppt/slides/slide8.xml><?xml version="1.0" encoding="utf-8"?>
-<p:sld xmlns:a="http://schemas.openxmlformats.org/drawingml/2006/main" xmlns:r="http://schemas.openxmlformats.org/officeDocument/2006/relationships" xmlns:p="http://schemas.openxmlformats.org/presentationml/2006/main">
-  <p:cSld>
-    <p:spTree>
-      <p:nvGrpSpPr>
-        <p:cNvPr id="1" name=""/>
-        <p:cNvGrpSpPr/>
-        <p:nvPr/>
-      </p:nvGrpSpPr>
-      <p:grpSpPr>
-        <a:xfrm>
-          <a:off x="0" y="0"/>
-          <a:ext cx="0" cy="0"/>
-          <a:chOff x="0" y="0"/>
-          <a:chExt cx="0" cy="0"/>
-        </a:xfrm>
-      </p:grpSpPr>
-      <p:sp>
-        <p:nvSpPr>
-          <p:cNvPr id="2" name="Title 1">
-            <a:extLst>
-              <a:ext uri="{FF2B5EF4-FFF2-40B4-BE49-F238E27FC236}">
-                <a16:creationId xmlns:a16="http://schemas.microsoft.com/office/drawing/2014/main" id="{F100986A-2B16-4D98-8296-3807E41CA447}"/>
-              </a:ext>
-            </a:extLst>
-          </p:cNvPr>
-          <p:cNvSpPr>
-            <a:spLocks noGrp="1"/>
-          </p:cNvSpPr>
-          <p:nvPr>
-            <p:ph type="title"/>
-          </p:nvPr>
-        </p:nvSpPr>
-        <p:spPr/>
-        <p:txBody>
-          <a:bodyPr/>
-          <a:lstStyle/>
-          <a:p>
-            <a:endParaRPr lang="en-US"/>
-          </a:p>
-        </p:txBody>
-      </p:sp>
-      <p:pic>
-        <p:nvPicPr>
-          <p:cNvPr id="5" name="Content Placeholder 4">
-            <a:extLst>
-              <a:ext uri="{FF2B5EF4-FFF2-40B4-BE49-F238E27FC236}">
-                <a16:creationId xmlns:a16="http://schemas.microsoft.com/office/drawing/2014/main" id="{42DFD729-14D3-4FC7-937B-950F03115C26}"/>
-              </a:ext>
-            </a:extLst>
-          </p:cNvPr>
-          <p:cNvPicPr>
-            <a:picLocks noGrp="1" noChangeAspect="1"/>
-          </p:cNvPicPr>
-          <p:nvPr>
-            <p:ph idx="1"/>
-          </p:nvPr>
-        </p:nvPicPr>
-        <p:blipFill>
-          <a:blip r:embed="rId2">
-            <a:extLst>
-              <a:ext uri="{28A0092B-C50C-407E-A947-70E740481C1C}">
-                <a14:useLocalDpi xmlns:a14="http://schemas.microsoft.com/office/drawing/2010/main" val="0"/>
-              </a:ext>
-            </a:extLst>
-          </a:blip>
-          <a:stretch>
-            <a:fillRect/>
-          </a:stretch>
-        </p:blipFill>
-        <p:spPr>
-          <a:xfrm>
-            <a:off x="1267327" y="129465"/>
-            <a:ext cx="9898604" cy="6599069"/>
-          </a:xfrm>
-        </p:spPr>
-      </p:pic>
-    </p:spTree>
-    <p:extLst>
-      <p:ext uri="{BB962C8B-B14F-4D97-AF65-F5344CB8AC3E}">
-        <p14:creationId xmlns:p14="http://schemas.microsoft.com/office/powerpoint/2010/main" val="1855985092"/>
-      </p:ext>
-    </p:extLst>
-  </p:cSld>
-  <p:clrMapOvr>
-    <a:masterClrMapping/>
-  </p:clrMapOvr>
-</p:sld>
-</file>
-
-<file path=ppt/slides/slide9.xml><?xml version="1.0" encoding="utf-8"?>
-<p:sld xmlns:a="http://schemas.openxmlformats.org/drawingml/2006/main" xmlns:r="http://schemas.openxmlformats.org/officeDocument/2006/relationships" xmlns:p="http://schemas.openxmlformats.org/presentationml/2006/main">
-  <p:cSld>
-    <p:spTree>
-      <p:nvGrpSpPr>
-        <p:cNvPr id="1" name=""/>
-        <p:cNvGrpSpPr/>
-        <p:nvPr/>
-      </p:nvGrpSpPr>
-      <p:grpSpPr>
-        <a:xfrm>
-          <a:off x="0" y="0"/>
-          <a:ext cx="0" cy="0"/>
-          <a:chOff x="0" y="0"/>
-          <a:chExt cx="0" cy="0"/>
-        </a:xfrm>
-      </p:grpSpPr>
-      <p:sp>
-        <p:nvSpPr>
-          <p:cNvPr id="2" name="Title 1">
-            <a:extLst>
-              <a:ext uri="{FF2B5EF4-FFF2-40B4-BE49-F238E27FC236}">
-                <a16:creationId xmlns:a16="http://schemas.microsoft.com/office/drawing/2014/main" id="{7E781093-2703-4C82-9B8F-C3E838AF4A95}"/>
-              </a:ext>
-            </a:extLst>
-          </p:cNvPr>
-          <p:cNvSpPr>
-            <a:spLocks noGrp="1"/>
-          </p:cNvSpPr>
-          <p:nvPr>
-            <p:ph type="title"/>
-          </p:nvPr>
-        </p:nvSpPr>
-        <p:spPr/>
-        <p:txBody>
-          <a:bodyPr/>
-          <a:lstStyle/>
-          <a:p>
-            <a:endParaRPr lang="en-US"/>
-          </a:p>
-        </p:txBody>
-      </p:sp>
-      <p:pic>
-        <p:nvPicPr>
-          <p:cNvPr id="5" name="Content Placeholder 4">
-            <a:extLst>
-              <a:ext uri="{FF2B5EF4-FFF2-40B4-BE49-F238E27FC236}">
-                <a16:creationId xmlns:a16="http://schemas.microsoft.com/office/drawing/2014/main" id="{110EC511-B753-4FA0-AD33-2FC81B57351C}"/>
-              </a:ext>
-            </a:extLst>
-          </p:cNvPr>
-          <p:cNvPicPr>
-            <a:picLocks noGrp="1" noChangeAspect="1"/>
-          </p:cNvPicPr>
-          <p:nvPr>
-            <p:ph idx="1"/>
-          </p:nvPr>
-        </p:nvPicPr>
-        <p:blipFill rotWithShape="1">
-          <a:blip r:embed="rId2">
-            <a:extLst>
-              <a:ext uri="{28A0092B-C50C-407E-A947-70E740481C1C}">
-                <a14:useLocalDpi xmlns:a14="http://schemas.microsoft.com/office/drawing/2010/main" val="0"/>
-              </a:ext>
-            </a:extLst>
-          </a:blip>
-          <a:srcRect l="6687" r="7719"/>
-          <a:stretch/>
-        </p:blipFill>
-        <p:spPr>
-          <a:xfrm>
-            <a:off x="100523" y="365125"/>
-            <a:ext cx="12091477" cy="5889207"/>
-          </a:xfrm>
-        </p:spPr>
-      </p:pic>
-    </p:spTree>
-    <p:extLst>
-      <p:ext uri="{BB962C8B-B14F-4D97-AF65-F5344CB8AC3E}">
-        <p14:creationId xmlns:p14="http://schemas.microsoft.com/office/powerpoint/2010/main" val="2484642320"/>
       </p:ext>
     </p:extLst>
   </p:cSld>

--- a/Presentation1.pptx
+++ b/Presentation1.pptx
@@ -13,22 +13,21 @@
     <p:sldId id="257" r:id="rId7"/>
     <p:sldId id="259" r:id="rId8"/>
     <p:sldId id="268" r:id="rId9"/>
-    <p:sldId id="266" r:id="rId10"/>
-    <p:sldId id="267" r:id="rId11"/>
-    <p:sldId id="260" r:id="rId12"/>
-    <p:sldId id="261" r:id="rId13"/>
-    <p:sldId id="263" r:id="rId14"/>
-    <p:sldId id="262" r:id="rId15"/>
-    <p:sldId id="264" r:id="rId16"/>
-    <p:sldId id="265" r:id="rId17"/>
-    <p:sldId id="269" r:id="rId18"/>
-    <p:sldId id="270" r:id="rId19"/>
-    <p:sldId id="271" r:id="rId20"/>
-    <p:sldId id="272" r:id="rId21"/>
-    <p:sldId id="273" r:id="rId22"/>
-    <p:sldId id="274" r:id="rId23"/>
-    <p:sldId id="278" r:id="rId24"/>
-    <p:sldId id="279" r:id="rId25"/>
+    <p:sldId id="267" r:id="rId10"/>
+    <p:sldId id="260" r:id="rId11"/>
+    <p:sldId id="261" r:id="rId12"/>
+    <p:sldId id="263" r:id="rId13"/>
+    <p:sldId id="262" r:id="rId14"/>
+    <p:sldId id="264" r:id="rId15"/>
+    <p:sldId id="265" r:id="rId16"/>
+    <p:sldId id="269" r:id="rId17"/>
+    <p:sldId id="270" r:id="rId18"/>
+    <p:sldId id="271" r:id="rId19"/>
+    <p:sldId id="272" r:id="rId20"/>
+    <p:sldId id="273" r:id="rId21"/>
+    <p:sldId id="274" r:id="rId22"/>
+    <p:sldId id="278" r:id="rId23"/>
+    <p:sldId id="279" r:id="rId24"/>
   </p:sldIdLst>
   <p:sldSz cx="12192000" cy="6858000"/>
   <p:notesSz cx="6858000" cy="9144000"/>
@@ -857,7 +856,7 @@
           <a:p>
             <a:fld id="{010A7FB3-A316-402C-99FC-ECFF33919AD8}" type="datetimeFigureOut">
               <a:rPr lang="en-US" smtClean="0"/>
-              <a:t>4/11/19</a:t>
+              <a:t>4/11/2019</a:t>
             </a:fld>
             <a:endParaRPr lang="en-US"/>
           </a:p>
@@ -1108,7 +1107,7 @@
           <a:p>
             <a:fld id="{010A7FB3-A316-402C-99FC-ECFF33919AD8}" type="datetimeFigureOut">
               <a:rPr lang="en-US" smtClean="0"/>
-              <a:t>4/11/19</a:t>
+              <a:t>4/11/2019</a:t>
             </a:fld>
             <a:endParaRPr lang="en-US"/>
           </a:p>
@@ -1422,7 +1421,7 @@
           <a:p>
             <a:fld id="{010A7FB3-A316-402C-99FC-ECFF33919AD8}" type="datetimeFigureOut">
               <a:rPr lang="en-US" smtClean="0"/>
-              <a:t>4/11/19</a:t>
+              <a:t>4/11/2019</a:t>
             </a:fld>
             <a:endParaRPr lang="en-US"/>
           </a:p>
@@ -1763,7 +1762,7 @@
           <a:p>
             <a:fld id="{010A7FB3-A316-402C-99FC-ECFF33919AD8}" type="datetimeFigureOut">
               <a:rPr lang="en-US" smtClean="0"/>
-              <a:t>4/11/19</a:t>
+              <a:t>4/11/2019</a:t>
             </a:fld>
             <a:endParaRPr lang="en-US"/>
           </a:p>
@@ -2077,7 +2076,7 @@
           <a:p>
             <a:fld id="{010A7FB3-A316-402C-99FC-ECFF33919AD8}" type="datetimeFigureOut">
               <a:rPr lang="en-US" smtClean="0"/>
-              <a:t>4/11/19</a:t>
+              <a:t>4/11/2019</a:t>
             </a:fld>
             <a:endParaRPr lang="en-US"/>
           </a:p>
@@ -2470,7 +2469,7 @@
           <a:p>
             <a:fld id="{010A7FB3-A316-402C-99FC-ECFF33919AD8}" type="datetimeFigureOut">
               <a:rPr lang="en-US" smtClean="0"/>
-              <a:t>4/11/19</a:t>
+              <a:t>4/11/2019</a:t>
             </a:fld>
             <a:endParaRPr lang="en-US"/>
           </a:p>
@@ -2640,7 +2639,7 @@
           <a:p>
             <a:fld id="{010A7FB3-A316-402C-99FC-ECFF33919AD8}" type="datetimeFigureOut">
               <a:rPr lang="en-US" smtClean="0"/>
-              <a:t>4/11/19</a:t>
+              <a:t>4/11/2019</a:t>
             </a:fld>
             <a:endParaRPr lang="en-US"/>
           </a:p>
@@ -2820,7 +2819,7 @@
           <a:p>
             <a:fld id="{010A7FB3-A316-402C-99FC-ECFF33919AD8}" type="datetimeFigureOut">
               <a:rPr lang="en-US" smtClean="0"/>
-              <a:t>4/11/19</a:t>
+              <a:t>4/11/2019</a:t>
             </a:fld>
             <a:endParaRPr lang="en-US"/>
           </a:p>
@@ -2996,7 +2995,7 @@
           <a:p>
             <a:fld id="{010A7FB3-A316-402C-99FC-ECFF33919AD8}" type="datetimeFigureOut">
               <a:rPr lang="en-US" smtClean="0"/>
-              <a:t>4/11/19</a:t>
+              <a:t>4/11/2019</a:t>
             </a:fld>
             <a:endParaRPr lang="en-US"/>
           </a:p>
@@ -3243,7 +3242,7 @@
           <a:p>
             <a:fld id="{010A7FB3-A316-402C-99FC-ECFF33919AD8}" type="datetimeFigureOut">
               <a:rPr lang="en-US" smtClean="0"/>
-              <a:t>4/11/19</a:t>
+              <a:t>4/11/2019</a:t>
             </a:fld>
             <a:endParaRPr lang="en-US"/>
           </a:p>
@@ -3475,7 +3474,7 @@
           <a:p>
             <a:fld id="{010A7FB3-A316-402C-99FC-ECFF33919AD8}" type="datetimeFigureOut">
               <a:rPr lang="en-US" smtClean="0"/>
-              <a:t>4/11/19</a:t>
+              <a:t>4/11/2019</a:t>
             </a:fld>
             <a:endParaRPr lang="en-US"/>
           </a:p>
@@ -3849,7 +3848,7 @@
           <a:p>
             <a:fld id="{010A7FB3-A316-402C-99FC-ECFF33919AD8}" type="datetimeFigureOut">
               <a:rPr lang="en-US" smtClean="0"/>
-              <a:t>4/11/19</a:t>
+              <a:t>4/11/2019</a:t>
             </a:fld>
             <a:endParaRPr lang="en-US"/>
           </a:p>
@@ -3972,7 +3971,7 @@
           <a:p>
             <a:fld id="{010A7FB3-A316-402C-99FC-ECFF33919AD8}" type="datetimeFigureOut">
               <a:rPr lang="en-US" smtClean="0"/>
-              <a:t>4/11/19</a:t>
+              <a:t>4/11/2019</a:t>
             </a:fld>
             <a:endParaRPr lang="en-US"/>
           </a:p>
@@ -4067,7 +4066,7 @@
           <a:p>
             <a:fld id="{010A7FB3-A316-402C-99FC-ECFF33919AD8}" type="datetimeFigureOut">
               <a:rPr lang="en-US" smtClean="0"/>
-              <a:t>4/11/19</a:t>
+              <a:t>4/11/2019</a:t>
             </a:fld>
             <a:endParaRPr lang="en-US"/>
           </a:p>
@@ -4322,7 +4321,7 @@
           <a:p>
             <a:fld id="{010A7FB3-A316-402C-99FC-ECFF33919AD8}" type="datetimeFigureOut">
               <a:rPr lang="en-US" smtClean="0"/>
-              <a:t>4/11/19</a:t>
+              <a:t>4/11/2019</a:t>
             </a:fld>
             <a:endParaRPr lang="en-US"/>
           </a:p>
@@ -4585,7 +4584,7 @@
           <a:p>
             <a:fld id="{010A7FB3-A316-402C-99FC-ECFF33919AD8}" type="datetimeFigureOut">
               <a:rPr lang="en-US" smtClean="0"/>
-              <a:t>4/11/19</a:t>
+              <a:t>4/11/2019</a:t>
             </a:fld>
             <a:endParaRPr lang="en-US"/>
           </a:p>
@@ -5328,7 +5327,7 @@
           <a:p>
             <a:fld id="{010A7FB3-A316-402C-99FC-ECFF33919AD8}" type="datetimeFigureOut">
               <a:rPr lang="en-US" smtClean="0"/>
-              <a:t>4/11/19</a:t>
+              <a:t>4/11/2019</a:t>
             </a:fld>
             <a:endParaRPr lang="en-US"/>
           </a:p>
@@ -5868,14 +5867,19 @@
             <p:ph type="ctrTitle"/>
           </p:nvPr>
         </p:nvSpPr>
-        <p:spPr/>
+        <p:spPr>
+          <a:xfrm>
+            <a:off x="1015068" y="2404534"/>
+            <a:ext cx="8258935" cy="1646302"/>
+          </a:xfrm>
+        </p:spPr>
         <p:txBody>
           <a:bodyPr/>
           <a:lstStyle/>
           <a:p>
             <a:r>
-              <a:rPr lang="en-US" dirty="0"/>
-              <a:t>Electric Vehicles</a:t>
+              <a:rPr lang="en-US" sz="4400" dirty="0"/>
+              <a:t>Analyzing the Growth of Hybrid and Electric Vehicles in the U.S.</a:t>
             </a:r>
           </a:p>
         </p:txBody>
@@ -5946,96 +5950,6 @@
 </file>
 
 <file path=ppt/slides/slide10.xml><?xml version="1.0" encoding="utf-8"?>
-<p:sld xmlns:a="http://schemas.openxmlformats.org/drawingml/2006/main" xmlns:r="http://schemas.openxmlformats.org/officeDocument/2006/relationships" xmlns:p="http://schemas.openxmlformats.org/presentationml/2006/main">
-  <p:cSld>
-    <p:spTree>
-      <p:nvGrpSpPr>
-        <p:cNvPr id="1" name=""/>
-        <p:cNvGrpSpPr/>
-        <p:nvPr/>
-      </p:nvGrpSpPr>
-      <p:grpSpPr>
-        <a:xfrm>
-          <a:off x="0" y="0"/>
-          <a:ext cx="0" cy="0"/>
-          <a:chOff x="0" y="0"/>
-          <a:chExt cx="0" cy="0"/>
-        </a:xfrm>
-      </p:grpSpPr>
-      <p:sp>
-        <p:nvSpPr>
-          <p:cNvPr id="2" name="Title 1">
-            <a:extLst>
-              <a:ext uri="{FF2B5EF4-FFF2-40B4-BE49-F238E27FC236}">
-                <a16:creationId xmlns:a16="http://schemas.microsoft.com/office/drawing/2014/main" id="{9F2FC880-1F23-4B21-BF8B-8F83C578D037}"/>
-              </a:ext>
-            </a:extLst>
-          </p:cNvPr>
-          <p:cNvSpPr>
-            <a:spLocks noGrp="1"/>
-          </p:cNvSpPr>
-          <p:nvPr>
-            <p:ph type="title"/>
-          </p:nvPr>
-        </p:nvSpPr>
-        <p:spPr/>
-        <p:txBody>
-          <a:bodyPr/>
-          <a:lstStyle/>
-          <a:p>
-            <a:endParaRPr lang="en-US"/>
-          </a:p>
-        </p:txBody>
-      </p:sp>
-      <p:pic>
-        <p:nvPicPr>
-          <p:cNvPr id="5" name="Content Placeholder 4">
-            <a:extLst>
-              <a:ext uri="{FF2B5EF4-FFF2-40B4-BE49-F238E27FC236}">
-                <a16:creationId xmlns:a16="http://schemas.microsoft.com/office/drawing/2014/main" id="{4C75B6EC-F102-41D3-8E7B-B9FC45CD8F9B}"/>
-              </a:ext>
-            </a:extLst>
-          </p:cNvPr>
-          <p:cNvPicPr>
-            <a:picLocks noGrp="1" noChangeAspect="1"/>
-          </p:cNvPicPr>
-          <p:nvPr>
-            <p:ph idx="1"/>
-          </p:nvPr>
-        </p:nvPicPr>
-        <p:blipFill>
-          <a:blip r:embed="rId2">
-            <a:extLst>
-              <a:ext uri="{28A0092B-C50C-407E-A947-70E740481C1C}">
-                <a14:useLocalDpi xmlns:a14="http://schemas.microsoft.com/office/drawing/2010/main" val="0"/>
-              </a:ext>
-            </a:extLst>
-          </a:blip>
-          <a:stretch>
-            <a:fillRect/>
-          </a:stretch>
-        </p:blipFill>
-        <p:spPr>
-          <a:xfrm>
-            <a:off x="265019" y="999424"/>
-            <a:ext cx="11661961" cy="4859151"/>
-          </a:xfrm>
-        </p:spPr>
-      </p:pic>
-    </p:spTree>
-    <p:extLst>
-      <p:ext uri="{BB962C8B-B14F-4D97-AF65-F5344CB8AC3E}">
-        <p14:creationId xmlns:p14="http://schemas.microsoft.com/office/powerpoint/2010/main" val="2348836302"/>
-      </p:ext>
-    </p:extLst>
-  </p:cSld>
-  <p:clrMapOvr>
-    <a:masterClrMapping/>
-  </p:clrMapOvr>
-</p:sld>
-</file>
-
-<file path=ppt/slides/slide11.xml><?xml version="1.0" encoding="utf-8"?>
 <p:sld xmlns:a="http://schemas.openxmlformats.org/drawingml/2006/main" xmlns:r="http://schemas.openxmlformats.org/officeDocument/2006/relationships" xmlns:p="http://schemas.openxmlformats.org/presentationml/2006/main">
   <p:cSld>
     <p:spTree>
@@ -6125,7 +6039,7 @@
 </p:sld>
 </file>
 
-<file path=ppt/slides/slide12.xml><?xml version="1.0" encoding="utf-8"?>
+<file path=ppt/slides/slide11.xml><?xml version="1.0" encoding="utf-8"?>
 <p:sld xmlns:a="http://schemas.openxmlformats.org/drawingml/2006/main" xmlns:r="http://schemas.openxmlformats.org/officeDocument/2006/relationships" xmlns:p="http://schemas.openxmlformats.org/presentationml/2006/main">
   <p:cSld>
     <p:spTree>
@@ -6215,7 +6129,7 @@
 </p:sld>
 </file>
 
-<file path=ppt/slides/slide13.xml><?xml version="1.0" encoding="utf-8"?>
+<file path=ppt/slides/slide12.xml><?xml version="1.0" encoding="utf-8"?>
 <p:sld xmlns:a="http://schemas.openxmlformats.org/drawingml/2006/main" xmlns:r="http://schemas.openxmlformats.org/officeDocument/2006/relationships" xmlns:p="http://schemas.openxmlformats.org/presentationml/2006/main">
   <p:cSld>
     <p:spTree>
@@ -6304,7 +6218,7 @@
 </p:sld>
 </file>
 
-<file path=ppt/slides/slide14.xml><?xml version="1.0" encoding="utf-8"?>
+<file path=ppt/slides/slide13.xml><?xml version="1.0" encoding="utf-8"?>
 <p:sld xmlns:a="http://schemas.openxmlformats.org/drawingml/2006/main" xmlns:r="http://schemas.openxmlformats.org/officeDocument/2006/relationships" xmlns:p="http://schemas.openxmlformats.org/presentationml/2006/main">
   <p:cSld>
     <p:spTree>
@@ -6394,7 +6308,7 @@
 </p:sld>
 </file>
 
-<file path=ppt/slides/slide15.xml><?xml version="1.0" encoding="utf-8"?>
+<file path=ppt/slides/slide14.xml><?xml version="1.0" encoding="utf-8"?>
 <p:sld xmlns:a="http://schemas.openxmlformats.org/drawingml/2006/main" xmlns:r="http://schemas.openxmlformats.org/officeDocument/2006/relationships" xmlns:p="http://schemas.openxmlformats.org/presentationml/2006/main">
   <p:cSld>
     <p:spTree>
@@ -6484,7 +6398,7 @@
 </p:sld>
 </file>
 
-<file path=ppt/slides/slide16.xml><?xml version="1.0" encoding="utf-8"?>
+<file path=ppt/slides/slide15.xml><?xml version="1.0" encoding="utf-8"?>
 <p:sld xmlns:a="http://schemas.openxmlformats.org/drawingml/2006/main" xmlns:r="http://schemas.openxmlformats.org/officeDocument/2006/relationships" xmlns:p="http://schemas.openxmlformats.org/presentationml/2006/main">
   <p:cSld>
     <p:spTree>
@@ -6608,7 +6522,7 @@
 </p:sld>
 </file>
 
-<file path=ppt/slides/slide17.xml><?xml version="1.0" encoding="utf-8"?>
+<file path=ppt/slides/slide16.xml><?xml version="1.0" encoding="utf-8"?>
 <p:sld xmlns:a="http://schemas.openxmlformats.org/drawingml/2006/main" xmlns:r="http://schemas.openxmlformats.org/officeDocument/2006/relationships" xmlns:p="http://schemas.openxmlformats.org/presentationml/2006/main">
   <p:cSld>
     <p:spTree>
@@ -6697,7 +6611,7 @@
 </p:sld>
 </file>
 
-<file path=ppt/slides/slide18.xml><?xml version="1.0" encoding="utf-8"?>
+<file path=ppt/slides/slide17.xml><?xml version="1.0" encoding="utf-8"?>
 <p:sld xmlns:a="http://schemas.openxmlformats.org/drawingml/2006/main" xmlns:r="http://schemas.openxmlformats.org/officeDocument/2006/relationships" xmlns:p="http://schemas.openxmlformats.org/presentationml/2006/main">
   <p:cSld>
     <p:spTree>
@@ -6786,7 +6700,7 @@
 </p:sld>
 </file>
 
-<file path=ppt/slides/slide19.xml><?xml version="1.0" encoding="utf-8"?>
+<file path=ppt/slides/slide18.xml><?xml version="1.0" encoding="utf-8"?>
 <p:sld xmlns:a="http://schemas.openxmlformats.org/drawingml/2006/main" xmlns:r="http://schemas.openxmlformats.org/officeDocument/2006/relationships" xmlns:p="http://schemas.openxmlformats.org/presentationml/2006/main">
   <p:cSld>
     <p:spTree>
@@ -7032,99 +6946,7 @@
 </p:sld>
 </file>
 
-<file path=ppt/slides/slide2.xml><?xml version="1.0" encoding="utf-8"?>
-<p:sld xmlns:a="http://schemas.openxmlformats.org/drawingml/2006/main" xmlns:r="http://schemas.openxmlformats.org/officeDocument/2006/relationships" xmlns:p="http://schemas.openxmlformats.org/presentationml/2006/main">
-  <p:cSld>
-    <p:spTree>
-      <p:nvGrpSpPr>
-        <p:cNvPr id="1" name=""/>
-        <p:cNvGrpSpPr/>
-        <p:nvPr/>
-      </p:nvGrpSpPr>
-      <p:grpSpPr>
-        <a:xfrm>
-          <a:off x="0" y="0"/>
-          <a:ext cx="0" cy="0"/>
-          <a:chOff x="0" y="0"/>
-          <a:chExt cx="0" cy="0"/>
-        </a:xfrm>
-      </p:grpSpPr>
-      <p:sp>
-        <p:nvSpPr>
-          <p:cNvPr id="2" name="Title 1">
-            <a:extLst>
-              <a:ext uri="{FF2B5EF4-FFF2-40B4-BE49-F238E27FC236}">
-                <a16:creationId xmlns:a16="http://schemas.microsoft.com/office/drawing/2014/main" id="{212A4066-7DA1-4FDB-B5B4-5FCA180CDB3A}"/>
-              </a:ext>
-            </a:extLst>
-          </p:cNvPr>
-          <p:cNvSpPr>
-            <a:spLocks noGrp="1"/>
-          </p:cNvSpPr>
-          <p:nvPr>
-            <p:ph type="title"/>
-          </p:nvPr>
-        </p:nvSpPr>
-        <p:spPr/>
-        <p:txBody>
-          <a:bodyPr/>
-          <a:lstStyle/>
-          <a:p>
-            <a:r>
-              <a:rPr lang="en-US" dirty="0"/>
-              <a:t>Motivation &amp; Summary</a:t>
-            </a:r>
-          </a:p>
-        </p:txBody>
-      </p:sp>
-      <p:sp>
-        <p:nvSpPr>
-          <p:cNvPr id="3" name="Content Placeholder 2">
-            <a:extLst>
-              <a:ext uri="{FF2B5EF4-FFF2-40B4-BE49-F238E27FC236}">
-                <a16:creationId xmlns:a16="http://schemas.microsoft.com/office/drawing/2014/main" id="{CCE29D34-71FB-4891-AE17-F6149F4EECFE}"/>
-              </a:ext>
-            </a:extLst>
-          </p:cNvPr>
-          <p:cNvSpPr>
-            <a:spLocks noGrp="1"/>
-          </p:cNvSpPr>
-          <p:nvPr>
-            <p:ph idx="1"/>
-          </p:nvPr>
-        </p:nvSpPr>
-        <p:spPr/>
-        <p:txBody>
-          <a:bodyPr/>
-          <a:lstStyle/>
-          <a:p>
-            <a:r>
-              <a:rPr lang="en-US" dirty="0"/>
-              <a:t>Historical analysis of Electric Vehicle (EV) Market share</a:t>
-            </a:r>
-          </a:p>
-          <a:p>
-            <a:r>
-              <a:rPr lang="en-US" dirty="0"/>
-              <a:t>With the growth in purchases of electric vehicles, how has air pollution been impacted?</a:t>
-            </a:r>
-          </a:p>
-        </p:txBody>
-      </p:sp>
-    </p:spTree>
-    <p:extLst>
-      <p:ext uri="{BB962C8B-B14F-4D97-AF65-F5344CB8AC3E}">
-        <p14:creationId xmlns:p14="http://schemas.microsoft.com/office/powerpoint/2010/main" val="3205176446"/>
-      </p:ext>
-    </p:extLst>
-  </p:cSld>
-  <p:clrMapOvr>
-    <a:masterClrMapping/>
-  </p:clrMapOvr>
-</p:sld>
-</file>
-
-<file path=ppt/slides/slide20.xml><?xml version="1.0" encoding="utf-8"?>
+<file path=ppt/slides/slide19.xml><?xml version="1.0" encoding="utf-8"?>
 <p:sld xmlns:a="http://schemas.openxmlformats.org/drawingml/2006/main" xmlns:r="http://schemas.openxmlformats.org/officeDocument/2006/relationships" xmlns:p="http://schemas.openxmlformats.org/presentationml/2006/main">
   <p:cSld>
     <p:spTree>
@@ -7286,7 +7108,105 @@
 </p:sld>
 </file>
 
-<file path=ppt/slides/slide21.xml><?xml version="1.0" encoding="utf-8"?>
+<file path=ppt/slides/slide2.xml><?xml version="1.0" encoding="utf-8"?>
+<p:sld xmlns:a="http://schemas.openxmlformats.org/drawingml/2006/main" xmlns:r="http://schemas.openxmlformats.org/officeDocument/2006/relationships" xmlns:p="http://schemas.openxmlformats.org/presentationml/2006/main">
+  <p:cSld>
+    <p:spTree>
+      <p:nvGrpSpPr>
+        <p:cNvPr id="1" name=""/>
+        <p:cNvGrpSpPr/>
+        <p:nvPr/>
+      </p:nvGrpSpPr>
+      <p:grpSpPr>
+        <a:xfrm>
+          <a:off x="0" y="0"/>
+          <a:ext cx="0" cy="0"/>
+          <a:chOff x="0" y="0"/>
+          <a:chExt cx="0" cy="0"/>
+        </a:xfrm>
+      </p:grpSpPr>
+      <p:sp>
+        <p:nvSpPr>
+          <p:cNvPr id="2" name="Title 1">
+            <a:extLst>
+              <a:ext uri="{FF2B5EF4-FFF2-40B4-BE49-F238E27FC236}">
+                <a16:creationId xmlns:a16="http://schemas.microsoft.com/office/drawing/2014/main" id="{212A4066-7DA1-4FDB-B5B4-5FCA180CDB3A}"/>
+              </a:ext>
+            </a:extLst>
+          </p:cNvPr>
+          <p:cNvSpPr>
+            <a:spLocks noGrp="1"/>
+          </p:cNvSpPr>
+          <p:nvPr>
+            <p:ph type="title"/>
+          </p:nvPr>
+        </p:nvSpPr>
+        <p:spPr/>
+        <p:txBody>
+          <a:bodyPr/>
+          <a:lstStyle/>
+          <a:p>
+            <a:r>
+              <a:rPr lang="en-US" dirty="0"/>
+              <a:t>Motivation &amp; Summary</a:t>
+            </a:r>
+          </a:p>
+        </p:txBody>
+      </p:sp>
+      <p:sp>
+        <p:nvSpPr>
+          <p:cNvPr id="3" name="Content Placeholder 2">
+            <a:extLst>
+              <a:ext uri="{FF2B5EF4-FFF2-40B4-BE49-F238E27FC236}">
+                <a16:creationId xmlns:a16="http://schemas.microsoft.com/office/drawing/2014/main" id="{CCE29D34-71FB-4891-AE17-F6149F4EECFE}"/>
+              </a:ext>
+            </a:extLst>
+          </p:cNvPr>
+          <p:cNvSpPr>
+            <a:spLocks noGrp="1"/>
+          </p:cNvSpPr>
+          <p:nvPr>
+            <p:ph idx="1"/>
+          </p:nvPr>
+        </p:nvSpPr>
+        <p:spPr/>
+        <p:txBody>
+          <a:bodyPr/>
+          <a:lstStyle/>
+          <a:p>
+            <a:r>
+              <a:rPr lang="en-US" dirty="0"/>
+              <a:t>Historical analysis of Hybrid and Electric Vehicle market shares</a:t>
+            </a:r>
+          </a:p>
+          <a:p>
+            <a:r>
+              <a:rPr lang="en-US" dirty="0"/>
+              <a:t>How do green initiatives vary from state to state?</a:t>
+            </a:r>
+          </a:p>
+          <a:p>
+            <a:r>
+              <a:rPr lang="en-US" dirty="0"/>
+              <a:t>With the growth in purchases of electric vehicles, how has air pollution been impacted?</a:t>
+            </a:r>
+          </a:p>
+        </p:txBody>
+      </p:sp>
+    </p:spTree>
+    <p:extLst>
+      <p:ext uri="{BB962C8B-B14F-4D97-AF65-F5344CB8AC3E}">
+        <p14:creationId xmlns:p14="http://schemas.microsoft.com/office/powerpoint/2010/main" val="3205176446"/>
+      </p:ext>
+    </p:extLst>
+  </p:cSld>
+  <p:clrMapOvr>
+    <a:masterClrMapping/>
+  </p:clrMapOvr>
+</p:sld>
+</file>
+
+<file path=ppt/slides/slide20.xml><?xml version="1.0" encoding="utf-8"?>
 <p:sld xmlns:a="http://schemas.openxmlformats.org/drawingml/2006/main" xmlns:r="http://schemas.openxmlformats.org/officeDocument/2006/relationships" xmlns:p="http://schemas.openxmlformats.org/presentationml/2006/main">
   <p:cSld>
     <p:spTree>
@@ -7549,6 +7469,198 @@
 </p:sld>
 </file>
 
+<file path=ppt/slides/slide21.xml><?xml version="1.0" encoding="utf-8"?>
+<p:sld xmlns:a="http://schemas.openxmlformats.org/drawingml/2006/main" xmlns:r="http://schemas.openxmlformats.org/officeDocument/2006/relationships" xmlns:p="http://schemas.openxmlformats.org/presentationml/2006/main">
+  <p:cSld>
+    <p:spTree>
+      <p:nvGrpSpPr>
+        <p:cNvPr id="1" name=""/>
+        <p:cNvGrpSpPr/>
+        <p:nvPr/>
+      </p:nvGrpSpPr>
+      <p:grpSpPr>
+        <a:xfrm>
+          <a:off x="0" y="0"/>
+          <a:ext cx="0" cy="0"/>
+          <a:chOff x="0" y="0"/>
+          <a:chExt cx="0" cy="0"/>
+        </a:xfrm>
+      </p:grpSpPr>
+      <p:sp>
+        <p:nvSpPr>
+          <p:cNvPr id="2" name="Title 1">
+            <a:extLst>
+              <a:ext uri="{FF2B5EF4-FFF2-40B4-BE49-F238E27FC236}">
+                <a16:creationId xmlns:a16="http://schemas.microsoft.com/office/drawing/2014/main" id="{5FF0B3A1-1C18-4E15-8302-ECB3385F1CA4}"/>
+              </a:ext>
+            </a:extLst>
+          </p:cNvPr>
+          <p:cNvSpPr>
+            <a:spLocks noGrp="1"/>
+          </p:cNvSpPr>
+          <p:nvPr>
+            <p:ph type="title"/>
+          </p:nvPr>
+        </p:nvSpPr>
+        <p:spPr/>
+        <p:txBody>
+          <a:bodyPr/>
+          <a:lstStyle/>
+          <a:p>
+            <a:r>
+              <a:rPr lang="en-US" dirty="0"/>
+              <a:t>US Vehicle-Miles Trend</a:t>
+            </a:r>
+          </a:p>
+        </p:txBody>
+      </p:sp>
+      <p:pic>
+        <p:nvPicPr>
+          <p:cNvPr id="5" name="Content Placeholder 4">
+            <a:extLst>
+              <a:ext uri="{FF2B5EF4-FFF2-40B4-BE49-F238E27FC236}">
+                <a16:creationId xmlns:a16="http://schemas.microsoft.com/office/drawing/2014/main" id="{783DE995-2505-4458-AD4D-959BE65A5247}"/>
+              </a:ext>
+            </a:extLst>
+          </p:cNvPr>
+          <p:cNvPicPr>
+            <a:picLocks noGrp="1" noChangeAspect="1"/>
+          </p:cNvPicPr>
+          <p:nvPr>
+            <p:ph idx="1"/>
+          </p:nvPr>
+        </p:nvPicPr>
+        <p:blipFill>
+          <a:blip r:embed="rId2"/>
+          <a:stretch>
+            <a:fillRect/>
+          </a:stretch>
+        </p:blipFill>
+        <p:spPr>
+          <a:xfrm>
+            <a:off x="608350" y="1846510"/>
+            <a:ext cx="5487650" cy="3658433"/>
+          </a:xfrm>
+        </p:spPr>
+      </p:pic>
+      <p:sp>
+        <p:nvSpPr>
+          <p:cNvPr id="6" name="TextBox 5">
+            <a:extLst>
+              <a:ext uri="{FF2B5EF4-FFF2-40B4-BE49-F238E27FC236}">
+                <a16:creationId xmlns:a16="http://schemas.microsoft.com/office/drawing/2014/main" id="{23BF74BE-A3F2-4935-A3C3-70A60DEC502A}"/>
+              </a:ext>
+            </a:extLst>
+          </p:cNvPr>
+          <p:cNvSpPr txBox="1"/>
+          <p:nvPr/>
+        </p:nvSpPr>
+        <p:spPr>
+          <a:xfrm>
+            <a:off x="5645791" y="2106065"/>
+            <a:ext cx="4362275" cy="3416320"/>
+          </a:xfrm>
+          <a:prstGeom prst="rect">
+            <a:avLst/>
+          </a:prstGeom>
+          <a:noFill/>
+        </p:spPr>
+        <p:txBody>
+          <a:bodyPr wrap="square" rtlCol="0">
+            <a:spAutoFit/>
+          </a:bodyPr>
+          <a:lstStyle/>
+          <a:p>
+            <a:pPr marL="285750" indent="-285750">
+              <a:buFont typeface="Arial" panose="020B0604020202020204" pitchFamily="34" charset="0"/>
+              <a:buChar char="•"/>
+            </a:pPr>
+            <a:r>
+              <a:rPr lang="en-US" dirty="0"/>
+              <a:t>Miles traveled via ground vehicles (highway) within the US has increased steadily since 2000</a:t>
+            </a:r>
+          </a:p>
+          <a:p>
+            <a:pPr marL="285750" indent="-285750">
+              <a:buFont typeface="Arial" panose="020B0604020202020204" pitchFamily="34" charset="0"/>
+              <a:buChar char="•"/>
+            </a:pPr>
+            <a:r>
+              <a:rPr lang="en-US" dirty="0"/>
+              <a:t>This indicates a negative correlation between air pollution levels and vehicle miles traveled – </a:t>
+            </a:r>
+            <a:r>
+              <a:rPr lang="en-US" b="1" dirty="0"/>
+              <a:t>does this make sense?</a:t>
+            </a:r>
+          </a:p>
+          <a:p>
+            <a:pPr marL="285750" indent="-285750">
+              <a:buFont typeface="Arial" panose="020B0604020202020204" pitchFamily="34" charset="0"/>
+              <a:buChar char="•"/>
+            </a:pPr>
+            <a:r>
+              <a:rPr lang="en-US" dirty="0"/>
+              <a:t>Based off this analysis, our next inference would be that the growth of Hybrid/EV sales is dropping pollution levels despite a growth in miles traveled via ground vehicles</a:t>
+            </a:r>
+          </a:p>
+        </p:txBody>
+      </p:sp>
+      <p:sp>
+        <p:nvSpPr>
+          <p:cNvPr id="7" name="TextBox 6">
+            <a:extLst>
+              <a:ext uri="{FF2B5EF4-FFF2-40B4-BE49-F238E27FC236}">
+                <a16:creationId xmlns:a16="http://schemas.microsoft.com/office/drawing/2014/main" id="{6861BBBF-99E1-4A2C-993F-A01F02DA527F}"/>
+              </a:ext>
+            </a:extLst>
+          </p:cNvPr>
+          <p:cNvSpPr txBox="1"/>
+          <p:nvPr/>
+        </p:nvSpPr>
+        <p:spPr>
+          <a:xfrm>
+            <a:off x="2038525" y="6372521"/>
+            <a:ext cx="6460038" cy="369332"/>
+          </a:xfrm>
+          <a:prstGeom prst="rect">
+            <a:avLst/>
+          </a:prstGeom>
+          <a:noFill/>
+        </p:spPr>
+        <p:txBody>
+          <a:bodyPr wrap="none" rtlCol="0">
+            <a:spAutoFit/>
+          </a:bodyPr>
+          <a:lstStyle/>
+          <a:p>
+            <a:r>
+              <a:rPr lang="en-US" dirty="0"/>
+              <a:t>Data source: </a:t>
+            </a:r>
+            <a:r>
+              <a:rPr lang="en-US" dirty="0">
+                <a:hlinkClick r:id="rId3"/>
+              </a:rPr>
+              <a:t>https://www.bts.gov/content/us-vehicle-miles</a:t>
+            </a:r>
+            <a:endParaRPr lang="en-US" dirty="0"/>
+          </a:p>
+        </p:txBody>
+      </p:sp>
+    </p:spTree>
+    <p:extLst>
+      <p:ext uri="{BB962C8B-B14F-4D97-AF65-F5344CB8AC3E}">
+        <p14:creationId xmlns:p14="http://schemas.microsoft.com/office/powerpoint/2010/main" val="626922327"/>
+      </p:ext>
+    </p:extLst>
+  </p:cSld>
+  <p:clrMapOvr>
+    <a:masterClrMapping/>
+  </p:clrMapOvr>
+</p:sld>
+</file>
+
 <file path=ppt/slides/slide22.xml><?xml version="1.0" encoding="utf-8"?>
 <p:sld xmlns:a="http://schemas.openxmlformats.org/drawingml/2006/main" xmlns:r="http://schemas.openxmlformats.org/officeDocument/2006/relationships" xmlns:p="http://schemas.openxmlformats.org/presentationml/2006/main">
   <p:cSld>
@@ -7571,198 +7683,6 @@
           <p:cNvPr id="2" name="Title 1">
             <a:extLst>
               <a:ext uri="{FF2B5EF4-FFF2-40B4-BE49-F238E27FC236}">
-                <a16:creationId xmlns:a16="http://schemas.microsoft.com/office/drawing/2014/main" id="{5FF0B3A1-1C18-4E15-8302-ECB3385F1CA4}"/>
-              </a:ext>
-            </a:extLst>
-          </p:cNvPr>
-          <p:cNvSpPr>
-            <a:spLocks noGrp="1"/>
-          </p:cNvSpPr>
-          <p:nvPr>
-            <p:ph type="title"/>
-          </p:nvPr>
-        </p:nvSpPr>
-        <p:spPr/>
-        <p:txBody>
-          <a:bodyPr/>
-          <a:lstStyle/>
-          <a:p>
-            <a:r>
-              <a:rPr lang="en-US" dirty="0"/>
-              <a:t>US Vehicle-Miles Trend</a:t>
-            </a:r>
-          </a:p>
-        </p:txBody>
-      </p:sp>
-      <p:pic>
-        <p:nvPicPr>
-          <p:cNvPr id="5" name="Content Placeholder 4">
-            <a:extLst>
-              <a:ext uri="{FF2B5EF4-FFF2-40B4-BE49-F238E27FC236}">
-                <a16:creationId xmlns:a16="http://schemas.microsoft.com/office/drawing/2014/main" id="{783DE995-2505-4458-AD4D-959BE65A5247}"/>
-              </a:ext>
-            </a:extLst>
-          </p:cNvPr>
-          <p:cNvPicPr>
-            <a:picLocks noGrp="1" noChangeAspect="1"/>
-          </p:cNvPicPr>
-          <p:nvPr>
-            <p:ph idx="1"/>
-          </p:nvPr>
-        </p:nvPicPr>
-        <p:blipFill>
-          <a:blip r:embed="rId2"/>
-          <a:stretch>
-            <a:fillRect/>
-          </a:stretch>
-        </p:blipFill>
-        <p:spPr>
-          <a:xfrm>
-            <a:off x="608350" y="1846510"/>
-            <a:ext cx="5487650" cy="3658433"/>
-          </a:xfrm>
-        </p:spPr>
-      </p:pic>
-      <p:sp>
-        <p:nvSpPr>
-          <p:cNvPr id="6" name="TextBox 5">
-            <a:extLst>
-              <a:ext uri="{FF2B5EF4-FFF2-40B4-BE49-F238E27FC236}">
-                <a16:creationId xmlns:a16="http://schemas.microsoft.com/office/drawing/2014/main" id="{23BF74BE-A3F2-4935-A3C3-70A60DEC502A}"/>
-              </a:ext>
-            </a:extLst>
-          </p:cNvPr>
-          <p:cNvSpPr txBox="1"/>
-          <p:nvPr/>
-        </p:nvSpPr>
-        <p:spPr>
-          <a:xfrm>
-            <a:off x="5645791" y="2106065"/>
-            <a:ext cx="4362275" cy="3416320"/>
-          </a:xfrm>
-          <a:prstGeom prst="rect">
-            <a:avLst/>
-          </a:prstGeom>
-          <a:noFill/>
-        </p:spPr>
-        <p:txBody>
-          <a:bodyPr wrap="square" rtlCol="0">
-            <a:spAutoFit/>
-          </a:bodyPr>
-          <a:lstStyle/>
-          <a:p>
-            <a:pPr marL="285750" indent="-285750">
-              <a:buFont typeface="Arial" panose="020B0604020202020204" pitchFamily="34" charset="0"/>
-              <a:buChar char="•"/>
-            </a:pPr>
-            <a:r>
-              <a:rPr lang="en-US" dirty="0"/>
-              <a:t>Miles traveled via ground vehicles (highway) within the US has increased steadily since 2000</a:t>
-            </a:r>
-          </a:p>
-          <a:p>
-            <a:pPr marL="285750" indent="-285750">
-              <a:buFont typeface="Arial" panose="020B0604020202020204" pitchFamily="34" charset="0"/>
-              <a:buChar char="•"/>
-            </a:pPr>
-            <a:r>
-              <a:rPr lang="en-US" dirty="0"/>
-              <a:t>This indicates a negative correlation between air pollution levels and vehicle miles traveled – </a:t>
-            </a:r>
-            <a:r>
-              <a:rPr lang="en-US" b="1" dirty="0"/>
-              <a:t>does this make sense?</a:t>
-            </a:r>
-          </a:p>
-          <a:p>
-            <a:pPr marL="285750" indent="-285750">
-              <a:buFont typeface="Arial" panose="020B0604020202020204" pitchFamily="34" charset="0"/>
-              <a:buChar char="•"/>
-            </a:pPr>
-            <a:r>
-              <a:rPr lang="en-US" dirty="0"/>
-              <a:t>Based off this analysis, our next inference would be that the growth of Hybrid/EV sales is dropping pollution levels despite a growth in miles traveled via ground vehicles</a:t>
-            </a:r>
-          </a:p>
-        </p:txBody>
-      </p:sp>
-      <p:sp>
-        <p:nvSpPr>
-          <p:cNvPr id="7" name="TextBox 6">
-            <a:extLst>
-              <a:ext uri="{FF2B5EF4-FFF2-40B4-BE49-F238E27FC236}">
-                <a16:creationId xmlns:a16="http://schemas.microsoft.com/office/drawing/2014/main" id="{6861BBBF-99E1-4A2C-993F-A01F02DA527F}"/>
-              </a:ext>
-            </a:extLst>
-          </p:cNvPr>
-          <p:cNvSpPr txBox="1"/>
-          <p:nvPr/>
-        </p:nvSpPr>
-        <p:spPr>
-          <a:xfrm>
-            <a:off x="2038525" y="6372521"/>
-            <a:ext cx="6460038" cy="369332"/>
-          </a:xfrm>
-          <a:prstGeom prst="rect">
-            <a:avLst/>
-          </a:prstGeom>
-          <a:noFill/>
-        </p:spPr>
-        <p:txBody>
-          <a:bodyPr wrap="none" rtlCol="0">
-            <a:spAutoFit/>
-          </a:bodyPr>
-          <a:lstStyle/>
-          <a:p>
-            <a:r>
-              <a:rPr lang="en-US" dirty="0"/>
-              <a:t>Data source: </a:t>
-            </a:r>
-            <a:r>
-              <a:rPr lang="en-US" dirty="0">
-                <a:hlinkClick r:id="rId3"/>
-              </a:rPr>
-              <a:t>https://www.bts.gov/content/us-vehicle-miles</a:t>
-            </a:r>
-            <a:endParaRPr lang="en-US" dirty="0"/>
-          </a:p>
-        </p:txBody>
-      </p:sp>
-    </p:spTree>
-    <p:extLst>
-      <p:ext uri="{BB962C8B-B14F-4D97-AF65-F5344CB8AC3E}">
-        <p14:creationId xmlns:p14="http://schemas.microsoft.com/office/powerpoint/2010/main" val="626922327"/>
-      </p:ext>
-    </p:extLst>
-  </p:cSld>
-  <p:clrMapOvr>
-    <a:masterClrMapping/>
-  </p:clrMapOvr>
-</p:sld>
-</file>
-
-<file path=ppt/slides/slide23.xml><?xml version="1.0" encoding="utf-8"?>
-<p:sld xmlns:a="http://schemas.openxmlformats.org/drawingml/2006/main" xmlns:r="http://schemas.openxmlformats.org/officeDocument/2006/relationships" xmlns:p="http://schemas.openxmlformats.org/presentationml/2006/main">
-  <p:cSld>
-    <p:spTree>
-      <p:nvGrpSpPr>
-        <p:cNvPr id="1" name=""/>
-        <p:cNvGrpSpPr/>
-        <p:nvPr/>
-      </p:nvGrpSpPr>
-      <p:grpSpPr>
-        <a:xfrm>
-          <a:off x="0" y="0"/>
-          <a:ext cx="0" cy="0"/>
-          <a:chOff x="0" y="0"/>
-          <a:chExt cx="0" cy="0"/>
-        </a:xfrm>
-      </p:grpSpPr>
-      <p:sp>
-        <p:nvSpPr>
-          <p:cNvPr id="2" name="Title 1">
-            <a:extLst>
-              <a:ext uri="{FF2B5EF4-FFF2-40B4-BE49-F238E27FC236}">
                 <a16:creationId xmlns:a16="http://schemas.microsoft.com/office/drawing/2014/main" id="{AC746231-4583-4AC7-A701-EFC099707208}"/>
               </a:ext>
             </a:extLst>
@@ -7824,7 +7744,7 @@
 </p:sld>
 </file>
 
-<file path=ppt/slides/slide24.xml><?xml version="1.0" encoding="utf-8"?>
+<file path=ppt/slides/slide23.xml><?xml version="1.0" encoding="utf-8"?>
 <p:sld xmlns:a="http://schemas.openxmlformats.org/drawingml/2006/main" xmlns:r="http://schemas.openxmlformats.org/officeDocument/2006/relationships" xmlns:p="http://schemas.openxmlformats.org/presentationml/2006/main">
   <p:cSld>
     <p:spTree>
@@ -8185,10 +8105,15 @@
         </p:nvSpPr>
         <p:spPr/>
         <p:txBody>
-          <a:bodyPr/>
-          <a:lstStyle/>
-          <a:p>
-            <a:endParaRPr lang="en-US"/>
+          <a:bodyPr>
+            <a:normAutofit/>
+          </a:bodyPr>
+          <a:lstStyle/>
+          <a:p>
+            <a:r>
+              <a:rPr lang="en-US" sz="3200" dirty="0"/>
+              <a:t>Growth of Hybrid and Electric Vehicle Sales:</a:t>
+            </a:r>
           </a:p>
         </p:txBody>
       </p:sp>
@@ -8222,7 +8147,7 @@
         </p:blipFill>
         <p:spPr>
           <a:xfrm>
-            <a:off x="677863" y="2310408"/>
+            <a:off x="291969" y="2268463"/>
             <a:ext cx="8596312" cy="3581796"/>
           </a:xfrm>
         </p:spPr>
@@ -8275,10 +8200,15 @@
         </p:nvSpPr>
         <p:spPr/>
         <p:txBody>
-          <a:bodyPr/>
-          <a:lstStyle/>
-          <a:p>
-            <a:endParaRPr lang="en-US"/>
+          <a:bodyPr>
+            <a:normAutofit/>
+          </a:bodyPr>
+          <a:lstStyle/>
+          <a:p>
+            <a:r>
+              <a:rPr lang="en-US" sz="3200" dirty="0"/>
+              <a:t>Growth of Hybrid and Electric Vehicle Sales:</a:t>
+            </a:r>
           </a:p>
         </p:txBody>
       </p:sp>
@@ -8312,7 +8242,7 @@
         </p:blipFill>
         <p:spPr>
           <a:xfrm>
-            <a:off x="677863" y="2310408"/>
+            <a:off x="308747" y="2285241"/>
             <a:ext cx="8596312" cy="3581796"/>
           </a:xfrm>
         </p:spPr>
@@ -8365,10 +8295,15 @@
         </p:nvSpPr>
         <p:spPr/>
         <p:txBody>
-          <a:bodyPr/>
-          <a:lstStyle/>
-          <a:p>
-            <a:endParaRPr lang="en-US"/>
+          <a:bodyPr>
+            <a:normAutofit/>
+          </a:bodyPr>
+          <a:lstStyle/>
+          <a:p>
+            <a:r>
+              <a:rPr lang="en-US" sz="3200" dirty="0"/>
+              <a:t>Growth of Hybrid and Electric Vehicle Sales:</a:t>
+            </a:r>
           </a:p>
         </p:txBody>
       </p:sp>
@@ -8402,7 +8337,7 @@
         </p:blipFill>
         <p:spPr>
           <a:xfrm>
-            <a:off x="677863" y="2310408"/>
+            <a:off x="308748" y="2260074"/>
             <a:ext cx="8596312" cy="3581796"/>
           </a:xfrm>
         </p:spPr>
@@ -8453,12 +8388,22 @@
             <p:ph type="title"/>
           </p:nvPr>
         </p:nvSpPr>
-        <p:spPr/>
-        <p:txBody>
-          <a:bodyPr/>
-          <a:lstStyle/>
-          <a:p>
-            <a:endParaRPr lang="en-US"/>
+        <p:spPr>
+          <a:xfrm>
+            <a:off x="234892" y="562062"/>
+            <a:ext cx="9039110" cy="1368338"/>
+          </a:xfrm>
+        </p:spPr>
+        <p:txBody>
+          <a:bodyPr>
+            <a:normAutofit/>
+          </a:bodyPr>
+          <a:lstStyle/>
+          <a:p>
+            <a:r>
+              <a:rPr lang="en-US" sz="3200" dirty="0"/>
+              <a:t>Comparing Sales of Hybrid vs Electric Vehicles:</a:t>
+            </a:r>
           </a:p>
         </p:txBody>
       </p:sp>
@@ -8492,11 +8437,46 @@
         </p:blipFill>
         <p:spPr>
           <a:xfrm>
-            <a:off x="1102659" y="-97351"/>
-            <a:ext cx="10515600" cy="7010399"/>
+            <a:off x="744446" y="1889998"/>
+            <a:ext cx="7577434" cy="4968002"/>
           </a:xfrm>
         </p:spPr>
       </p:pic>
+      <p:sp>
+        <p:nvSpPr>
+          <p:cNvPr id="3" name="TextBox 2">
+            <a:extLst>
+              <a:ext uri="{FF2B5EF4-FFF2-40B4-BE49-F238E27FC236}">
+                <a16:creationId xmlns:a16="http://schemas.microsoft.com/office/drawing/2014/main" id="{A7886B13-621B-468A-9F02-6FD505AEC26E}"/>
+              </a:ext>
+            </a:extLst>
+          </p:cNvPr>
+          <p:cNvSpPr txBox="1"/>
+          <p:nvPr/>
+        </p:nvSpPr>
+        <p:spPr>
+          <a:xfrm>
+            <a:off x="780213" y="1561068"/>
+            <a:ext cx="4014240" cy="369332"/>
+          </a:xfrm>
+          <a:prstGeom prst="rect">
+            <a:avLst/>
+          </a:prstGeom>
+          <a:noFill/>
+        </p:spPr>
+        <p:txBody>
+          <a:bodyPr wrap="none" rtlCol="0">
+            <a:spAutoFit/>
+          </a:bodyPr>
+          <a:lstStyle/>
+          <a:p>
+            <a:r>
+              <a:rPr lang="en-US" dirty="0"/>
+              <a:t>Why do sales trends vary in this way?</a:t>
+            </a:r>
+          </a:p>
+        </p:txBody>
+      </p:sp>
     </p:spTree>
     <p:extLst>
       <p:ext uri="{BB962C8B-B14F-4D97-AF65-F5344CB8AC3E}">
@@ -8532,7 +8512,7 @@
           <p:cNvPr id="2" name="Title 1">
             <a:extLst>
               <a:ext uri="{FF2B5EF4-FFF2-40B4-BE49-F238E27FC236}">
-                <a16:creationId xmlns:a16="http://schemas.microsoft.com/office/drawing/2014/main" id="{5060283C-5C75-4EEC-B25B-53FE6B3BCB24}"/>
+                <a16:creationId xmlns:a16="http://schemas.microsoft.com/office/drawing/2014/main" id="{9F2FC880-1F23-4B21-BF8B-8F83C578D037}"/>
               </a:ext>
             </a:extLst>
           </p:cNvPr>
@@ -8548,7 +8528,10 @@
           <a:bodyPr/>
           <a:lstStyle/>
           <a:p>
-            <a:endParaRPr lang="en-US"/>
+            <a:r>
+              <a:rPr lang="en-US" dirty="0"/>
+              <a:t>Factors Impacting Sales:</a:t>
+            </a:r>
           </a:p>
         </p:txBody>
       </p:sp>
@@ -8557,7 +8540,7 @@
           <p:cNvPr id="5" name="Content Placeholder 4">
             <a:extLst>
               <a:ext uri="{FF2B5EF4-FFF2-40B4-BE49-F238E27FC236}">
-                <a16:creationId xmlns:a16="http://schemas.microsoft.com/office/drawing/2014/main" id="{73CF6045-FD34-4A54-91A1-922D05AF01C7}"/>
+                <a16:creationId xmlns:a16="http://schemas.microsoft.com/office/drawing/2014/main" id="{4C75B6EC-F102-41D3-8E7B-B9FC45CD8F9B}"/>
               </a:ext>
             </a:extLst>
           </p:cNvPr>
@@ -8582,15 +8565,64 @@
         </p:blipFill>
         <p:spPr>
           <a:xfrm>
-            <a:off x="1614486" y="0"/>
-            <a:ext cx="9739314" cy="6492875"/>
+            <a:off x="466049" y="2709644"/>
+            <a:ext cx="8807953" cy="3669981"/>
           </a:xfrm>
         </p:spPr>
       </p:pic>
+      <p:sp>
+        <p:nvSpPr>
+          <p:cNvPr id="3" name="TextBox 2">
+            <a:extLst>
+              <a:ext uri="{FF2B5EF4-FFF2-40B4-BE49-F238E27FC236}">
+                <a16:creationId xmlns:a16="http://schemas.microsoft.com/office/drawing/2014/main" id="{2C127AAC-048D-4E1E-82AB-102E28695E11}"/>
+              </a:ext>
+            </a:extLst>
+          </p:cNvPr>
+          <p:cNvSpPr txBox="1"/>
+          <p:nvPr/>
+        </p:nvSpPr>
+        <p:spPr>
+          <a:xfrm>
+            <a:off x="677334" y="1509315"/>
+            <a:ext cx="5377343" cy="1200329"/>
+          </a:xfrm>
+          <a:prstGeom prst="rect">
+            <a:avLst/>
+          </a:prstGeom>
+          <a:noFill/>
+        </p:spPr>
+        <p:txBody>
+          <a:bodyPr wrap="square" rtlCol="0">
+            <a:spAutoFit/>
+          </a:bodyPr>
+          <a:lstStyle/>
+          <a:p>
+            <a:pPr marL="285750" indent="-285750">
+              <a:buFontTx/>
+              <a:buChar char="-"/>
+            </a:pPr>
+            <a:r>
+              <a:rPr lang="en-US" dirty="0"/>
+              <a:t>Sales of Hybrid Vehicles appears to be heavily linked to gasoline prices.</a:t>
+            </a:r>
+          </a:p>
+          <a:p>
+            <a:pPr marL="285750" indent="-285750">
+              <a:buFontTx/>
+              <a:buChar char="-"/>
+            </a:pPr>
+            <a:r>
+              <a:rPr lang="en-US" dirty="0"/>
+              <a:t>Electric Vehicle sales were more resilient to changes in gasoline prices.</a:t>
+            </a:r>
+          </a:p>
+        </p:txBody>
+      </p:sp>
     </p:spTree>
     <p:extLst>
       <p:ext uri="{BB962C8B-B14F-4D97-AF65-F5344CB8AC3E}">
-        <p14:creationId xmlns:p14="http://schemas.microsoft.com/office/powerpoint/2010/main" val="295353461"/>
+        <p14:creationId xmlns:p14="http://schemas.microsoft.com/office/powerpoint/2010/main" val="2348836302"/>
       </p:ext>
     </p:extLst>
   </p:cSld>

--- a/Presentation1.pptx
+++ b/Presentation1.pptx
@@ -17,17 +17,18 @@
     <p:sldId id="260" r:id="rId11"/>
     <p:sldId id="261" r:id="rId12"/>
     <p:sldId id="263" r:id="rId13"/>
-    <p:sldId id="262" r:id="rId14"/>
-    <p:sldId id="264" r:id="rId15"/>
-    <p:sldId id="265" r:id="rId16"/>
-    <p:sldId id="269" r:id="rId17"/>
-    <p:sldId id="270" r:id="rId18"/>
-    <p:sldId id="271" r:id="rId19"/>
-    <p:sldId id="272" r:id="rId20"/>
-    <p:sldId id="273" r:id="rId21"/>
-    <p:sldId id="274" r:id="rId22"/>
-    <p:sldId id="278" r:id="rId23"/>
-    <p:sldId id="279" r:id="rId24"/>
+    <p:sldId id="280" r:id="rId14"/>
+    <p:sldId id="262" r:id="rId15"/>
+    <p:sldId id="264" r:id="rId16"/>
+    <p:sldId id="265" r:id="rId17"/>
+    <p:sldId id="269" r:id="rId18"/>
+    <p:sldId id="270" r:id="rId19"/>
+    <p:sldId id="271" r:id="rId20"/>
+    <p:sldId id="272" r:id="rId21"/>
+    <p:sldId id="273" r:id="rId22"/>
+    <p:sldId id="274" r:id="rId23"/>
+    <p:sldId id="278" r:id="rId24"/>
+    <p:sldId id="279" r:id="rId25"/>
   </p:sldIdLst>
   <p:sldSz cx="12192000" cy="6858000"/>
   <p:notesSz cx="6858000" cy="9144000"/>
@@ -856,7 +857,7 @@
           <a:p>
             <a:fld id="{010A7FB3-A316-402C-99FC-ECFF33919AD8}" type="datetimeFigureOut">
               <a:rPr lang="en-US" smtClean="0"/>
-              <a:t>4/11/2019</a:t>
+              <a:t>4/11/19</a:t>
             </a:fld>
             <a:endParaRPr lang="en-US"/>
           </a:p>
@@ -1107,7 +1108,7 @@
           <a:p>
             <a:fld id="{010A7FB3-A316-402C-99FC-ECFF33919AD8}" type="datetimeFigureOut">
               <a:rPr lang="en-US" smtClean="0"/>
-              <a:t>4/11/2019</a:t>
+              <a:t>4/11/19</a:t>
             </a:fld>
             <a:endParaRPr lang="en-US"/>
           </a:p>
@@ -1421,7 +1422,7 @@
           <a:p>
             <a:fld id="{010A7FB3-A316-402C-99FC-ECFF33919AD8}" type="datetimeFigureOut">
               <a:rPr lang="en-US" smtClean="0"/>
-              <a:t>4/11/2019</a:t>
+              <a:t>4/11/19</a:t>
             </a:fld>
             <a:endParaRPr lang="en-US"/>
           </a:p>
@@ -1762,7 +1763,7 @@
           <a:p>
             <a:fld id="{010A7FB3-A316-402C-99FC-ECFF33919AD8}" type="datetimeFigureOut">
               <a:rPr lang="en-US" smtClean="0"/>
-              <a:t>4/11/2019</a:t>
+              <a:t>4/11/19</a:t>
             </a:fld>
             <a:endParaRPr lang="en-US"/>
           </a:p>
@@ -2076,7 +2077,7 @@
           <a:p>
             <a:fld id="{010A7FB3-A316-402C-99FC-ECFF33919AD8}" type="datetimeFigureOut">
               <a:rPr lang="en-US" smtClean="0"/>
-              <a:t>4/11/2019</a:t>
+              <a:t>4/11/19</a:t>
             </a:fld>
             <a:endParaRPr lang="en-US"/>
           </a:p>
@@ -2469,7 +2470,7 @@
           <a:p>
             <a:fld id="{010A7FB3-A316-402C-99FC-ECFF33919AD8}" type="datetimeFigureOut">
               <a:rPr lang="en-US" smtClean="0"/>
-              <a:t>4/11/2019</a:t>
+              <a:t>4/11/19</a:t>
             </a:fld>
             <a:endParaRPr lang="en-US"/>
           </a:p>
@@ -2639,7 +2640,7 @@
           <a:p>
             <a:fld id="{010A7FB3-A316-402C-99FC-ECFF33919AD8}" type="datetimeFigureOut">
               <a:rPr lang="en-US" smtClean="0"/>
-              <a:t>4/11/2019</a:t>
+              <a:t>4/11/19</a:t>
             </a:fld>
             <a:endParaRPr lang="en-US"/>
           </a:p>
@@ -2819,7 +2820,7 @@
           <a:p>
             <a:fld id="{010A7FB3-A316-402C-99FC-ECFF33919AD8}" type="datetimeFigureOut">
               <a:rPr lang="en-US" smtClean="0"/>
-              <a:t>4/11/2019</a:t>
+              <a:t>4/11/19</a:t>
             </a:fld>
             <a:endParaRPr lang="en-US"/>
           </a:p>
@@ -2995,7 +2996,7 @@
           <a:p>
             <a:fld id="{010A7FB3-A316-402C-99FC-ECFF33919AD8}" type="datetimeFigureOut">
               <a:rPr lang="en-US" smtClean="0"/>
-              <a:t>4/11/2019</a:t>
+              <a:t>4/11/19</a:t>
             </a:fld>
             <a:endParaRPr lang="en-US"/>
           </a:p>
@@ -3242,7 +3243,7 @@
           <a:p>
             <a:fld id="{010A7FB3-A316-402C-99FC-ECFF33919AD8}" type="datetimeFigureOut">
               <a:rPr lang="en-US" smtClean="0"/>
-              <a:t>4/11/2019</a:t>
+              <a:t>4/11/19</a:t>
             </a:fld>
             <a:endParaRPr lang="en-US"/>
           </a:p>
@@ -3474,7 +3475,7 @@
           <a:p>
             <a:fld id="{010A7FB3-A316-402C-99FC-ECFF33919AD8}" type="datetimeFigureOut">
               <a:rPr lang="en-US" smtClean="0"/>
-              <a:t>4/11/2019</a:t>
+              <a:t>4/11/19</a:t>
             </a:fld>
             <a:endParaRPr lang="en-US"/>
           </a:p>
@@ -3848,7 +3849,7 @@
           <a:p>
             <a:fld id="{010A7FB3-A316-402C-99FC-ECFF33919AD8}" type="datetimeFigureOut">
               <a:rPr lang="en-US" smtClean="0"/>
-              <a:t>4/11/2019</a:t>
+              <a:t>4/11/19</a:t>
             </a:fld>
             <a:endParaRPr lang="en-US"/>
           </a:p>
@@ -3971,7 +3972,7 @@
           <a:p>
             <a:fld id="{010A7FB3-A316-402C-99FC-ECFF33919AD8}" type="datetimeFigureOut">
               <a:rPr lang="en-US" smtClean="0"/>
-              <a:t>4/11/2019</a:t>
+              <a:t>4/11/19</a:t>
             </a:fld>
             <a:endParaRPr lang="en-US"/>
           </a:p>
@@ -4066,7 +4067,7 @@
           <a:p>
             <a:fld id="{010A7FB3-A316-402C-99FC-ECFF33919AD8}" type="datetimeFigureOut">
               <a:rPr lang="en-US" smtClean="0"/>
-              <a:t>4/11/2019</a:t>
+              <a:t>4/11/19</a:t>
             </a:fld>
             <a:endParaRPr lang="en-US"/>
           </a:p>
@@ -4321,7 +4322,7 @@
           <a:p>
             <a:fld id="{010A7FB3-A316-402C-99FC-ECFF33919AD8}" type="datetimeFigureOut">
               <a:rPr lang="en-US" smtClean="0"/>
-              <a:t>4/11/2019</a:t>
+              <a:t>4/11/19</a:t>
             </a:fld>
             <a:endParaRPr lang="en-US"/>
           </a:p>
@@ -4584,7 +4585,7 @@
           <a:p>
             <a:fld id="{010A7FB3-A316-402C-99FC-ECFF33919AD8}" type="datetimeFigureOut">
               <a:rPr lang="en-US" smtClean="0"/>
-              <a:t>4/11/2019</a:t>
+              <a:t>4/11/19</a:t>
             </a:fld>
             <a:endParaRPr lang="en-US"/>
           </a:p>
@@ -5327,7 +5328,7 @@
           <a:p>
             <a:fld id="{010A7FB3-A316-402C-99FC-ECFF33919AD8}" type="datetimeFigureOut">
               <a:rPr lang="en-US" smtClean="0"/>
-              <a:t>4/11/2019</a:t>
+              <a:t>4/11/19</a:t>
             </a:fld>
             <a:endParaRPr lang="en-US"/>
           </a:p>
@@ -6240,6 +6241,96 @@
           <p:cNvPr id="2" name="Title 1">
             <a:extLst>
               <a:ext uri="{FF2B5EF4-FFF2-40B4-BE49-F238E27FC236}">
+                <a16:creationId xmlns:a16="http://schemas.microsoft.com/office/drawing/2014/main" id="{8C824809-D103-574C-8253-CDA835BC430E}"/>
+              </a:ext>
+            </a:extLst>
+          </p:cNvPr>
+          <p:cNvSpPr>
+            <a:spLocks noGrp="1"/>
+          </p:cNvSpPr>
+          <p:nvPr>
+            <p:ph type="title"/>
+          </p:nvPr>
+        </p:nvSpPr>
+        <p:spPr/>
+        <p:txBody>
+          <a:bodyPr/>
+          <a:lstStyle/>
+          <a:p>
+            <a:endParaRPr lang="en-US"/>
+          </a:p>
+        </p:txBody>
+      </p:sp>
+      <p:pic>
+        <p:nvPicPr>
+          <p:cNvPr id="5" name="Content Placeholder 4">
+            <a:extLst>
+              <a:ext uri="{FF2B5EF4-FFF2-40B4-BE49-F238E27FC236}">
+                <a16:creationId xmlns:a16="http://schemas.microsoft.com/office/drawing/2014/main" id="{5FE49816-1446-2D44-ADE4-EFD5FF3DBFA5}"/>
+              </a:ext>
+            </a:extLst>
+          </p:cNvPr>
+          <p:cNvPicPr>
+            <a:picLocks noGrp="1" noChangeAspect="1"/>
+          </p:cNvPicPr>
+          <p:nvPr>
+            <p:ph idx="1"/>
+          </p:nvPr>
+        </p:nvPicPr>
+        <p:blipFill>
+          <a:blip r:embed="rId2">
+            <a:extLst>
+              <a:ext uri="{28A0092B-C50C-407E-A947-70E740481C1C}">
+                <a14:useLocalDpi xmlns:a14="http://schemas.microsoft.com/office/drawing/2010/main" val="0"/>
+              </a:ext>
+            </a:extLst>
+          </a:blip>
+          <a:stretch>
+            <a:fillRect/>
+          </a:stretch>
+        </p:blipFill>
+        <p:spPr>
+          <a:xfrm>
+            <a:off x="317855" y="178569"/>
+            <a:ext cx="10465682" cy="5814268"/>
+          </a:xfrm>
+        </p:spPr>
+      </p:pic>
+    </p:spTree>
+    <p:extLst>
+      <p:ext uri="{BB962C8B-B14F-4D97-AF65-F5344CB8AC3E}">
+        <p14:creationId xmlns:p14="http://schemas.microsoft.com/office/powerpoint/2010/main" val="2966645675"/>
+      </p:ext>
+    </p:extLst>
+  </p:cSld>
+  <p:clrMapOvr>
+    <a:masterClrMapping/>
+  </p:clrMapOvr>
+</p:sld>
+</file>
+
+<file path=ppt/slides/slide14.xml><?xml version="1.0" encoding="utf-8"?>
+<p:sld xmlns:a="http://schemas.openxmlformats.org/drawingml/2006/main" xmlns:r="http://schemas.openxmlformats.org/officeDocument/2006/relationships" xmlns:p="http://schemas.openxmlformats.org/presentationml/2006/main">
+  <p:cSld>
+    <p:spTree>
+      <p:nvGrpSpPr>
+        <p:cNvPr id="1" name=""/>
+        <p:cNvGrpSpPr/>
+        <p:nvPr/>
+      </p:nvGrpSpPr>
+      <p:grpSpPr>
+        <a:xfrm>
+          <a:off x="0" y="0"/>
+          <a:ext cx="0" cy="0"/>
+          <a:chOff x="0" y="0"/>
+          <a:chExt cx="0" cy="0"/>
+        </a:xfrm>
+      </p:grpSpPr>
+      <p:sp>
+        <p:nvSpPr>
+          <p:cNvPr id="2" name="Title 1">
+            <a:extLst>
+              <a:ext uri="{FF2B5EF4-FFF2-40B4-BE49-F238E27FC236}">
                 <a16:creationId xmlns:a16="http://schemas.microsoft.com/office/drawing/2014/main" id="{EFE0997F-1367-4C96-8D30-497D7641C999}"/>
               </a:ext>
             </a:extLst>
@@ -6308,7 +6399,7 @@
 </p:sld>
 </file>
 
-<file path=ppt/slides/slide14.xml><?xml version="1.0" encoding="utf-8"?>
+<file path=ppt/slides/slide15.xml><?xml version="1.0" encoding="utf-8"?>
 <p:sld xmlns:a="http://schemas.openxmlformats.org/drawingml/2006/main" xmlns:r="http://schemas.openxmlformats.org/officeDocument/2006/relationships" xmlns:p="http://schemas.openxmlformats.org/presentationml/2006/main">
   <p:cSld>
     <p:spTree>
@@ -6398,7 +6489,7 @@
 </p:sld>
 </file>
 
-<file path=ppt/slides/slide15.xml><?xml version="1.0" encoding="utf-8"?>
+<file path=ppt/slides/slide16.xml><?xml version="1.0" encoding="utf-8"?>
 <p:sld xmlns:a="http://schemas.openxmlformats.org/drawingml/2006/main" xmlns:r="http://schemas.openxmlformats.org/officeDocument/2006/relationships" xmlns:p="http://schemas.openxmlformats.org/presentationml/2006/main">
   <p:cSld>
     <p:spTree>
@@ -6522,7 +6613,7 @@
 </p:sld>
 </file>
 
-<file path=ppt/slides/slide16.xml><?xml version="1.0" encoding="utf-8"?>
+<file path=ppt/slides/slide17.xml><?xml version="1.0" encoding="utf-8"?>
 <p:sld xmlns:a="http://schemas.openxmlformats.org/drawingml/2006/main" xmlns:r="http://schemas.openxmlformats.org/officeDocument/2006/relationships" xmlns:p="http://schemas.openxmlformats.org/presentationml/2006/main">
   <p:cSld>
     <p:spTree>
@@ -6611,7 +6702,7 @@
 </p:sld>
 </file>
 
-<file path=ppt/slides/slide17.xml><?xml version="1.0" encoding="utf-8"?>
+<file path=ppt/slides/slide18.xml><?xml version="1.0" encoding="utf-8"?>
 <p:sld xmlns:a="http://schemas.openxmlformats.org/drawingml/2006/main" xmlns:r="http://schemas.openxmlformats.org/officeDocument/2006/relationships" xmlns:p="http://schemas.openxmlformats.org/presentationml/2006/main">
   <p:cSld>
     <p:spTree>
@@ -6700,7 +6791,7 @@
 </p:sld>
 </file>
 
-<file path=ppt/slides/slide18.xml><?xml version="1.0" encoding="utf-8"?>
+<file path=ppt/slides/slide19.xml><?xml version="1.0" encoding="utf-8"?>
 <p:sld xmlns:a="http://schemas.openxmlformats.org/drawingml/2006/main" xmlns:r="http://schemas.openxmlformats.org/officeDocument/2006/relationships" xmlns:p="http://schemas.openxmlformats.org/presentationml/2006/main">
   <p:cSld>
     <p:spTree>
@@ -6946,7 +7037,105 @@
 </p:sld>
 </file>
 
-<file path=ppt/slides/slide19.xml><?xml version="1.0" encoding="utf-8"?>
+<file path=ppt/slides/slide2.xml><?xml version="1.0" encoding="utf-8"?>
+<p:sld xmlns:a="http://schemas.openxmlformats.org/drawingml/2006/main" xmlns:r="http://schemas.openxmlformats.org/officeDocument/2006/relationships" xmlns:p="http://schemas.openxmlformats.org/presentationml/2006/main">
+  <p:cSld>
+    <p:spTree>
+      <p:nvGrpSpPr>
+        <p:cNvPr id="1" name=""/>
+        <p:cNvGrpSpPr/>
+        <p:nvPr/>
+      </p:nvGrpSpPr>
+      <p:grpSpPr>
+        <a:xfrm>
+          <a:off x="0" y="0"/>
+          <a:ext cx="0" cy="0"/>
+          <a:chOff x="0" y="0"/>
+          <a:chExt cx="0" cy="0"/>
+        </a:xfrm>
+      </p:grpSpPr>
+      <p:sp>
+        <p:nvSpPr>
+          <p:cNvPr id="2" name="Title 1">
+            <a:extLst>
+              <a:ext uri="{FF2B5EF4-FFF2-40B4-BE49-F238E27FC236}">
+                <a16:creationId xmlns:a16="http://schemas.microsoft.com/office/drawing/2014/main" id="{212A4066-7DA1-4FDB-B5B4-5FCA180CDB3A}"/>
+              </a:ext>
+            </a:extLst>
+          </p:cNvPr>
+          <p:cNvSpPr>
+            <a:spLocks noGrp="1"/>
+          </p:cNvSpPr>
+          <p:nvPr>
+            <p:ph type="title"/>
+          </p:nvPr>
+        </p:nvSpPr>
+        <p:spPr/>
+        <p:txBody>
+          <a:bodyPr/>
+          <a:lstStyle/>
+          <a:p>
+            <a:r>
+              <a:rPr lang="en-US" dirty="0"/>
+              <a:t>Motivation &amp; Summary</a:t>
+            </a:r>
+          </a:p>
+        </p:txBody>
+      </p:sp>
+      <p:sp>
+        <p:nvSpPr>
+          <p:cNvPr id="3" name="Content Placeholder 2">
+            <a:extLst>
+              <a:ext uri="{FF2B5EF4-FFF2-40B4-BE49-F238E27FC236}">
+                <a16:creationId xmlns:a16="http://schemas.microsoft.com/office/drawing/2014/main" id="{CCE29D34-71FB-4891-AE17-F6149F4EECFE}"/>
+              </a:ext>
+            </a:extLst>
+          </p:cNvPr>
+          <p:cNvSpPr>
+            <a:spLocks noGrp="1"/>
+          </p:cNvSpPr>
+          <p:nvPr>
+            <p:ph idx="1"/>
+          </p:nvPr>
+        </p:nvSpPr>
+        <p:spPr/>
+        <p:txBody>
+          <a:bodyPr/>
+          <a:lstStyle/>
+          <a:p>
+            <a:r>
+              <a:rPr lang="en-US" dirty="0"/>
+              <a:t>Historical analysis of Hybrid and Electric Vehicle market shares</a:t>
+            </a:r>
+          </a:p>
+          <a:p>
+            <a:r>
+              <a:rPr lang="en-US" dirty="0"/>
+              <a:t>How do green initiatives vary from state to state?</a:t>
+            </a:r>
+          </a:p>
+          <a:p>
+            <a:r>
+              <a:rPr lang="en-US" dirty="0"/>
+              <a:t>With the growth in purchases of electric vehicles, how has air pollution been impacted?</a:t>
+            </a:r>
+          </a:p>
+        </p:txBody>
+      </p:sp>
+    </p:spTree>
+    <p:extLst>
+      <p:ext uri="{BB962C8B-B14F-4D97-AF65-F5344CB8AC3E}">
+        <p14:creationId xmlns:p14="http://schemas.microsoft.com/office/powerpoint/2010/main" val="3205176446"/>
+      </p:ext>
+    </p:extLst>
+  </p:cSld>
+  <p:clrMapOvr>
+    <a:masterClrMapping/>
+  </p:clrMapOvr>
+</p:sld>
+</file>
+
+<file path=ppt/slides/slide20.xml><?xml version="1.0" encoding="utf-8"?>
 <p:sld xmlns:a="http://schemas.openxmlformats.org/drawingml/2006/main" xmlns:r="http://schemas.openxmlformats.org/officeDocument/2006/relationships" xmlns:p="http://schemas.openxmlformats.org/presentationml/2006/main">
   <p:cSld>
     <p:spTree>
@@ -7108,105 +7297,7 @@
 </p:sld>
 </file>
 
-<file path=ppt/slides/slide2.xml><?xml version="1.0" encoding="utf-8"?>
-<p:sld xmlns:a="http://schemas.openxmlformats.org/drawingml/2006/main" xmlns:r="http://schemas.openxmlformats.org/officeDocument/2006/relationships" xmlns:p="http://schemas.openxmlformats.org/presentationml/2006/main">
-  <p:cSld>
-    <p:spTree>
-      <p:nvGrpSpPr>
-        <p:cNvPr id="1" name=""/>
-        <p:cNvGrpSpPr/>
-        <p:nvPr/>
-      </p:nvGrpSpPr>
-      <p:grpSpPr>
-        <a:xfrm>
-          <a:off x="0" y="0"/>
-          <a:ext cx="0" cy="0"/>
-          <a:chOff x="0" y="0"/>
-          <a:chExt cx="0" cy="0"/>
-        </a:xfrm>
-      </p:grpSpPr>
-      <p:sp>
-        <p:nvSpPr>
-          <p:cNvPr id="2" name="Title 1">
-            <a:extLst>
-              <a:ext uri="{FF2B5EF4-FFF2-40B4-BE49-F238E27FC236}">
-                <a16:creationId xmlns:a16="http://schemas.microsoft.com/office/drawing/2014/main" id="{212A4066-7DA1-4FDB-B5B4-5FCA180CDB3A}"/>
-              </a:ext>
-            </a:extLst>
-          </p:cNvPr>
-          <p:cNvSpPr>
-            <a:spLocks noGrp="1"/>
-          </p:cNvSpPr>
-          <p:nvPr>
-            <p:ph type="title"/>
-          </p:nvPr>
-        </p:nvSpPr>
-        <p:spPr/>
-        <p:txBody>
-          <a:bodyPr/>
-          <a:lstStyle/>
-          <a:p>
-            <a:r>
-              <a:rPr lang="en-US" dirty="0"/>
-              <a:t>Motivation &amp; Summary</a:t>
-            </a:r>
-          </a:p>
-        </p:txBody>
-      </p:sp>
-      <p:sp>
-        <p:nvSpPr>
-          <p:cNvPr id="3" name="Content Placeholder 2">
-            <a:extLst>
-              <a:ext uri="{FF2B5EF4-FFF2-40B4-BE49-F238E27FC236}">
-                <a16:creationId xmlns:a16="http://schemas.microsoft.com/office/drawing/2014/main" id="{CCE29D34-71FB-4891-AE17-F6149F4EECFE}"/>
-              </a:ext>
-            </a:extLst>
-          </p:cNvPr>
-          <p:cNvSpPr>
-            <a:spLocks noGrp="1"/>
-          </p:cNvSpPr>
-          <p:nvPr>
-            <p:ph idx="1"/>
-          </p:nvPr>
-        </p:nvSpPr>
-        <p:spPr/>
-        <p:txBody>
-          <a:bodyPr/>
-          <a:lstStyle/>
-          <a:p>
-            <a:r>
-              <a:rPr lang="en-US" dirty="0"/>
-              <a:t>Historical analysis of Hybrid and Electric Vehicle market shares</a:t>
-            </a:r>
-          </a:p>
-          <a:p>
-            <a:r>
-              <a:rPr lang="en-US" dirty="0"/>
-              <a:t>How do green initiatives vary from state to state?</a:t>
-            </a:r>
-          </a:p>
-          <a:p>
-            <a:r>
-              <a:rPr lang="en-US" dirty="0"/>
-              <a:t>With the growth in purchases of electric vehicles, how has air pollution been impacted?</a:t>
-            </a:r>
-          </a:p>
-        </p:txBody>
-      </p:sp>
-    </p:spTree>
-    <p:extLst>
-      <p:ext uri="{BB962C8B-B14F-4D97-AF65-F5344CB8AC3E}">
-        <p14:creationId xmlns:p14="http://schemas.microsoft.com/office/powerpoint/2010/main" val="3205176446"/>
-      </p:ext>
-    </p:extLst>
-  </p:cSld>
-  <p:clrMapOvr>
-    <a:masterClrMapping/>
-  </p:clrMapOvr>
-</p:sld>
-</file>
-
-<file path=ppt/slides/slide20.xml><?xml version="1.0" encoding="utf-8"?>
+<file path=ppt/slides/slide21.xml><?xml version="1.0" encoding="utf-8"?>
 <p:sld xmlns:a="http://schemas.openxmlformats.org/drawingml/2006/main" xmlns:r="http://schemas.openxmlformats.org/officeDocument/2006/relationships" xmlns:p="http://schemas.openxmlformats.org/presentationml/2006/main">
   <p:cSld>
     <p:spTree>
@@ -7469,198 +7560,6 @@
 </p:sld>
 </file>
 
-<file path=ppt/slides/slide21.xml><?xml version="1.0" encoding="utf-8"?>
-<p:sld xmlns:a="http://schemas.openxmlformats.org/drawingml/2006/main" xmlns:r="http://schemas.openxmlformats.org/officeDocument/2006/relationships" xmlns:p="http://schemas.openxmlformats.org/presentationml/2006/main">
-  <p:cSld>
-    <p:spTree>
-      <p:nvGrpSpPr>
-        <p:cNvPr id="1" name=""/>
-        <p:cNvGrpSpPr/>
-        <p:nvPr/>
-      </p:nvGrpSpPr>
-      <p:grpSpPr>
-        <a:xfrm>
-          <a:off x="0" y="0"/>
-          <a:ext cx="0" cy="0"/>
-          <a:chOff x="0" y="0"/>
-          <a:chExt cx="0" cy="0"/>
-        </a:xfrm>
-      </p:grpSpPr>
-      <p:sp>
-        <p:nvSpPr>
-          <p:cNvPr id="2" name="Title 1">
-            <a:extLst>
-              <a:ext uri="{FF2B5EF4-FFF2-40B4-BE49-F238E27FC236}">
-                <a16:creationId xmlns:a16="http://schemas.microsoft.com/office/drawing/2014/main" id="{5FF0B3A1-1C18-4E15-8302-ECB3385F1CA4}"/>
-              </a:ext>
-            </a:extLst>
-          </p:cNvPr>
-          <p:cNvSpPr>
-            <a:spLocks noGrp="1"/>
-          </p:cNvSpPr>
-          <p:nvPr>
-            <p:ph type="title"/>
-          </p:nvPr>
-        </p:nvSpPr>
-        <p:spPr/>
-        <p:txBody>
-          <a:bodyPr/>
-          <a:lstStyle/>
-          <a:p>
-            <a:r>
-              <a:rPr lang="en-US" dirty="0"/>
-              <a:t>US Vehicle-Miles Trend</a:t>
-            </a:r>
-          </a:p>
-        </p:txBody>
-      </p:sp>
-      <p:pic>
-        <p:nvPicPr>
-          <p:cNvPr id="5" name="Content Placeholder 4">
-            <a:extLst>
-              <a:ext uri="{FF2B5EF4-FFF2-40B4-BE49-F238E27FC236}">
-                <a16:creationId xmlns:a16="http://schemas.microsoft.com/office/drawing/2014/main" id="{783DE995-2505-4458-AD4D-959BE65A5247}"/>
-              </a:ext>
-            </a:extLst>
-          </p:cNvPr>
-          <p:cNvPicPr>
-            <a:picLocks noGrp="1" noChangeAspect="1"/>
-          </p:cNvPicPr>
-          <p:nvPr>
-            <p:ph idx="1"/>
-          </p:nvPr>
-        </p:nvPicPr>
-        <p:blipFill>
-          <a:blip r:embed="rId2"/>
-          <a:stretch>
-            <a:fillRect/>
-          </a:stretch>
-        </p:blipFill>
-        <p:spPr>
-          <a:xfrm>
-            <a:off x="608350" y="1846510"/>
-            <a:ext cx="5487650" cy="3658433"/>
-          </a:xfrm>
-        </p:spPr>
-      </p:pic>
-      <p:sp>
-        <p:nvSpPr>
-          <p:cNvPr id="6" name="TextBox 5">
-            <a:extLst>
-              <a:ext uri="{FF2B5EF4-FFF2-40B4-BE49-F238E27FC236}">
-                <a16:creationId xmlns:a16="http://schemas.microsoft.com/office/drawing/2014/main" id="{23BF74BE-A3F2-4935-A3C3-70A60DEC502A}"/>
-              </a:ext>
-            </a:extLst>
-          </p:cNvPr>
-          <p:cNvSpPr txBox="1"/>
-          <p:nvPr/>
-        </p:nvSpPr>
-        <p:spPr>
-          <a:xfrm>
-            <a:off x="5645791" y="2106065"/>
-            <a:ext cx="4362275" cy="3416320"/>
-          </a:xfrm>
-          <a:prstGeom prst="rect">
-            <a:avLst/>
-          </a:prstGeom>
-          <a:noFill/>
-        </p:spPr>
-        <p:txBody>
-          <a:bodyPr wrap="square" rtlCol="0">
-            <a:spAutoFit/>
-          </a:bodyPr>
-          <a:lstStyle/>
-          <a:p>
-            <a:pPr marL="285750" indent="-285750">
-              <a:buFont typeface="Arial" panose="020B0604020202020204" pitchFamily="34" charset="0"/>
-              <a:buChar char="•"/>
-            </a:pPr>
-            <a:r>
-              <a:rPr lang="en-US" dirty="0"/>
-              <a:t>Miles traveled via ground vehicles (highway) within the US has increased steadily since 2000</a:t>
-            </a:r>
-          </a:p>
-          <a:p>
-            <a:pPr marL="285750" indent="-285750">
-              <a:buFont typeface="Arial" panose="020B0604020202020204" pitchFamily="34" charset="0"/>
-              <a:buChar char="•"/>
-            </a:pPr>
-            <a:r>
-              <a:rPr lang="en-US" dirty="0"/>
-              <a:t>This indicates a negative correlation between air pollution levels and vehicle miles traveled – </a:t>
-            </a:r>
-            <a:r>
-              <a:rPr lang="en-US" b="1" dirty="0"/>
-              <a:t>does this make sense?</a:t>
-            </a:r>
-          </a:p>
-          <a:p>
-            <a:pPr marL="285750" indent="-285750">
-              <a:buFont typeface="Arial" panose="020B0604020202020204" pitchFamily="34" charset="0"/>
-              <a:buChar char="•"/>
-            </a:pPr>
-            <a:r>
-              <a:rPr lang="en-US" dirty="0"/>
-              <a:t>Based off this analysis, our next inference would be that the growth of Hybrid/EV sales is dropping pollution levels despite a growth in miles traveled via ground vehicles</a:t>
-            </a:r>
-          </a:p>
-        </p:txBody>
-      </p:sp>
-      <p:sp>
-        <p:nvSpPr>
-          <p:cNvPr id="7" name="TextBox 6">
-            <a:extLst>
-              <a:ext uri="{FF2B5EF4-FFF2-40B4-BE49-F238E27FC236}">
-                <a16:creationId xmlns:a16="http://schemas.microsoft.com/office/drawing/2014/main" id="{6861BBBF-99E1-4A2C-993F-A01F02DA527F}"/>
-              </a:ext>
-            </a:extLst>
-          </p:cNvPr>
-          <p:cNvSpPr txBox="1"/>
-          <p:nvPr/>
-        </p:nvSpPr>
-        <p:spPr>
-          <a:xfrm>
-            <a:off x="2038525" y="6372521"/>
-            <a:ext cx="6460038" cy="369332"/>
-          </a:xfrm>
-          <a:prstGeom prst="rect">
-            <a:avLst/>
-          </a:prstGeom>
-          <a:noFill/>
-        </p:spPr>
-        <p:txBody>
-          <a:bodyPr wrap="none" rtlCol="0">
-            <a:spAutoFit/>
-          </a:bodyPr>
-          <a:lstStyle/>
-          <a:p>
-            <a:r>
-              <a:rPr lang="en-US" dirty="0"/>
-              <a:t>Data source: </a:t>
-            </a:r>
-            <a:r>
-              <a:rPr lang="en-US" dirty="0">
-                <a:hlinkClick r:id="rId3"/>
-              </a:rPr>
-              <a:t>https://www.bts.gov/content/us-vehicle-miles</a:t>
-            </a:r>
-            <a:endParaRPr lang="en-US" dirty="0"/>
-          </a:p>
-        </p:txBody>
-      </p:sp>
-    </p:spTree>
-    <p:extLst>
-      <p:ext uri="{BB962C8B-B14F-4D97-AF65-F5344CB8AC3E}">
-        <p14:creationId xmlns:p14="http://schemas.microsoft.com/office/powerpoint/2010/main" val="626922327"/>
-      </p:ext>
-    </p:extLst>
-  </p:cSld>
-  <p:clrMapOvr>
-    <a:masterClrMapping/>
-  </p:clrMapOvr>
-</p:sld>
-</file>
-
 <file path=ppt/slides/slide22.xml><?xml version="1.0" encoding="utf-8"?>
 <p:sld xmlns:a="http://schemas.openxmlformats.org/drawingml/2006/main" xmlns:r="http://schemas.openxmlformats.org/officeDocument/2006/relationships" xmlns:p="http://schemas.openxmlformats.org/presentationml/2006/main">
   <p:cSld>
@@ -7683,6 +7582,198 @@
           <p:cNvPr id="2" name="Title 1">
             <a:extLst>
               <a:ext uri="{FF2B5EF4-FFF2-40B4-BE49-F238E27FC236}">
+                <a16:creationId xmlns:a16="http://schemas.microsoft.com/office/drawing/2014/main" id="{5FF0B3A1-1C18-4E15-8302-ECB3385F1CA4}"/>
+              </a:ext>
+            </a:extLst>
+          </p:cNvPr>
+          <p:cNvSpPr>
+            <a:spLocks noGrp="1"/>
+          </p:cNvSpPr>
+          <p:nvPr>
+            <p:ph type="title"/>
+          </p:nvPr>
+        </p:nvSpPr>
+        <p:spPr/>
+        <p:txBody>
+          <a:bodyPr/>
+          <a:lstStyle/>
+          <a:p>
+            <a:r>
+              <a:rPr lang="en-US" dirty="0"/>
+              <a:t>US Vehicle-Miles Trend</a:t>
+            </a:r>
+          </a:p>
+        </p:txBody>
+      </p:sp>
+      <p:pic>
+        <p:nvPicPr>
+          <p:cNvPr id="5" name="Content Placeholder 4">
+            <a:extLst>
+              <a:ext uri="{FF2B5EF4-FFF2-40B4-BE49-F238E27FC236}">
+                <a16:creationId xmlns:a16="http://schemas.microsoft.com/office/drawing/2014/main" id="{783DE995-2505-4458-AD4D-959BE65A5247}"/>
+              </a:ext>
+            </a:extLst>
+          </p:cNvPr>
+          <p:cNvPicPr>
+            <a:picLocks noGrp="1" noChangeAspect="1"/>
+          </p:cNvPicPr>
+          <p:nvPr>
+            <p:ph idx="1"/>
+          </p:nvPr>
+        </p:nvPicPr>
+        <p:blipFill>
+          <a:blip r:embed="rId2"/>
+          <a:stretch>
+            <a:fillRect/>
+          </a:stretch>
+        </p:blipFill>
+        <p:spPr>
+          <a:xfrm>
+            <a:off x="608350" y="1846510"/>
+            <a:ext cx="5487650" cy="3658433"/>
+          </a:xfrm>
+        </p:spPr>
+      </p:pic>
+      <p:sp>
+        <p:nvSpPr>
+          <p:cNvPr id="6" name="TextBox 5">
+            <a:extLst>
+              <a:ext uri="{FF2B5EF4-FFF2-40B4-BE49-F238E27FC236}">
+                <a16:creationId xmlns:a16="http://schemas.microsoft.com/office/drawing/2014/main" id="{23BF74BE-A3F2-4935-A3C3-70A60DEC502A}"/>
+              </a:ext>
+            </a:extLst>
+          </p:cNvPr>
+          <p:cNvSpPr txBox="1"/>
+          <p:nvPr/>
+        </p:nvSpPr>
+        <p:spPr>
+          <a:xfrm>
+            <a:off x="5645791" y="2106065"/>
+            <a:ext cx="4362275" cy="3416320"/>
+          </a:xfrm>
+          <a:prstGeom prst="rect">
+            <a:avLst/>
+          </a:prstGeom>
+          <a:noFill/>
+        </p:spPr>
+        <p:txBody>
+          <a:bodyPr wrap="square" rtlCol="0">
+            <a:spAutoFit/>
+          </a:bodyPr>
+          <a:lstStyle/>
+          <a:p>
+            <a:pPr marL="285750" indent="-285750">
+              <a:buFont typeface="Arial" panose="020B0604020202020204" pitchFamily="34" charset="0"/>
+              <a:buChar char="•"/>
+            </a:pPr>
+            <a:r>
+              <a:rPr lang="en-US" dirty="0"/>
+              <a:t>Miles traveled via ground vehicles (highway) within the US has increased steadily since 2000</a:t>
+            </a:r>
+          </a:p>
+          <a:p>
+            <a:pPr marL="285750" indent="-285750">
+              <a:buFont typeface="Arial" panose="020B0604020202020204" pitchFamily="34" charset="0"/>
+              <a:buChar char="•"/>
+            </a:pPr>
+            <a:r>
+              <a:rPr lang="en-US" dirty="0"/>
+              <a:t>This indicates a negative correlation between air pollution levels and vehicle miles traveled – </a:t>
+            </a:r>
+            <a:r>
+              <a:rPr lang="en-US" b="1" dirty="0"/>
+              <a:t>does this make sense?</a:t>
+            </a:r>
+          </a:p>
+          <a:p>
+            <a:pPr marL="285750" indent="-285750">
+              <a:buFont typeface="Arial" panose="020B0604020202020204" pitchFamily="34" charset="0"/>
+              <a:buChar char="•"/>
+            </a:pPr>
+            <a:r>
+              <a:rPr lang="en-US" dirty="0"/>
+              <a:t>Based off this analysis, our next inference would be that the growth of Hybrid/EV sales is dropping pollution levels despite a growth in miles traveled via ground vehicles</a:t>
+            </a:r>
+          </a:p>
+        </p:txBody>
+      </p:sp>
+      <p:sp>
+        <p:nvSpPr>
+          <p:cNvPr id="7" name="TextBox 6">
+            <a:extLst>
+              <a:ext uri="{FF2B5EF4-FFF2-40B4-BE49-F238E27FC236}">
+                <a16:creationId xmlns:a16="http://schemas.microsoft.com/office/drawing/2014/main" id="{6861BBBF-99E1-4A2C-993F-A01F02DA527F}"/>
+              </a:ext>
+            </a:extLst>
+          </p:cNvPr>
+          <p:cNvSpPr txBox="1"/>
+          <p:nvPr/>
+        </p:nvSpPr>
+        <p:spPr>
+          <a:xfrm>
+            <a:off x="2038525" y="6372521"/>
+            <a:ext cx="6460038" cy="369332"/>
+          </a:xfrm>
+          <a:prstGeom prst="rect">
+            <a:avLst/>
+          </a:prstGeom>
+          <a:noFill/>
+        </p:spPr>
+        <p:txBody>
+          <a:bodyPr wrap="none" rtlCol="0">
+            <a:spAutoFit/>
+          </a:bodyPr>
+          <a:lstStyle/>
+          <a:p>
+            <a:r>
+              <a:rPr lang="en-US" dirty="0"/>
+              <a:t>Data source: </a:t>
+            </a:r>
+            <a:r>
+              <a:rPr lang="en-US" dirty="0">
+                <a:hlinkClick r:id="rId3"/>
+              </a:rPr>
+              <a:t>https://www.bts.gov/content/us-vehicle-miles</a:t>
+            </a:r>
+            <a:endParaRPr lang="en-US" dirty="0"/>
+          </a:p>
+        </p:txBody>
+      </p:sp>
+    </p:spTree>
+    <p:extLst>
+      <p:ext uri="{BB962C8B-B14F-4D97-AF65-F5344CB8AC3E}">
+        <p14:creationId xmlns:p14="http://schemas.microsoft.com/office/powerpoint/2010/main" val="626922327"/>
+      </p:ext>
+    </p:extLst>
+  </p:cSld>
+  <p:clrMapOvr>
+    <a:masterClrMapping/>
+  </p:clrMapOvr>
+</p:sld>
+</file>
+
+<file path=ppt/slides/slide23.xml><?xml version="1.0" encoding="utf-8"?>
+<p:sld xmlns:a="http://schemas.openxmlformats.org/drawingml/2006/main" xmlns:r="http://schemas.openxmlformats.org/officeDocument/2006/relationships" xmlns:p="http://schemas.openxmlformats.org/presentationml/2006/main">
+  <p:cSld>
+    <p:spTree>
+      <p:nvGrpSpPr>
+        <p:cNvPr id="1" name=""/>
+        <p:cNvGrpSpPr/>
+        <p:nvPr/>
+      </p:nvGrpSpPr>
+      <p:grpSpPr>
+        <a:xfrm>
+          <a:off x="0" y="0"/>
+          <a:ext cx="0" cy="0"/>
+          <a:chOff x="0" y="0"/>
+          <a:chExt cx="0" cy="0"/>
+        </a:xfrm>
+      </p:grpSpPr>
+      <p:sp>
+        <p:nvSpPr>
+          <p:cNvPr id="2" name="Title 1">
+            <a:extLst>
+              <a:ext uri="{FF2B5EF4-FFF2-40B4-BE49-F238E27FC236}">
                 <a16:creationId xmlns:a16="http://schemas.microsoft.com/office/drawing/2014/main" id="{AC746231-4583-4AC7-A701-EFC099707208}"/>
               </a:ext>
             </a:extLst>
@@ -7744,7 +7835,7 @@
 </p:sld>
 </file>
 
-<file path=ppt/slides/slide23.xml><?xml version="1.0" encoding="utf-8"?>
+<file path=ppt/slides/slide24.xml><?xml version="1.0" encoding="utf-8"?>
 <p:sld xmlns:a="http://schemas.openxmlformats.org/drawingml/2006/main" xmlns:r="http://schemas.openxmlformats.org/officeDocument/2006/relationships" xmlns:p="http://schemas.openxmlformats.org/presentationml/2006/main">
   <p:cSld>
     <p:spTree>

--- a/Presentation1.pptx
+++ b/Presentation1.pptx
@@ -8,30 +8,35 @@
     <p:sldId id="256" r:id="rId2"/>
     <p:sldId id="275" r:id="rId3"/>
     <p:sldId id="276" r:id="rId4"/>
-    <p:sldId id="258" r:id="rId5"/>
-    <p:sldId id="257" r:id="rId6"/>
-    <p:sldId id="259" r:id="rId7"/>
-    <p:sldId id="280" r:id="rId8"/>
-    <p:sldId id="260" r:id="rId9"/>
-    <p:sldId id="268" r:id="rId10"/>
-    <p:sldId id="267" r:id="rId11"/>
-    <p:sldId id="282" r:id="rId12"/>
-    <p:sldId id="283" r:id="rId13"/>
-    <p:sldId id="284" r:id="rId14"/>
-    <p:sldId id="289" r:id="rId15"/>
-    <p:sldId id="261" r:id="rId16"/>
-    <p:sldId id="285" r:id="rId17"/>
-    <p:sldId id="262" r:id="rId18"/>
-    <p:sldId id="286" r:id="rId19"/>
-    <p:sldId id="287" r:id="rId20"/>
-    <p:sldId id="288" r:id="rId21"/>
-    <p:sldId id="271" r:id="rId22"/>
-    <p:sldId id="277" r:id="rId23"/>
-    <p:sldId id="272" r:id="rId24"/>
-    <p:sldId id="273" r:id="rId25"/>
-    <p:sldId id="274" r:id="rId26"/>
-    <p:sldId id="278" r:id="rId27"/>
-    <p:sldId id="279" r:id="rId28"/>
+    <p:sldId id="290" r:id="rId5"/>
+    <p:sldId id="258" r:id="rId6"/>
+    <p:sldId id="257" r:id="rId7"/>
+    <p:sldId id="259" r:id="rId8"/>
+    <p:sldId id="268" r:id="rId9"/>
+    <p:sldId id="292" r:id="rId10"/>
+    <p:sldId id="291" r:id="rId11"/>
+    <p:sldId id="280" r:id="rId12"/>
+    <p:sldId id="260" r:id="rId13"/>
+    <p:sldId id="293" r:id="rId14"/>
+    <p:sldId id="294" r:id="rId15"/>
+    <p:sldId id="282" r:id="rId16"/>
+    <p:sldId id="295" r:id="rId17"/>
+    <p:sldId id="284" r:id="rId18"/>
+    <p:sldId id="289" r:id="rId19"/>
+    <p:sldId id="261" r:id="rId20"/>
+    <p:sldId id="262" r:id="rId21"/>
+    <p:sldId id="286" r:id="rId22"/>
+    <p:sldId id="285" r:id="rId23"/>
+    <p:sldId id="297" r:id="rId24"/>
+    <p:sldId id="296" r:id="rId25"/>
+    <p:sldId id="298" r:id="rId26"/>
+    <p:sldId id="271" r:id="rId27"/>
+    <p:sldId id="277" r:id="rId28"/>
+    <p:sldId id="272" r:id="rId29"/>
+    <p:sldId id="273" r:id="rId30"/>
+    <p:sldId id="274" r:id="rId31"/>
+    <p:sldId id="278" r:id="rId32"/>
+    <p:sldId id="279" r:id="rId33"/>
   </p:sldIdLst>
   <p:sldSz cx="12192000" cy="6858000"/>
   <p:notesSz cx="6858000" cy="9144000"/>
@@ -860,7 +865,7 @@
           <a:p>
             <a:fld id="{010A7FB3-A316-402C-99FC-ECFF33919AD8}" type="datetimeFigureOut">
               <a:rPr lang="en-US" smtClean="0"/>
-              <a:t>4/11/2019</a:t>
+              <a:t>4/12/2019</a:t>
             </a:fld>
             <a:endParaRPr lang="en-US"/>
           </a:p>
@@ -1111,7 +1116,7 @@
           <a:p>
             <a:fld id="{010A7FB3-A316-402C-99FC-ECFF33919AD8}" type="datetimeFigureOut">
               <a:rPr lang="en-US" smtClean="0"/>
-              <a:t>4/11/2019</a:t>
+              <a:t>4/12/2019</a:t>
             </a:fld>
             <a:endParaRPr lang="en-US"/>
           </a:p>
@@ -1425,7 +1430,7 @@
           <a:p>
             <a:fld id="{010A7FB3-A316-402C-99FC-ECFF33919AD8}" type="datetimeFigureOut">
               <a:rPr lang="en-US" smtClean="0"/>
-              <a:t>4/11/2019</a:t>
+              <a:t>4/12/2019</a:t>
             </a:fld>
             <a:endParaRPr lang="en-US"/>
           </a:p>
@@ -1766,7 +1771,7 @@
           <a:p>
             <a:fld id="{010A7FB3-A316-402C-99FC-ECFF33919AD8}" type="datetimeFigureOut">
               <a:rPr lang="en-US" smtClean="0"/>
-              <a:t>4/11/2019</a:t>
+              <a:t>4/12/2019</a:t>
             </a:fld>
             <a:endParaRPr lang="en-US"/>
           </a:p>
@@ -2080,7 +2085,7 @@
           <a:p>
             <a:fld id="{010A7FB3-A316-402C-99FC-ECFF33919AD8}" type="datetimeFigureOut">
               <a:rPr lang="en-US" smtClean="0"/>
-              <a:t>4/11/2019</a:t>
+              <a:t>4/12/2019</a:t>
             </a:fld>
             <a:endParaRPr lang="en-US"/>
           </a:p>
@@ -2473,7 +2478,7 @@
           <a:p>
             <a:fld id="{010A7FB3-A316-402C-99FC-ECFF33919AD8}" type="datetimeFigureOut">
               <a:rPr lang="en-US" smtClean="0"/>
-              <a:t>4/11/2019</a:t>
+              <a:t>4/12/2019</a:t>
             </a:fld>
             <a:endParaRPr lang="en-US"/>
           </a:p>
@@ -2643,7 +2648,7 @@
           <a:p>
             <a:fld id="{010A7FB3-A316-402C-99FC-ECFF33919AD8}" type="datetimeFigureOut">
               <a:rPr lang="en-US" smtClean="0"/>
-              <a:t>4/11/2019</a:t>
+              <a:t>4/12/2019</a:t>
             </a:fld>
             <a:endParaRPr lang="en-US"/>
           </a:p>
@@ -2823,7 +2828,7 @@
           <a:p>
             <a:fld id="{010A7FB3-A316-402C-99FC-ECFF33919AD8}" type="datetimeFigureOut">
               <a:rPr lang="en-US" smtClean="0"/>
-              <a:t>4/11/2019</a:t>
+              <a:t>4/12/2019</a:t>
             </a:fld>
             <a:endParaRPr lang="en-US"/>
           </a:p>
@@ -2999,7 +3004,7 @@
           <a:p>
             <a:fld id="{010A7FB3-A316-402C-99FC-ECFF33919AD8}" type="datetimeFigureOut">
               <a:rPr lang="en-US" smtClean="0"/>
-              <a:t>4/11/2019</a:t>
+              <a:t>4/12/2019</a:t>
             </a:fld>
             <a:endParaRPr lang="en-US"/>
           </a:p>
@@ -3246,7 +3251,7 @@
           <a:p>
             <a:fld id="{010A7FB3-A316-402C-99FC-ECFF33919AD8}" type="datetimeFigureOut">
               <a:rPr lang="en-US" smtClean="0"/>
-              <a:t>4/11/2019</a:t>
+              <a:t>4/12/2019</a:t>
             </a:fld>
             <a:endParaRPr lang="en-US"/>
           </a:p>
@@ -3478,7 +3483,7 @@
           <a:p>
             <a:fld id="{010A7FB3-A316-402C-99FC-ECFF33919AD8}" type="datetimeFigureOut">
               <a:rPr lang="en-US" smtClean="0"/>
-              <a:t>4/11/2019</a:t>
+              <a:t>4/12/2019</a:t>
             </a:fld>
             <a:endParaRPr lang="en-US"/>
           </a:p>
@@ -3852,7 +3857,7 @@
           <a:p>
             <a:fld id="{010A7FB3-A316-402C-99FC-ECFF33919AD8}" type="datetimeFigureOut">
               <a:rPr lang="en-US" smtClean="0"/>
-              <a:t>4/11/2019</a:t>
+              <a:t>4/12/2019</a:t>
             </a:fld>
             <a:endParaRPr lang="en-US"/>
           </a:p>
@@ -3975,7 +3980,7 @@
           <a:p>
             <a:fld id="{010A7FB3-A316-402C-99FC-ECFF33919AD8}" type="datetimeFigureOut">
               <a:rPr lang="en-US" smtClean="0"/>
-              <a:t>4/11/2019</a:t>
+              <a:t>4/12/2019</a:t>
             </a:fld>
             <a:endParaRPr lang="en-US"/>
           </a:p>
@@ -4070,7 +4075,7 @@
           <a:p>
             <a:fld id="{010A7FB3-A316-402C-99FC-ECFF33919AD8}" type="datetimeFigureOut">
               <a:rPr lang="en-US" smtClean="0"/>
-              <a:t>4/11/2019</a:t>
+              <a:t>4/12/2019</a:t>
             </a:fld>
             <a:endParaRPr lang="en-US"/>
           </a:p>
@@ -4325,7 +4330,7 @@
           <a:p>
             <a:fld id="{010A7FB3-A316-402C-99FC-ECFF33919AD8}" type="datetimeFigureOut">
               <a:rPr lang="en-US" smtClean="0"/>
-              <a:t>4/11/2019</a:t>
+              <a:t>4/12/2019</a:t>
             </a:fld>
             <a:endParaRPr lang="en-US"/>
           </a:p>
@@ -4588,7 +4593,7 @@
           <a:p>
             <a:fld id="{010A7FB3-A316-402C-99FC-ECFF33919AD8}" type="datetimeFigureOut">
               <a:rPr lang="en-US" smtClean="0"/>
-              <a:t>4/11/2019</a:t>
+              <a:t>4/12/2019</a:t>
             </a:fld>
             <a:endParaRPr lang="en-US"/>
           </a:p>
@@ -5331,7 +5336,7 @@
           <a:p>
             <a:fld id="{010A7FB3-A316-402C-99FC-ECFF33919AD8}" type="datetimeFigureOut">
               <a:rPr lang="en-US" smtClean="0"/>
-              <a:t>4/11/2019</a:t>
+              <a:t>4/12/2019</a:t>
             </a:fld>
             <a:endParaRPr lang="en-US"/>
           </a:p>
@@ -5975,7 +5980,7 @@
           <p:cNvPr id="2" name="Title 1">
             <a:extLst>
               <a:ext uri="{FF2B5EF4-FFF2-40B4-BE49-F238E27FC236}">
-                <a16:creationId xmlns:a16="http://schemas.microsoft.com/office/drawing/2014/main" id="{9F2FC880-1F23-4B21-BF8B-8F83C578D037}"/>
+                <a16:creationId xmlns:a16="http://schemas.microsoft.com/office/drawing/2014/main" id="{F582A9FC-FCE1-4AC6-915F-4209B9093494}"/>
               </a:ext>
             </a:extLst>
           </p:cNvPr>
@@ -5993,91 +5998,53 @@
           <a:p>
             <a:r>
               <a:rPr lang="en-US" dirty="0"/>
-              <a:t>Factors Impacting Sales:</a:t>
-            </a:r>
-          </a:p>
-        </p:txBody>
-      </p:sp>
-      <p:pic>
-        <p:nvPicPr>
-          <p:cNvPr id="5" name="Content Placeholder 4">
+              <a:t>Internal Market Factors</a:t>
+            </a:r>
+          </a:p>
+        </p:txBody>
+      </p:sp>
+      <p:sp>
+        <p:nvSpPr>
+          <p:cNvPr id="3" name="Content Placeholder 2">
             <a:extLst>
               <a:ext uri="{FF2B5EF4-FFF2-40B4-BE49-F238E27FC236}">
-                <a16:creationId xmlns:a16="http://schemas.microsoft.com/office/drawing/2014/main" id="{4C75B6EC-F102-41D3-8E7B-B9FC45CD8F9B}"/>
+                <a16:creationId xmlns:a16="http://schemas.microsoft.com/office/drawing/2014/main" id="{0342D3E7-2E83-4D2D-89C6-0C725F0B6518}"/>
               </a:ext>
             </a:extLst>
           </p:cNvPr>
-          <p:cNvPicPr>
-            <a:picLocks noGrp="1" noChangeAspect="1"/>
-          </p:cNvPicPr>
+          <p:cNvSpPr>
+            <a:spLocks noGrp="1"/>
+          </p:cNvSpPr>
           <p:nvPr>
             <p:ph idx="1"/>
           </p:nvPr>
-        </p:nvPicPr>
-        <p:blipFill>
-          <a:blip r:embed="rId2">
-            <a:extLst>
-              <a:ext uri="{28A0092B-C50C-407E-A947-70E740481C1C}">
-                <a14:useLocalDpi xmlns:a14="http://schemas.microsoft.com/office/drawing/2010/main" val="0"/>
-              </a:ext>
-            </a:extLst>
-          </a:blip>
-          <a:stretch>
-            <a:fillRect/>
-          </a:stretch>
-        </p:blipFill>
-        <p:spPr>
-          <a:xfrm>
-            <a:off x="466049" y="2709644"/>
-            <a:ext cx="8807953" cy="3669981"/>
-          </a:xfrm>
-        </p:spPr>
-      </p:pic>
-      <p:sp>
-        <p:nvSpPr>
-          <p:cNvPr id="3" name="TextBox 2">
-            <a:extLst>
-              <a:ext uri="{FF2B5EF4-FFF2-40B4-BE49-F238E27FC236}">
-                <a16:creationId xmlns:a16="http://schemas.microsoft.com/office/drawing/2014/main" id="{2C127AAC-048D-4E1E-82AB-102E28695E11}"/>
-              </a:ext>
-            </a:extLst>
-          </p:cNvPr>
-          <p:cNvSpPr txBox="1"/>
-          <p:nvPr/>
-        </p:nvSpPr>
-        <p:spPr>
-          <a:xfrm>
-            <a:off x="677334" y="1509315"/>
-            <a:ext cx="5377343" cy="1200329"/>
-          </a:xfrm>
-          <a:prstGeom prst="rect">
-            <a:avLst/>
-          </a:prstGeom>
-          <a:noFill/>
-        </p:spPr>
-        <p:txBody>
-          <a:bodyPr wrap="square" rtlCol="0">
-            <a:spAutoFit/>
-          </a:bodyPr>
-          <a:lstStyle/>
-          <a:p>
-            <a:pPr marL="285750" indent="-285750">
-              <a:buFontTx/>
-              <a:buChar char="-"/>
-            </a:pPr>
+        </p:nvSpPr>
+        <p:spPr/>
+        <p:txBody>
+          <a:bodyPr/>
+          <a:lstStyle/>
+          <a:p>
             <a:r>
               <a:rPr lang="en-US" dirty="0"/>
-              <a:t>Sales of Hybrid Vehicles appears to be heavily linked to gasoline prices.</a:t>
-            </a:r>
-          </a:p>
-          <a:p>
-            <a:pPr marL="285750" indent="-285750">
-              <a:buFontTx/>
-              <a:buChar char="-"/>
-            </a:pPr>
+              <a:t>Do we see increased competition within the electric vehicle market with the growth in sales?</a:t>
+            </a:r>
+          </a:p>
+          <a:p>
+            <a:endParaRPr lang="en-US" dirty="0"/>
+          </a:p>
+          <a:p>
             <a:r>
               <a:rPr lang="en-US" dirty="0"/>
-              <a:t>Electric Vehicle sales were more resilient to changes in gasoline prices.</a:t>
+              <a:t>Which car makers have the biggest impact on sales?</a:t>
+            </a:r>
+          </a:p>
+          <a:p>
+            <a:endParaRPr lang="en-US" dirty="0"/>
+          </a:p>
+          <a:p>
+            <a:r>
+              <a:rPr lang="en-US" dirty="0"/>
+              <a:t>Data - </a:t>
             </a:r>
           </a:p>
         </p:txBody>
@@ -6085,7 +6052,7 @@
     </p:spTree>
     <p:extLst>
       <p:ext uri="{BB962C8B-B14F-4D97-AF65-F5344CB8AC3E}">
-        <p14:creationId xmlns:p14="http://schemas.microsoft.com/office/powerpoint/2010/main" val="2348836302"/>
+        <p14:creationId xmlns:p14="http://schemas.microsoft.com/office/powerpoint/2010/main" val="2257795180"/>
       </p:ext>
     </p:extLst>
   </p:cSld>
@@ -6117,7 +6084,7 @@
           <p:cNvPr id="2" name="Title 1">
             <a:extLst>
               <a:ext uri="{FF2B5EF4-FFF2-40B4-BE49-F238E27FC236}">
-                <a16:creationId xmlns:a16="http://schemas.microsoft.com/office/drawing/2014/main" id="{7B4FC43C-9236-4146-98EF-ED6351E8B4A6}"/>
+                <a16:creationId xmlns:a16="http://schemas.microsoft.com/office/drawing/2014/main" id="{8C824809-D103-574C-8253-CDA835BC430E}"/>
               </a:ext>
             </a:extLst>
           </p:cNvPr>
@@ -6128,19 +6095,14 @@
             <p:ph type="title"/>
           </p:nvPr>
         </p:nvSpPr>
-        <p:spPr>
-          <a:xfrm>
-            <a:off x="677334" y="582967"/>
-            <a:ext cx="8596668" cy="1320800"/>
-          </a:xfrm>
-        </p:spPr>
+        <p:spPr/>
         <p:txBody>
           <a:bodyPr/>
           <a:lstStyle/>
           <a:p>
             <a:r>
               <a:rPr lang="en-US" dirty="0"/>
-              <a:t>Non-Market Factors Driving Electric Vehicle Adoption </a:t>
+              <a:t>Electric Vehicle Sales by Brand</a:t>
             </a:r>
           </a:p>
         </p:txBody>
@@ -6150,7 +6112,7 @@
           <p:cNvPr id="5" name="Content Placeholder 4">
             <a:extLst>
               <a:ext uri="{FF2B5EF4-FFF2-40B4-BE49-F238E27FC236}">
-                <a16:creationId xmlns:a16="http://schemas.microsoft.com/office/drawing/2014/main" id="{4DC6BE1B-0E7D-40A3-9915-5E0DEBBC69D8}"/>
+                <a16:creationId xmlns:a16="http://schemas.microsoft.com/office/drawing/2014/main" id="{5FE49816-1446-2D44-ADE4-EFD5FF3DBFA5}"/>
               </a:ext>
             </a:extLst>
           </p:cNvPr>
@@ -6169,16 +6131,418 @@
               </a:ext>
             </a:extLst>
           </a:blip>
-          <a:srcRect t="16611" b="15001"/>
+          <a:srcRect t="14946"/>
           <a:stretch/>
         </p:blipFill>
         <p:spPr>
           <a:xfrm>
-            <a:off x="1497900" y="2157271"/>
-            <a:ext cx="2939532" cy="3583781"/>
+            <a:off x="353864" y="1587623"/>
+            <a:ext cx="9243607" cy="4367814"/>
           </a:xfrm>
         </p:spPr>
       </p:pic>
+    </p:spTree>
+    <p:extLst>
+      <p:ext uri="{BB962C8B-B14F-4D97-AF65-F5344CB8AC3E}">
+        <p14:creationId xmlns:p14="http://schemas.microsoft.com/office/powerpoint/2010/main" val="2966645675"/>
+      </p:ext>
+    </p:extLst>
+  </p:cSld>
+  <p:clrMapOvr>
+    <a:masterClrMapping/>
+  </p:clrMapOvr>
+</p:sld>
+</file>
+
+<file path=ppt/slides/slide12.xml><?xml version="1.0" encoding="utf-8"?>
+<p:sld xmlns:a="http://schemas.openxmlformats.org/drawingml/2006/main" xmlns:r="http://schemas.openxmlformats.org/officeDocument/2006/relationships" xmlns:p="http://schemas.openxmlformats.org/presentationml/2006/main">
+  <p:cSld>
+    <p:spTree>
+      <p:nvGrpSpPr>
+        <p:cNvPr id="1" name=""/>
+        <p:cNvGrpSpPr/>
+        <p:nvPr/>
+      </p:nvGrpSpPr>
+      <p:grpSpPr>
+        <a:xfrm>
+          <a:off x="0" y="0"/>
+          <a:ext cx="0" cy="0"/>
+          <a:chOff x="0" y="0"/>
+          <a:chExt cx="0" cy="0"/>
+        </a:xfrm>
+      </p:grpSpPr>
+      <p:pic>
+        <p:nvPicPr>
+          <p:cNvPr id="7" name="Content Placeholder 6">
+            <a:extLst>
+              <a:ext uri="{FF2B5EF4-FFF2-40B4-BE49-F238E27FC236}">
+                <a16:creationId xmlns:a16="http://schemas.microsoft.com/office/drawing/2014/main" id="{313362AB-6A27-421A-B51C-A23CC47371BB}"/>
+              </a:ext>
+            </a:extLst>
+          </p:cNvPr>
+          <p:cNvPicPr>
+            <a:picLocks noGrp="1" noChangeAspect="1"/>
+          </p:cNvPicPr>
+          <p:nvPr>
+            <p:ph idx="1"/>
+          </p:nvPr>
+        </p:nvPicPr>
+        <p:blipFill rotWithShape="1">
+          <a:blip r:embed="rId2">
+            <a:extLst>
+              <a:ext uri="{28A0092B-C50C-407E-A947-70E740481C1C}">
+                <a14:useLocalDpi xmlns:a14="http://schemas.microsoft.com/office/drawing/2010/main" val="0"/>
+              </a:ext>
+            </a:extLst>
+          </a:blip>
+          <a:srcRect b="3161"/>
+          <a:stretch/>
+        </p:blipFill>
+        <p:spPr>
+          <a:xfrm>
+            <a:off x="1542257" y="1922635"/>
+            <a:ext cx="7104593" cy="4586670"/>
+          </a:xfrm>
+        </p:spPr>
+      </p:pic>
+      <p:sp>
+        <p:nvSpPr>
+          <p:cNvPr id="8" name="Title 1">
+            <a:extLst>
+              <a:ext uri="{FF2B5EF4-FFF2-40B4-BE49-F238E27FC236}">
+                <a16:creationId xmlns:a16="http://schemas.microsoft.com/office/drawing/2014/main" id="{7DDA2CDB-F0AC-43E9-A07E-46D72F978CF3}"/>
+              </a:ext>
+            </a:extLst>
+          </p:cNvPr>
+          <p:cNvSpPr>
+            <a:spLocks noGrp="1"/>
+          </p:cNvSpPr>
+          <p:nvPr>
+            <p:ph type="title"/>
+          </p:nvPr>
+        </p:nvSpPr>
+        <p:spPr>
+          <a:xfrm>
+            <a:off x="677863" y="609600"/>
+            <a:ext cx="8596312" cy="1320800"/>
+          </a:xfrm>
+        </p:spPr>
+        <p:txBody>
+          <a:bodyPr/>
+          <a:lstStyle/>
+          <a:p>
+            <a:r>
+              <a:rPr lang="en-US" dirty="0"/>
+              <a:t>HEV and PEV Model Debuted by Year</a:t>
+            </a:r>
+          </a:p>
+        </p:txBody>
+      </p:sp>
+    </p:spTree>
+    <p:extLst>
+      <p:ext uri="{BB962C8B-B14F-4D97-AF65-F5344CB8AC3E}">
+        <p14:creationId xmlns:p14="http://schemas.microsoft.com/office/powerpoint/2010/main" val="2525985050"/>
+      </p:ext>
+    </p:extLst>
+  </p:cSld>
+  <p:clrMapOvr>
+    <a:masterClrMapping/>
+  </p:clrMapOvr>
+</p:sld>
+</file>
+
+<file path=ppt/slides/slide13.xml><?xml version="1.0" encoding="utf-8"?>
+<p:sld xmlns:a="http://schemas.openxmlformats.org/drawingml/2006/main" xmlns:r="http://schemas.openxmlformats.org/officeDocument/2006/relationships" xmlns:p="http://schemas.openxmlformats.org/presentationml/2006/main">
+  <p:cSld>
+    <p:spTree>
+      <p:nvGrpSpPr>
+        <p:cNvPr id="1" name=""/>
+        <p:cNvGrpSpPr/>
+        <p:nvPr/>
+      </p:nvGrpSpPr>
+      <p:grpSpPr>
+        <a:xfrm>
+          <a:off x="0" y="0"/>
+          <a:ext cx="0" cy="0"/>
+          <a:chOff x="0" y="0"/>
+          <a:chExt cx="0" cy="0"/>
+        </a:xfrm>
+      </p:grpSpPr>
+      <p:sp>
+        <p:nvSpPr>
+          <p:cNvPr id="2" name="Title 1">
+            <a:extLst>
+              <a:ext uri="{FF2B5EF4-FFF2-40B4-BE49-F238E27FC236}">
+                <a16:creationId xmlns:a16="http://schemas.microsoft.com/office/drawing/2014/main" id="{E7C00285-63C8-4A2E-B29C-7E92ABE00940}"/>
+              </a:ext>
+            </a:extLst>
+          </p:cNvPr>
+          <p:cNvSpPr>
+            <a:spLocks noGrp="1"/>
+          </p:cNvSpPr>
+          <p:nvPr>
+            <p:ph type="title"/>
+          </p:nvPr>
+        </p:nvSpPr>
+        <p:spPr/>
+        <p:txBody>
+          <a:bodyPr/>
+          <a:lstStyle/>
+          <a:p>
+            <a:r>
+              <a:rPr lang="en-US" dirty="0"/>
+              <a:t>Summary</a:t>
+            </a:r>
+          </a:p>
+        </p:txBody>
+      </p:sp>
+      <p:sp>
+        <p:nvSpPr>
+          <p:cNvPr id="3" name="Content Placeholder 2">
+            <a:extLst>
+              <a:ext uri="{FF2B5EF4-FFF2-40B4-BE49-F238E27FC236}">
+                <a16:creationId xmlns:a16="http://schemas.microsoft.com/office/drawing/2014/main" id="{00F547DE-D171-433E-BD11-94DCAD5F0E9A}"/>
+              </a:ext>
+            </a:extLst>
+          </p:cNvPr>
+          <p:cNvSpPr>
+            <a:spLocks noGrp="1"/>
+          </p:cNvSpPr>
+          <p:nvPr>
+            <p:ph idx="1"/>
+          </p:nvPr>
+        </p:nvSpPr>
+        <p:spPr/>
+        <p:txBody>
+          <a:bodyPr/>
+          <a:lstStyle/>
+          <a:p>
+            <a:r>
+              <a:rPr lang="en-US" dirty="0"/>
+              <a:t>There is an increase in the number of brands producing PEV vehicles that increases with sales. </a:t>
+            </a:r>
+          </a:p>
+          <a:p>
+            <a:r>
+              <a:rPr lang="en-US" dirty="0"/>
+              <a:t>As sales of PEV vehicles rise, we see the introduction of luxury car makers into the market.</a:t>
+            </a:r>
+          </a:p>
+          <a:p>
+            <a:r>
+              <a:rPr lang="en-US" dirty="0"/>
+              <a:t>There is a decrease in the release of new HEV vehicles that correlates with the volatility in hybrid vehicle sales. </a:t>
+            </a:r>
+          </a:p>
+        </p:txBody>
+      </p:sp>
+    </p:spTree>
+    <p:extLst>
+      <p:ext uri="{BB962C8B-B14F-4D97-AF65-F5344CB8AC3E}">
+        <p14:creationId xmlns:p14="http://schemas.microsoft.com/office/powerpoint/2010/main" val="3424065690"/>
+      </p:ext>
+    </p:extLst>
+  </p:cSld>
+  <p:clrMapOvr>
+    <a:masterClrMapping/>
+  </p:clrMapOvr>
+</p:sld>
+</file>
+
+<file path=ppt/slides/slide14.xml><?xml version="1.0" encoding="utf-8"?>
+<p:sld xmlns:a="http://schemas.openxmlformats.org/drawingml/2006/main" xmlns:r="http://schemas.openxmlformats.org/officeDocument/2006/relationships" xmlns:p="http://schemas.openxmlformats.org/presentationml/2006/main">
+  <p:cSld>
+    <p:spTree>
+      <p:nvGrpSpPr>
+        <p:cNvPr id="1" name=""/>
+        <p:cNvGrpSpPr/>
+        <p:nvPr/>
+      </p:nvGrpSpPr>
+      <p:grpSpPr>
+        <a:xfrm>
+          <a:off x="0" y="0"/>
+          <a:ext cx="0" cy="0"/>
+          <a:chOff x="0" y="0"/>
+          <a:chExt cx="0" cy="0"/>
+        </a:xfrm>
+      </p:grpSpPr>
+      <p:sp>
+        <p:nvSpPr>
+          <p:cNvPr id="2" name="Title 1">
+            <a:extLst>
+              <a:ext uri="{FF2B5EF4-FFF2-40B4-BE49-F238E27FC236}">
+                <a16:creationId xmlns:a16="http://schemas.microsoft.com/office/drawing/2014/main" id="{52A38E1D-35D9-4BF0-A46C-4B13999514AD}"/>
+              </a:ext>
+            </a:extLst>
+          </p:cNvPr>
+          <p:cNvSpPr>
+            <a:spLocks noGrp="1"/>
+          </p:cNvSpPr>
+          <p:nvPr>
+            <p:ph type="title"/>
+          </p:nvPr>
+        </p:nvSpPr>
+        <p:spPr/>
+        <p:txBody>
+          <a:bodyPr/>
+          <a:lstStyle/>
+          <a:p>
+            <a:r>
+              <a:rPr lang="en-US" dirty="0"/>
+              <a:t>External Market Factors – Gas Prices</a:t>
+            </a:r>
+          </a:p>
+        </p:txBody>
+      </p:sp>
+      <p:pic>
+        <p:nvPicPr>
+          <p:cNvPr id="4" name="Content Placeholder 4">
+            <a:extLst>
+              <a:ext uri="{FF2B5EF4-FFF2-40B4-BE49-F238E27FC236}">
+                <a16:creationId xmlns:a16="http://schemas.microsoft.com/office/drawing/2014/main" id="{FE87658C-D3DB-40CB-828A-5AF5162B0E9C}"/>
+              </a:ext>
+            </a:extLst>
+          </p:cNvPr>
+          <p:cNvPicPr>
+            <a:picLocks noGrp="1" noChangeAspect="1"/>
+          </p:cNvPicPr>
+          <p:nvPr>
+            <p:ph idx="1"/>
+          </p:nvPr>
+        </p:nvPicPr>
+        <p:blipFill>
+          <a:blip r:embed="rId2">
+            <a:extLst>
+              <a:ext uri="{28A0092B-C50C-407E-A947-70E740481C1C}">
+                <a14:useLocalDpi xmlns:a14="http://schemas.microsoft.com/office/drawing/2010/main" val="0"/>
+              </a:ext>
+            </a:extLst>
+          </a:blip>
+          <a:stretch>
+            <a:fillRect/>
+          </a:stretch>
+        </p:blipFill>
+        <p:spPr>
+          <a:xfrm>
+            <a:off x="677863" y="2310408"/>
+            <a:ext cx="8596312" cy="3581796"/>
+          </a:xfrm>
+        </p:spPr>
+      </p:pic>
+      <p:sp>
+        <p:nvSpPr>
+          <p:cNvPr id="5" name="TextBox 4">
+            <a:extLst>
+              <a:ext uri="{FF2B5EF4-FFF2-40B4-BE49-F238E27FC236}">
+                <a16:creationId xmlns:a16="http://schemas.microsoft.com/office/drawing/2014/main" id="{0669D6AA-A132-40BD-A72B-062E051E59B9}"/>
+              </a:ext>
+            </a:extLst>
+          </p:cNvPr>
+          <p:cNvSpPr txBox="1"/>
+          <p:nvPr/>
+        </p:nvSpPr>
+        <p:spPr>
+          <a:xfrm>
+            <a:off x="768968" y="1607234"/>
+            <a:ext cx="8413400" cy="646331"/>
+          </a:xfrm>
+          <a:prstGeom prst="rect">
+            <a:avLst/>
+          </a:prstGeom>
+          <a:noFill/>
+        </p:spPr>
+        <p:txBody>
+          <a:bodyPr wrap="square" rtlCol="0">
+            <a:spAutoFit/>
+          </a:bodyPr>
+          <a:lstStyle/>
+          <a:p>
+            <a:pPr marL="285750" indent="-285750">
+              <a:buFontTx/>
+              <a:buChar char="-"/>
+            </a:pPr>
+            <a:r>
+              <a:rPr lang="en-US" dirty="0"/>
+              <a:t>Sales of Hybrid Vehicles appears to be heavily linked to gasoline prices.</a:t>
+            </a:r>
+          </a:p>
+          <a:p>
+            <a:pPr marL="285750" indent="-285750">
+              <a:buFontTx/>
+              <a:buChar char="-"/>
+            </a:pPr>
+            <a:r>
+              <a:rPr lang="en-US" dirty="0"/>
+              <a:t>Electric Vehicle sales were more resilient to changes in gasoline prices.</a:t>
+            </a:r>
+          </a:p>
+        </p:txBody>
+      </p:sp>
+    </p:spTree>
+    <p:extLst>
+      <p:ext uri="{BB962C8B-B14F-4D97-AF65-F5344CB8AC3E}">
+        <p14:creationId xmlns:p14="http://schemas.microsoft.com/office/powerpoint/2010/main" val="2954927026"/>
+      </p:ext>
+    </p:extLst>
+  </p:cSld>
+  <p:clrMapOvr>
+    <a:masterClrMapping/>
+  </p:clrMapOvr>
+</p:sld>
+</file>
+
+<file path=ppt/slides/slide15.xml><?xml version="1.0" encoding="utf-8"?>
+<p:sld xmlns:a="http://schemas.openxmlformats.org/drawingml/2006/main" xmlns:r="http://schemas.openxmlformats.org/officeDocument/2006/relationships" xmlns:p="http://schemas.openxmlformats.org/presentationml/2006/main">
+  <p:cSld>
+    <p:spTree>
+      <p:nvGrpSpPr>
+        <p:cNvPr id="1" name=""/>
+        <p:cNvGrpSpPr/>
+        <p:nvPr/>
+      </p:nvGrpSpPr>
+      <p:grpSpPr>
+        <a:xfrm>
+          <a:off x="0" y="0"/>
+          <a:ext cx="0" cy="0"/>
+          <a:chOff x="0" y="0"/>
+          <a:chExt cx="0" cy="0"/>
+        </a:xfrm>
+      </p:grpSpPr>
+      <p:sp>
+        <p:nvSpPr>
+          <p:cNvPr id="2" name="Title 1">
+            <a:extLst>
+              <a:ext uri="{FF2B5EF4-FFF2-40B4-BE49-F238E27FC236}">
+                <a16:creationId xmlns:a16="http://schemas.microsoft.com/office/drawing/2014/main" id="{7B4FC43C-9236-4146-98EF-ED6351E8B4A6}"/>
+              </a:ext>
+            </a:extLst>
+          </p:cNvPr>
+          <p:cNvSpPr>
+            <a:spLocks noGrp="1"/>
+          </p:cNvSpPr>
+          <p:nvPr>
+            <p:ph type="title"/>
+          </p:nvPr>
+        </p:nvSpPr>
+        <p:spPr>
+          <a:xfrm>
+            <a:off x="677334" y="582967"/>
+            <a:ext cx="8596668" cy="988381"/>
+          </a:xfrm>
+        </p:spPr>
+        <p:txBody>
+          <a:bodyPr>
+            <a:normAutofit fontScale="90000"/>
+          </a:bodyPr>
+          <a:lstStyle/>
+          <a:p>
+            <a:r>
+              <a:rPr lang="en-US" dirty="0"/>
+              <a:t>External Market Factors – Charging Infrastructure</a:t>
+            </a:r>
+          </a:p>
+        </p:txBody>
+      </p:sp>
       <p:sp>
         <p:nvSpPr>
           <p:cNvPr id="10" name="Content Placeholder 2">
@@ -6195,8 +6559,8 @@
         </p:nvSpPr>
         <p:spPr>
           <a:xfrm>
-            <a:off x="4975668" y="2849732"/>
-            <a:ext cx="4063342" cy="2934808"/>
+            <a:off x="5548544" y="1979721"/>
+            <a:ext cx="4145872" cy="3893598"/>
           </a:xfrm>
           <a:prstGeom prst="rect">
             <a:avLst/>
@@ -6435,34 +6799,68 @@
           </a:lstStyle>
           <a:p>
             <a:r>
-              <a:rPr lang="en-US" dirty="0"/>
-              <a:t>Can I get where I need to go?</a:t>
-            </a:r>
-          </a:p>
-          <a:p>
-            <a:r>
-              <a:rPr lang="en-US" dirty="0"/>
-              <a:t>How much money are you going to give me?</a:t>
+              <a:rPr lang="en-US" sz="2500" dirty="0"/>
+              <a:t>What is “Range Anxiety”?</a:t>
+            </a:r>
+          </a:p>
+          <a:p>
+            <a:r>
+              <a:rPr lang="en-US" sz="2000" dirty="0"/>
+              <a:t>Most people only drive an average of 50 miles per day</a:t>
+            </a:r>
+          </a:p>
+          <a:p>
+            <a:r>
+              <a:rPr lang="en-US" sz="2000" dirty="0"/>
+              <a:t>The average miles per battery charge is 200.</a:t>
+            </a:r>
+          </a:p>
+          <a:p>
+            <a:r>
+              <a:rPr lang="en-US" sz="2000" dirty="0"/>
+              <a:t>So what’s the big deal?</a:t>
             </a:r>
           </a:p>
           <a:p>
             <a:endParaRPr lang="en-US" dirty="0"/>
           </a:p>
-          <a:p>
-            <a:pPr marL="0" indent="0">
-              <a:buFont typeface="Wingdings 3" charset="2"/>
-              <a:buNone/>
-            </a:pPr>
-            <a:endParaRPr lang="en-US" dirty="0"/>
-          </a:p>
-          <a:p>
-            <a:endParaRPr lang="en-US" dirty="0"/>
-          </a:p>
-          <a:p>
-            <a:endParaRPr lang="en-US" dirty="0"/>
-          </a:p>
-        </p:txBody>
-      </p:sp>
+        </p:txBody>
+      </p:sp>
+      <p:pic>
+        <p:nvPicPr>
+          <p:cNvPr id="7" name="Content Placeholder 4">
+            <a:extLst>
+              <a:ext uri="{FF2B5EF4-FFF2-40B4-BE49-F238E27FC236}">
+                <a16:creationId xmlns:a16="http://schemas.microsoft.com/office/drawing/2014/main" id="{313C99C6-304B-4EFE-9AB3-43C1BBCAA22A}"/>
+              </a:ext>
+            </a:extLst>
+          </p:cNvPr>
+          <p:cNvPicPr>
+            <a:picLocks noChangeAspect="1"/>
+          </p:cNvPicPr>
+          <p:nvPr/>
+        </p:nvPicPr>
+        <p:blipFill rotWithShape="1">
+          <a:blip r:embed="rId2">
+            <a:extLst>
+              <a:ext uri="{28A0092B-C50C-407E-A947-70E740481C1C}">
+                <a14:useLocalDpi xmlns:a14="http://schemas.microsoft.com/office/drawing/2010/main" val="0"/>
+              </a:ext>
+            </a:extLst>
+          </a:blip>
+          <a:srcRect t="16611" b="15001"/>
+          <a:stretch/>
+        </p:blipFill>
+        <p:spPr>
+          <a:xfrm>
+            <a:off x="1137960" y="1571348"/>
+            <a:ext cx="3870920" cy="4719299"/>
+          </a:xfrm>
+          <a:prstGeom prst="rect">
+            <a:avLst/>
+          </a:prstGeom>
+        </p:spPr>
+      </p:pic>
     </p:spTree>
     <p:extLst>
       <p:ext uri="{BB962C8B-B14F-4D97-AF65-F5344CB8AC3E}">
@@ -6476,7 +6874,7 @@
 </p:sld>
 </file>
 
-<file path=ppt/slides/slide12.xml><?xml version="1.0" encoding="utf-8"?>
+<file path=ppt/slides/slide16.xml><?xml version="1.0" encoding="utf-8"?>
 <p:sld xmlns:a="http://schemas.openxmlformats.org/drawingml/2006/main" xmlns:r="http://schemas.openxmlformats.org/officeDocument/2006/relationships" xmlns:p="http://schemas.openxmlformats.org/presentationml/2006/main">
   <p:cSld>
     <p:spTree>
@@ -6498,7 +6896,7 @@
           <p:cNvPr id="2" name="Title 1">
             <a:extLst>
               <a:ext uri="{FF2B5EF4-FFF2-40B4-BE49-F238E27FC236}">
-                <a16:creationId xmlns:a16="http://schemas.microsoft.com/office/drawing/2014/main" id="{F1577815-E1D7-4391-8428-C02EB64311F7}"/>
+                <a16:creationId xmlns:a16="http://schemas.microsoft.com/office/drawing/2014/main" id="{8964B4CD-11F0-45D4-8D43-85C3CFBB04E4}"/>
               </a:ext>
             </a:extLst>
           </p:cNvPr>
@@ -6516,96 +6914,26 @@
           <a:p>
             <a:r>
               <a:rPr lang="en-US" dirty="0"/>
-              <a:t>Electric Charging Infrastructure in the U.S.</a:t>
-            </a:r>
-          </a:p>
-        </p:txBody>
-      </p:sp>
-      <p:sp>
-        <p:nvSpPr>
-          <p:cNvPr id="3" name="Content Placeholder 2">
+              <a:t>External Market Factors – Charging Infrastructure</a:t>
+            </a:r>
+          </a:p>
+        </p:txBody>
+      </p:sp>
+      <p:pic>
+        <p:nvPicPr>
+          <p:cNvPr id="4" name="Content Placeholder 3">
             <a:extLst>
               <a:ext uri="{FF2B5EF4-FFF2-40B4-BE49-F238E27FC236}">
-                <a16:creationId xmlns:a16="http://schemas.microsoft.com/office/drawing/2014/main" id="{847895EE-59F7-4483-B7FB-DC32C4454452}"/>
-              </a:ext>
-            </a:extLst>
-          </p:cNvPr>
-          <p:cNvSpPr>
-            <a:spLocks noGrp="1"/>
-          </p:cNvSpPr>
-          <p:nvPr>
-            <p:ph idx="1"/>
-          </p:nvPr>
-        </p:nvSpPr>
-        <p:spPr>
-          <a:xfrm>
-            <a:off x="677334" y="2160589"/>
-            <a:ext cx="4063342" cy="3880773"/>
-          </a:xfrm>
-        </p:spPr>
-        <p:txBody>
-          <a:bodyPr/>
-          <a:lstStyle/>
-          <a:p>
-            <a:r>
-              <a:rPr lang="en-US" dirty="0"/>
-              <a:t>Most people only drive an average of 50 miles per day</a:t>
-            </a:r>
-          </a:p>
-          <a:p>
-            <a:r>
-              <a:rPr lang="en-US" dirty="0"/>
-              <a:t>The average miles per battery charge is 200, but…</a:t>
-            </a:r>
-          </a:p>
-          <a:p>
-            <a:r>
-              <a:rPr lang="en-US" dirty="0"/>
-              <a:t>“Range Anxiety” – The constant fear you will be on the side of the road with a dead battery. </a:t>
-            </a:r>
-          </a:p>
-          <a:p>
-            <a:r>
-              <a:rPr lang="en-US" dirty="0"/>
-              <a:t>Is there an increase in electric charging stations in the US?</a:t>
-            </a:r>
-          </a:p>
-          <a:p>
-            <a:r>
-              <a:rPr lang="en-US" dirty="0"/>
-              <a:t>Does this track with overall sales of Plug-In Vehicles?</a:t>
-            </a:r>
-          </a:p>
-          <a:p>
-            <a:endParaRPr lang="en-US" dirty="0"/>
-          </a:p>
-          <a:p>
-            <a:pPr marL="0" indent="0">
-              <a:buNone/>
-            </a:pPr>
-            <a:endParaRPr lang="en-US" dirty="0"/>
-          </a:p>
-          <a:p>
-            <a:endParaRPr lang="en-US" dirty="0"/>
-          </a:p>
-          <a:p>
-            <a:endParaRPr lang="en-US" dirty="0"/>
-          </a:p>
-        </p:txBody>
-      </p:sp>
-      <p:pic>
-        <p:nvPicPr>
-          <p:cNvPr id="5" name="Picture 4">
-            <a:extLst>
-              <a:ext uri="{FF2B5EF4-FFF2-40B4-BE49-F238E27FC236}">
-                <a16:creationId xmlns:a16="http://schemas.microsoft.com/office/drawing/2014/main" id="{C624B77B-7D8C-4742-B7C2-0D3D4BE8C79B}"/>
+                <a16:creationId xmlns:a16="http://schemas.microsoft.com/office/drawing/2014/main" id="{4728C59C-052D-4B8B-8C2F-F9331A363C3E}"/>
               </a:ext>
             </a:extLst>
           </p:cNvPr>
           <p:cNvPicPr>
-            <a:picLocks noChangeAspect="1"/>
+            <a:picLocks noGrp="1" noChangeAspect="1"/>
           </p:cNvPicPr>
-          <p:nvPr/>
+          <p:nvPr>
+            <p:ph idx="1"/>
+          </p:nvPr>
         </p:nvPicPr>
         <p:blipFill>
           <a:blip r:embed="rId2"/>
@@ -6615,18 +6943,280 @@
         </p:blipFill>
         <p:spPr>
           <a:xfrm>
-            <a:off x="4975668" y="1930400"/>
-            <a:ext cx="6067425" cy="4029075"/>
+            <a:off x="677335" y="2116201"/>
+            <a:ext cx="5212918" cy="3461640"/>
           </a:xfrm>
           <a:prstGeom prst="rect">
             <a:avLst/>
           </a:prstGeom>
         </p:spPr>
       </p:pic>
+      <p:sp>
+        <p:nvSpPr>
+          <p:cNvPr id="9" name="Content Placeholder 2">
+            <a:extLst>
+              <a:ext uri="{FF2B5EF4-FFF2-40B4-BE49-F238E27FC236}">
+                <a16:creationId xmlns:a16="http://schemas.microsoft.com/office/drawing/2014/main" id="{165CEF20-51FA-4A4A-85D3-4863C0F1020B}"/>
+              </a:ext>
+            </a:extLst>
+          </p:cNvPr>
+          <p:cNvSpPr txBox="1">
+            <a:spLocks/>
+          </p:cNvSpPr>
+          <p:nvPr/>
+        </p:nvSpPr>
+        <p:spPr>
+          <a:xfrm>
+            <a:off x="6096000" y="2670601"/>
+            <a:ext cx="3804162" cy="1850599"/>
+          </a:xfrm>
+          <a:prstGeom prst="rect">
+            <a:avLst/>
+          </a:prstGeom>
+        </p:spPr>
+        <p:txBody>
+          <a:bodyPr vert="horz" lIns="91440" tIns="45720" rIns="91440" bIns="45720" rtlCol="0">
+            <a:normAutofit/>
+          </a:bodyPr>
+          <a:lstStyle>
+            <a:lvl1pPr marL="342900" indent="-342900" algn="l" defTabSz="457200" rtl="0" eaLnBrk="1" latinLnBrk="0" hangingPunct="1">
+              <a:spcBef>
+                <a:spcPts val="1000"/>
+              </a:spcBef>
+              <a:spcAft>
+                <a:spcPts val="0"/>
+              </a:spcAft>
+              <a:buClr>
+                <a:schemeClr val="accent1"/>
+              </a:buClr>
+              <a:buSzPct val="80000"/>
+              <a:buFont typeface="Wingdings 3" charset="2"/>
+              <a:buChar char=""/>
+              <a:defRPr sz="1800" kern="1200">
+                <a:solidFill>
+                  <a:schemeClr val="tx1">
+                    <a:lumMod val="75000"/>
+                    <a:lumOff val="25000"/>
+                  </a:schemeClr>
+                </a:solidFill>
+                <a:latin typeface="+mn-lt"/>
+                <a:ea typeface="+mn-ea"/>
+                <a:cs typeface="+mn-cs"/>
+              </a:defRPr>
+            </a:lvl1pPr>
+            <a:lvl2pPr marL="742950" indent="-285750" algn="l" defTabSz="457200" rtl="0" eaLnBrk="1" latinLnBrk="0" hangingPunct="1">
+              <a:spcBef>
+                <a:spcPts val="1000"/>
+              </a:spcBef>
+              <a:spcAft>
+                <a:spcPts val="0"/>
+              </a:spcAft>
+              <a:buClr>
+                <a:schemeClr val="accent1"/>
+              </a:buClr>
+              <a:buSzPct val="80000"/>
+              <a:buFont typeface="Wingdings 3" charset="2"/>
+              <a:buChar char=""/>
+              <a:defRPr sz="1600" kern="1200">
+                <a:solidFill>
+                  <a:schemeClr val="tx1">
+                    <a:lumMod val="75000"/>
+                    <a:lumOff val="25000"/>
+                  </a:schemeClr>
+                </a:solidFill>
+                <a:latin typeface="+mn-lt"/>
+                <a:ea typeface="+mn-ea"/>
+                <a:cs typeface="+mn-cs"/>
+              </a:defRPr>
+            </a:lvl2pPr>
+            <a:lvl3pPr marL="1143000" indent="-228600" algn="l" defTabSz="457200" rtl="0" eaLnBrk="1" latinLnBrk="0" hangingPunct="1">
+              <a:spcBef>
+                <a:spcPts val="1000"/>
+              </a:spcBef>
+              <a:spcAft>
+                <a:spcPts val="0"/>
+              </a:spcAft>
+              <a:buClr>
+                <a:schemeClr val="accent1"/>
+              </a:buClr>
+              <a:buSzPct val="80000"/>
+              <a:buFont typeface="Wingdings 3" charset="2"/>
+              <a:buChar char=""/>
+              <a:defRPr sz="1400" kern="1200">
+                <a:solidFill>
+                  <a:schemeClr val="tx1">
+                    <a:lumMod val="75000"/>
+                    <a:lumOff val="25000"/>
+                  </a:schemeClr>
+                </a:solidFill>
+                <a:latin typeface="+mn-lt"/>
+                <a:ea typeface="+mn-ea"/>
+                <a:cs typeface="+mn-cs"/>
+              </a:defRPr>
+            </a:lvl3pPr>
+            <a:lvl4pPr marL="1600200" indent="-228600" algn="l" defTabSz="457200" rtl="0" eaLnBrk="1" latinLnBrk="0" hangingPunct="1">
+              <a:spcBef>
+                <a:spcPts val="1000"/>
+              </a:spcBef>
+              <a:spcAft>
+                <a:spcPts val="0"/>
+              </a:spcAft>
+              <a:buClr>
+                <a:schemeClr val="accent1"/>
+              </a:buClr>
+              <a:buSzPct val="80000"/>
+              <a:buFont typeface="Wingdings 3" charset="2"/>
+              <a:buChar char=""/>
+              <a:defRPr sz="1200" kern="1200">
+                <a:solidFill>
+                  <a:schemeClr val="tx1">
+                    <a:lumMod val="75000"/>
+                    <a:lumOff val="25000"/>
+                  </a:schemeClr>
+                </a:solidFill>
+                <a:latin typeface="+mn-lt"/>
+                <a:ea typeface="+mn-ea"/>
+                <a:cs typeface="+mn-cs"/>
+              </a:defRPr>
+            </a:lvl4pPr>
+            <a:lvl5pPr marL="2057400" indent="-228600" algn="l" defTabSz="457200" rtl="0" eaLnBrk="1" latinLnBrk="0" hangingPunct="1">
+              <a:spcBef>
+                <a:spcPts val="1000"/>
+              </a:spcBef>
+              <a:spcAft>
+                <a:spcPts val="0"/>
+              </a:spcAft>
+              <a:buClr>
+                <a:schemeClr val="accent1"/>
+              </a:buClr>
+              <a:buSzPct val="80000"/>
+              <a:buFont typeface="Wingdings 3" charset="2"/>
+              <a:buChar char=""/>
+              <a:defRPr sz="1200" kern="1200">
+                <a:solidFill>
+                  <a:schemeClr val="tx1">
+                    <a:lumMod val="75000"/>
+                    <a:lumOff val="25000"/>
+                  </a:schemeClr>
+                </a:solidFill>
+                <a:latin typeface="+mn-lt"/>
+                <a:ea typeface="+mn-ea"/>
+                <a:cs typeface="+mn-cs"/>
+              </a:defRPr>
+            </a:lvl5pPr>
+            <a:lvl6pPr marL="2514600" indent="-228600" algn="l" defTabSz="457200" rtl="0" eaLnBrk="1" latinLnBrk="0" hangingPunct="1">
+              <a:spcBef>
+                <a:spcPts val="1000"/>
+              </a:spcBef>
+              <a:spcAft>
+                <a:spcPts val="0"/>
+              </a:spcAft>
+              <a:buClr>
+                <a:schemeClr val="accent1"/>
+              </a:buClr>
+              <a:buSzPct val="80000"/>
+              <a:buFont typeface="Wingdings 3" charset="2"/>
+              <a:buChar char=""/>
+              <a:defRPr sz="1200" kern="1200">
+                <a:solidFill>
+                  <a:schemeClr val="tx1">
+                    <a:lumMod val="75000"/>
+                    <a:lumOff val="25000"/>
+                  </a:schemeClr>
+                </a:solidFill>
+                <a:latin typeface="+mn-lt"/>
+                <a:ea typeface="+mn-ea"/>
+                <a:cs typeface="+mn-cs"/>
+              </a:defRPr>
+            </a:lvl6pPr>
+            <a:lvl7pPr marL="2971800" indent="-228600" algn="l" defTabSz="457200" rtl="0" eaLnBrk="1" latinLnBrk="0" hangingPunct="1">
+              <a:spcBef>
+                <a:spcPts val="1000"/>
+              </a:spcBef>
+              <a:spcAft>
+                <a:spcPts val="0"/>
+              </a:spcAft>
+              <a:buClr>
+                <a:schemeClr val="accent1"/>
+              </a:buClr>
+              <a:buSzPct val="80000"/>
+              <a:buFont typeface="Wingdings 3" charset="2"/>
+              <a:buChar char=""/>
+              <a:defRPr sz="1200" kern="1200">
+                <a:solidFill>
+                  <a:schemeClr val="tx1">
+                    <a:lumMod val="75000"/>
+                    <a:lumOff val="25000"/>
+                  </a:schemeClr>
+                </a:solidFill>
+                <a:latin typeface="+mn-lt"/>
+                <a:ea typeface="+mn-ea"/>
+                <a:cs typeface="+mn-cs"/>
+              </a:defRPr>
+            </a:lvl7pPr>
+            <a:lvl8pPr marL="3429000" indent="-228600" algn="l" defTabSz="457200" rtl="0" eaLnBrk="1" latinLnBrk="0" hangingPunct="1">
+              <a:spcBef>
+                <a:spcPts val="1000"/>
+              </a:spcBef>
+              <a:spcAft>
+                <a:spcPts val="0"/>
+              </a:spcAft>
+              <a:buClr>
+                <a:schemeClr val="accent1"/>
+              </a:buClr>
+              <a:buSzPct val="80000"/>
+              <a:buFont typeface="Wingdings 3" charset="2"/>
+              <a:buChar char=""/>
+              <a:defRPr sz="1200" kern="1200">
+                <a:solidFill>
+                  <a:schemeClr val="tx1">
+                    <a:lumMod val="75000"/>
+                    <a:lumOff val="25000"/>
+                  </a:schemeClr>
+                </a:solidFill>
+                <a:latin typeface="+mn-lt"/>
+                <a:ea typeface="+mn-ea"/>
+                <a:cs typeface="+mn-cs"/>
+              </a:defRPr>
+            </a:lvl8pPr>
+            <a:lvl9pPr marL="3886200" indent="-228600" algn="l" defTabSz="457200" rtl="0" eaLnBrk="1" latinLnBrk="0" hangingPunct="1">
+              <a:spcBef>
+                <a:spcPts val="1000"/>
+              </a:spcBef>
+              <a:spcAft>
+                <a:spcPts val="0"/>
+              </a:spcAft>
+              <a:buClr>
+                <a:schemeClr val="accent1"/>
+              </a:buClr>
+              <a:buSzPct val="80000"/>
+              <a:buFont typeface="Wingdings 3" charset="2"/>
+              <a:buChar char=""/>
+              <a:defRPr sz="1200" kern="1200">
+                <a:solidFill>
+                  <a:schemeClr val="tx1">
+                    <a:lumMod val="75000"/>
+                    <a:lumOff val="25000"/>
+                  </a:schemeClr>
+                </a:solidFill>
+                <a:latin typeface="+mn-lt"/>
+                <a:ea typeface="+mn-ea"/>
+                <a:cs typeface="+mn-cs"/>
+              </a:defRPr>
+            </a:lvl9pPr>
+          </a:lstStyle>
+          <a:p>
+            <a:r>
+              <a:rPr lang="en-US" dirty="0"/>
+              <a:t>If “Range Anxiety” is considered a hurdle to electric vehicle adoption, do we see a correlation between PEV and the spread of charging stations?</a:t>
+            </a:r>
+          </a:p>
+        </p:txBody>
+      </p:sp>
     </p:spTree>
     <p:extLst>
       <p:ext uri="{BB962C8B-B14F-4D97-AF65-F5344CB8AC3E}">
-        <p14:creationId xmlns:p14="http://schemas.microsoft.com/office/powerpoint/2010/main" val="591477386"/>
+        <p14:creationId xmlns:p14="http://schemas.microsoft.com/office/powerpoint/2010/main" val="998570539"/>
       </p:ext>
     </p:extLst>
   </p:cSld>
@@ -6636,7 +7226,7 @@
 </p:sld>
 </file>
 
-<file path=ppt/slides/slide13.xml><?xml version="1.0" encoding="utf-8"?>
+<file path=ppt/slides/slide17.xml><?xml version="1.0" encoding="utf-8"?>
 <p:sld xmlns:a="http://schemas.openxmlformats.org/drawingml/2006/main" xmlns:r="http://schemas.openxmlformats.org/officeDocument/2006/relationships" xmlns:p="http://schemas.openxmlformats.org/presentationml/2006/main">
   <p:cSld>
     <p:spTree>
@@ -6735,15 +7325,28 @@
           <a:p>
             <a:r>
               <a:rPr lang="en-US" dirty="0"/>
-              <a:t>Pull data by each State using a FOR loop</a:t>
+              <a:t>Data Pulled State-By-State</a:t>
             </a:r>
           </a:p>
           <a:p>
             <a:pPr lvl="1"/>
             <a:r>
               <a:rPr lang="en-US" dirty="0"/>
-              <a:t>Date Opened, Access Type, Lat, Long, State</a:t>
-            </a:r>
+              <a:t>Pulled state abbreviations from the python library “US”</a:t>
+            </a:r>
+          </a:p>
+          <a:p>
+            <a:pPr lvl="1"/>
+            <a:r>
+              <a:rPr lang="en-US" dirty="0"/>
+              <a:t>Fields gathered - Date Opened, Access Type, Lat, Long, State</a:t>
+            </a:r>
+          </a:p>
+          <a:p>
+            <a:pPr marL="457200" lvl="1" indent="0">
+              <a:buNone/>
+            </a:pPr>
+            <a:endParaRPr lang="en-US" dirty="0"/>
           </a:p>
           <a:p>
             <a:pPr marL="457200" lvl="1" indent="0">
@@ -6775,7 +7378,7 @@
 </p:sld>
 </file>
 
-<file path=ppt/slides/slide14.xml><?xml version="1.0" encoding="utf-8"?>
+<file path=ppt/slides/slide18.xml><?xml version="1.0" encoding="utf-8"?>
 <p:sld xmlns:a="http://schemas.openxmlformats.org/drawingml/2006/main" xmlns:r="http://schemas.openxmlformats.org/officeDocument/2006/relationships" xmlns:p="http://schemas.openxmlformats.org/presentationml/2006/main">
   <p:cSld>
     <p:spTree>
@@ -6844,8 +7447,8 @@
         </p:blipFill>
         <p:spPr>
           <a:xfrm>
-            <a:off x="790113" y="1690702"/>
-            <a:ext cx="8691238" cy="4770866"/>
+            <a:off x="0" y="0"/>
+            <a:ext cx="12493438" cy="6858000"/>
           </a:xfrm>
           <a:prstGeom prst="rect">
             <a:avLst/>
@@ -6865,7 +7468,7 @@
 </p:sld>
 </file>
 
-<file path=ppt/slides/slide15.xml><?xml version="1.0" encoding="utf-8"?>
+<file path=ppt/slides/slide19.xml><?xml version="1.0" encoding="utf-8"?>
 <p:sld xmlns:a="http://schemas.openxmlformats.org/drawingml/2006/main" xmlns:r="http://schemas.openxmlformats.org/officeDocument/2006/relationships" xmlns:p="http://schemas.openxmlformats.org/presentationml/2006/main">
   <p:cSld>
     <p:spTree>
@@ -6966,7 +7569,7 @@
 </p:sld>
 </file>
 
-<file path=ppt/slides/slide16.xml><?xml version="1.0" encoding="utf-8"?>
+<file path=ppt/slides/slide2.xml><?xml version="1.0" encoding="utf-8"?>
 <p:sld xmlns:a="http://schemas.openxmlformats.org/drawingml/2006/main" xmlns:r="http://schemas.openxmlformats.org/officeDocument/2006/relationships" xmlns:p="http://schemas.openxmlformats.org/presentationml/2006/main">
   <p:cSld>
     <p:spTree>
@@ -6988,7 +7591,7 @@
           <p:cNvPr id="2" name="Title 1">
             <a:extLst>
               <a:ext uri="{FF2B5EF4-FFF2-40B4-BE49-F238E27FC236}">
-                <a16:creationId xmlns:a16="http://schemas.microsoft.com/office/drawing/2014/main" id="{997B157C-337B-4C8D-BAC4-30E27C7A5680}"/>
+                <a16:creationId xmlns:a16="http://schemas.microsoft.com/office/drawing/2014/main" id="{212A4066-7DA1-4FDB-B5B4-5FCA180CDB3A}"/>
               </a:ext>
             </a:extLst>
           </p:cNvPr>
@@ -7006,7 +7609,7 @@
           <a:p>
             <a:r>
               <a:rPr lang="en-US" dirty="0"/>
-              <a:t>Electric Charging Infrastructure in the U.S.</a:t>
+              <a:t>Motivations</a:t>
             </a:r>
           </a:p>
         </p:txBody>
@@ -7016,7 +7619,7 @@
           <p:cNvPr id="3" name="Content Placeholder 2">
             <a:extLst>
               <a:ext uri="{FF2B5EF4-FFF2-40B4-BE49-F238E27FC236}">
-                <a16:creationId xmlns:a16="http://schemas.microsoft.com/office/drawing/2014/main" id="{36FB75B0-AC1A-4239-BA92-EB3611538CBA}"/>
+                <a16:creationId xmlns:a16="http://schemas.microsoft.com/office/drawing/2014/main" id="{CCE29D34-71FB-4891-AE17-F6149F4EECFE}"/>
               </a:ext>
             </a:extLst>
           </p:cNvPr>
@@ -7027,46 +7630,105 @@
             <p:ph idx="1"/>
           </p:nvPr>
         </p:nvSpPr>
-        <p:spPr/>
+        <p:spPr>
+          <a:xfrm>
+            <a:off x="677334" y="1881187"/>
+            <a:ext cx="3571418" cy="4160176"/>
+          </a:xfrm>
+        </p:spPr>
         <p:txBody>
           <a:bodyPr/>
           <a:lstStyle/>
           <a:p>
             <a:r>
               <a:rPr lang="en-US" dirty="0"/>
-              <a:t>We see an increase in stations opened that does track with PEV sales </a:t>
-            </a:r>
-          </a:p>
-          <a:p>
-            <a:r>
-              <a:rPr lang="en-US" dirty="0"/>
-              <a:t>Station openings slightly lead sales. </a:t>
-            </a:r>
-          </a:p>
-          <a:p>
-            <a:pPr lvl="1"/>
-            <a:r>
-              <a:rPr lang="en-US" dirty="0"/>
-              <a:t>Largest jump in openings occurs in 2010 – 2011, where PEV sales rise at a slower pace.</a:t>
-            </a:r>
-          </a:p>
-          <a:p>
-            <a:pPr lvl="1"/>
-            <a:r>
-              <a:rPr lang="en-US" dirty="0"/>
-              <a:t>Largest increase in stations opened track to the years that the Nissan Leaf and Chevy Volt were introduced (2010 and 2011 respectively) and peaks at the introduction of the Tesla Model S (2012) and again at the introduction of the Model 3 (2016), suggesting station openings are effected by sales and enthusiasm around new car models.</a:t>
+              <a:t>Global Warming </a:t>
             </a:r>
           </a:p>
           <a:p>
             <a:pPr lvl="1"/>
             <a:endParaRPr lang="en-US" dirty="0"/>
           </a:p>
-        </p:txBody>
-      </p:sp>
+          <a:p>
+            <a:pPr marL="0" indent="0">
+              <a:buNone/>
+            </a:pPr>
+            <a:endParaRPr lang="en-US" dirty="0"/>
+          </a:p>
+          <a:p>
+            <a:r>
+              <a:rPr lang="en-US" dirty="0"/>
+              <a:t>Electric Vehicle “Hype” </a:t>
+            </a:r>
+          </a:p>
+          <a:p>
+            <a:pPr marL="457200" lvl="1" indent="0">
+              <a:buNone/>
+            </a:pPr>
+            <a:endParaRPr lang="en-US" dirty="0"/>
+          </a:p>
+          <a:p>
+            <a:endParaRPr lang="en-US" dirty="0"/>
+          </a:p>
+          <a:p>
+            <a:endParaRPr lang="en-US" dirty="0"/>
+          </a:p>
+          <a:p>
+            <a:endParaRPr lang="en-US" dirty="0"/>
+          </a:p>
+        </p:txBody>
+      </p:sp>
+      <p:pic>
+        <p:nvPicPr>
+          <p:cNvPr id="1026" name="Picture 2" descr="Related image">
+            <a:extLst>
+              <a:ext uri="{FF2B5EF4-FFF2-40B4-BE49-F238E27FC236}">
+                <a16:creationId xmlns:a16="http://schemas.microsoft.com/office/drawing/2014/main" id="{B9B72C9D-6194-449E-A375-CA81F3092DEB}"/>
+              </a:ext>
+            </a:extLst>
+          </p:cNvPr>
+          <p:cNvPicPr>
+            <a:picLocks noChangeAspect="1" noChangeArrowheads="1"/>
+          </p:cNvPicPr>
+          <p:nvPr/>
+        </p:nvPicPr>
+        <p:blipFill>
+          <a:blip r:embed="rId2">
+            <a:extLst>
+              <a:ext uri="{28A0092B-C50C-407E-A947-70E740481C1C}">
+                <a14:useLocalDpi xmlns:a14="http://schemas.microsoft.com/office/drawing/2010/main" val="0"/>
+              </a:ext>
+            </a:extLst>
+          </a:blip>
+          <a:srcRect/>
+          <a:stretch>
+            <a:fillRect/>
+          </a:stretch>
+        </p:blipFill>
+        <p:spPr bwMode="auto">
+          <a:xfrm>
+            <a:off x="4248752" y="1881187"/>
+            <a:ext cx="5114925" cy="3095625"/>
+          </a:xfrm>
+          <a:prstGeom prst="rect">
+            <a:avLst/>
+          </a:prstGeom>
+          <a:noFill/>
+          <a:extLst>
+            <a:ext uri="{909E8E84-426E-40DD-AFC4-6F175D3DCCD1}">
+              <a14:hiddenFill xmlns:a14="http://schemas.microsoft.com/office/drawing/2010/main">
+                <a:solidFill>
+                  <a:srgbClr val="FFFFFF"/>
+                </a:solidFill>
+              </a14:hiddenFill>
+            </a:ext>
+          </a:extLst>
+        </p:spPr>
+      </p:pic>
     </p:spTree>
     <p:extLst>
       <p:ext uri="{BB962C8B-B14F-4D97-AF65-F5344CB8AC3E}">
-        <p14:creationId xmlns:p14="http://schemas.microsoft.com/office/powerpoint/2010/main" val="850676878"/>
+        <p14:creationId xmlns:p14="http://schemas.microsoft.com/office/powerpoint/2010/main" val="3205176446"/>
       </p:ext>
     </p:extLst>
   </p:cSld>
@@ -7076,7 +7738,7 @@
 </p:sld>
 </file>
 
-<file path=ppt/slides/slide17.xml><?xml version="1.0" encoding="utf-8"?>
+<file path=ppt/slides/slide20.xml><?xml version="1.0" encoding="utf-8"?>
 <p:sld xmlns:a="http://schemas.openxmlformats.org/drawingml/2006/main" xmlns:r="http://schemas.openxmlformats.org/officeDocument/2006/relationships" xmlns:p="http://schemas.openxmlformats.org/presentationml/2006/main">
   <p:cSld>
     <p:spTree>
@@ -7434,7 +8096,7 @@
 </p:sld>
 </file>
 
-<file path=ppt/slides/slide18.xml><?xml version="1.0" encoding="utf-8"?>
+<file path=ppt/slides/slide21.xml><?xml version="1.0" encoding="utf-8"?>
 <p:sld xmlns:a="http://schemas.openxmlformats.org/drawingml/2006/main" xmlns:r="http://schemas.openxmlformats.org/officeDocument/2006/relationships" xmlns:p="http://schemas.openxmlformats.org/presentationml/2006/main">
   <p:cSld>
     <p:spTree>
@@ -7552,605 +8214,6 @@
 </p:sld>
 </file>
 
-<file path=ppt/slides/slide19.xml><?xml version="1.0" encoding="utf-8"?>
-<p:sld xmlns:a="http://schemas.openxmlformats.org/drawingml/2006/main" xmlns:r="http://schemas.openxmlformats.org/officeDocument/2006/relationships" xmlns:p="http://schemas.openxmlformats.org/presentationml/2006/main">
-  <p:cSld>
-    <p:spTree>
-      <p:nvGrpSpPr>
-        <p:cNvPr id="1" name=""/>
-        <p:cNvGrpSpPr/>
-        <p:nvPr/>
-      </p:nvGrpSpPr>
-      <p:grpSpPr>
-        <a:xfrm>
-          <a:off x="0" y="0"/>
-          <a:ext cx="0" cy="0"/>
-          <a:chOff x="0" y="0"/>
-          <a:chExt cx="0" cy="0"/>
-        </a:xfrm>
-      </p:grpSpPr>
-      <p:sp>
-        <p:nvSpPr>
-          <p:cNvPr id="2" name="Title 1">
-            <a:extLst>
-              <a:ext uri="{FF2B5EF4-FFF2-40B4-BE49-F238E27FC236}">
-                <a16:creationId xmlns:a16="http://schemas.microsoft.com/office/drawing/2014/main" id="{ABC59134-AB0F-420F-A6A7-4EB869FBE415}"/>
-              </a:ext>
-            </a:extLst>
-          </p:cNvPr>
-          <p:cNvSpPr>
-            <a:spLocks noGrp="1"/>
-          </p:cNvSpPr>
-          <p:nvPr>
-            <p:ph type="title"/>
-          </p:nvPr>
-        </p:nvSpPr>
-        <p:spPr/>
-        <p:txBody>
-          <a:bodyPr/>
-          <a:lstStyle/>
-          <a:p>
-            <a:r>
-              <a:rPr lang="en-US" dirty="0"/>
-              <a:t>Electric Charging Density in the Southeast</a:t>
-            </a:r>
-          </a:p>
-        </p:txBody>
-      </p:sp>
-      <p:pic>
-        <p:nvPicPr>
-          <p:cNvPr id="5" name="Content Placeholder 4">
-            <a:extLst>
-              <a:ext uri="{FF2B5EF4-FFF2-40B4-BE49-F238E27FC236}">
-                <a16:creationId xmlns:a16="http://schemas.microsoft.com/office/drawing/2014/main" id="{5D2A3177-DC0F-4DFC-A4C9-5FB2437A84F0}"/>
-              </a:ext>
-            </a:extLst>
-          </p:cNvPr>
-          <p:cNvPicPr>
-            <a:picLocks noGrp="1" noChangeAspect="1"/>
-          </p:cNvPicPr>
-          <p:nvPr>
-            <p:ph idx="1"/>
-          </p:nvPr>
-        </p:nvPicPr>
-        <p:blipFill rotWithShape="1">
-          <a:blip r:embed="rId2">
-            <a:extLst>
-              <a:ext uri="{28A0092B-C50C-407E-A947-70E740481C1C}">
-                <a14:useLocalDpi xmlns:a14="http://schemas.microsoft.com/office/drawing/2010/main" val="0"/>
-              </a:ext>
-            </a:extLst>
-          </a:blip>
-          <a:srcRect l="22683" r="24648"/>
-          <a:stretch/>
-        </p:blipFill>
-        <p:spPr>
-          <a:xfrm>
-            <a:off x="2121761" y="1866744"/>
-            <a:ext cx="5850385" cy="4381656"/>
-          </a:xfrm>
-        </p:spPr>
-      </p:pic>
-    </p:spTree>
-    <p:extLst>
-      <p:ext uri="{BB962C8B-B14F-4D97-AF65-F5344CB8AC3E}">
-        <p14:creationId xmlns:p14="http://schemas.microsoft.com/office/powerpoint/2010/main" val="3914733851"/>
-      </p:ext>
-    </p:extLst>
-  </p:cSld>
-  <p:clrMapOvr>
-    <a:masterClrMapping/>
-  </p:clrMapOvr>
-</p:sld>
-</file>
-
-<file path=ppt/slides/slide2.xml><?xml version="1.0" encoding="utf-8"?>
-<p:sld xmlns:a="http://schemas.openxmlformats.org/drawingml/2006/main" xmlns:r="http://schemas.openxmlformats.org/officeDocument/2006/relationships" xmlns:p="http://schemas.openxmlformats.org/presentationml/2006/main">
-  <p:cSld>
-    <p:spTree>
-      <p:nvGrpSpPr>
-        <p:cNvPr id="1" name=""/>
-        <p:cNvGrpSpPr/>
-        <p:nvPr/>
-      </p:nvGrpSpPr>
-      <p:grpSpPr>
-        <a:xfrm>
-          <a:off x="0" y="0"/>
-          <a:ext cx="0" cy="0"/>
-          <a:chOff x="0" y="0"/>
-          <a:chExt cx="0" cy="0"/>
-        </a:xfrm>
-      </p:grpSpPr>
-      <p:sp>
-        <p:nvSpPr>
-          <p:cNvPr id="2" name="Title 1">
-            <a:extLst>
-              <a:ext uri="{FF2B5EF4-FFF2-40B4-BE49-F238E27FC236}">
-                <a16:creationId xmlns:a16="http://schemas.microsoft.com/office/drawing/2014/main" id="{212A4066-7DA1-4FDB-B5B4-5FCA180CDB3A}"/>
-              </a:ext>
-            </a:extLst>
-          </p:cNvPr>
-          <p:cNvSpPr>
-            <a:spLocks noGrp="1"/>
-          </p:cNvSpPr>
-          <p:nvPr>
-            <p:ph type="title"/>
-          </p:nvPr>
-        </p:nvSpPr>
-        <p:spPr/>
-        <p:txBody>
-          <a:bodyPr/>
-          <a:lstStyle/>
-          <a:p>
-            <a:r>
-              <a:rPr lang="en-US" dirty="0"/>
-              <a:t>Motivation &amp; Summary</a:t>
-            </a:r>
-          </a:p>
-        </p:txBody>
-      </p:sp>
-      <p:sp>
-        <p:nvSpPr>
-          <p:cNvPr id="3" name="Content Placeholder 2">
-            <a:extLst>
-              <a:ext uri="{FF2B5EF4-FFF2-40B4-BE49-F238E27FC236}">
-                <a16:creationId xmlns:a16="http://schemas.microsoft.com/office/drawing/2014/main" id="{CCE29D34-71FB-4891-AE17-F6149F4EECFE}"/>
-              </a:ext>
-            </a:extLst>
-          </p:cNvPr>
-          <p:cNvSpPr>
-            <a:spLocks noGrp="1"/>
-          </p:cNvSpPr>
-          <p:nvPr>
-            <p:ph idx="1"/>
-          </p:nvPr>
-        </p:nvSpPr>
-        <p:spPr/>
-        <p:txBody>
-          <a:bodyPr/>
-          <a:lstStyle/>
-          <a:p>
-            <a:r>
-              <a:rPr lang="en-US" dirty="0"/>
-              <a:t>Global Warming in the News</a:t>
-            </a:r>
-          </a:p>
-          <a:p>
-            <a:pPr lvl="1"/>
-            <a:r>
-              <a:rPr lang="en-US" dirty="0"/>
-              <a:t>Vehicle emissions</a:t>
-            </a:r>
-          </a:p>
-          <a:p>
-            <a:pPr marL="0" indent="0">
-              <a:buNone/>
-            </a:pPr>
-            <a:endParaRPr lang="en-US" dirty="0"/>
-          </a:p>
-          <a:p>
-            <a:r>
-              <a:rPr lang="en-US" dirty="0"/>
-              <a:t>Electric Vehicle “Hype” </a:t>
-            </a:r>
-          </a:p>
-          <a:p>
-            <a:pPr lvl="1"/>
-            <a:r>
-              <a:rPr lang="en-US" dirty="0"/>
-              <a:t>Tesla!</a:t>
-            </a:r>
-          </a:p>
-          <a:p>
-            <a:pPr lvl="1"/>
-            <a:endParaRPr lang="en-US" dirty="0"/>
-          </a:p>
-          <a:p>
-            <a:endParaRPr lang="en-US" dirty="0"/>
-          </a:p>
-          <a:p>
-            <a:endParaRPr lang="en-US" dirty="0"/>
-          </a:p>
-          <a:p>
-            <a:endParaRPr lang="en-US" dirty="0"/>
-          </a:p>
-        </p:txBody>
-      </p:sp>
-    </p:spTree>
-    <p:extLst>
-      <p:ext uri="{BB962C8B-B14F-4D97-AF65-F5344CB8AC3E}">
-        <p14:creationId xmlns:p14="http://schemas.microsoft.com/office/powerpoint/2010/main" val="3205176446"/>
-      </p:ext>
-    </p:extLst>
-  </p:cSld>
-  <p:clrMapOvr>
-    <a:masterClrMapping/>
-  </p:clrMapOvr>
-</p:sld>
-</file>
-
-<file path=ppt/slides/slide20.xml><?xml version="1.0" encoding="utf-8"?>
-<p:sld xmlns:a="http://schemas.openxmlformats.org/drawingml/2006/main" xmlns:r="http://schemas.openxmlformats.org/officeDocument/2006/relationships" xmlns:p="http://schemas.openxmlformats.org/presentationml/2006/main">
-  <p:cSld>
-    <p:spTree>
-      <p:nvGrpSpPr>
-        <p:cNvPr id="1" name=""/>
-        <p:cNvGrpSpPr/>
-        <p:nvPr/>
-      </p:nvGrpSpPr>
-      <p:grpSpPr>
-        <a:xfrm>
-          <a:off x="0" y="0"/>
-          <a:ext cx="0" cy="0"/>
-          <a:chOff x="0" y="0"/>
-          <a:chExt cx="0" cy="0"/>
-        </a:xfrm>
-      </p:grpSpPr>
-      <p:sp>
-        <p:nvSpPr>
-          <p:cNvPr id="2" name="Title 1">
-            <a:extLst>
-              <a:ext uri="{FF2B5EF4-FFF2-40B4-BE49-F238E27FC236}">
-                <a16:creationId xmlns:a16="http://schemas.microsoft.com/office/drawing/2014/main" id="{F1577815-E1D7-4391-8428-C02EB64311F7}"/>
-              </a:ext>
-            </a:extLst>
-          </p:cNvPr>
-          <p:cNvSpPr>
-            <a:spLocks noGrp="1"/>
-          </p:cNvSpPr>
-          <p:nvPr>
-            <p:ph type="title"/>
-          </p:nvPr>
-        </p:nvSpPr>
-        <p:spPr/>
-        <p:txBody>
-          <a:bodyPr/>
-          <a:lstStyle/>
-          <a:p>
-            <a:r>
-              <a:rPr lang="en-US" dirty="0"/>
-              <a:t>State and Federal Exemptions for Electric and Hybrid Vehicles</a:t>
-            </a:r>
-          </a:p>
-        </p:txBody>
-      </p:sp>
-      <p:sp>
-        <p:nvSpPr>
-          <p:cNvPr id="3" name="Content Placeholder 2">
-            <a:extLst>
-              <a:ext uri="{FF2B5EF4-FFF2-40B4-BE49-F238E27FC236}">
-                <a16:creationId xmlns:a16="http://schemas.microsoft.com/office/drawing/2014/main" id="{847895EE-59F7-4483-B7FB-DC32C4454452}"/>
-              </a:ext>
-            </a:extLst>
-          </p:cNvPr>
-          <p:cNvSpPr>
-            <a:spLocks noGrp="1"/>
-          </p:cNvSpPr>
-          <p:nvPr>
-            <p:ph idx="1"/>
-          </p:nvPr>
-        </p:nvSpPr>
-        <p:spPr>
-          <a:xfrm>
-            <a:off x="6391922" y="2272683"/>
-            <a:ext cx="3311371" cy="3892967"/>
-          </a:xfrm>
-        </p:spPr>
-        <p:txBody>
-          <a:bodyPr/>
-          <a:lstStyle/>
-          <a:p>
-            <a:endParaRPr lang="en-US" dirty="0"/>
-          </a:p>
-          <a:p>
-            <a:pPr marL="0" indent="0">
-              <a:buNone/>
-            </a:pPr>
-            <a:endParaRPr lang="en-US" dirty="0"/>
-          </a:p>
-          <a:p>
-            <a:endParaRPr lang="en-US" dirty="0"/>
-          </a:p>
-          <a:p>
-            <a:endParaRPr lang="en-US" dirty="0"/>
-          </a:p>
-        </p:txBody>
-      </p:sp>
-      <p:pic>
-        <p:nvPicPr>
-          <p:cNvPr id="7" name="Content Placeholder 7">
-            <a:extLst>
-              <a:ext uri="{FF2B5EF4-FFF2-40B4-BE49-F238E27FC236}">
-                <a16:creationId xmlns:a16="http://schemas.microsoft.com/office/drawing/2014/main" id="{C20B1CD4-0DAF-4F71-B6D5-7B019A51ECC4}"/>
-              </a:ext>
-            </a:extLst>
-          </p:cNvPr>
-          <p:cNvPicPr>
-            <a:picLocks noChangeAspect="1"/>
-          </p:cNvPicPr>
-          <p:nvPr/>
-        </p:nvPicPr>
-        <p:blipFill>
-          <a:blip r:embed="rId2">
-            <a:extLst>
-              <a:ext uri="{28A0092B-C50C-407E-A947-70E740481C1C}">
-                <a14:useLocalDpi xmlns:a14="http://schemas.microsoft.com/office/drawing/2010/main" val="0"/>
-              </a:ext>
-            </a:extLst>
-          </a:blip>
-          <a:stretch>
-            <a:fillRect/>
-          </a:stretch>
-        </p:blipFill>
-        <p:spPr>
-          <a:xfrm>
-            <a:off x="1545764" y="1930400"/>
-            <a:ext cx="6859808" cy="4573205"/>
-          </a:xfrm>
-          <a:prstGeom prst="rect">
-            <a:avLst/>
-          </a:prstGeom>
-        </p:spPr>
-      </p:pic>
-    </p:spTree>
-    <p:extLst>
-      <p:ext uri="{BB962C8B-B14F-4D97-AF65-F5344CB8AC3E}">
-        <p14:creationId xmlns:p14="http://schemas.microsoft.com/office/powerpoint/2010/main" val="1235251627"/>
-      </p:ext>
-    </p:extLst>
-  </p:cSld>
-  <p:clrMapOvr>
-    <a:masterClrMapping/>
-  </p:clrMapOvr>
-</p:sld>
-</file>
-
-<file path=ppt/slides/slide21.xml><?xml version="1.0" encoding="utf-8"?>
-<p:sld xmlns:a="http://schemas.openxmlformats.org/drawingml/2006/main" xmlns:r="http://schemas.openxmlformats.org/officeDocument/2006/relationships" xmlns:p="http://schemas.openxmlformats.org/presentationml/2006/main">
-  <p:cSld>
-    <p:spTree>
-      <p:nvGrpSpPr>
-        <p:cNvPr id="1" name=""/>
-        <p:cNvGrpSpPr/>
-        <p:nvPr/>
-      </p:nvGrpSpPr>
-      <p:grpSpPr>
-        <a:xfrm>
-          <a:off x="0" y="0"/>
-          <a:ext cx="0" cy="0"/>
-          <a:chOff x="0" y="0"/>
-          <a:chExt cx="0" cy="0"/>
-        </a:xfrm>
-      </p:grpSpPr>
-      <p:sp>
-        <p:nvSpPr>
-          <p:cNvPr id="2" name="Title 1">
-            <a:extLst>
-              <a:ext uri="{FF2B5EF4-FFF2-40B4-BE49-F238E27FC236}">
-                <a16:creationId xmlns:a16="http://schemas.microsoft.com/office/drawing/2014/main" id="{2AA94FA4-F4F6-45D2-94F4-E99D2C750DF1}"/>
-              </a:ext>
-            </a:extLst>
-          </p:cNvPr>
-          <p:cNvSpPr>
-            <a:spLocks noGrp="1"/>
-          </p:cNvSpPr>
-          <p:nvPr>
-            <p:ph type="title"/>
-          </p:nvPr>
-        </p:nvSpPr>
-        <p:spPr/>
-        <p:txBody>
-          <a:bodyPr/>
-          <a:lstStyle/>
-          <a:p>
-            <a:r>
-              <a:rPr lang="en-US" dirty="0"/>
-              <a:t>Four Major Air Pollutants &amp; AQI</a:t>
-            </a:r>
-          </a:p>
-        </p:txBody>
-      </p:sp>
-      <p:sp>
-        <p:nvSpPr>
-          <p:cNvPr id="3" name="Content Placeholder 2">
-            <a:extLst>
-              <a:ext uri="{FF2B5EF4-FFF2-40B4-BE49-F238E27FC236}">
-                <a16:creationId xmlns:a16="http://schemas.microsoft.com/office/drawing/2014/main" id="{D2970F6B-3415-4044-95B5-C0FD3C0B5BB8}"/>
-              </a:ext>
-            </a:extLst>
-          </p:cNvPr>
-          <p:cNvSpPr>
-            <a:spLocks noGrp="1"/>
-          </p:cNvSpPr>
-          <p:nvPr>
-            <p:ph idx="1"/>
-          </p:nvPr>
-        </p:nvSpPr>
-        <p:spPr>
-          <a:xfrm>
-            <a:off x="677334" y="1330079"/>
-            <a:ext cx="8596668" cy="3880773"/>
-          </a:xfrm>
-        </p:spPr>
-        <p:txBody>
-          <a:bodyPr>
-            <a:normAutofit fontScale="85000" lnSpcReduction="20000"/>
-          </a:bodyPr>
-          <a:lstStyle/>
-          <a:p>
-            <a:r>
-              <a:rPr lang="en-US" dirty="0"/>
-              <a:t>Nitrogen Dioxide (NO2)</a:t>
-            </a:r>
-          </a:p>
-          <a:p>
-            <a:pPr lvl="1"/>
-            <a:r>
-              <a:rPr lang="en-US" dirty="0"/>
-              <a:t>Form Ozone and can cause lung irritation</a:t>
-            </a:r>
-          </a:p>
-          <a:p>
-            <a:r>
-              <a:rPr lang="en-US" dirty="0"/>
-              <a:t>Sulphur Dioxide (SO2)</a:t>
-            </a:r>
-          </a:p>
-          <a:p>
-            <a:pPr lvl="1"/>
-            <a:r>
-              <a:rPr lang="en-US" dirty="0"/>
-              <a:t>Product of burning sulfur-containing fuels</a:t>
-            </a:r>
-          </a:p>
-          <a:p>
-            <a:r>
-              <a:rPr lang="en-US" dirty="0"/>
-              <a:t>Carbon Monoxide (CO)</a:t>
-            </a:r>
-          </a:p>
-          <a:p>
-            <a:pPr lvl="1"/>
-            <a:r>
-              <a:rPr lang="en-US" dirty="0"/>
-              <a:t>Formed by the combustion of fossil fuels.  When inhaled, blocks oxygen from the brain, heart, and other vital organs</a:t>
-            </a:r>
-          </a:p>
-          <a:p>
-            <a:r>
-              <a:rPr lang="en-US" dirty="0"/>
-              <a:t>Ozone (O3)</a:t>
-            </a:r>
-          </a:p>
-          <a:p>
-            <a:pPr lvl="1"/>
-            <a:r>
-              <a:rPr lang="en-US" dirty="0"/>
-              <a:t>Main component of smog and is the </a:t>
-            </a:r>
-            <a:r>
-              <a:rPr lang="en-US" b="1" dirty="0">
-                <a:solidFill>
-                  <a:srgbClr val="FF0000"/>
-                </a:solidFill>
-              </a:rPr>
-              <a:t>product of sunlight and emissions from sources such as motor vehicles and industry</a:t>
-            </a:r>
-          </a:p>
-          <a:p>
-            <a:r>
-              <a:rPr lang="en-US" b="1" dirty="0">
-                <a:solidFill>
-                  <a:schemeClr val="tx1"/>
-                </a:solidFill>
-              </a:rPr>
-              <a:t>Air Quality Index (AQI)</a:t>
-            </a:r>
-          </a:p>
-          <a:p>
-            <a:pPr lvl="1"/>
-            <a:r>
-              <a:rPr lang="en-US" dirty="0">
-                <a:solidFill>
-                  <a:schemeClr val="tx1"/>
-                </a:solidFill>
-              </a:rPr>
-              <a:t>The higher the AQI value, the greater the level of air pollution.  </a:t>
-            </a:r>
-          </a:p>
-          <a:p>
-            <a:pPr lvl="1"/>
-            <a:r>
-              <a:rPr lang="en-US" dirty="0">
-                <a:solidFill>
-                  <a:schemeClr val="tx1"/>
-                </a:solidFill>
-              </a:rPr>
-              <a:t>AQI values are generated for each of the major pollutants, and the </a:t>
-            </a:r>
-            <a:r>
-              <a:rPr lang="en-US" b="1" dirty="0">
-                <a:solidFill>
-                  <a:schemeClr val="accent5"/>
-                </a:solidFill>
-              </a:rPr>
-              <a:t>highest</a:t>
-            </a:r>
-            <a:r>
-              <a:rPr lang="en-US" dirty="0">
-                <a:solidFill>
-                  <a:schemeClr val="tx1"/>
-                </a:solidFill>
-              </a:rPr>
-              <a:t> value is reported daily as an indicator of air quality for that day</a:t>
-            </a:r>
-          </a:p>
-        </p:txBody>
-      </p:sp>
-      <p:sp>
-        <p:nvSpPr>
-          <p:cNvPr id="4" name="TextBox 3">
-            <a:extLst>
-              <a:ext uri="{FF2B5EF4-FFF2-40B4-BE49-F238E27FC236}">
-                <a16:creationId xmlns:a16="http://schemas.microsoft.com/office/drawing/2014/main" id="{F2AD386D-CE85-4706-984F-C5DB9B51425A}"/>
-              </a:ext>
-            </a:extLst>
-          </p:cNvPr>
-          <p:cNvSpPr txBox="1"/>
-          <p:nvPr/>
-        </p:nvSpPr>
-        <p:spPr>
-          <a:xfrm>
-            <a:off x="477506" y="6137762"/>
-            <a:ext cx="11236987" cy="646331"/>
-          </a:xfrm>
-          <a:prstGeom prst="rect">
-            <a:avLst/>
-          </a:prstGeom>
-          <a:noFill/>
-        </p:spPr>
-        <p:txBody>
-          <a:bodyPr wrap="none" rtlCol="0">
-            <a:spAutoFit/>
-          </a:bodyPr>
-          <a:lstStyle/>
-          <a:p>
-            <a:r>
-              <a:rPr lang="en-US" dirty="0"/>
-              <a:t>Source: </a:t>
-            </a:r>
-            <a:r>
-              <a:rPr lang="en-US" dirty="0">
-                <a:hlinkClick r:id="rId2"/>
-              </a:rPr>
-              <a:t>https://airnow.gov/index.cfm?action=aqi_brochure.index</a:t>
-            </a:r>
-            <a:endParaRPr lang="en-US" dirty="0"/>
-          </a:p>
-          <a:p>
-            <a:r>
-              <a:rPr lang="en-US" dirty="0">
-                <a:hlinkClick r:id="rId3"/>
-              </a:rPr>
-              <a:t>https://www.ucsusa.org/clean-vehicles/vehicles-air-pollution-and-human-health/cars-trucks-air-pollution</a:t>
-            </a:r>
-            <a:endParaRPr lang="en-US" dirty="0"/>
-          </a:p>
-        </p:txBody>
-      </p:sp>
-    </p:spTree>
-    <p:extLst>
-      <p:ext uri="{BB962C8B-B14F-4D97-AF65-F5344CB8AC3E}">
-        <p14:creationId xmlns:p14="http://schemas.microsoft.com/office/powerpoint/2010/main" val="2333952725"/>
-      </p:ext>
-    </p:extLst>
-  </p:cSld>
-  <p:clrMapOvr>
-    <a:masterClrMapping/>
-  </p:clrMapOvr>
-</p:sld>
-</file>
-
 <file path=ppt/slides/slide22.xml><?xml version="1.0" encoding="utf-8"?>
 <p:sld xmlns:a="http://schemas.openxmlformats.org/drawingml/2006/main" xmlns:r="http://schemas.openxmlformats.org/officeDocument/2006/relationships" xmlns:p="http://schemas.openxmlformats.org/presentationml/2006/main">
   <p:cSld>
@@ -8173,6 +8236,707 @@
           <p:cNvPr id="2" name="Title 1">
             <a:extLst>
               <a:ext uri="{FF2B5EF4-FFF2-40B4-BE49-F238E27FC236}">
+                <a16:creationId xmlns:a16="http://schemas.microsoft.com/office/drawing/2014/main" id="{997B157C-337B-4C8D-BAC4-30E27C7A5680}"/>
+              </a:ext>
+            </a:extLst>
+          </p:cNvPr>
+          <p:cNvSpPr>
+            <a:spLocks noGrp="1"/>
+          </p:cNvSpPr>
+          <p:nvPr>
+            <p:ph type="title"/>
+          </p:nvPr>
+        </p:nvSpPr>
+        <p:spPr/>
+        <p:txBody>
+          <a:bodyPr/>
+          <a:lstStyle/>
+          <a:p>
+            <a:r>
+              <a:rPr lang="en-US" dirty="0"/>
+              <a:t>Electric Charging Infrastructure in the U.S.</a:t>
+            </a:r>
+          </a:p>
+        </p:txBody>
+      </p:sp>
+      <p:sp>
+        <p:nvSpPr>
+          <p:cNvPr id="3" name="Content Placeholder 2">
+            <a:extLst>
+              <a:ext uri="{FF2B5EF4-FFF2-40B4-BE49-F238E27FC236}">
+                <a16:creationId xmlns:a16="http://schemas.microsoft.com/office/drawing/2014/main" id="{36FB75B0-AC1A-4239-BA92-EB3611538CBA}"/>
+              </a:ext>
+            </a:extLst>
+          </p:cNvPr>
+          <p:cNvSpPr>
+            <a:spLocks noGrp="1"/>
+          </p:cNvSpPr>
+          <p:nvPr>
+            <p:ph idx="1"/>
+          </p:nvPr>
+        </p:nvSpPr>
+        <p:spPr>
+          <a:xfrm>
+            <a:off x="677334" y="2160589"/>
+            <a:ext cx="8596668" cy="3630611"/>
+          </a:xfrm>
+        </p:spPr>
+        <p:txBody>
+          <a:bodyPr>
+            <a:normAutofit/>
+          </a:bodyPr>
+          <a:lstStyle/>
+          <a:p>
+            <a:r>
+              <a:rPr lang="en-US" dirty="0"/>
+              <a:t>We see an increase in stations opened that does track with PEV sales.</a:t>
+            </a:r>
+          </a:p>
+          <a:p>
+            <a:r>
+              <a:rPr lang="en-US" dirty="0"/>
+              <a:t>Station openings slightly lead sales. </a:t>
+            </a:r>
+          </a:p>
+          <a:p>
+            <a:pPr lvl="1"/>
+            <a:r>
+              <a:rPr lang="en-US" dirty="0"/>
+              <a:t>Largest jump in openings occurs in 2010 – 2011, where PEV sales begin to take off.</a:t>
+            </a:r>
+          </a:p>
+          <a:p>
+            <a:pPr lvl="1"/>
+            <a:r>
+              <a:rPr lang="en-US" dirty="0"/>
+              <a:t>Largest increase in stations opened track to the years that the Nissan Leaf and Chevy Volt were introduced (2010 and 2011 respectively) and peaks at the introduction of the Tesla Model S (2012) and again at the introduction of the Model 3 (2016), suggesting station openings are effected by sales and enthusiasm around new car models.</a:t>
+            </a:r>
+          </a:p>
+          <a:p>
+            <a:r>
+              <a:rPr lang="en-US" dirty="0"/>
+              <a:t>Current station density is not high enough to connect most areas of the country outside of dense urban areas and the Eastern Seaboard. </a:t>
+            </a:r>
+          </a:p>
+          <a:p>
+            <a:pPr marL="0" indent="0">
+              <a:buNone/>
+            </a:pPr>
+            <a:endParaRPr lang="en-US" dirty="0"/>
+          </a:p>
+          <a:p>
+            <a:pPr marL="457200" lvl="1" indent="0">
+              <a:buNone/>
+            </a:pPr>
+            <a:endParaRPr lang="en-US" dirty="0"/>
+          </a:p>
+          <a:p>
+            <a:pPr lvl="1"/>
+            <a:endParaRPr lang="en-US" dirty="0"/>
+          </a:p>
+        </p:txBody>
+      </p:sp>
+    </p:spTree>
+    <p:extLst>
+      <p:ext uri="{BB962C8B-B14F-4D97-AF65-F5344CB8AC3E}">
+        <p14:creationId xmlns:p14="http://schemas.microsoft.com/office/powerpoint/2010/main" val="850676878"/>
+      </p:ext>
+    </p:extLst>
+  </p:cSld>
+  <p:clrMapOvr>
+    <a:masterClrMapping/>
+  </p:clrMapOvr>
+</p:sld>
+</file>
+
+<file path=ppt/slides/slide23.xml><?xml version="1.0" encoding="utf-8"?>
+<p:sld xmlns:a="http://schemas.openxmlformats.org/drawingml/2006/main" xmlns:r="http://schemas.openxmlformats.org/officeDocument/2006/relationships" xmlns:p="http://schemas.openxmlformats.org/presentationml/2006/main">
+  <p:cSld>
+    <p:spTree>
+      <p:nvGrpSpPr>
+        <p:cNvPr id="1" name=""/>
+        <p:cNvGrpSpPr/>
+        <p:nvPr/>
+      </p:nvGrpSpPr>
+      <p:grpSpPr>
+        <a:xfrm>
+          <a:off x="0" y="0"/>
+          <a:ext cx="0" cy="0"/>
+          <a:chOff x="0" y="0"/>
+          <a:chExt cx="0" cy="0"/>
+        </a:xfrm>
+      </p:grpSpPr>
+      <p:sp>
+        <p:nvSpPr>
+          <p:cNvPr id="2" name="Title 1">
+            <a:extLst>
+              <a:ext uri="{FF2B5EF4-FFF2-40B4-BE49-F238E27FC236}">
+                <a16:creationId xmlns:a16="http://schemas.microsoft.com/office/drawing/2014/main" id="{BD5C7F76-319F-49A8-B1A7-4B2FEFE45BEE}"/>
+              </a:ext>
+            </a:extLst>
+          </p:cNvPr>
+          <p:cNvSpPr>
+            <a:spLocks noGrp="1"/>
+          </p:cNvSpPr>
+          <p:nvPr>
+            <p:ph type="title"/>
+          </p:nvPr>
+        </p:nvSpPr>
+        <p:spPr/>
+        <p:txBody>
+          <a:bodyPr/>
+          <a:lstStyle/>
+          <a:p>
+            <a:r>
+              <a:rPr lang="en-US" dirty="0"/>
+              <a:t>External Market Factors – State and Federal Incentives and Regulation</a:t>
+            </a:r>
+          </a:p>
+        </p:txBody>
+      </p:sp>
+      <p:sp>
+        <p:nvSpPr>
+          <p:cNvPr id="3" name="Content Placeholder 2">
+            <a:extLst>
+              <a:ext uri="{FF2B5EF4-FFF2-40B4-BE49-F238E27FC236}">
+                <a16:creationId xmlns:a16="http://schemas.microsoft.com/office/drawing/2014/main" id="{1E83FD51-5E0D-4EEC-8863-AE9BB00383AB}"/>
+              </a:ext>
+            </a:extLst>
+          </p:cNvPr>
+          <p:cNvSpPr>
+            <a:spLocks noGrp="1"/>
+          </p:cNvSpPr>
+          <p:nvPr>
+            <p:ph idx="1"/>
+          </p:nvPr>
+        </p:nvSpPr>
+        <p:spPr/>
+        <p:txBody>
+          <a:bodyPr/>
+          <a:lstStyle/>
+          <a:p>
+            <a:r>
+              <a:rPr lang="en-US" dirty="0"/>
+              <a:t>Are sales of electric vehicles effected by incentives (such as tax breaks)?</a:t>
+            </a:r>
+          </a:p>
+          <a:p>
+            <a:endParaRPr lang="en-US" dirty="0"/>
+          </a:p>
+          <a:p>
+            <a:r>
+              <a:rPr lang="en-US" dirty="0"/>
+              <a:t>National Renewable Energy Laboratory API for Alternative Fuel Stations </a:t>
+            </a:r>
+            <a:r>
+              <a:rPr lang="en-US" u="sng" dirty="0">
+                <a:hlinkClick r:id="rId2"/>
+              </a:rPr>
+              <a:t>https://developer.nrel.gov/docs/transportation/transportation-incentives-laws-v1/</a:t>
+            </a:r>
+            <a:endParaRPr lang="en-US" u="sng" dirty="0"/>
+          </a:p>
+          <a:p>
+            <a:r>
+              <a:rPr lang="en-US" dirty="0"/>
+              <a:t>Parameters</a:t>
+            </a:r>
+          </a:p>
+          <a:p>
+            <a:pPr lvl="1"/>
+            <a:r>
+              <a:rPr lang="en-US" dirty="0"/>
+              <a:t>Electric, Plug in Electric, or Hybrid Vehicles </a:t>
+            </a:r>
+          </a:p>
+          <a:p>
+            <a:pPr lvl="1"/>
+            <a:r>
+              <a:rPr lang="en-US" dirty="0"/>
+              <a:t>Must include provisions that effect individuals (IND parameter key)</a:t>
+            </a:r>
+          </a:p>
+          <a:p>
+            <a:pPr lvl="1"/>
+            <a:endParaRPr lang="en-US" dirty="0"/>
+          </a:p>
+          <a:p>
+            <a:endParaRPr lang="en-US" dirty="0"/>
+          </a:p>
+          <a:p>
+            <a:endParaRPr lang="en-US" dirty="0"/>
+          </a:p>
+        </p:txBody>
+      </p:sp>
+    </p:spTree>
+    <p:extLst>
+      <p:ext uri="{BB962C8B-B14F-4D97-AF65-F5344CB8AC3E}">
+        <p14:creationId xmlns:p14="http://schemas.microsoft.com/office/powerpoint/2010/main" val="1286086221"/>
+      </p:ext>
+    </p:extLst>
+  </p:cSld>
+  <p:clrMapOvr>
+    <a:masterClrMapping/>
+  </p:clrMapOvr>
+</p:sld>
+</file>
+
+<file path=ppt/slides/slide24.xml><?xml version="1.0" encoding="utf-8"?>
+<p:sld xmlns:a="http://schemas.openxmlformats.org/drawingml/2006/main" xmlns:r="http://schemas.openxmlformats.org/officeDocument/2006/relationships" xmlns:p="http://schemas.openxmlformats.org/presentationml/2006/main">
+  <p:cSld>
+    <p:spTree>
+      <p:nvGrpSpPr>
+        <p:cNvPr id="1" name=""/>
+        <p:cNvGrpSpPr/>
+        <p:nvPr/>
+      </p:nvGrpSpPr>
+      <p:grpSpPr>
+        <a:xfrm>
+          <a:off x="0" y="0"/>
+          <a:ext cx="0" cy="0"/>
+          <a:chOff x="0" y="0"/>
+          <a:chExt cx="0" cy="0"/>
+        </a:xfrm>
+      </p:grpSpPr>
+      <p:sp>
+        <p:nvSpPr>
+          <p:cNvPr id="2" name="Title 1">
+            <a:extLst>
+              <a:ext uri="{FF2B5EF4-FFF2-40B4-BE49-F238E27FC236}">
+                <a16:creationId xmlns:a16="http://schemas.microsoft.com/office/drawing/2014/main" id="{A3D70A1E-4DF4-4EC3-9EDA-D1E64A643E54}"/>
+              </a:ext>
+            </a:extLst>
+          </p:cNvPr>
+          <p:cNvSpPr>
+            <a:spLocks noGrp="1"/>
+          </p:cNvSpPr>
+          <p:nvPr>
+            <p:ph type="title"/>
+          </p:nvPr>
+        </p:nvSpPr>
+        <p:spPr/>
+        <p:txBody>
+          <a:bodyPr/>
+          <a:lstStyle/>
+          <a:p>
+            <a:r>
+              <a:rPr lang="en-US" dirty="0"/>
+              <a:t>State and Federal Exemptions for Electric and Hybrid Vehicles</a:t>
+            </a:r>
+          </a:p>
+        </p:txBody>
+      </p:sp>
+      <p:pic>
+        <p:nvPicPr>
+          <p:cNvPr id="4" name="Content Placeholder 7">
+            <a:extLst>
+              <a:ext uri="{FF2B5EF4-FFF2-40B4-BE49-F238E27FC236}">
+                <a16:creationId xmlns:a16="http://schemas.microsoft.com/office/drawing/2014/main" id="{7DE1A20B-25B0-4966-AC97-C7A5FEC97D81}"/>
+              </a:ext>
+            </a:extLst>
+          </p:cNvPr>
+          <p:cNvPicPr>
+            <a:picLocks noGrp="1" noChangeAspect="1"/>
+          </p:cNvPicPr>
+          <p:nvPr>
+            <p:ph idx="1"/>
+          </p:nvPr>
+        </p:nvPicPr>
+        <p:blipFill>
+          <a:blip r:embed="rId2">
+            <a:extLst>
+              <a:ext uri="{28A0092B-C50C-407E-A947-70E740481C1C}">
+                <a14:useLocalDpi xmlns:a14="http://schemas.microsoft.com/office/drawing/2010/main" val="0"/>
+              </a:ext>
+            </a:extLst>
+          </a:blip>
+          <a:stretch>
+            <a:fillRect/>
+          </a:stretch>
+        </p:blipFill>
+        <p:spPr>
+          <a:xfrm>
+            <a:off x="1737359" y="1727200"/>
+            <a:ext cx="7264401" cy="4842934"/>
+          </a:xfrm>
+          <a:prstGeom prst="rect">
+            <a:avLst/>
+          </a:prstGeom>
+        </p:spPr>
+      </p:pic>
+    </p:spTree>
+    <p:extLst>
+      <p:ext uri="{BB962C8B-B14F-4D97-AF65-F5344CB8AC3E}">
+        <p14:creationId xmlns:p14="http://schemas.microsoft.com/office/powerpoint/2010/main" val="705474371"/>
+      </p:ext>
+    </p:extLst>
+  </p:cSld>
+  <p:clrMapOvr>
+    <a:masterClrMapping/>
+  </p:clrMapOvr>
+</p:sld>
+</file>
+
+<file path=ppt/slides/slide25.xml><?xml version="1.0" encoding="utf-8"?>
+<p:sld xmlns:a="http://schemas.openxmlformats.org/drawingml/2006/main" xmlns:r="http://schemas.openxmlformats.org/officeDocument/2006/relationships" xmlns:p="http://schemas.openxmlformats.org/presentationml/2006/main">
+  <p:cSld>
+    <p:spTree>
+      <p:nvGrpSpPr>
+        <p:cNvPr id="1" name=""/>
+        <p:cNvGrpSpPr/>
+        <p:nvPr/>
+      </p:nvGrpSpPr>
+      <p:grpSpPr>
+        <a:xfrm>
+          <a:off x="0" y="0"/>
+          <a:ext cx="0" cy="0"/>
+          <a:chOff x="0" y="0"/>
+          <a:chExt cx="0" cy="0"/>
+        </a:xfrm>
+      </p:grpSpPr>
+      <p:sp>
+        <p:nvSpPr>
+          <p:cNvPr id="2" name="Title 1">
+            <a:extLst>
+              <a:ext uri="{FF2B5EF4-FFF2-40B4-BE49-F238E27FC236}">
+                <a16:creationId xmlns:a16="http://schemas.microsoft.com/office/drawing/2014/main" id="{1B01FD76-E15C-4B1C-9FF8-8B4DBCB5CD43}"/>
+              </a:ext>
+            </a:extLst>
+          </p:cNvPr>
+          <p:cNvSpPr>
+            <a:spLocks noGrp="1"/>
+          </p:cNvSpPr>
+          <p:nvPr>
+            <p:ph type="title"/>
+          </p:nvPr>
+        </p:nvSpPr>
+        <p:spPr/>
+        <p:txBody>
+          <a:bodyPr/>
+          <a:lstStyle/>
+          <a:p>
+            <a:r>
+              <a:rPr lang="en-US" dirty="0"/>
+              <a:t>Summary</a:t>
+            </a:r>
+          </a:p>
+        </p:txBody>
+      </p:sp>
+      <p:sp>
+        <p:nvSpPr>
+          <p:cNvPr id="3" name="Content Placeholder 2">
+            <a:extLst>
+              <a:ext uri="{FF2B5EF4-FFF2-40B4-BE49-F238E27FC236}">
+                <a16:creationId xmlns:a16="http://schemas.microsoft.com/office/drawing/2014/main" id="{0BC4A7CB-4614-4161-BF47-3547851FE87C}"/>
+              </a:ext>
+            </a:extLst>
+          </p:cNvPr>
+          <p:cNvSpPr>
+            <a:spLocks noGrp="1"/>
+          </p:cNvSpPr>
+          <p:nvPr>
+            <p:ph idx="1"/>
+          </p:nvPr>
+        </p:nvSpPr>
+        <p:spPr/>
+        <p:txBody>
+          <a:bodyPr/>
+          <a:lstStyle/>
+          <a:p>
+            <a:r>
+              <a:rPr lang="en-US" dirty="0"/>
+              <a:t>There is a rise in incentives passed at the state and federal level and the rise in PEV sales.</a:t>
+            </a:r>
+          </a:p>
+          <a:p>
+            <a:r>
+              <a:rPr lang="en-US" dirty="0"/>
+              <a:t>Limits of the data</a:t>
+            </a:r>
+          </a:p>
+        </p:txBody>
+      </p:sp>
+    </p:spTree>
+    <p:extLst>
+      <p:ext uri="{BB962C8B-B14F-4D97-AF65-F5344CB8AC3E}">
+        <p14:creationId xmlns:p14="http://schemas.microsoft.com/office/powerpoint/2010/main" val="3337232669"/>
+      </p:ext>
+    </p:extLst>
+  </p:cSld>
+  <p:clrMapOvr>
+    <a:masterClrMapping/>
+  </p:clrMapOvr>
+</p:sld>
+</file>
+
+<file path=ppt/slides/slide26.xml><?xml version="1.0" encoding="utf-8"?>
+<p:sld xmlns:a="http://schemas.openxmlformats.org/drawingml/2006/main" xmlns:r="http://schemas.openxmlformats.org/officeDocument/2006/relationships" xmlns:p="http://schemas.openxmlformats.org/presentationml/2006/main">
+  <p:cSld>
+    <p:spTree>
+      <p:nvGrpSpPr>
+        <p:cNvPr id="1" name=""/>
+        <p:cNvGrpSpPr/>
+        <p:nvPr/>
+      </p:nvGrpSpPr>
+      <p:grpSpPr>
+        <a:xfrm>
+          <a:off x="0" y="0"/>
+          <a:ext cx="0" cy="0"/>
+          <a:chOff x="0" y="0"/>
+          <a:chExt cx="0" cy="0"/>
+        </a:xfrm>
+      </p:grpSpPr>
+      <p:sp>
+        <p:nvSpPr>
+          <p:cNvPr id="2" name="Title 1">
+            <a:extLst>
+              <a:ext uri="{FF2B5EF4-FFF2-40B4-BE49-F238E27FC236}">
+                <a16:creationId xmlns:a16="http://schemas.microsoft.com/office/drawing/2014/main" id="{2AA94FA4-F4F6-45D2-94F4-E99D2C750DF1}"/>
+              </a:ext>
+            </a:extLst>
+          </p:cNvPr>
+          <p:cNvSpPr>
+            <a:spLocks noGrp="1"/>
+          </p:cNvSpPr>
+          <p:nvPr>
+            <p:ph type="title"/>
+          </p:nvPr>
+        </p:nvSpPr>
+        <p:spPr/>
+        <p:txBody>
+          <a:bodyPr/>
+          <a:lstStyle/>
+          <a:p>
+            <a:r>
+              <a:rPr lang="en-US" dirty="0"/>
+              <a:t>Four Major Air Pollutants &amp; AQI</a:t>
+            </a:r>
+          </a:p>
+        </p:txBody>
+      </p:sp>
+      <p:sp>
+        <p:nvSpPr>
+          <p:cNvPr id="3" name="Content Placeholder 2">
+            <a:extLst>
+              <a:ext uri="{FF2B5EF4-FFF2-40B4-BE49-F238E27FC236}">
+                <a16:creationId xmlns:a16="http://schemas.microsoft.com/office/drawing/2014/main" id="{D2970F6B-3415-4044-95B5-C0FD3C0B5BB8}"/>
+              </a:ext>
+            </a:extLst>
+          </p:cNvPr>
+          <p:cNvSpPr>
+            <a:spLocks noGrp="1"/>
+          </p:cNvSpPr>
+          <p:nvPr>
+            <p:ph idx="1"/>
+          </p:nvPr>
+        </p:nvSpPr>
+        <p:spPr>
+          <a:xfrm>
+            <a:off x="677334" y="1330079"/>
+            <a:ext cx="8596668" cy="3880773"/>
+          </a:xfrm>
+        </p:spPr>
+        <p:txBody>
+          <a:bodyPr>
+            <a:normAutofit fontScale="85000" lnSpcReduction="20000"/>
+          </a:bodyPr>
+          <a:lstStyle/>
+          <a:p>
+            <a:r>
+              <a:rPr lang="en-US" dirty="0"/>
+              <a:t>Nitrogen Dioxide (NO2)</a:t>
+            </a:r>
+          </a:p>
+          <a:p>
+            <a:pPr lvl="1"/>
+            <a:r>
+              <a:rPr lang="en-US" dirty="0"/>
+              <a:t>Form Ozone and can cause lung irritation</a:t>
+            </a:r>
+          </a:p>
+          <a:p>
+            <a:r>
+              <a:rPr lang="en-US" dirty="0"/>
+              <a:t>Sulphur Dioxide (SO2)</a:t>
+            </a:r>
+          </a:p>
+          <a:p>
+            <a:pPr lvl="1"/>
+            <a:r>
+              <a:rPr lang="en-US" dirty="0"/>
+              <a:t>Product of burning sulfur-containing fuels</a:t>
+            </a:r>
+          </a:p>
+          <a:p>
+            <a:r>
+              <a:rPr lang="en-US" dirty="0"/>
+              <a:t>Carbon Monoxide (CO)</a:t>
+            </a:r>
+          </a:p>
+          <a:p>
+            <a:pPr lvl="1"/>
+            <a:r>
+              <a:rPr lang="en-US" dirty="0"/>
+              <a:t>Formed by the combustion of fossil fuels.  When inhaled, blocks oxygen from the brain, heart, and other vital organs</a:t>
+            </a:r>
+          </a:p>
+          <a:p>
+            <a:r>
+              <a:rPr lang="en-US" dirty="0"/>
+              <a:t>Ozone (O3)</a:t>
+            </a:r>
+          </a:p>
+          <a:p>
+            <a:pPr lvl="1"/>
+            <a:r>
+              <a:rPr lang="en-US" dirty="0"/>
+              <a:t>Main component of smog and is the </a:t>
+            </a:r>
+            <a:r>
+              <a:rPr lang="en-US" b="1" dirty="0">
+                <a:solidFill>
+                  <a:srgbClr val="FF0000"/>
+                </a:solidFill>
+              </a:rPr>
+              <a:t>product of sunlight and emissions from sources such as motor vehicles and industry</a:t>
+            </a:r>
+          </a:p>
+          <a:p>
+            <a:r>
+              <a:rPr lang="en-US" b="1" dirty="0">
+                <a:solidFill>
+                  <a:schemeClr val="tx1"/>
+                </a:solidFill>
+              </a:rPr>
+              <a:t>Air Quality Index (AQI)</a:t>
+            </a:r>
+          </a:p>
+          <a:p>
+            <a:pPr lvl="1"/>
+            <a:r>
+              <a:rPr lang="en-US" dirty="0">
+                <a:solidFill>
+                  <a:schemeClr val="tx1"/>
+                </a:solidFill>
+              </a:rPr>
+              <a:t>The higher the AQI value, the greater the level of air pollution.  </a:t>
+            </a:r>
+          </a:p>
+          <a:p>
+            <a:pPr lvl="1"/>
+            <a:r>
+              <a:rPr lang="en-US" dirty="0">
+                <a:solidFill>
+                  <a:schemeClr val="tx1"/>
+                </a:solidFill>
+              </a:rPr>
+              <a:t>AQI values are generated for each of the major pollutants, and the </a:t>
+            </a:r>
+            <a:r>
+              <a:rPr lang="en-US" b="1" dirty="0">
+                <a:solidFill>
+                  <a:schemeClr val="accent5"/>
+                </a:solidFill>
+              </a:rPr>
+              <a:t>highest</a:t>
+            </a:r>
+            <a:r>
+              <a:rPr lang="en-US" dirty="0">
+                <a:solidFill>
+                  <a:schemeClr val="tx1"/>
+                </a:solidFill>
+              </a:rPr>
+              <a:t> value is reported daily as an indicator of air quality for that day</a:t>
+            </a:r>
+          </a:p>
+        </p:txBody>
+      </p:sp>
+      <p:sp>
+        <p:nvSpPr>
+          <p:cNvPr id="4" name="TextBox 3">
+            <a:extLst>
+              <a:ext uri="{FF2B5EF4-FFF2-40B4-BE49-F238E27FC236}">
+                <a16:creationId xmlns:a16="http://schemas.microsoft.com/office/drawing/2014/main" id="{F2AD386D-CE85-4706-984F-C5DB9B51425A}"/>
+              </a:ext>
+            </a:extLst>
+          </p:cNvPr>
+          <p:cNvSpPr txBox="1"/>
+          <p:nvPr/>
+        </p:nvSpPr>
+        <p:spPr>
+          <a:xfrm>
+            <a:off x="477506" y="6137762"/>
+            <a:ext cx="11236987" cy="646331"/>
+          </a:xfrm>
+          <a:prstGeom prst="rect">
+            <a:avLst/>
+          </a:prstGeom>
+          <a:noFill/>
+        </p:spPr>
+        <p:txBody>
+          <a:bodyPr wrap="none" rtlCol="0">
+            <a:spAutoFit/>
+          </a:bodyPr>
+          <a:lstStyle/>
+          <a:p>
+            <a:r>
+              <a:rPr lang="en-US" dirty="0"/>
+              <a:t>Source: </a:t>
+            </a:r>
+            <a:r>
+              <a:rPr lang="en-US" dirty="0">
+                <a:hlinkClick r:id="rId2"/>
+              </a:rPr>
+              <a:t>https://airnow.gov/index.cfm?action=aqi_brochure.index</a:t>
+            </a:r>
+            <a:endParaRPr lang="en-US" dirty="0"/>
+          </a:p>
+          <a:p>
+            <a:r>
+              <a:rPr lang="en-US" dirty="0">
+                <a:hlinkClick r:id="rId3"/>
+              </a:rPr>
+              <a:t>https://www.ucsusa.org/clean-vehicles/vehicles-air-pollution-and-human-health/cars-trucks-air-pollution</a:t>
+            </a:r>
+            <a:endParaRPr lang="en-US" dirty="0"/>
+          </a:p>
+        </p:txBody>
+      </p:sp>
+    </p:spTree>
+    <p:extLst>
+      <p:ext uri="{BB962C8B-B14F-4D97-AF65-F5344CB8AC3E}">
+        <p14:creationId xmlns:p14="http://schemas.microsoft.com/office/powerpoint/2010/main" val="2333952725"/>
+      </p:ext>
+    </p:extLst>
+  </p:cSld>
+  <p:clrMapOvr>
+    <a:masterClrMapping/>
+  </p:clrMapOvr>
+</p:sld>
+</file>
+
+<file path=ppt/slides/slide27.xml><?xml version="1.0" encoding="utf-8"?>
+<p:sld xmlns:a="http://schemas.openxmlformats.org/drawingml/2006/main" xmlns:r="http://schemas.openxmlformats.org/officeDocument/2006/relationships" xmlns:p="http://schemas.openxmlformats.org/presentationml/2006/main">
+  <p:cSld>
+    <p:spTree>
+      <p:nvGrpSpPr>
+        <p:cNvPr id="1" name=""/>
+        <p:cNvGrpSpPr/>
+        <p:nvPr/>
+      </p:nvGrpSpPr>
+      <p:grpSpPr>
+        <a:xfrm>
+          <a:off x="0" y="0"/>
+          <a:ext cx="0" cy="0"/>
+          <a:chOff x="0" y="0"/>
+          <a:chExt cx="0" cy="0"/>
+        </a:xfrm>
+      </p:grpSpPr>
+      <p:sp>
+        <p:nvSpPr>
+          <p:cNvPr id="2" name="Title 1">
+            <a:extLst>
+              <a:ext uri="{FF2B5EF4-FFF2-40B4-BE49-F238E27FC236}">
                 <a16:creationId xmlns:a16="http://schemas.microsoft.com/office/drawing/2014/main" id="{5E0CDF61-D443-46B4-8853-6216FBEBC082}"/>
               </a:ext>
             </a:extLst>
@@ -8316,7 +9080,7 @@
 </p:sld>
 </file>
 
-<file path=ppt/slides/slide23.xml><?xml version="1.0" encoding="utf-8"?>
+<file path=ppt/slides/slide28.xml><?xml version="1.0" encoding="utf-8"?>
 <p:sld xmlns:a="http://schemas.openxmlformats.org/drawingml/2006/main" xmlns:r="http://schemas.openxmlformats.org/officeDocument/2006/relationships" xmlns:p="http://schemas.openxmlformats.org/presentationml/2006/main">
   <p:cSld>
     <p:spTree>
@@ -8478,7 +9242,7 @@
 </p:sld>
 </file>
 
-<file path=ppt/slides/slide24.xml><?xml version="1.0" encoding="utf-8"?>
+<file path=ppt/slides/slide29.xml><?xml version="1.0" encoding="utf-8"?>
 <p:sld xmlns:a="http://schemas.openxmlformats.org/drawingml/2006/main" xmlns:r="http://schemas.openxmlformats.org/officeDocument/2006/relationships" xmlns:p="http://schemas.openxmlformats.org/presentationml/2006/main">
   <p:cSld>
     <p:spTree>
@@ -8741,357 +9505,6 @@
 </p:sld>
 </file>
 
-<file path=ppt/slides/slide25.xml><?xml version="1.0" encoding="utf-8"?>
-<p:sld xmlns:a="http://schemas.openxmlformats.org/drawingml/2006/main" xmlns:r="http://schemas.openxmlformats.org/officeDocument/2006/relationships" xmlns:p="http://schemas.openxmlformats.org/presentationml/2006/main">
-  <p:cSld>
-    <p:spTree>
-      <p:nvGrpSpPr>
-        <p:cNvPr id="1" name=""/>
-        <p:cNvGrpSpPr/>
-        <p:nvPr/>
-      </p:nvGrpSpPr>
-      <p:grpSpPr>
-        <a:xfrm>
-          <a:off x="0" y="0"/>
-          <a:ext cx="0" cy="0"/>
-          <a:chOff x="0" y="0"/>
-          <a:chExt cx="0" cy="0"/>
-        </a:xfrm>
-      </p:grpSpPr>
-      <p:sp>
-        <p:nvSpPr>
-          <p:cNvPr id="2" name="Title 1">
-            <a:extLst>
-              <a:ext uri="{FF2B5EF4-FFF2-40B4-BE49-F238E27FC236}">
-                <a16:creationId xmlns:a16="http://schemas.microsoft.com/office/drawing/2014/main" id="{5FF0B3A1-1C18-4E15-8302-ECB3385F1CA4}"/>
-              </a:ext>
-            </a:extLst>
-          </p:cNvPr>
-          <p:cNvSpPr>
-            <a:spLocks noGrp="1"/>
-          </p:cNvSpPr>
-          <p:nvPr>
-            <p:ph type="title"/>
-          </p:nvPr>
-        </p:nvSpPr>
-        <p:spPr/>
-        <p:txBody>
-          <a:bodyPr/>
-          <a:lstStyle/>
-          <a:p>
-            <a:r>
-              <a:rPr lang="en-US" dirty="0"/>
-              <a:t>US Vehicle-Miles Trend</a:t>
-            </a:r>
-          </a:p>
-        </p:txBody>
-      </p:sp>
-      <p:pic>
-        <p:nvPicPr>
-          <p:cNvPr id="5" name="Content Placeholder 4">
-            <a:extLst>
-              <a:ext uri="{FF2B5EF4-FFF2-40B4-BE49-F238E27FC236}">
-                <a16:creationId xmlns:a16="http://schemas.microsoft.com/office/drawing/2014/main" id="{783DE995-2505-4458-AD4D-959BE65A5247}"/>
-              </a:ext>
-            </a:extLst>
-          </p:cNvPr>
-          <p:cNvPicPr>
-            <a:picLocks noGrp="1" noChangeAspect="1"/>
-          </p:cNvPicPr>
-          <p:nvPr>
-            <p:ph idx="1"/>
-          </p:nvPr>
-        </p:nvPicPr>
-        <p:blipFill>
-          <a:blip r:embed="rId2"/>
-          <a:stretch>
-            <a:fillRect/>
-          </a:stretch>
-        </p:blipFill>
-        <p:spPr>
-          <a:xfrm>
-            <a:off x="608350" y="1846510"/>
-            <a:ext cx="5487650" cy="3658433"/>
-          </a:xfrm>
-        </p:spPr>
-      </p:pic>
-      <p:sp>
-        <p:nvSpPr>
-          <p:cNvPr id="6" name="TextBox 5">
-            <a:extLst>
-              <a:ext uri="{FF2B5EF4-FFF2-40B4-BE49-F238E27FC236}">
-                <a16:creationId xmlns:a16="http://schemas.microsoft.com/office/drawing/2014/main" id="{23BF74BE-A3F2-4935-A3C3-70A60DEC502A}"/>
-              </a:ext>
-            </a:extLst>
-          </p:cNvPr>
-          <p:cNvSpPr txBox="1"/>
-          <p:nvPr/>
-        </p:nvSpPr>
-        <p:spPr>
-          <a:xfrm>
-            <a:off x="5645791" y="2106065"/>
-            <a:ext cx="4362275" cy="3416320"/>
-          </a:xfrm>
-          <a:prstGeom prst="rect">
-            <a:avLst/>
-          </a:prstGeom>
-          <a:noFill/>
-        </p:spPr>
-        <p:txBody>
-          <a:bodyPr wrap="square" rtlCol="0">
-            <a:spAutoFit/>
-          </a:bodyPr>
-          <a:lstStyle/>
-          <a:p>
-            <a:pPr marL="285750" indent="-285750">
-              <a:buFont typeface="Arial" panose="020B0604020202020204" pitchFamily="34" charset="0"/>
-              <a:buChar char="•"/>
-            </a:pPr>
-            <a:r>
-              <a:rPr lang="en-US" dirty="0"/>
-              <a:t>Miles traveled via ground vehicles (highway) within the US has increased steadily since 2000</a:t>
-            </a:r>
-          </a:p>
-          <a:p>
-            <a:pPr marL="285750" indent="-285750">
-              <a:buFont typeface="Arial" panose="020B0604020202020204" pitchFamily="34" charset="0"/>
-              <a:buChar char="•"/>
-            </a:pPr>
-            <a:r>
-              <a:rPr lang="en-US" dirty="0"/>
-              <a:t>This indicates a negative correlation between air pollution levels and vehicle miles traveled – </a:t>
-            </a:r>
-            <a:r>
-              <a:rPr lang="en-US" b="1" dirty="0"/>
-              <a:t>does this make sense?</a:t>
-            </a:r>
-          </a:p>
-          <a:p>
-            <a:pPr marL="285750" indent="-285750">
-              <a:buFont typeface="Arial" panose="020B0604020202020204" pitchFamily="34" charset="0"/>
-              <a:buChar char="•"/>
-            </a:pPr>
-            <a:r>
-              <a:rPr lang="en-US" dirty="0"/>
-              <a:t>Based off this analysis, our next inference would be that the growth of Hybrid/EV sales is dropping pollution levels despite a growth in miles traveled via ground vehicles</a:t>
-            </a:r>
-          </a:p>
-        </p:txBody>
-      </p:sp>
-      <p:sp>
-        <p:nvSpPr>
-          <p:cNvPr id="7" name="TextBox 6">
-            <a:extLst>
-              <a:ext uri="{FF2B5EF4-FFF2-40B4-BE49-F238E27FC236}">
-                <a16:creationId xmlns:a16="http://schemas.microsoft.com/office/drawing/2014/main" id="{6861BBBF-99E1-4A2C-993F-A01F02DA527F}"/>
-              </a:ext>
-            </a:extLst>
-          </p:cNvPr>
-          <p:cNvSpPr txBox="1"/>
-          <p:nvPr/>
-        </p:nvSpPr>
-        <p:spPr>
-          <a:xfrm>
-            <a:off x="2038525" y="6372521"/>
-            <a:ext cx="6460038" cy="369332"/>
-          </a:xfrm>
-          <a:prstGeom prst="rect">
-            <a:avLst/>
-          </a:prstGeom>
-          <a:noFill/>
-        </p:spPr>
-        <p:txBody>
-          <a:bodyPr wrap="none" rtlCol="0">
-            <a:spAutoFit/>
-          </a:bodyPr>
-          <a:lstStyle/>
-          <a:p>
-            <a:r>
-              <a:rPr lang="en-US" dirty="0"/>
-              <a:t>Data source: </a:t>
-            </a:r>
-            <a:r>
-              <a:rPr lang="en-US" dirty="0">
-                <a:hlinkClick r:id="rId3"/>
-              </a:rPr>
-              <a:t>https://www.bts.gov/content/us-vehicle-miles</a:t>
-            </a:r>
-            <a:endParaRPr lang="en-US" dirty="0"/>
-          </a:p>
-        </p:txBody>
-      </p:sp>
-    </p:spTree>
-    <p:extLst>
-      <p:ext uri="{BB962C8B-B14F-4D97-AF65-F5344CB8AC3E}">
-        <p14:creationId xmlns:p14="http://schemas.microsoft.com/office/powerpoint/2010/main" val="626922327"/>
-      </p:ext>
-    </p:extLst>
-  </p:cSld>
-  <p:clrMapOvr>
-    <a:masterClrMapping/>
-  </p:clrMapOvr>
-</p:sld>
-</file>
-
-<file path=ppt/slides/slide26.xml><?xml version="1.0" encoding="utf-8"?>
-<p:sld xmlns:a="http://schemas.openxmlformats.org/drawingml/2006/main" xmlns:r="http://schemas.openxmlformats.org/officeDocument/2006/relationships" xmlns:p="http://schemas.openxmlformats.org/presentationml/2006/main">
-  <p:cSld>
-    <p:spTree>
-      <p:nvGrpSpPr>
-        <p:cNvPr id="1" name=""/>
-        <p:cNvGrpSpPr/>
-        <p:nvPr/>
-      </p:nvGrpSpPr>
-      <p:grpSpPr>
-        <a:xfrm>
-          <a:off x="0" y="0"/>
-          <a:ext cx="0" cy="0"/>
-          <a:chOff x="0" y="0"/>
-          <a:chExt cx="0" cy="0"/>
-        </a:xfrm>
-      </p:grpSpPr>
-      <p:sp>
-        <p:nvSpPr>
-          <p:cNvPr id="2" name="Title 1">
-            <a:extLst>
-              <a:ext uri="{FF2B5EF4-FFF2-40B4-BE49-F238E27FC236}">
-                <a16:creationId xmlns:a16="http://schemas.microsoft.com/office/drawing/2014/main" id="{AC746231-4583-4AC7-A701-EFC099707208}"/>
-              </a:ext>
-            </a:extLst>
-          </p:cNvPr>
-          <p:cNvSpPr>
-            <a:spLocks noGrp="1"/>
-          </p:cNvSpPr>
-          <p:nvPr>
-            <p:ph type="title"/>
-          </p:nvPr>
-        </p:nvSpPr>
-        <p:spPr/>
-        <p:txBody>
-          <a:bodyPr/>
-          <a:lstStyle/>
-          <a:p>
-            <a:r>
-              <a:rPr lang="en-US" dirty="0"/>
-              <a:t>Post Mortem</a:t>
-            </a:r>
-          </a:p>
-        </p:txBody>
-      </p:sp>
-      <p:sp>
-        <p:nvSpPr>
-          <p:cNvPr id="3" name="Content Placeholder 2">
-            <a:extLst>
-              <a:ext uri="{FF2B5EF4-FFF2-40B4-BE49-F238E27FC236}">
-                <a16:creationId xmlns:a16="http://schemas.microsoft.com/office/drawing/2014/main" id="{8D4C4395-BB2E-44B8-AC8F-6D82FF144DF8}"/>
-              </a:ext>
-            </a:extLst>
-          </p:cNvPr>
-          <p:cNvSpPr>
-            <a:spLocks noGrp="1"/>
-          </p:cNvSpPr>
-          <p:nvPr>
-            <p:ph idx="1"/>
-          </p:nvPr>
-        </p:nvSpPr>
-        <p:spPr/>
-        <p:txBody>
-          <a:bodyPr/>
-          <a:lstStyle/>
-          <a:p>
-            <a:r>
-              <a:rPr lang="en-US" dirty="0"/>
-              <a:t>Increase in sales and market share of Electric and Hybrid vehicles is increasing.</a:t>
-            </a:r>
-          </a:p>
-          <a:p>
-            <a:r>
-              <a:rPr lang="en-US" dirty="0"/>
-              <a:t>Internal market factors – expansion of offerings by US and Global car makers and enthusiasm surrounding brands</a:t>
-            </a:r>
-          </a:p>
-          <a:p>
-            <a:r>
-              <a:rPr lang="en-US" dirty="0"/>
-              <a:t>External market factors – gas prices, infrastructure expansion, and environmental awareness. </a:t>
-            </a:r>
-          </a:p>
-          <a:p>
-            <a:endParaRPr lang="en-US" dirty="0"/>
-          </a:p>
-        </p:txBody>
-      </p:sp>
-    </p:spTree>
-    <p:extLst>
-      <p:ext uri="{BB962C8B-B14F-4D97-AF65-F5344CB8AC3E}">
-        <p14:creationId xmlns:p14="http://schemas.microsoft.com/office/powerpoint/2010/main" val="1002952025"/>
-      </p:ext>
-    </p:extLst>
-  </p:cSld>
-  <p:clrMapOvr>
-    <a:masterClrMapping/>
-  </p:clrMapOvr>
-</p:sld>
-</file>
-
-<file path=ppt/slides/slide27.xml><?xml version="1.0" encoding="utf-8"?>
-<p:sld xmlns:a="http://schemas.openxmlformats.org/drawingml/2006/main" xmlns:r="http://schemas.openxmlformats.org/officeDocument/2006/relationships" xmlns:p="http://schemas.openxmlformats.org/presentationml/2006/main">
-  <p:cSld>
-    <p:spTree>
-      <p:nvGrpSpPr>
-        <p:cNvPr id="1" name=""/>
-        <p:cNvGrpSpPr/>
-        <p:nvPr/>
-      </p:nvGrpSpPr>
-      <p:grpSpPr>
-        <a:xfrm>
-          <a:off x="0" y="0"/>
-          <a:ext cx="0" cy="0"/>
-          <a:chOff x="0" y="0"/>
-          <a:chExt cx="0" cy="0"/>
-        </a:xfrm>
-      </p:grpSpPr>
-      <p:sp>
-        <p:nvSpPr>
-          <p:cNvPr id="2" name="Title 1">
-            <a:extLst>
-              <a:ext uri="{FF2B5EF4-FFF2-40B4-BE49-F238E27FC236}">
-                <a16:creationId xmlns:a16="http://schemas.microsoft.com/office/drawing/2014/main" id="{334242BA-58D2-468F-A973-6EA5A69E653A}"/>
-              </a:ext>
-            </a:extLst>
-          </p:cNvPr>
-          <p:cNvSpPr>
-            <a:spLocks noGrp="1"/>
-          </p:cNvSpPr>
-          <p:nvPr>
-            <p:ph type="ctrTitle"/>
-          </p:nvPr>
-        </p:nvSpPr>
-        <p:spPr/>
-        <p:txBody>
-          <a:bodyPr/>
-          <a:lstStyle/>
-          <a:p>
-            <a:r>
-              <a:rPr lang="en-US" dirty="0"/>
-              <a:t>Q&amp;A</a:t>
-            </a:r>
-          </a:p>
-        </p:txBody>
-      </p:sp>
-    </p:spTree>
-    <p:extLst>
-      <p:ext uri="{BB962C8B-B14F-4D97-AF65-F5344CB8AC3E}">
-        <p14:creationId xmlns:p14="http://schemas.microsoft.com/office/powerpoint/2010/main" val="872807738"/>
-      </p:ext>
-    </p:extLst>
-  </p:cSld>
-  <p:clrMapOvr>
-    <a:masterClrMapping/>
-  </p:clrMapOvr>
-</p:sld>
-</file>
-
 <file path=ppt/slides/slide3.xml><?xml version="1.0" encoding="utf-8"?>
 <p:sld xmlns:a="http://schemas.openxmlformats.org/drawingml/2006/main" xmlns:r="http://schemas.openxmlformats.org/officeDocument/2006/relationships" xmlns:p="http://schemas.openxmlformats.org/presentationml/2006/main">
   <p:cSld>
@@ -9160,13 +9573,20 @@
           <a:p>
             <a:r>
               <a:rPr lang="en-US" dirty="0"/>
-              <a:t>What is the market share of both Plug-in Electric (PEV) and Hybrid Vehicles (HEV) compared to gas powered cars over time?</a:t>
-            </a:r>
-          </a:p>
-          <a:p>
+              <a:t>What is the market share of Plug-in Electric (PEV) and Hybrid Vehicles (HEV) and how does it compare to gas powered cars over time?</a:t>
+            </a:r>
+          </a:p>
+          <a:p>
+            <a:pPr lvl="1"/>
             <a:r>
               <a:rPr lang="en-US" dirty="0"/>
-              <a:t>What factors affect sales and adoptions of electric vehicles?</a:t>
+              <a:t>Is there an increase or decrease in overall sales of PEVs and HEVs?</a:t>
+            </a:r>
+          </a:p>
+          <a:p>
+            <a:r>
+              <a:rPr lang="en-US" dirty="0"/>
+              <a:t>What factors affect sales of electric vehicles?</a:t>
             </a:r>
           </a:p>
           <a:p>
@@ -9186,7 +9606,7 @@
           <a:p>
             <a:r>
               <a:rPr lang="en-US" dirty="0"/>
-              <a:t>Do “green initiatives” and pollution affect sales?</a:t>
+              <a:t>Is there a correlation between electric vehicle adoption and air pollution levels?</a:t>
             </a:r>
           </a:p>
           <a:p>
@@ -9213,6 +9633,404 @@
     <p:extLst>
       <p:ext uri="{BB962C8B-B14F-4D97-AF65-F5344CB8AC3E}">
         <p14:creationId xmlns:p14="http://schemas.microsoft.com/office/powerpoint/2010/main" val="1180815208"/>
+      </p:ext>
+    </p:extLst>
+  </p:cSld>
+  <p:clrMapOvr>
+    <a:masterClrMapping/>
+  </p:clrMapOvr>
+</p:sld>
+</file>
+
+<file path=ppt/slides/slide30.xml><?xml version="1.0" encoding="utf-8"?>
+<p:sld xmlns:a="http://schemas.openxmlformats.org/drawingml/2006/main" xmlns:r="http://schemas.openxmlformats.org/officeDocument/2006/relationships" xmlns:p="http://schemas.openxmlformats.org/presentationml/2006/main">
+  <p:cSld>
+    <p:spTree>
+      <p:nvGrpSpPr>
+        <p:cNvPr id="1" name=""/>
+        <p:cNvGrpSpPr/>
+        <p:nvPr/>
+      </p:nvGrpSpPr>
+      <p:grpSpPr>
+        <a:xfrm>
+          <a:off x="0" y="0"/>
+          <a:ext cx="0" cy="0"/>
+          <a:chOff x="0" y="0"/>
+          <a:chExt cx="0" cy="0"/>
+        </a:xfrm>
+      </p:grpSpPr>
+      <p:sp>
+        <p:nvSpPr>
+          <p:cNvPr id="2" name="Title 1">
+            <a:extLst>
+              <a:ext uri="{FF2B5EF4-FFF2-40B4-BE49-F238E27FC236}">
+                <a16:creationId xmlns:a16="http://schemas.microsoft.com/office/drawing/2014/main" id="{5FF0B3A1-1C18-4E15-8302-ECB3385F1CA4}"/>
+              </a:ext>
+            </a:extLst>
+          </p:cNvPr>
+          <p:cNvSpPr>
+            <a:spLocks noGrp="1"/>
+          </p:cNvSpPr>
+          <p:nvPr>
+            <p:ph type="title"/>
+          </p:nvPr>
+        </p:nvSpPr>
+        <p:spPr/>
+        <p:txBody>
+          <a:bodyPr/>
+          <a:lstStyle/>
+          <a:p>
+            <a:r>
+              <a:rPr lang="en-US" dirty="0"/>
+              <a:t>US Vehicle-Miles Trend</a:t>
+            </a:r>
+          </a:p>
+        </p:txBody>
+      </p:sp>
+      <p:pic>
+        <p:nvPicPr>
+          <p:cNvPr id="5" name="Content Placeholder 4">
+            <a:extLst>
+              <a:ext uri="{FF2B5EF4-FFF2-40B4-BE49-F238E27FC236}">
+                <a16:creationId xmlns:a16="http://schemas.microsoft.com/office/drawing/2014/main" id="{783DE995-2505-4458-AD4D-959BE65A5247}"/>
+              </a:ext>
+            </a:extLst>
+          </p:cNvPr>
+          <p:cNvPicPr>
+            <a:picLocks noGrp="1" noChangeAspect="1"/>
+          </p:cNvPicPr>
+          <p:nvPr>
+            <p:ph idx="1"/>
+          </p:nvPr>
+        </p:nvPicPr>
+        <p:blipFill>
+          <a:blip r:embed="rId2"/>
+          <a:stretch>
+            <a:fillRect/>
+          </a:stretch>
+        </p:blipFill>
+        <p:spPr>
+          <a:xfrm>
+            <a:off x="608350" y="1846510"/>
+            <a:ext cx="5487650" cy="3658433"/>
+          </a:xfrm>
+        </p:spPr>
+      </p:pic>
+      <p:sp>
+        <p:nvSpPr>
+          <p:cNvPr id="6" name="TextBox 5">
+            <a:extLst>
+              <a:ext uri="{FF2B5EF4-FFF2-40B4-BE49-F238E27FC236}">
+                <a16:creationId xmlns:a16="http://schemas.microsoft.com/office/drawing/2014/main" id="{23BF74BE-A3F2-4935-A3C3-70A60DEC502A}"/>
+              </a:ext>
+            </a:extLst>
+          </p:cNvPr>
+          <p:cNvSpPr txBox="1"/>
+          <p:nvPr/>
+        </p:nvSpPr>
+        <p:spPr>
+          <a:xfrm>
+            <a:off x="5645791" y="2106065"/>
+            <a:ext cx="4362275" cy="3416320"/>
+          </a:xfrm>
+          <a:prstGeom prst="rect">
+            <a:avLst/>
+          </a:prstGeom>
+          <a:noFill/>
+        </p:spPr>
+        <p:txBody>
+          <a:bodyPr wrap="square" rtlCol="0">
+            <a:spAutoFit/>
+          </a:bodyPr>
+          <a:lstStyle/>
+          <a:p>
+            <a:pPr marL="285750" indent="-285750">
+              <a:buFont typeface="Arial" panose="020B0604020202020204" pitchFamily="34" charset="0"/>
+              <a:buChar char="•"/>
+            </a:pPr>
+            <a:r>
+              <a:rPr lang="en-US" dirty="0"/>
+              <a:t>Miles traveled via ground vehicles (highway) within the US has increased steadily since 2000</a:t>
+            </a:r>
+          </a:p>
+          <a:p>
+            <a:pPr marL="285750" indent="-285750">
+              <a:buFont typeface="Arial" panose="020B0604020202020204" pitchFamily="34" charset="0"/>
+              <a:buChar char="•"/>
+            </a:pPr>
+            <a:r>
+              <a:rPr lang="en-US" dirty="0"/>
+              <a:t>This indicates a negative correlation between air pollution levels and vehicle miles traveled – </a:t>
+            </a:r>
+            <a:r>
+              <a:rPr lang="en-US" b="1" dirty="0"/>
+              <a:t>does this make sense?</a:t>
+            </a:r>
+          </a:p>
+          <a:p>
+            <a:pPr marL="285750" indent="-285750">
+              <a:buFont typeface="Arial" panose="020B0604020202020204" pitchFamily="34" charset="0"/>
+              <a:buChar char="•"/>
+            </a:pPr>
+            <a:r>
+              <a:rPr lang="en-US" dirty="0"/>
+              <a:t>Based off this analysis, our next inference would be that the growth of Hybrid/EV sales is dropping pollution levels despite a growth in miles traveled via ground vehicles</a:t>
+            </a:r>
+          </a:p>
+        </p:txBody>
+      </p:sp>
+      <p:sp>
+        <p:nvSpPr>
+          <p:cNvPr id="7" name="TextBox 6">
+            <a:extLst>
+              <a:ext uri="{FF2B5EF4-FFF2-40B4-BE49-F238E27FC236}">
+                <a16:creationId xmlns:a16="http://schemas.microsoft.com/office/drawing/2014/main" id="{6861BBBF-99E1-4A2C-993F-A01F02DA527F}"/>
+              </a:ext>
+            </a:extLst>
+          </p:cNvPr>
+          <p:cNvSpPr txBox="1"/>
+          <p:nvPr/>
+        </p:nvSpPr>
+        <p:spPr>
+          <a:xfrm>
+            <a:off x="2038525" y="6372521"/>
+            <a:ext cx="6460038" cy="369332"/>
+          </a:xfrm>
+          <a:prstGeom prst="rect">
+            <a:avLst/>
+          </a:prstGeom>
+          <a:noFill/>
+        </p:spPr>
+        <p:txBody>
+          <a:bodyPr wrap="none" rtlCol="0">
+            <a:spAutoFit/>
+          </a:bodyPr>
+          <a:lstStyle/>
+          <a:p>
+            <a:r>
+              <a:rPr lang="en-US" dirty="0"/>
+              <a:t>Data source: </a:t>
+            </a:r>
+            <a:r>
+              <a:rPr lang="en-US" dirty="0">
+                <a:hlinkClick r:id="rId3"/>
+              </a:rPr>
+              <a:t>https://www.bts.gov/content/us-vehicle-miles</a:t>
+            </a:r>
+            <a:endParaRPr lang="en-US" dirty="0"/>
+          </a:p>
+        </p:txBody>
+      </p:sp>
+    </p:spTree>
+    <p:extLst>
+      <p:ext uri="{BB962C8B-B14F-4D97-AF65-F5344CB8AC3E}">
+        <p14:creationId xmlns:p14="http://schemas.microsoft.com/office/powerpoint/2010/main" val="626922327"/>
+      </p:ext>
+    </p:extLst>
+  </p:cSld>
+  <p:clrMapOvr>
+    <a:masterClrMapping/>
+  </p:clrMapOvr>
+</p:sld>
+</file>
+
+<file path=ppt/slides/slide31.xml><?xml version="1.0" encoding="utf-8"?>
+<p:sld xmlns:a="http://schemas.openxmlformats.org/drawingml/2006/main" xmlns:r="http://schemas.openxmlformats.org/officeDocument/2006/relationships" xmlns:p="http://schemas.openxmlformats.org/presentationml/2006/main">
+  <p:cSld>
+    <p:spTree>
+      <p:nvGrpSpPr>
+        <p:cNvPr id="1" name=""/>
+        <p:cNvGrpSpPr/>
+        <p:nvPr/>
+      </p:nvGrpSpPr>
+      <p:grpSpPr>
+        <a:xfrm>
+          <a:off x="0" y="0"/>
+          <a:ext cx="0" cy="0"/>
+          <a:chOff x="0" y="0"/>
+          <a:chExt cx="0" cy="0"/>
+        </a:xfrm>
+      </p:grpSpPr>
+      <p:sp>
+        <p:nvSpPr>
+          <p:cNvPr id="2" name="Title 1">
+            <a:extLst>
+              <a:ext uri="{FF2B5EF4-FFF2-40B4-BE49-F238E27FC236}">
+                <a16:creationId xmlns:a16="http://schemas.microsoft.com/office/drawing/2014/main" id="{AC746231-4583-4AC7-A701-EFC099707208}"/>
+              </a:ext>
+            </a:extLst>
+          </p:cNvPr>
+          <p:cNvSpPr>
+            <a:spLocks noGrp="1"/>
+          </p:cNvSpPr>
+          <p:nvPr>
+            <p:ph type="title"/>
+          </p:nvPr>
+        </p:nvSpPr>
+        <p:spPr/>
+        <p:txBody>
+          <a:bodyPr/>
+          <a:lstStyle/>
+          <a:p>
+            <a:r>
+              <a:rPr lang="en-US" dirty="0"/>
+              <a:t>Post Mortem</a:t>
+            </a:r>
+          </a:p>
+        </p:txBody>
+      </p:sp>
+      <p:sp>
+        <p:nvSpPr>
+          <p:cNvPr id="3" name="Content Placeholder 2">
+            <a:extLst>
+              <a:ext uri="{FF2B5EF4-FFF2-40B4-BE49-F238E27FC236}">
+                <a16:creationId xmlns:a16="http://schemas.microsoft.com/office/drawing/2014/main" id="{8D4C4395-BB2E-44B8-AC8F-6D82FF144DF8}"/>
+              </a:ext>
+            </a:extLst>
+          </p:cNvPr>
+          <p:cNvSpPr>
+            <a:spLocks noGrp="1"/>
+          </p:cNvSpPr>
+          <p:nvPr>
+            <p:ph idx="1"/>
+          </p:nvPr>
+        </p:nvSpPr>
+        <p:spPr>
+          <a:xfrm>
+            <a:off x="677334" y="1584961"/>
+            <a:ext cx="8934026" cy="4456402"/>
+          </a:xfrm>
+        </p:spPr>
+        <p:txBody>
+          <a:bodyPr>
+            <a:normAutofit lnSpcReduction="10000"/>
+          </a:bodyPr>
+          <a:lstStyle/>
+          <a:p>
+            <a:r>
+              <a:rPr lang="en-US" dirty="0"/>
+              <a:t>There is an increase in sales and market share of Plug-in Electric vehicles, while sales of Hybrid vehicles seem to be in </a:t>
+            </a:r>
+            <a:r>
+              <a:rPr lang="en-US"/>
+              <a:t>decline.</a:t>
+            </a:r>
+          </a:p>
+          <a:p>
+            <a:r>
+              <a:rPr lang="en-US"/>
+              <a:t>Internal </a:t>
+            </a:r>
+            <a:r>
+              <a:rPr lang="en-US" dirty="0"/>
+              <a:t>market factors </a:t>
+            </a:r>
+          </a:p>
+          <a:p>
+            <a:pPr lvl="1"/>
+            <a:r>
+              <a:rPr lang="en-US" dirty="0"/>
+              <a:t>There is an expansion of offerings by US and Global car makers in the PEV market, driven in part by enthusiasm surrounding particular brands, such as Tesla.</a:t>
+            </a:r>
+          </a:p>
+          <a:p>
+            <a:r>
+              <a:rPr lang="en-US" dirty="0"/>
+              <a:t>External market factors</a:t>
+            </a:r>
+          </a:p>
+          <a:p>
+            <a:pPr lvl="1"/>
+            <a:r>
+              <a:rPr lang="en-US" dirty="0"/>
+              <a:t>Gas prices have a large impact in HEV sales and almost no impact on PEV sales, suggesting PEV buyers are driven by other factors.</a:t>
+            </a:r>
+          </a:p>
+          <a:p>
+            <a:pPr lvl="1"/>
+            <a:r>
+              <a:rPr lang="en-US" dirty="0"/>
+              <a:t>The availability of electric charging stations is on the rise, but mostly in the Eastern US, California and Urban centers. </a:t>
+            </a:r>
+          </a:p>
+          <a:p>
+            <a:pPr lvl="1"/>
+            <a:r>
+              <a:rPr lang="en-US" dirty="0"/>
+              <a:t>Incentives track to the increase in sales, but it is inconclusive as to which types of incentives have the largest impact.</a:t>
+            </a:r>
+          </a:p>
+          <a:p>
+            <a:pPr lvl="1"/>
+            <a:r>
+              <a:rPr lang="en-US" dirty="0"/>
+              <a:t>The Air Quality index of the US has improved along with the increase in electric vehicles sales, despite the fact that Americans are driving more miles overall. </a:t>
+            </a:r>
+          </a:p>
+        </p:txBody>
+      </p:sp>
+    </p:spTree>
+    <p:extLst>
+      <p:ext uri="{BB962C8B-B14F-4D97-AF65-F5344CB8AC3E}">
+        <p14:creationId xmlns:p14="http://schemas.microsoft.com/office/powerpoint/2010/main" val="1002952025"/>
+      </p:ext>
+    </p:extLst>
+  </p:cSld>
+  <p:clrMapOvr>
+    <a:masterClrMapping/>
+  </p:clrMapOvr>
+</p:sld>
+</file>
+
+<file path=ppt/slides/slide32.xml><?xml version="1.0" encoding="utf-8"?>
+<p:sld xmlns:a="http://schemas.openxmlformats.org/drawingml/2006/main" xmlns:r="http://schemas.openxmlformats.org/officeDocument/2006/relationships" xmlns:p="http://schemas.openxmlformats.org/presentationml/2006/main">
+  <p:cSld>
+    <p:spTree>
+      <p:nvGrpSpPr>
+        <p:cNvPr id="1" name=""/>
+        <p:cNvGrpSpPr/>
+        <p:nvPr/>
+      </p:nvGrpSpPr>
+      <p:grpSpPr>
+        <a:xfrm>
+          <a:off x="0" y="0"/>
+          <a:ext cx="0" cy="0"/>
+          <a:chOff x="0" y="0"/>
+          <a:chExt cx="0" cy="0"/>
+        </a:xfrm>
+      </p:grpSpPr>
+      <p:sp>
+        <p:nvSpPr>
+          <p:cNvPr id="2" name="Title 1">
+            <a:extLst>
+              <a:ext uri="{FF2B5EF4-FFF2-40B4-BE49-F238E27FC236}">
+                <a16:creationId xmlns:a16="http://schemas.microsoft.com/office/drawing/2014/main" id="{334242BA-58D2-468F-A973-6EA5A69E653A}"/>
+              </a:ext>
+            </a:extLst>
+          </p:cNvPr>
+          <p:cNvSpPr>
+            <a:spLocks noGrp="1"/>
+          </p:cNvSpPr>
+          <p:nvPr>
+            <p:ph type="ctrTitle"/>
+          </p:nvPr>
+        </p:nvSpPr>
+        <p:spPr/>
+        <p:txBody>
+          <a:bodyPr/>
+          <a:lstStyle/>
+          <a:p>
+            <a:r>
+              <a:rPr lang="en-US" dirty="0"/>
+              <a:t>Q&amp;A</a:t>
+            </a:r>
+          </a:p>
+        </p:txBody>
+      </p:sp>
+    </p:spTree>
+    <p:extLst>
+      <p:ext uri="{BB962C8B-B14F-4D97-AF65-F5344CB8AC3E}">
+        <p14:creationId xmlns:p14="http://schemas.microsoft.com/office/powerpoint/2010/main" val="872807738"/>
       </p:ext>
     </p:extLst>
   </p:cSld>
@@ -9244,7 +10062,7 @@
           <p:cNvPr id="2" name="Title 1">
             <a:extLst>
               <a:ext uri="{FF2B5EF4-FFF2-40B4-BE49-F238E27FC236}">
-                <a16:creationId xmlns:a16="http://schemas.microsoft.com/office/drawing/2014/main" id="{574F119C-EEA3-4EB2-BE31-F79ACAB60D87}"/>
+                <a16:creationId xmlns:a16="http://schemas.microsoft.com/office/drawing/2014/main" id="{056AD39A-413A-485F-89FC-8A8269327A0A}"/>
               </a:ext>
             </a:extLst>
           </p:cNvPr>
@@ -9257,57 +10075,66 @@
         </p:nvSpPr>
         <p:spPr/>
         <p:txBody>
-          <a:bodyPr>
-            <a:normAutofit/>
-          </a:bodyPr>
-          <a:lstStyle/>
-          <a:p>
-            <a:r>
-              <a:rPr lang="en-US" sz="3200" dirty="0"/>
-              <a:t>Growth of Hybrid and Electric Vehicle Sales:</a:t>
-            </a:r>
-          </a:p>
-        </p:txBody>
-      </p:sp>
-      <p:pic>
-        <p:nvPicPr>
-          <p:cNvPr id="5" name="Content Placeholder 4">
+          <a:bodyPr/>
+          <a:lstStyle/>
+          <a:p>
+            <a:r>
+              <a:rPr lang="en-US" dirty="0"/>
+              <a:t>Market Share and Sales Growth of Electric Vehicles</a:t>
+            </a:r>
+          </a:p>
+        </p:txBody>
+      </p:sp>
+      <p:sp>
+        <p:nvSpPr>
+          <p:cNvPr id="3" name="Content Placeholder 2">
             <a:extLst>
               <a:ext uri="{FF2B5EF4-FFF2-40B4-BE49-F238E27FC236}">
-                <a16:creationId xmlns:a16="http://schemas.microsoft.com/office/drawing/2014/main" id="{5FD41C02-496E-4EAD-8354-CA8CA6457611}"/>
+                <a16:creationId xmlns:a16="http://schemas.microsoft.com/office/drawing/2014/main" id="{815E26F2-F5C9-42AB-ADD8-6247B02D27C0}"/>
               </a:ext>
             </a:extLst>
           </p:cNvPr>
-          <p:cNvPicPr>
-            <a:picLocks noGrp="1" noChangeAspect="1"/>
-          </p:cNvPicPr>
+          <p:cNvSpPr>
+            <a:spLocks noGrp="1"/>
+          </p:cNvSpPr>
           <p:nvPr>
             <p:ph idx="1"/>
           </p:nvPr>
-        </p:nvPicPr>
-        <p:blipFill>
-          <a:blip r:embed="rId2">
-            <a:extLst>
-              <a:ext uri="{28A0092B-C50C-407E-A947-70E740481C1C}">
-                <a14:useLocalDpi xmlns:a14="http://schemas.microsoft.com/office/drawing/2010/main" val="0"/>
-              </a:ext>
-            </a:extLst>
-          </a:blip>
-          <a:stretch>
-            <a:fillRect/>
-          </a:stretch>
-        </p:blipFill>
-        <p:spPr>
-          <a:xfrm>
-            <a:off x="291969" y="2268463"/>
-            <a:ext cx="8596312" cy="3581796"/>
-          </a:xfrm>
-        </p:spPr>
-      </p:pic>
+        </p:nvSpPr>
+        <p:spPr/>
+        <p:txBody>
+          <a:bodyPr/>
+          <a:lstStyle/>
+          <a:p>
+            <a:r>
+              <a:rPr lang="en-US" dirty="0"/>
+              <a:t>Do we see an increase in sales and market share of electric vehicles?</a:t>
+            </a:r>
+          </a:p>
+          <a:p>
+            <a:endParaRPr lang="en-US" dirty="0"/>
+          </a:p>
+          <a:p>
+            <a:r>
+              <a:rPr lang="en-US" dirty="0"/>
+              <a:t>Date comes from - </a:t>
+            </a:r>
+          </a:p>
+          <a:p>
+            <a:endParaRPr lang="en-US" dirty="0"/>
+          </a:p>
+          <a:p>
+            <a:r>
+              <a:rPr lang="en-US" dirty="0"/>
+              <a:t>If there is anything you want to add about process add it here</a:t>
+            </a:r>
+          </a:p>
+        </p:txBody>
+      </p:sp>
     </p:spTree>
     <p:extLst>
       <p:ext uri="{BB962C8B-B14F-4D97-AF65-F5344CB8AC3E}">
-        <p14:creationId xmlns:p14="http://schemas.microsoft.com/office/powerpoint/2010/main" val="92396245"/>
+        <p14:creationId xmlns:p14="http://schemas.microsoft.com/office/powerpoint/2010/main" val="1031626957"/>
       </p:ext>
     </p:extLst>
   </p:cSld>
@@ -9334,42 +10161,12 @@
           <a:chExt cx="0" cy="0"/>
         </a:xfrm>
       </p:grpSpPr>
-      <p:sp>
-        <p:nvSpPr>
-          <p:cNvPr id="2" name="Title 1">
-            <a:extLst>
-              <a:ext uri="{FF2B5EF4-FFF2-40B4-BE49-F238E27FC236}">
-                <a16:creationId xmlns:a16="http://schemas.microsoft.com/office/drawing/2014/main" id="{479E41A6-B028-4A94-A7A7-965AC92EB870}"/>
-              </a:ext>
-            </a:extLst>
-          </p:cNvPr>
-          <p:cNvSpPr>
-            <a:spLocks noGrp="1"/>
-          </p:cNvSpPr>
-          <p:nvPr>
-            <p:ph type="title"/>
-          </p:nvPr>
-        </p:nvSpPr>
-        <p:spPr/>
-        <p:txBody>
-          <a:bodyPr>
-            <a:normAutofit/>
-          </a:bodyPr>
-          <a:lstStyle/>
-          <a:p>
-            <a:r>
-              <a:rPr lang="en-US" sz="3200" dirty="0"/>
-              <a:t>Growth of Hybrid and Electric Vehicle Sales:</a:t>
-            </a:r>
-          </a:p>
-        </p:txBody>
-      </p:sp>
       <p:pic>
         <p:nvPicPr>
           <p:cNvPr id="5" name="Content Placeholder 4">
             <a:extLst>
               <a:ext uri="{FF2B5EF4-FFF2-40B4-BE49-F238E27FC236}">
-                <a16:creationId xmlns:a16="http://schemas.microsoft.com/office/drawing/2014/main" id="{CC05FC64-3A88-49B3-8BA2-66FC9947DA90}"/>
+                <a16:creationId xmlns:a16="http://schemas.microsoft.com/office/drawing/2014/main" id="{5FD41C02-496E-4EAD-8354-CA8CA6457611}"/>
               </a:ext>
             </a:extLst>
           </p:cNvPr>
@@ -9380,7 +10177,7 @@
             <p:ph idx="1"/>
           </p:nvPr>
         </p:nvPicPr>
-        <p:blipFill>
+        <p:blipFill rotWithShape="1">
           <a:blip r:embed="rId2">
             <a:extLst>
               <a:ext uri="{28A0092B-C50C-407E-A947-70E740481C1C}">
@@ -9388,21 +10185,50 @@
               </a:ext>
             </a:extLst>
           </a:blip>
-          <a:stretch>
-            <a:fillRect/>
-          </a:stretch>
+          <a:srcRect l="14720" t="4214" r="10353" b="12428"/>
+          <a:stretch/>
         </p:blipFill>
         <p:spPr>
           <a:xfrm>
-            <a:off x="308747" y="2285241"/>
-            <a:ext cx="8596312" cy="3581796"/>
+            <a:off x="272583" y="1285043"/>
+            <a:ext cx="9249994" cy="4287913"/>
           </a:xfrm>
         </p:spPr>
       </p:pic>
+      <p:sp>
+        <p:nvSpPr>
+          <p:cNvPr id="2" name="Title 1">
+            <a:extLst>
+              <a:ext uri="{FF2B5EF4-FFF2-40B4-BE49-F238E27FC236}">
+                <a16:creationId xmlns:a16="http://schemas.microsoft.com/office/drawing/2014/main" id="{574F119C-EEA3-4EB2-BE31-F79ACAB60D87}"/>
+              </a:ext>
+            </a:extLst>
+          </p:cNvPr>
+          <p:cNvSpPr>
+            <a:spLocks noGrp="1"/>
+          </p:cNvSpPr>
+          <p:nvPr>
+            <p:ph type="title"/>
+          </p:nvPr>
+        </p:nvSpPr>
+        <p:spPr/>
+        <p:txBody>
+          <a:bodyPr>
+            <a:normAutofit/>
+          </a:bodyPr>
+          <a:lstStyle/>
+          <a:p>
+            <a:r>
+              <a:rPr lang="en-US" sz="3200" dirty="0"/>
+              <a:t>Growth of Hybrid and Electric Vehicle Sales:</a:t>
+            </a:r>
+          </a:p>
+        </p:txBody>
+      </p:sp>
     </p:spTree>
     <p:extLst>
       <p:ext uri="{BB962C8B-B14F-4D97-AF65-F5344CB8AC3E}">
-        <p14:creationId xmlns:p14="http://schemas.microsoft.com/office/powerpoint/2010/main" val="98634347"/>
+        <p14:creationId xmlns:p14="http://schemas.microsoft.com/office/powerpoint/2010/main" val="92396245"/>
       </p:ext>
     </p:extLst>
   </p:cSld>
@@ -9434,7 +10260,7 @@
           <p:cNvPr id="2" name="Title 1">
             <a:extLst>
               <a:ext uri="{FF2B5EF4-FFF2-40B4-BE49-F238E27FC236}">
-                <a16:creationId xmlns:a16="http://schemas.microsoft.com/office/drawing/2014/main" id="{D7599F6E-7F6B-40D7-992F-1FC0E7B75B2A}"/>
+                <a16:creationId xmlns:a16="http://schemas.microsoft.com/office/drawing/2014/main" id="{479E41A6-B028-4A94-A7A7-965AC92EB870}"/>
               </a:ext>
             </a:extLst>
           </p:cNvPr>
@@ -9464,7 +10290,7 @@
           <p:cNvPr id="5" name="Content Placeholder 4">
             <a:extLst>
               <a:ext uri="{FF2B5EF4-FFF2-40B4-BE49-F238E27FC236}">
-                <a16:creationId xmlns:a16="http://schemas.microsoft.com/office/drawing/2014/main" id="{DF67755E-62B3-4412-90A0-0EF93C3121EB}"/>
+                <a16:creationId xmlns:a16="http://schemas.microsoft.com/office/drawing/2014/main" id="{CC05FC64-3A88-49B3-8BA2-66FC9947DA90}"/>
               </a:ext>
             </a:extLst>
           </p:cNvPr>
@@ -9475,7 +10301,7 @@
             <p:ph idx="1"/>
           </p:nvPr>
         </p:nvPicPr>
-        <p:blipFill>
+        <p:blipFill rotWithShape="1">
           <a:blip r:embed="rId2">
             <a:extLst>
               <a:ext uri="{28A0092B-C50C-407E-A947-70E740481C1C}">
@@ -9483,21 +10309,20 @@
               </a:ext>
             </a:extLst>
           </a:blip>
-          <a:stretch>
-            <a:fillRect/>
-          </a:stretch>
+          <a:srcRect l="14894" t="5102" r="12815" b="14097"/>
+          <a:stretch/>
         </p:blipFill>
         <p:spPr>
           <a:xfrm>
-            <a:off x="308748" y="2260074"/>
-            <a:ext cx="8596312" cy="3581796"/>
+            <a:off x="296332" y="1452673"/>
+            <a:ext cx="9195124" cy="4282302"/>
           </a:xfrm>
         </p:spPr>
       </p:pic>
     </p:spTree>
     <p:extLst>
       <p:ext uri="{BB962C8B-B14F-4D97-AF65-F5344CB8AC3E}">
-        <p14:creationId xmlns:p14="http://schemas.microsoft.com/office/powerpoint/2010/main" val="3653315931"/>
+        <p14:creationId xmlns:p14="http://schemas.microsoft.com/office/powerpoint/2010/main" val="98634347"/>
       </p:ext>
     </p:extLst>
   </p:cSld>
@@ -9529,7 +10354,7 @@
           <p:cNvPr id="2" name="Title 1">
             <a:extLst>
               <a:ext uri="{FF2B5EF4-FFF2-40B4-BE49-F238E27FC236}">
-                <a16:creationId xmlns:a16="http://schemas.microsoft.com/office/drawing/2014/main" id="{8C824809-D103-574C-8253-CDA835BC430E}"/>
+                <a16:creationId xmlns:a16="http://schemas.microsoft.com/office/drawing/2014/main" id="{D7599F6E-7F6B-40D7-992F-1FC0E7B75B2A}"/>
               </a:ext>
             </a:extLst>
           </p:cNvPr>
@@ -9542,12 +10367,14 @@
         </p:nvSpPr>
         <p:spPr/>
         <p:txBody>
-          <a:bodyPr/>
-          <a:lstStyle/>
-          <a:p>
-            <a:r>
-              <a:rPr lang="en-US" dirty="0"/>
-              <a:t>Electric Vehicle Sales by Brand</a:t>
+          <a:bodyPr>
+            <a:normAutofit/>
+          </a:bodyPr>
+          <a:lstStyle/>
+          <a:p>
+            <a:r>
+              <a:rPr lang="en-US" sz="3200" dirty="0"/>
+              <a:t>Growth of Hybrid and Electric Vehicle Sales:</a:t>
             </a:r>
           </a:p>
         </p:txBody>
@@ -9557,7 +10384,7 @@
           <p:cNvPr id="5" name="Content Placeholder 4">
             <a:extLst>
               <a:ext uri="{FF2B5EF4-FFF2-40B4-BE49-F238E27FC236}">
-                <a16:creationId xmlns:a16="http://schemas.microsoft.com/office/drawing/2014/main" id="{5FE49816-1446-2D44-ADE4-EFD5FF3DBFA5}"/>
+                <a16:creationId xmlns:a16="http://schemas.microsoft.com/office/drawing/2014/main" id="{DF67755E-62B3-4412-90A0-0EF93C3121EB}"/>
               </a:ext>
             </a:extLst>
           </p:cNvPr>
@@ -9576,20 +10403,20 @@
               </a:ext>
             </a:extLst>
           </a:blip>
-          <a:srcRect t="14946"/>
+          <a:srcRect l="14894" t="6053" r="12608" b="14138"/>
           <a:stretch/>
         </p:blipFill>
         <p:spPr>
           <a:xfrm>
-            <a:off x="459898" y="1880586"/>
-            <a:ext cx="9243607" cy="4367814"/>
+            <a:off x="370382" y="1597981"/>
+            <a:ext cx="8999803" cy="4128116"/>
           </a:xfrm>
         </p:spPr>
       </p:pic>
     </p:spTree>
     <p:extLst>
       <p:ext uri="{BB962C8B-B14F-4D97-AF65-F5344CB8AC3E}">
-        <p14:creationId xmlns:p14="http://schemas.microsoft.com/office/powerpoint/2010/main" val="2966645675"/>
+        <p14:creationId xmlns:p14="http://schemas.microsoft.com/office/powerpoint/2010/main" val="3653315931"/>
       </p:ext>
     </p:extLst>
   </p:cSld>
@@ -9616,12 +10443,47 @@
           <a:chExt cx="0" cy="0"/>
         </a:xfrm>
       </p:grpSpPr>
+      <p:sp>
+        <p:nvSpPr>
+          <p:cNvPr id="2" name="Title 1">
+            <a:extLst>
+              <a:ext uri="{FF2B5EF4-FFF2-40B4-BE49-F238E27FC236}">
+                <a16:creationId xmlns:a16="http://schemas.microsoft.com/office/drawing/2014/main" id="{27580AED-8C96-4912-9727-F6B9CB260A40}"/>
+              </a:ext>
+            </a:extLst>
+          </p:cNvPr>
+          <p:cNvSpPr>
+            <a:spLocks noGrp="1"/>
+          </p:cNvSpPr>
+          <p:nvPr>
+            <p:ph type="title"/>
+          </p:nvPr>
+        </p:nvSpPr>
+        <p:spPr>
+          <a:xfrm>
+            <a:off x="234892" y="562062"/>
+            <a:ext cx="9039110" cy="1368338"/>
+          </a:xfrm>
+        </p:spPr>
+        <p:txBody>
+          <a:bodyPr>
+            <a:normAutofit/>
+          </a:bodyPr>
+          <a:lstStyle/>
+          <a:p>
+            <a:r>
+              <a:rPr lang="en-US" sz="3200" dirty="0"/>
+              <a:t>Comparing Sales of Hybrid vs Electric Vehicles:</a:t>
+            </a:r>
+          </a:p>
+        </p:txBody>
+      </p:sp>
       <p:pic>
         <p:nvPicPr>
-          <p:cNvPr id="7" name="Content Placeholder 6">
+          <p:cNvPr id="5" name="Content Placeholder 4">
             <a:extLst>
               <a:ext uri="{FF2B5EF4-FFF2-40B4-BE49-F238E27FC236}">
-                <a16:creationId xmlns:a16="http://schemas.microsoft.com/office/drawing/2014/main" id="{313362AB-6A27-421A-B51C-A23CC47371BB}"/>
+                <a16:creationId xmlns:a16="http://schemas.microsoft.com/office/drawing/2014/main" id="{2852360B-DCA0-4FE9-B1BF-9D5BEC18CEC0}"/>
               </a:ext>
             </a:extLst>
           </p:cNvPr>
@@ -9640,53 +10502,20 @@
               </a:ext>
             </a:extLst>
           </a:blip>
-          <a:srcRect b="3161"/>
+          <a:srcRect l="2010" t="3414" r="6372"/>
           <a:stretch/>
         </p:blipFill>
         <p:spPr>
           <a:xfrm>
-            <a:off x="1542257" y="1922635"/>
-            <a:ext cx="7104593" cy="4586670"/>
+            <a:off x="967667" y="1242875"/>
+            <a:ext cx="8008412" cy="5535226"/>
           </a:xfrm>
         </p:spPr>
       </p:pic>
-      <p:sp>
-        <p:nvSpPr>
-          <p:cNvPr id="8" name="Title 1">
-            <a:extLst>
-              <a:ext uri="{FF2B5EF4-FFF2-40B4-BE49-F238E27FC236}">
-                <a16:creationId xmlns:a16="http://schemas.microsoft.com/office/drawing/2014/main" id="{7DDA2CDB-F0AC-43E9-A07E-46D72F978CF3}"/>
-              </a:ext>
-            </a:extLst>
-          </p:cNvPr>
-          <p:cNvSpPr>
-            <a:spLocks noGrp="1"/>
-          </p:cNvSpPr>
-          <p:nvPr>
-            <p:ph type="title"/>
-          </p:nvPr>
-        </p:nvSpPr>
-        <p:spPr>
-          <a:xfrm>
-            <a:off x="677863" y="609600"/>
-            <a:ext cx="8596312" cy="1320800"/>
-          </a:xfrm>
-        </p:spPr>
-        <p:txBody>
-          <a:bodyPr/>
-          <a:lstStyle/>
-          <a:p>
-            <a:r>
-              <a:rPr lang="en-US" dirty="0"/>
-              <a:t>HEV and PEV Model Debuted by Year</a:t>
-            </a:r>
-          </a:p>
-        </p:txBody>
-      </p:sp>
     </p:spTree>
     <p:extLst>
       <p:ext uri="{BB962C8B-B14F-4D97-AF65-F5344CB8AC3E}">
-        <p14:creationId xmlns:p14="http://schemas.microsoft.com/office/powerpoint/2010/main" val="2525985050"/>
+        <p14:creationId xmlns:p14="http://schemas.microsoft.com/office/powerpoint/2010/main" val="1963421612"/>
       </p:ext>
     </p:extLst>
   </p:cSld>
@@ -9718,7 +10547,7 @@
           <p:cNvPr id="2" name="Title 1">
             <a:extLst>
               <a:ext uri="{FF2B5EF4-FFF2-40B4-BE49-F238E27FC236}">
-                <a16:creationId xmlns:a16="http://schemas.microsoft.com/office/drawing/2014/main" id="{27580AED-8C96-4912-9727-F6B9CB260A40}"/>
+                <a16:creationId xmlns:a16="http://schemas.microsoft.com/office/drawing/2014/main" id="{EDDCE49F-B966-4D58-8EFD-2E889BB81E9B}"/>
               </a:ext>
             </a:extLst>
           </p:cNvPr>
@@ -9729,99 +10558,65 @@
             <p:ph type="title"/>
           </p:nvPr>
         </p:nvSpPr>
-        <p:spPr>
-          <a:xfrm>
-            <a:off x="234892" y="562062"/>
-            <a:ext cx="9039110" cy="1368338"/>
-          </a:xfrm>
-        </p:spPr>
-        <p:txBody>
-          <a:bodyPr>
-            <a:normAutofit/>
-          </a:bodyPr>
-          <a:lstStyle/>
-          <a:p>
-            <a:r>
-              <a:rPr lang="en-US" sz="3200" dirty="0"/>
-              <a:t>Comparing Sales of Hybrid vs Electric Vehicles:</a:t>
-            </a:r>
-          </a:p>
-        </p:txBody>
-      </p:sp>
-      <p:pic>
-        <p:nvPicPr>
-          <p:cNvPr id="5" name="Content Placeholder 4">
+        <p:spPr/>
+        <p:txBody>
+          <a:bodyPr/>
+          <a:lstStyle/>
+          <a:p>
+            <a:r>
+              <a:rPr lang="en-US" dirty="0"/>
+              <a:t>Summary</a:t>
+            </a:r>
+          </a:p>
+        </p:txBody>
+      </p:sp>
+      <p:sp>
+        <p:nvSpPr>
+          <p:cNvPr id="3" name="Content Placeholder 2">
             <a:extLst>
               <a:ext uri="{FF2B5EF4-FFF2-40B4-BE49-F238E27FC236}">
-                <a16:creationId xmlns:a16="http://schemas.microsoft.com/office/drawing/2014/main" id="{2852360B-DCA0-4FE9-B1BF-9D5BEC18CEC0}"/>
+                <a16:creationId xmlns:a16="http://schemas.microsoft.com/office/drawing/2014/main" id="{7F1DCB36-60D8-4577-8125-686472341A87}"/>
               </a:ext>
             </a:extLst>
           </p:cNvPr>
-          <p:cNvPicPr>
-            <a:picLocks noGrp="1" noChangeAspect="1"/>
-          </p:cNvPicPr>
+          <p:cNvSpPr>
+            <a:spLocks noGrp="1"/>
+          </p:cNvSpPr>
           <p:nvPr>
             <p:ph idx="1"/>
           </p:nvPr>
-        </p:nvPicPr>
-        <p:blipFill>
-          <a:blip r:embed="rId2">
-            <a:extLst>
-              <a:ext uri="{28A0092B-C50C-407E-A947-70E740481C1C}">
-                <a14:useLocalDpi xmlns:a14="http://schemas.microsoft.com/office/drawing/2010/main" val="0"/>
-              </a:ext>
-            </a:extLst>
-          </a:blip>
-          <a:stretch>
-            <a:fillRect/>
-          </a:stretch>
-        </p:blipFill>
-        <p:spPr>
-          <a:xfrm>
-            <a:off x="744446" y="1889998"/>
-            <a:ext cx="7577434" cy="4968002"/>
-          </a:xfrm>
-        </p:spPr>
-      </p:pic>
-      <p:sp>
-        <p:nvSpPr>
-          <p:cNvPr id="3" name="TextBox 2">
-            <a:extLst>
-              <a:ext uri="{FF2B5EF4-FFF2-40B4-BE49-F238E27FC236}">
-                <a16:creationId xmlns:a16="http://schemas.microsoft.com/office/drawing/2014/main" id="{A7886B13-621B-468A-9F02-6FD505AEC26E}"/>
-              </a:ext>
-            </a:extLst>
-          </p:cNvPr>
-          <p:cNvSpPr txBox="1"/>
-          <p:nvPr/>
-        </p:nvSpPr>
-        <p:spPr>
-          <a:xfrm>
-            <a:off x="780213" y="1561068"/>
-            <a:ext cx="4014240" cy="369332"/>
-          </a:xfrm>
-          <a:prstGeom prst="rect">
-            <a:avLst/>
-          </a:prstGeom>
-          <a:noFill/>
-        </p:spPr>
-        <p:txBody>
-          <a:bodyPr wrap="none" rtlCol="0">
-            <a:spAutoFit/>
-          </a:bodyPr>
+        </p:nvSpPr>
+        <p:spPr/>
+        <p:txBody>
+          <a:bodyPr/>
           <a:lstStyle/>
           <a:p>
             <a:r>
               <a:rPr lang="en-US" dirty="0"/>
-              <a:t>Why do sales trends vary in this way?</a:t>
-            </a:r>
+              <a:t>We see a small increase in the market share of electric vehicles over time. .</a:t>
+            </a:r>
+          </a:p>
+          <a:p>
+            <a:r>
+              <a:rPr lang="en-US" dirty="0"/>
+              <a:t>Hybrid vehicles have instable growth patterns, while Plug-in Electric vehicles have had steady, consistent growth since 2010.</a:t>
+            </a:r>
+          </a:p>
+          <a:p>
+            <a:r>
+              <a:rPr lang="en-US" dirty="0"/>
+              <a:t>Growth points in electric vehicles seem to correlate to debuts in particular models (2010/2011 – Nissan Leaf and Chevy Volt) (2012 – Tesla Model S) (2016-Tesla Model 3).</a:t>
+            </a:r>
+          </a:p>
+          <a:p>
+            <a:endParaRPr lang="en-US" dirty="0"/>
           </a:p>
         </p:txBody>
       </p:sp>
     </p:spTree>
     <p:extLst>
       <p:ext uri="{BB962C8B-B14F-4D97-AF65-F5344CB8AC3E}">
-        <p14:creationId xmlns:p14="http://schemas.microsoft.com/office/powerpoint/2010/main" val="1963421612"/>
+        <p14:creationId xmlns:p14="http://schemas.microsoft.com/office/powerpoint/2010/main" val="3308006863"/>
       </p:ext>
     </p:extLst>
   </p:cSld>

--- a/Presentation1.pptx
+++ b/Presentation1.pptx
@@ -10117,16 +10117,33 @@
           <a:p>
             <a:r>
               <a:rPr lang="en-US" dirty="0"/>
-              <a:t>Date comes from - </a:t>
-            </a:r>
-          </a:p>
-          <a:p>
+              <a:t>Data provided by:</a:t>
+            </a:r>
+          </a:p>
+          <a:p>
+            <a:pPr lvl="1"/>
+            <a:r>
+              <a:rPr lang="en-US" dirty="0"/>
+              <a:t>D.O.E. Oak Ridge National Laboratory</a:t>
+            </a:r>
+          </a:p>
+          <a:p>
+            <a:pPr lvl="1"/>
+            <a:r>
+              <a:rPr lang="en-US" dirty="0"/>
+              <a:t>U.S. Energy Information Administration</a:t>
+            </a:r>
+          </a:p>
+          <a:p>
+            <a:pPr marL="0" indent="0">
+              <a:buNone/>
+            </a:pPr>
             <a:endParaRPr lang="en-US" dirty="0"/>
           </a:p>
           <a:p>
             <a:r>
               <a:rPr lang="en-US" dirty="0"/>
-              <a:t>If there is anything you want to add about process add it here</a:t>
+              <a:t>Data cleaned and visualized using Pandas and Matplotlib</a:t>
             </a:r>
           </a:p>
         </p:txBody>
@@ -10190,7 +10207,7 @@
         </p:blipFill>
         <p:spPr>
           <a:xfrm>
-            <a:off x="272583" y="1285043"/>
+            <a:off x="280972" y="1285043"/>
             <a:ext cx="9249994" cy="4287913"/>
           </a:xfrm>
         </p:spPr>
@@ -10271,7 +10288,12 @@
             <p:ph type="title"/>
           </p:nvPr>
         </p:nvSpPr>
-        <p:spPr/>
+        <p:spPr>
+          <a:xfrm>
+            <a:off x="668945" y="609600"/>
+            <a:ext cx="8596668" cy="1320800"/>
+          </a:xfrm>
+        </p:spPr>
         <p:txBody>
           <a:bodyPr>
             <a:normAutofit/>
@@ -10287,19 +10309,17 @@
       </p:sp>
       <p:pic>
         <p:nvPicPr>
-          <p:cNvPr id="5" name="Content Placeholder 4">
+          <p:cNvPr id="4" name="Picture 3">
             <a:extLst>
               <a:ext uri="{FF2B5EF4-FFF2-40B4-BE49-F238E27FC236}">
-                <a16:creationId xmlns:a16="http://schemas.microsoft.com/office/drawing/2014/main" id="{CC05FC64-3A88-49B3-8BA2-66FC9947DA90}"/>
+                <a16:creationId xmlns:a16="http://schemas.microsoft.com/office/drawing/2014/main" id="{D8CE468F-74EF-45A9-B9EA-52413BB2DDF4}"/>
               </a:ext>
             </a:extLst>
           </p:cNvPr>
           <p:cNvPicPr>
-            <a:picLocks noGrp="1" noChangeAspect="1"/>
+            <a:picLocks noChangeAspect="1"/>
           </p:cNvPicPr>
-          <p:nvPr>
-            <p:ph idx="1"/>
-          </p:nvPr>
+          <p:nvPr/>
         </p:nvPicPr>
         <p:blipFill rotWithShape="1">
           <a:blip r:embed="rId2">
@@ -10309,14 +10329,17 @@
               </a:ext>
             </a:extLst>
           </a:blip>
-          <a:srcRect l="14894" t="5102" r="12815" b="14097"/>
+          <a:srcRect l="13733" t="3032" r="10163" b="11183"/>
           <a:stretch/>
         </p:blipFill>
         <p:spPr>
           <a:xfrm>
-            <a:off x="296332" y="1452673"/>
-            <a:ext cx="9195124" cy="4282302"/>
+            <a:off x="153619" y="1224243"/>
+            <a:ext cx="9388603" cy="4409514"/>
           </a:xfrm>
+          <a:prstGeom prst="rect">
+            <a:avLst/>
+          </a:prstGeom>
         </p:spPr>
       </p:pic>
     </p:spTree>
@@ -10408,7 +10431,7 @@
         </p:blipFill>
         <p:spPr>
           <a:xfrm>
-            <a:off x="370382" y="1597981"/>
+            <a:off x="274199" y="1364942"/>
             <a:ext cx="8999803" cy="4128116"/>
           </a:xfrm>
         </p:spPr>

--- a/Presentation1.pptx
+++ b/Presentation1.pptx
@@ -33,10 +33,11 @@
     <p:sldId id="271" r:id="rId27"/>
     <p:sldId id="277" r:id="rId28"/>
     <p:sldId id="272" r:id="rId29"/>
-    <p:sldId id="273" r:id="rId30"/>
-    <p:sldId id="274" r:id="rId31"/>
-    <p:sldId id="278" r:id="rId32"/>
-    <p:sldId id="279" r:id="rId33"/>
+    <p:sldId id="299" r:id="rId30"/>
+    <p:sldId id="273" r:id="rId31"/>
+    <p:sldId id="274" r:id="rId32"/>
+    <p:sldId id="278" r:id="rId33"/>
+    <p:sldId id="279" r:id="rId34"/>
   </p:sldIdLst>
   <p:sldSz cx="12192000" cy="6858000"/>
   <p:notesSz cx="6858000" cy="9144000"/>
@@ -8988,21 +8989,13 @@
           <a:p>
             <a:r>
               <a:rPr lang="en-US" dirty="0"/>
-              <a:t>US Air </a:t>
-            </a:r>
-            <a:r>
-              <a:rPr lang="en-US" dirty="0" err="1"/>
-              <a:t>polution</a:t>
-            </a:r>
+              <a:t>US Air Pollution data (2000-2016) via Kaggle</a:t>
+            </a:r>
+          </a:p>
+          <a:p>
             <a:r>
               <a:rPr lang="en-US" dirty="0"/>
-              <a:t> Data (2000-2016) via Kaggle</a:t>
-            </a:r>
-          </a:p>
-          <a:p>
-            <a:r>
-              <a:rPr lang="en-US" dirty="0"/>
-              <a:t>Read csv into a pandas </a:t>
+              <a:t>Read CSV into a pandas </a:t>
             </a:r>
             <a:r>
               <a:rPr lang="en-US" dirty="0" err="1"/>
@@ -9243,6 +9236,228 @@
 </file>
 
 <file path=ppt/slides/slide29.xml><?xml version="1.0" encoding="utf-8"?>
+<p:sld xmlns:a="http://schemas.openxmlformats.org/drawingml/2006/main" xmlns:r="http://schemas.openxmlformats.org/officeDocument/2006/relationships" xmlns:p="http://schemas.openxmlformats.org/presentationml/2006/main">
+  <p:cSld>
+    <p:spTree>
+      <p:nvGrpSpPr>
+        <p:cNvPr id="1" name=""/>
+        <p:cNvGrpSpPr/>
+        <p:nvPr/>
+      </p:nvGrpSpPr>
+      <p:grpSpPr>
+        <a:xfrm>
+          <a:off x="0" y="0"/>
+          <a:ext cx="0" cy="0"/>
+          <a:chOff x="0" y="0"/>
+          <a:chExt cx="0" cy="0"/>
+        </a:xfrm>
+      </p:grpSpPr>
+      <p:sp>
+        <p:nvSpPr>
+          <p:cNvPr id="2" name="Title 1">
+            <a:extLst>
+              <a:ext uri="{FF2B5EF4-FFF2-40B4-BE49-F238E27FC236}">
+                <a16:creationId xmlns:a16="http://schemas.microsoft.com/office/drawing/2014/main" id="{1511E2FD-328E-4E61-BBB4-31052CCEF18D}"/>
+              </a:ext>
+            </a:extLst>
+          </p:cNvPr>
+          <p:cNvSpPr>
+            <a:spLocks noGrp="1"/>
+          </p:cNvSpPr>
+          <p:nvPr>
+            <p:ph type="title"/>
+          </p:nvPr>
+        </p:nvSpPr>
+        <p:spPr/>
+        <p:txBody>
+          <a:bodyPr/>
+          <a:lstStyle/>
+          <a:p>
+            <a:endParaRPr lang="en-US"/>
+          </a:p>
+        </p:txBody>
+      </p:sp>
+      <p:pic>
+        <p:nvPicPr>
+          <p:cNvPr id="4" name="Picture 3">
+            <a:extLst>
+              <a:ext uri="{FF2B5EF4-FFF2-40B4-BE49-F238E27FC236}">
+                <a16:creationId xmlns:a16="http://schemas.microsoft.com/office/drawing/2014/main" id="{3E3349A6-CBD9-4F6A-B1C3-E6CF197D798D}"/>
+              </a:ext>
+            </a:extLst>
+          </p:cNvPr>
+          <p:cNvPicPr>
+            <a:picLocks noChangeAspect="1"/>
+          </p:cNvPicPr>
+          <p:nvPr/>
+        </p:nvPicPr>
+        <p:blipFill>
+          <a:blip r:embed="rId2"/>
+          <a:stretch>
+            <a:fillRect/>
+          </a:stretch>
+        </p:blipFill>
+        <p:spPr>
+          <a:xfrm>
+            <a:off x="297401" y="0"/>
+            <a:ext cx="11597198" cy="6858000"/>
+          </a:xfrm>
+          <a:prstGeom prst="rect">
+            <a:avLst/>
+          </a:prstGeom>
+        </p:spPr>
+      </p:pic>
+    </p:spTree>
+    <p:extLst>
+      <p:ext uri="{BB962C8B-B14F-4D97-AF65-F5344CB8AC3E}">
+        <p14:creationId xmlns:p14="http://schemas.microsoft.com/office/powerpoint/2010/main" val="1334711474"/>
+      </p:ext>
+    </p:extLst>
+  </p:cSld>
+  <p:clrMapOvr>
+    <a:masterClrMapping/>
+  </p:clrMapOvr>
+</p:sld>
+</file>
+
+<file path=ppt/slides/slide3.xml><?xml version="1.0" encoding="utf-8"?>
+<p:sld xmlns:a="http://schemas.openxmlformats.org/drawingml/2006/main" xmlns:r="http://schemas.openxmlformats.org/officeDocument/2006/relationships" xmlns:p="http://schemas.openxmlformats.org/presentationml/2006/main">
+  <p:cSld>
+    <p:spTree>
+      <p:nvGrpSpPr>
+        <p:cNvPr id="1" name=""/>
+        <p:cNvGrpSpPr/>
+        <p:nvPr/>
+      </p:nvGrpSpPr>
+      <p:grpSpPr>
+        <a:xfrm>
+          <a:off x="0" y="0"/>
+          <a:ext cx="0" cy="0"/>
+          <a:chOff x="0" y="0"/>
+          <a:chExt cx="0" cy="0"/>
+        </a:xfrm>
+      </p:grpSpPr>
+      <p:sp>
+        <p:nvSpPr>
+          <p:cNvPr id="2" name="Title 1">
+            <a:extLst>
+              <a:ext uri="{FF2B5EF4-FFF2-40B4-BE49-F238E27FC236}">
+                <a16:creationId xmlns:a16="http://schemas.microsoft.com/office/drawing/2014/main" id="{EAD63432-2154-4C58-A66A-E16DC15663A2}"/>
+              </a:ext>
+            </a:extLst>
+          </p:cNvPr>
+          <p:cNvSpPr>
+            <a:spLocks noGrp="1"/>
+          </p:cNvSpPr>
+          <p:nvPr>
+            <p:ph type="title"/>
+          </p:nvPr>
+        </p:nvSpPr>
+        <p:spPr/>
+        <p:txBody>
+          <a:bodyPr/>
+          <a:lstStyle/>
+          <a:p>
+            <a:r>
+              <a:rPr lang="en-US" dirty="0"/>
+              <a:t>Questions</a:t>
+            </a:r>
+          </a:p>
+        </p:txBody>
+      </p:sp>
+      <p:sp>
+        <p:nvSpPr>
+          <p:cNvPr id="3" name="Content Placeholder 2">
+            <a:extLst>
+              <a:ext uri="{FF2B5EF4-FFF2-40B4-BE49-F238E27FC236}">
+                <a16:creationId xmlns:a16="http://schemas.microsoft.com/office/drawing/2014/main" id="{70D8A547-BA4D-4C0F-A46B-7499FE4AF5CD}"/>
+              </a:ext>
+            </a:extLst>
+          </p:cNvPr>
+          <p:cNvSpPr>
+            <a:spLocks noGrp="1"/>
+          </p:cNvSpPr>
+          <p:nvPr>
+            <p:ph idx="1"/>
+          </p:nvPr>
+        </p:nvSpPr>
+        <p:spPr/>
+        <p:txBody>
+          <a:bodyPr/>
+          <a:lstStyle/>
+          <a:p>
+            <a:r>
+              <a:rPr lang="en-US" dirty="0"/>
+              <a:t>What is the market share of Plug-in Electric (PEV) and Hybrid Vehicles (HEV) and how does it compare to gas powered cars over time?</a:t>
+            </a:r>
+          </a:p>
+          <a:p>
+            <a:pPr lvl="1"/>
+            <a:r>
+              <a:rPr lang="en-US" dirty="0"/>
+              <a:t>Is there an increase or decrease in overall sales of PEVs and HEVs?</a:t>
+            </a:r>
+          </a:p>
+          <a:p>
+            <a:r>
+              <a:rPr lang="en-US" dirty="0"/>
+              <a:t>What factors affect sales of electric vehicles?</a:t>
+            </a:r>
+          </a:p>
+          <a:p>
+            <a:pPr lvl="1"/>
+            <a:r>
+              <a:rPr lang="en-US" dirty="0"/>
+              <a:t>Internal Market Factors</a:t>
+            </a:r>
+          </a:p>
+          <a:p>
+            <a:pPr lvl="1"/>
+            <a:r>
+              <a:rPr lang="en-US" dirty="0"/>
+              <a:t>External Market Factors</a:t>
+            </a:r>
+          </a:p>
+          <a:p>
+            <a:r>
+              <a:rPr lang="en-US" dirty="0"/>
+              <a:t>Is there a correlation between electric vehicle adoption and air pollution levels?</a:t>
+            </a:r>
+          </a:p>
+          <a:p>
+            <a:pPr marL="0" indent="0">
+              <a:buNone/>
+            </a:pPr>
+            <a:endParaRPr lang="en-US" dirty="0"/>
+          </a:p>
+          <a:p>
+            <a:endParaRPr lang="en-US" dirty="0"/>
+          </a:p>
+          <a:p>
+            <a:pPr marL="0" indent="0">
+              <a:buNone/>
+            </a:pPr>
+            <a:endParaRPr lang="en-US" dirty="0"/>
+          </a:p>
+          <a:p>
+            <a:endParaRPr lang="en-US" dirty="0"/>
+          </a:p>
+        </p:txBody>
+      </p:sp>
+    </p:spTree>
+    <p:extLst>
+      <p:ext uri="{BB962C8B-B14F-4D97-AF65-F5344CB8AC3E}">
+        <p14:creationId xmlns:p14="http://schemas.microsoft.com/office/powerpoint/2010/main" val="1180815208"/>
+      </p:ext>
+    </p:extLst>
+  </p:cSld>
+  <p:clrMapOvr>
+    <a:masterClrMapping/>
+  </p:clrMapOvr>
+</p:sld>
+</file>
+
+<file path=ppt/slides/slide30.xml><?xml version="1.0" encoding="utf-8"?>
 <p:sld xmlns:a="http://schemas.openxmlformats.org/drawingml/2006/main" xmlns:r="http://schemas.openxmlformats.org/officeDocument/2006/relationships" xmlns:p="http://schemas.openxmlformats.org/presentationml/2006/main">
   <p:cSld>
     <p:spTree>
@@ -9505,335 +9720,6 @@
 </p:sld>
 </file>
 
-<file path=ppt/slides/slide3.xml><?xml version="1.0" encoding="utf-8"?>
-<p:sld xmlns:a="http://schemas.openxmlformats.org/drawingml/2006/main" xmlns:r="http://schemas.openxmlformats.org/officeDocument/2006/relationships" xmlns:p="http://schemas.openxmlformats.org/presentationml/2006/main">
-  <p:cSld>
-    <p:spTree>
-      <p:nvGrpSpPr>
-        <p:cNvPr id="1" name=""/>
-        <p:cNvGrpSpPr/>
-        <p:nvPr/>
-      </p:nvGrpSpPr>
-      <p:grpSpPr>
-        <a:xfrm>
-          <a:off x="0" y="0"/>
-          <a:ext cx="0" cy="0"/>
-          <a:chOff x="0" y="0"/>
-          <a:chExt cx="0" cy="0"/>
-        </a:xfrm>
-      </p:grpSpPr>
-      <p:sp>
-        <p:nvSpPr>
-          <p:cNvPr id="2" name="Title 1">
-            <a:extLst>
-              <a:ext uri="{FF2B5EF4-FFF2-40B4-BE49-F238E27FC236}">
-                <a16:creationId xmlns:a16="http://schemas.microsoft.com/office/drawing/2014/main" id="{EAD63432-2154-4C58-A66A-E16DC15663A2}"/>
-              </a:ext>
-            </a:extLst>
-          </p:cNvPr>
-          <p:cNvSpPr>
-            <a:spLocks noGrp="1"/>
-          </p:cNvSpPr>
-          <p:nvPr>
-            <p:ph type="title"/>
-          </p:nvPr>
-        </p:nvSpPr>
-        <p:spPr/>
-        <p:txBody>
-          <a:bodyPr/>
-          <a:lstStyle/>
-          <a:p>
-            <a:r>
-              <a:rPr lang="en-US" dirty="0"/>
-              <a:t>Questions</a:t>
-            </a:r>
-          </a:p>
-        </p:txBody>
-      </p:sp>
-      <p:sp>
-        <p:nvSpPr>
-          <p:cNvPr id="3" name="Content Placeholder 2">
-            <a:extLst>
-              <a:ext uri="{FF2B5EF4-FFF2-40B4-BE49-F238E27FC236}">
-                <a16:creationId xmlns:a16="http://schemas.microsoft.com/office/drawing/2014/main" id="{70D8A547-BA4D-4C0F-A46B-7499FE4AF5CD}"/>
-              </a:ext>
-            </a:extLst>
-          </p:cNvPr>
-          <p:cNvSpPr>
-            <a:spLocks noGrp="1"/>
-          </p:cNvSpPr>
-          <p:nvPr>
-            <p:ph idx="1"/>
-          </p:nvPr>
-        </p:nvSpPr>
-        <p:spPr/>
-        <p:txBody>
-          <a:bodyPr/>
-          <a:lstStyle/>
-          <a:p>
-            <a:r>
-              <a:rPr lang="en-US" dirty="0"/>
-              <a:t>What is the market share of Plug-in Electric (PEV) and Hybrid Vehicles (HEV) and how does it compare to gas powered cars over time?</a:t>
-            </a:r>
-          </a:p>
-          <a:p>
-            <a:pPr lvl="1"/>
-            <a:r>
-              <a:rPr lang="en-US" dirty="0"/>
-              <a:t>Is there an increase or decrease in overall sales of PEVs and HEVs?</a:t>
-            </a:r>
-          </a:p>
-          <a:p>
-            <a:r>
-              <a:rPr lang="en-US" dirty="0"/>
-              <a:t>What factors affect sales of electric vehicles?</a:t>
-            </a:r>
-          </a:p>
-          <a:p>
-            <a:pPr lvl="1"/>
-            <a:r>
-              <a:rPr lang="en-US" dirty="0"/>
-              <a:t>Internal Market Factors</a:t>
-            </a:r>
-          </a:p>
-          <a:p>
-            <a:pPr lvl="1"/>
-            <a:r>
-              <a:rPr lang="en-US" dirty="0"/>
-              <a:t>External Market Factors</a:t>
-            </a:r>
-          </a:p>
-          <a:p>
-            <a:r>
-              <a:rPr lang="en-US" dirty="0"/>
-              <a:t>Is there a correlation between electric vehicle adoption and air pollution levels?</a:t>
-            </a:r>
-          </a:p>
-          <a:p>
-            <a:pPr marL="0" indent="0">
-              <a:buNone/>
-            </a:pPr>
-            <a:endParaRPr lang="en-US" dirty="0"/>
-          </a:p>
-          <a:p>
-            <a:endParaRPr lang="en-US" dirty="0"/>
-          </a:p>
-          <a:p>
-            <a:pPr marL="0" indent="0">
-              <a:buNone/>
-            </a:pPr>
-            <a:endParaRPr lang="en-US" dirty="0"/>
-          </a:p>
-          <a:p>
-            <a:endParaRPr lang="en-US" dirty="0"/>
-          </a:p>
-        </p:txBody>
-      </p:sp>
-    </p:spTree>
-    <p:extLst>
-      <p:ext uri="{BB962C8B-B14F-4D97-AF65-F5344CB8AC3E}">
-        <p14:creationId xmlns:p14="http://schemas.microsoft.com/office/powerpoint/2010/main" val="1180815208"/>
-      </p:ext>
-    </p:extLst>
-  </p:cSld>
-  <p:clrMapOvr>
-    <a:masterClrMapping/>
-  </p:clrMapOvr>
-</p:sld>
-</file>
-
-<file path=ppt/slides/slide30.xml><?xml version="1.0" encoding="utf-8"?>
-<p:sld xmlns:a="http://schemas.openxmlformats.org/drawingml/2006/main" xmlns:r="http://schemas.openxmlformats.org/officeDocument/2006/relationships" xmlns:p="http://schemas.openxmlformats.org/presentationml/2006/main">
-  <p:cSld>
-    <p:spTree>
-      <p:nvGrpSpPr>
-        <p:cNvPr id="1" name=""/>
-        <p:cNvGrpSpPr/>
-        <p:nvPr/>
-      </p:nvGrpSpPr>
-      <p:grpSpPr>
-        <a:xfrm>
-          <a:off x="0" y="0"/>
-          <a:ext cx="0" cy="0"/>
-          <a:chOff x="0" y="0"/>
-          <a:chExt cx="0" cy="0"/>
-        </a:xfrm>
-      </p:grpSpPr>
-      <p:sp>
-        <p:nvSpPr>
-          <p:cNvPr id="2" name="Title 1">
-            <a:extLst>
-              <a:ext uri="{FF2B5EF4-FFF2-40B4-BE49-F238E27FC236}">
-                <a16:creationId xmlns:a16="http://schemas.microsoft.com/office/drawing/2014/main" id="{5FF0B3A1-1C18-4E15-8302-ECB3385F1CA4}"/>
-              </a:ext>
-            </a:extLst>
-          </p:cNvPr>
-          <p:cNvSpPr>
-            <a:spLocks noGrp="1"/>
-          </p:cNvSpPr>
-          <p:nvPr>
-            <p:ph type="title"/>
-          </p:nvPr>
-        </p:nvSpPr>
-        <p:spPr/>
-        <p:txBody>
-          <a:bodyPr/>
-          <a:lstStyle/>
-          <a:p>
-            <a:r>
-              <a:rPr lang="en-US" dirty="0"/>
-              <a:t>US Vehicle-Miles Trend</a:t>
-            </a:r>
-          </a:p>
-        </p:txBody>
-      </p:sp>
-      <p:pic>
-        <p:nvPicPr>
-          <p:cNvPr id="5" name="Content Placeholder 4">
-            <a:extLst>
-              <a:ext uri="{FF2B5EF4-FFF2-40B4-BE49-F238E27FC236}">
-                <a16:creationId xmlns:a16="http://schemas.microsoft.com/office/drawing/2014/main" id="{783DE995-2505-4458-AD4D-959BE65A5247}"/>
-              </a:ext>
-            </a:extLst>
-          </p:cNvPr>
-          <p:cNvPicPr>
-            <a:picLocks noGrp="1" noChangeAspect="1"/>
-          </p:cNvPicPr>
-          <p:nvPr>
-            <p:ph idx="1"/>
-          </p:nvPr>
-        </p:nvPicPr>
-        <p:blipFill>
-          <a:blip r:embed="rId2"/>
-          <a:stretch>
-            <a:fillRect/>
-          </a:stretch>
-        </p:blipFill>
-        <p:spPr>
-          <a:xfrm>
-            <a:off x="608350" y="1846510"/>
-            <a:ext cx="5487650" cy="3658433"/>
-          </a:xfrm>
-        </p:spPr>
-      </p:pic>
-      <p:sp>
-        <p:nvSpPr>
-          <p:cNvPr id="6" name="TextBox 5">
-            <a:extLst>
-              <a:ext uri="{FF2B5EF4-FFF2-40B4-BE49-F238E27FC236}">
-                <a16:creationId xmlns:a16="http://schemas.microsoft.com/office/drawing/2014/main" id="{23BF74BE-A3F2-4935-A3C3-70A60DEC502A}"/>
-              </a:ext>
-            </a:extLst>
-          </p:cNvPr>
-          <p:cNvSpPr txBox="1"/>
-          <p:nvPr/>
-        </p:nvSpPr>
-        <p:spPr>
-          <a:xfrm>
-            <a:off x="5645791" y="2106065"/>
-            <a:ext cx="4362275" cy="3416320"/>
-          </a:xfrm>
-          <a:prstGeom prst="rect">
-            <a:avLst/>
-          </a:prstGeom>
-          <a:noFill/>
-        </p:spPr>
-        <p:txBody>
-          <a:bodyPr wrap="square" rtlCol="0">
-            <a:spAutoFit/>
-          </a:bodyPr>
-          <a:lstStyle/>
-          <a:p>
-            <a:pPr marL="285750" indent="-285750">
-              <a:buFont typeface="Arial" panose="020B0604020202020204" pitchFamily="34" charset="0"/>
-              <a:buChar char="•"/>
-            </a:pPr>
-            <a:r>
-              <a:rPr lang="en-US" dirty="0"/>
-              <a:t>Miles traveled via ground vehicles (highway) within the US has increased steadily since 2000</a:t>
-            </a:r>
-          </a:p>
-          <a:p>
-            <a:pPr marL="285750" indent="-285750">
-              <a:buFont typeface="Arial" panose="020B0604020202020204" pitchFamily="34" charset="0"/>
-              <a:buChar char="•"/>
-            </a:pPr>
-            <a:r>
-              <a:rPr lang="en-US" dirty="0"/>
-              <a:t>This indicates a negative correlation between air pollution levels and vehicle miles traveled – </a:t>
-            </a:r>
-            <a:r>
-              <a:rPr lang="en-US" b="1" dirty="0"/>
-              <a:t>does this make sense?</a:t>
-            </a:r>
-          </a:p>
-          <a:p>
-            <a:pPr marL="285750" indent="-285750">
-              <a:buFont typeface="Arial" panose="020B0604020202020204" pitchFamily="34" charset="0"/>
-              <a:buChar char="•"/>
-            </a:pPr>
-            <a:r>
-              <a:rPr lang="en-US" dirty="0"/>
-              <a:t>Based off this analysis, our next inference would be that the growth of Hybrid/EV sales is dropping pollution levels despite a growth in miles traveled via ground vehicles</a:t>
-            </a:r>
-          </a:p>
-        </p:txBody>
-      </p:sp>
-      <p:sp>
-        <p:nvSpPr>
-          <p:cNvPr id="7" name="TextBox 6">
-            <a:extLst>
-              <a:ext uri="{FF2B5EF4-FFF2-40B4-BE49-F238E27FC236}">
-                <a16:creationId xmlns:a16="http://schemas.microsoft.com/office/drawing/2014/main" id="{6861BBBF-99E1-4A2C-993F-A01F02DA527F}"/>
-              </a:ext>
-            </a:extLst>
-          </p:cNvPr>
-          <p:cNvSpPr txBox="1"/>
-          <p:nvPr/>
-        </p:nvSpPr>
-        <p:spPr>
-          <a:xfrm>
-            <a:off x="2038525" y="6372521"/>
-            <a:ext cx="6460038" cy="369332"/>
-          </a:xfrm>
-          <a:prstGeom prst="rect">
-            <a:avLst/>
-          </a:prstGeom>
-          <a:noFill/>
-        </p:spPr>
-        <p:txBody>
-          <a:bodyPr wrap="none" rtlCol="0">
-            <a:spAutoFit/>
-          </a:bodyPr>
-          <a:lstStyle/>
-          <a:p>
-            <a:r>
-              <a:rPr lang="en-US" dirty="0"/>
-              <a:t>Data source: </a:t>
-            </a:r>
-            <a:r>
-              <a:rPr lang="en-US" dirty="0">
-                <a:hlinkClick r:id="rId3"/>
-              </a:rPr>
-              <a:t>https://www.bts.gov/content/us-vehicle-miles</a:t>
-            </a:r>
-            <a:endParaRPr lang="en-US" dirty="0"/>
-          </a:p>
-        </p:txBody>
-      </p:sp>
-    </p:spTree>
-    <p:extLst>
-      <p:ext uri="{BB962C8B-B14F-4D97-AF65-F5344CB8AC3E}">
-        <p14:creationId xmlns:p14="http://schemas.microsoft.com/office/powerpoint/2010/main" val="626922327"/>
-      </p:ext>
-    </p:extLst>
-  </p:cSld>
-  <p:clrMapOvr>
-    <a:masterClrMapping/>
-  </p:clrMapOvr>
-</p:sld>
-</file>
-
 <file path=ppt/slides/slide31.xml><?xml version="1.0" encoding="utf-8"?>
 <p:sld xmlns:a="http://schemas.openxmlformats.org/drawingml/2006/main" xmlns:r="http://schemas.openxmlformats.org/officeDocument/2006/relationships" xmlns:p="http://schemas.openxmlformats.org/presentationml/2006/main">
   <p:cSld>
@@ -9856,6 +9742,198 @@
           <p:cNvPr id="2" name="Title 1">
             <a:extLst>
               <a:ext uri="{FF2B5EF4-FFF2-40B4-BE49-F238E27FC236}">
+                <a16:creationId xmlns:a16="http://schemas.microsoft.com/office/drawing/2014/main" id="{5FF0B3A1-1C18-4E15-8302-ECB3385F1CA4}"/>
+              </a:ext>
+            </a:extLst>
+          </p:cNvPr>
+          <p:cNvSpPr>
+            <a:spLocks noGrp="1"/>
+          </p:cNvSpPr>
+          <p:nvPr>
+            <p:ph type="title"/>
+          </p:nvPr>
+        </p:nvSpPr>
+        <p:spPr/>
+        <p:txBody>
+          <a:bodyPr/>
+          <a:lstStyle/>
+          <a:p>
+            <a:r>
+              <a:rPr lang="en-US" dirty="0"/>
+              <a:t>US Vehicle-Miles Trend</a:t>
+            </a:r>
+          </a:p>
+        </p:txBody>
+      </p:sp>
+      <p:pic>
+        <p:nvPicPr>
+          <p:cNvPr id="5" name="Content Placeholder 4">
+            <a:extLst>
+              <a:ext uri="{FF2B5EF4-FFF2-40B4-BE49-F238E27FC236}">
+                <a16:creationId xmlns:a16="http://schemas.microsoft.com/office/drawing/2014/main" id="{783DE995-2505-4458-AD4D-959BE65A5247}"/>
+              </a:ext>
+            </a:extLst>
+          </p:cNvPr>
+          <p:cNvPicPr>
+            <a:picLocks noGrp="1" noChangeAspect="1"/>
+          </p:cNvPicPr>
+          <p:nvPr>
+            <p:ph idx="1"/>
+          </p:nvPr>
+        </p:nvPicPr>
+        <p:blipFill>
+          <a:blip r:embed="rId2"/>
+          <a:stretch>
+            <a:fillRect/>
+          </a:stretch>
+        </p:blipFill>
+        <p:spPr>
+          <a:xfrm>
+            <a:off x="608350" y="1846510"/>
+            <a:ext cx="5487650" cy="3658433"/>
+          </a:xfrm>
+        </p:spPr>
+      </p:pic>
+      <p:sp>
+        <p:nvSpPr>
+          <p:cNvPr id="6" name="TextBox 5">
+            <a:extLst>
+              <a:ext uri="{FF2B5EF4-FFF2-40B4-BE49-F238E27FC236}">
+                <a16:creationId xmlns:a16="http://schemas.microsoft.com/office/drawing/2014/main" id="{23BF74BE-A3F2-4935-A3C3-70A60DEC502A}"/>
+              </a:ext>
+            </a:extLst>
+          </p:cNvPr>
+          <p:cNvSpPr txBox="1"/>
+          <p:nvPr/>
+        </p:nvSpPr>
+        <p:spPr>
+          <a:xfrm>
+            <a:off x="5645791" y="2106065"/>
+            <a:ext cx="4362275" cy="3416320"/>
+          </a:xfrm>
+          <a:prstGeom prst="rect">
+            <a:avLst/>
+          </a:prstGeom>
+          <a:noFill/>
+        </p:spPr>
+        <p:txBody>
+          <a:bodyPr wrap="square" rtlCol="0">
+            <a:spAutoFit/>
+          </a:bodyPr>
+          <a:lstStyle/>
+          <a:p>
+            <a:pPr marL="285750" indent="-285750">
+              <a:buFont typeface="Arial" panose="020B0604020202020204" pitchFamily="34" charset="0"/>
+              <a:buChar char="•"/>
+            </a:pPr>
+            <a:r>
+              <a:rPr lang="en-US" dirty="0"/>
+              <a:t>Miles traveled via ground vehicles (highway) within the US has increased steadily since 2000</a:t>
+            </a:r>
+          </a:p>
+          <a:p>
+            <a:pPr marL="285750" indent="-285750">
+              <a:buFont typeface="Arial" panose="020B0604020202020204" pitchFamily="34" charset="0"/>
+              <a:buChar char="•"/>
+            </a:pPr>
+            <a:r>
+              <a:rPr lang="en-US" dirty="0"/>
+              <a:t>This indicates a negative correlation between air pollution levels and vehicle miles traveled – </a:t>
+            </a:r>
+            <a:r>
+              <a:rPr lang="en-US" b="1" dirty="0"/>
+              <a:t>does this make sense?</a:t>
+            </a:r>
+          </a:p>
+          <a:p>
+            <a:pPr marL="285750" indent="-285750">
+              <a:buFont typeface="Arial" panose="020B0604020202020204" pitchFamily="34" charset="0"/>
+              <a:buChar char="•"/>
+            </a:pPr>
+            <a:r>
+              <a:rPr lang="en-US" dirty="0"/>
+              <a:t>Based off this analysis, our next inference would be that the growth of Hybrid/EV sales is dropping pollution levels despite a growth in miles traveled via ground vehicles</a:t>
+            </a:r>
+          </a:p>
+        </p:txBody>
+      </p:sp>
+      <p:sp>
+        <p:nvSpPr>
+          <p:cNvPr id="7" name="TextBox 6">
+            <a:extLst>
+              <a:ext uri="{FF2B5EF4-FFF2-40B4-BE49-F238E27FC236}">
+                <a16:creationId xmlns:a16="http://schemas.microsoft.com/office/drawing/2014/main" id="{6861BBBF-99E1-4A2C-993F-A01F02DA527F}"/>
+              </a:ext>
+            </a:extLst>
+          </p:cNvPr>
+          <p:cNvSpPr txBox="1"/>
+          <p:nvPr/>
+        </p:nvSpPr>
+        <p:spPr>
+          <a:xfrm>
+            <a:off x="2038525" y="6372521"/>
+            <a:ext cx="6460038" cy="369332"/>
+          </a:xfrm>
+          <a:prstGeom prst="rect">
+            <a:avLst/>
+          </a:prstGeom>
+          <a:noFill/>
+        </p:spPr>
+        <p:txBody>
+          <a:bodyPr wrap="none" rtlCol="0">
+            <a:spAutoFit/>
+          </a:bodyPr>
+          <a:lstStyle/>
+          <a:p>
+            <a:r>
+              <a:rPr lang="en-US" dirty="0"/>
+              <a:t>Data source: </a:t>
+            </a:r>
+            <a:r>
+              <a:rPr lang="en-US" dirty="0">
+                <a:hlinkClick r:id="rId3"/>
+              </a:rPr>
+              <a:t>https://www.bts.gov/content/us-vehicle-miles</a:t>
+            </a:r>
+            <a:endParaRPr lang="en-US" dirty="0"/>
+          </a:p>
+        </p:txBody>
+      </p:sp>
+    </p:spTree>
+    <p:extLst>
+      <p:ext uri="{BB962C8B-B14F-4D97-AF65-F5344CB8AC3E}">
+        <p14:creationId xmlns:p14="http://schemas.microsoft.com/office/powerpoint/2010/main" val="626922327"/>
+      </p:ext>
+    </p:extLst>
+  </p:cSld>
+  <p:clrMapOvr>
+    <a:masterClrMapping/>
+  </p:clrMapOvr>
+</p:sld>
+</file>
+
+<file path=ppt/slides/slide32.xml><?xml version="1.0" encoding="utf-8"?>
+<p:sld xmlns:a="http://schemas.openxmlformats.org/drawingml/2006/main" xmlns:r="http://schemas.openxmlformats.org/officeDocument/2006/relationships" xmlns:p="http://schemas.openxmlformats.org/presentationml/2006/main">
+  <p:cSld>
+    <p:spTree>
+      <p:nvGrpSpPr>
+        <p:cNvPr id="1" name=""/>
+        <p:cNvGrpSpPr/>
+        <p:nvPr/>
+      </p:nvGrpSpPr>
+      <p:grpSpPr>
+        <a:xfrm>
+          <a:off x="0" y="0"/>
+          <a:ext cx="0" cy="0"/>
+          <a:chOff x="0" y="0"/>
+          <a:chExt cx="0" cy="0"/>
+        </a:xfrm>
+      </p:grpSpPr>
+      <p:sp>
+        <p:nvSpPr>
+          <p:cNvPr id="2" name="Title 1">
+            <a:extLst>
+              <a:ext uri="{FF2B5EF4-FFF2-40B4-BE49-F238E27FC236}">
                 <a16:creationId xmlns:a16="http://schemas.microsoft.com/office/drawing/2014/main" id="{AC746231-4583-4AC7-A701-EFC099707208}"/>
               </a:ext>
             </a:extLst>
@@ -9982,7 +10060,7 @@
 </p:sld>
 </file>
 
-<file path=ppt/slides/slide32.xml><?xml version="1.0" encoding="utf-8"?>
+<file path=ppt/slides/slide33.xml><?xml version="1.0" encoding="utf-8"?>
 <p:sld xmlns:a="http://schemas.openxmlformats.org/drawingml/2006/main" xmlns:r="http://schemas.openxmlformats.org/officeDocument/2006/relationships" xmlns:p="http://schemas.openxmlformats.org/presentationml/2006/main">
   <p:cSld>
     <p:spTree>

--- a/Presentation1.pptx
+++ b/Presentation1.pptx
@@ -8,36 +8,28 @@
     <p:sldId id="256" r:id="rId2"/>
     <p:sldId id="275" r:id="rId3"/>
     <p:sldId id="276" r:id="rId4"/>
-    <p:sldId id="290" r:id="rId5"/>
+    <p:sldId id="277" r:id="rId5"/>
     <p:sldId id="258" r:id="rId6"/>
     <p:sldId id="257" r:id="rId7"/>
     <p:sldId id="259" r:id="rId8"/>
     <p:sldId id="268" r:id="rId9"/>
-    <p:sldId id="292" r:id="rId10"/>
-    <p:sldId id="291" r:id="rId11"/>
-    <p:sldId id="280" r:id="rId12"/>
-    <p:sldId id="260" r:id="rId13"/>
-    <p:sldId id="293" r:id="rId14"/>
-    <p:sldId id="294" r:id="rId15"/>
-    <p:sldId id="282" r:id="rId16"/>
-    <p:sldId id="295" r:id="rId17"/>
-    <p:sldId id="284" r:id="rId18"/>
-    <p:sldId id="289" r:id="rId19"/>
-    <p:sldId id="261" r:id="rId20"/>
-    <p:sldId id="262" r:id="rId21"/>
-    <p:sldId id="286" r:id="rId22"/>
-    <p:sldId id="285" r:id="rId23"/>
-    <p:sldId id="297" r:id="rId24"/>
-    <p:sldId id="296" r:id="rId25"/>
-    <p:sldId id="298" r:id="rId26"/>
-    <p:sldId id="271" r:id="rId27"/>
-    <p:sldId id="277" r:id="rId28"/>
-    <p:sldId id="272" r:id="rId29"/>
-    <p:sldId id="299" r:id="rId30"/>
-    <p:sldId id="273" r:id="rId31"/>
-    <p:sldId id="274" r:id="rId32"/>
-    <p:sldId id="278" r:id="rId33"/>
-    <p:sldId id="279" r:id="rId34"/>
+    <p:sldId id="267" r:id="rId10"/>
+    <p:sldId id="260" r:id="rId11"/>
+    <p:sldId id="261" r:id="rId12"/>
+    <p:sldId id="263" r:id="rId13"/>
+    <p:sldId id="280" r:id="rId14"/>
+    <p:sldId id="281" r:id="rId15"/>
+    <p:sldId id="262" r:id="rId16"/>
+    <p:sldId id="264" r:id="rId17"/>
+    <p:sldId id="265" r:id="rId18"/>
+    <p:sldId id="269" r:id="rId19"/>
+    <p:sldId id="270" r:id="rId20"/>
+    <p:sldId id="271" r:id="rId21"/>
+    <p:sldId id="272" r:id="rId22"/>
+    <p:sldId id="273" r:id="rId23"/>
+    <p:sldId id="274" r:id="rId24"/>
+    <p:sldId id="278" r:id="rId25"/>
+    <p:sldId id="279" r:id="rId26"/>
   </p:sldIdLst>
   <p:sldSz cx="12192000" cy="6858000"/>
   <p:notesSz cx="6858000" cy="9144000"/>
@@ -866,7 +858,7 @@
           <a:p>
             <a:fld id="{010A7FB3-A316-402C-99FC-ECFF33919AD8}" type="datetimeFigureOut">
               <a:rPr lang="en-US" smtClean="0"/>
-              <a:t>4/12/2019</a:t>
+              <a:t>4/11/19</a:t>
             </a:fld>
             <a:endParaRPr lang="en-US"/>
           </a:p>
@@ -1117,7 +1109,7 @@
           <a:p>
             <a:fld id="{010A7FB3-A316-402C-99FC-ECFF33919AD8}" type="datetimeFigureOut">
               <a:rPr lang="en-US" smtClean="0"/>
-              <a:t>4/12/2019</a:t>
+              <a:t>4/11/19</a:t>
             </a:fld>
             <a:endParaRPr lang="en-US"/>
           </a:p>
@@ -1431,7 +1423,7 @@
           <a:p>
             <a:fld id="{010A7FB3-A316-402C-99FC-ECFF33919AD8}" type="datetimeFigureOut">
               <a:rPr lang="en-US" smtClean="0"/>
-              <a:t>4/12/2019</a:t>
+              <a:t>4/11/19</a:t>
             </a:fld>
             <a:endParaRPr lang="en-US"/>
           </a:p>
@@ -1772,7 +1764,7 @@
           <a:p>
             <a:fld id="{010A7FB3-A316-402C-99FC-ECFF33919AD8}" type="datetimeFigureOut">
               <a:rPr lang="en-US" smtClean="0"/>
-              <a:t>4/12/2019</a:t>
+              <a:t>4/11/19</a:t>
             </a:fld>
             <a:endParaRPr lang="en-US"/>
           </a:p>
@@ -2086,7 +2078,7 @@
           <a:p>
             <a:fld id="{010A7FB3-A316-402C-99FC-ECFF33919AD8}" type="datetimeFigureOut">
               <a:rPr lang="en-US" smtClean="0"/>
-              <a:t>4/12/2019</a:t>
+              <a:t>4/11/19</a:t>
             </a:fld>
             <a:endParaRPr lang="en-US"/>
           </a:p>
@@ -2479,7 +2471,7 @@
           <a:p>
             <a:fld id="{010A7FB3-A316-402C-99FC-ECFF33919AD8}" type="datetimeFigureOut">
               <a:rPr lang="en-US" smtClean="0"/>
-              <a:t>4/12/2019</a:t>
+              <a:t>4/11/19</a:t>
             </a:fld>
             <a:endParaRPr lang="en-US"/>
           </a:p>
@@ -2649,7 +2641,7 @@
           <a:p>
             <a:fld id="{010A7FB3-A316-402C-99FC-ECFF33919AD8}" type="datetimeFigureOut">
               <a:rPr lang="en-US" smtClean="0"/>
-              <a:t>4/12/2019</a:t>
+              <a:t>4/11/19</a:t>
             </a:fld>
             <a:endParaRPr lang="en-US"/>
           </a:p>
@@ -2829,7 +2821,7 @@
           <a:p>
             <a:fld id="{010A7FB3-A316-402C-99FC-ECFF33919AD8}" type="datetimeFigureOut">
               <a:rPr lang="en-US" smtClean="0"/>
-              <a:t>4/12/2019</a:t>
+              <a:t>4/11/19</a:t>
             </a:fld>
             <a:endParaRPr lang="en-US"/>
           </a:p>
@@ -3005,7 +2997,7 @@
           <a:p>
             <a:fld id="{010A7FB3-A316-402C-99FC-ECFF33919AD8}" type="datetimeFigureOut">
               <a:rPr lang="en-US" smtClean="0"/>
-              <a:t>4/12/2019</a:t>
+              <a:t>4/11/19</a:t>
             </a:fld>
             <a:endParaRPr lang="en-US"/>
           </a:p>
@@ -3252,7 +3244,7 @@
           <a:p>
             <a:fld id="{010A7FB3-A316-402C-99FC-ECFF33919AD8}" type="datetimeFigureOut">
               <a:rPr lang="en-US" smtClean="0"/>
-              <a:t>4/12/2019</a:t>
+              <a:t>4/11/19</a:t>
             </a:fld>
             <a:endParaRPr lang="en-US"/>
           </a:p>
@@ -3484,7 +3476,7 @@
           <a:p>
             <a:fld id="{010A7FB3-A316-402C-99FC-ECFF33919AD8}" type="datetimeFigureOut">
               <a:rPr lang="en-US" smtClean="0"/>
-              <a:t>4/12/2019</a:t>
+              <a:t>4/11/19</a:t>
             </a:fld>
             <a:endParaRPr lang="en-US"/>
           </a:p>
@@ -3858,7 +3850,7 @@
           <a:p>
             <a:fld id="{010A7FB3-A316-402C-99FC-ECFF33919AD8}" type="datetimeFigureOut">
               <a:rPr lang="en-US" smtClean="0"/>
-              <a:t>4/12/2019</a:t>
+              <a:t>4/11/19</a:t>
             </a:fld>
             <a:endParaRPr lang="en-US"/>
           </a:p>
@@ -3981,7 +3973,7 @@
           <a:p>
             <a:fld id="{010A7FB3-A316-402C-99FC-ECFF33919AD8}" type="datetimeFigureOut">
               <a:rPr lang="en-US" smtClean="0"/>
-              <a:t>4/12/2019</a:t>
+              <a:t>4/11/19</a:t>
             </a:fld>
             <a:endParaRPr lang="en-US"/>
           </a:p>
@@ -4076,7 +4068,7 @@
           <a:p>
             <a:fld id="{010A7FB3-A316-402C-99FC-ECFF33919AD8}" type="datetimeFigureOut">
               <a:rPr lang="en-US" smtClean="0"/>
-              <a:t>4/12/2019</a:t>
+              <a:t>4/11/19</a:t>
             </a:fld>
             <a:endParaRPr lang="en-US"/>
           </a:p>
@@ -4331,7 +4323,7 @@
           <a:p>
             <a:fld id="{010A7FB3-A316-402C-99FC-ECFF33919AD8}" type="datetimeFigureOut">
               <a:rPr lang="en-US" smtClean="0"/>
-              <a:t>4/12/2019</a:t>
+              <a:t>4/11/19</a:t>
             </a:fld>
             <a:endParaRPr lang="en-US"/>
           </a:p>
@@ -4594,7 +4586,7 @@
           <a:p>
             <a:fld id="{010A7FB3-A316-402C-99FC-ECFF33919AD8}" type="datetimeFigureOut">
               <a:rPr lang="en-US" smtClean="0"/>
-              <a:t>4/12/2019</a:t>
+              <a:t>4/11/19</a:t>
             </a:fld>
             <a:endParaRPr lang="en-US"/>
           </a:p>
@@ -5337,7 +5329,7 @@
           <a:p>
             <a:fld id="{010A7FB3-A316-402C-99FC-ECFF33919AD8}" type="datetimeFigureOut">
               <a:rPr lang="en-US" smtClean="0"/>
-              <a:t>4/12/2019</a:t>
+              <a:t>4/11/19</a:t>
             </a:fld>
             <a:endParaRPr lang="en-US"/>
           </a:p>
@@ -5981,7 +5973,7 @@
           <p:cNvPr id="2" name="Title 1">
             <a:extLst>
               <a:ext uri="{FF2B5EF4-FFF2-40B4-BE49-F238E27FC236}">
-                <a16:creationId xmlns:a16="http://schemas.microsoft.com/office/drawing/2014/main" id="{F582A9FC-FCE1-4AC6-915F-4209B9093494}"/>
+                <a16:creationId xmlns:a16="http://schemas.microsoft.com/office/drawing/2014/main" id="{6679D015-EEB7-44D6-9A8B-E5B1D27516E9}"/>
               </a:ext>
             </a:extLst>
           </p:cNvPr>
@@ -5997,63 +5989,49 @@
           <a:bodyPr/>
           <a:lstStyle/>
           <a:p>
-            <a:r>
-              <a:rPr lang="en-US" dirty="0"/>
-              <a:t>Internal Market Factors</a:t>
-            </a:r>
-          </a:p>
-        </p:txBody>
-      </p:sp>
-      <p:sp>
-        <p:nvSpPr>
-          <p:cNvPr id="3" name="Content Placeholder 2">
+            <a:endParaRPr lang="en-US"/>
+          </a:p>
+        </p:txBody>
+      </p:sp>
+      <p:pic>
+        <p:nvPicPr>
+          <p:cNvPr id="5" name="Content Placeholder 4">
             <a:extLst>
               <a:ext uri="{FF2B5EF4-FFF2-40B4-BE49-F238E27FC236}">
-                <a16:creationId xmlns:a16="http://schemas.microsoft.com/office/drawing/2014/main" id="{0342D3E7-2E83-4D2D-89C6-0C725F0B6518}"/>
+                <a16:creationId xmlns:a16="http://schemas.microsoft.com/office/drawing/2014/main" id="{D03A0EDE-77F2-4981-849F-C23D3450E904}"/>
               </a:ext>
             </a:extLst>
           </p:cNvPr>
-          <p:cNvSpPr>
-            <a:spLocks noGrp="1"/>
-          </p:cNvSpPr>
+          <p:cNvPicPr>
+            <a:picLocks noGrp="1" noChangeAspect="1"/>
+          </p:cNvPicPr>
           <p:nvPr>
             <p:ph idx="1"/>
           </p:nvPr>
-        </p:nvSpPr>
-        <p:spPr/>
-        <p:txBody>
-          <a:bodyPr/>
-          <a:lstStyle/>
-          <a:p>
-            <a:r>
-              <a:rPr lang="en-US" dirty="0"/>
-              <a:t>Do we see increased competition within the electric vehicle market with the growth in sales?</a:t>
-            </a:r>
-          </a:p>
-          <a:p>
-            <a:endParaRPr lang="en-US" dirty="0"/>
-          </a:p>
-          <a:p>
-            <a:r>
-              <a:rPr lang="en-US" dirty="0"/>
-              <a:t>Which car makers have the biggest impact on sales?</a:t>
-            </a:r>
-          </a:p>
-          <a:p>
-            <a:endParaRPr lang="en-US" dirty="0"/>
-          </a:p>
-          <a:p>
-            <a:r>
-              <a:rPr lang="en-US" dirty="0"/>
-              <a:t>Data - </a:t>
-            </a:r>
-          </a:p>
-        </p:txBody>
-      </p:sp>
+        </p:nvPicPr>
+        <p:blipFill>
+          <a:blip r:embed="rId2">
+            <a:extLst>
+              <a:ext uri="{28A0092B-C50C-407E-A947-70E740481C1C}">
+                <a14:useLocalDpi xmlns:a14="http://schemas.microsoft.com/office/drawing/2010/main" val="0"/>
+              </a:ext>
+            </a:extLst>
+          </a:blip>
+          <a:stretch>
+            <a:fillRect/>
+          </a:stretch>
+        </p:blipFill>
+        <p:spPr>
+          <a:xfrm>
+            <a:off x="1180694" y="623574"/>
+            <a:ext cx="9830611" cy="5610851"/>
+          </a:xfrm>
+        </p:spPr>
+      </p:pic>
     </p:spTree>
     <p:extLst>
       <p:ext uri="{BB962C8B-B14F-4D97-AF65-F5344CB8AC3E}">
-        <p14:creationId xmlns:p14="http://schemas.microsoft.com/office/powerpoint/2010/main" val="2257795180"/>
+        <p14:creationId xmlns:p14="http://schemas.microsoft.com/office/powerpoint/2010/main" val="2525985050"/>
       </p:ext>
     </p:extLst>
   </p:cSld>
@@ -6085,7 +6063,7 @@
           <p:cNvPr id="2" name="Title 1">
             <a:extLst>
               <a:ext uri="{FF2B5EF4-FFF2-40B4-BE49-F238E27FC236}">
-                <a16:creationId xmlns:a16="http://schemas.microsoft.com/office/drawing/2014/main" id="{8C824809-D103-574C-8253-CDA835BC430E}"/>
+                <a16:creationId xmlns:a16="http://schemas.microsoft.com/office/drawing/2014/main" id="{F100986A-2B16-4D98-8296-3807E41CA447}"/>
               </a:ext>
             </a:extLst>
           </p:cNvPr>
@@ -6101,10 +6079,7 @@
           <a:bodyPr/>
           <a:lstStyle/>
           <a:p>
-            <a:r>
-              <a:rPr lang="en-US" dirty="0"/>
-              <a:t>Electric Vehicle Sales by Brand</a:t>
-            </a:r>
+            <a:endParaRPr lang="en-US"/>
           </a:p>
         </p:txBody>
       </p:sp>
@@ -6113,7 +6088,7 @@
           <p:cNvPr id="5" name="Content Placeholder 4">
             <a:extLst>
               <a:ext uri="{FF2B5EF4-FFF2-40B4-BE49-F238E27FC236}">
-                <a16:creationId xmlns:a16="http://schemas.microsoft.com/office/drawing/2014/main" id="{5FE49816-1446-2D44-ADE4-EFD5FF3DBFA5}"/>
+                <a16:creationId xmlns:a16="http://schemas.microsoft.com/office/drawing/2014/main" id="{42DFD729-14D3-4FC7-937B-950F03115C26}"/>
               </a:ext>
             </a:extLst>
           </p:cNvPr>
@@ -6124,7 +6099,7 @@
             <p:ph idx="1"/>
           </p:nvPr>
         </p:nvPicPr>
-        <p:blipFill rotWithShape="1">
+        <p:blipFill>
           <a:blip r:embed="rId2">
             <a:extLst>
               <a:ext uri="{28A0092B-C50C-407E-A947-70E740481C1C}">
@@ -6132,20 +6107,21 @@
               </a:ext>
             </a:extLst>
           </a:blip>
-          <a:srcRect t="14946"/>
-          <a:stretch/>
+          <a:stretch>
+            <a:fillRect/>
+          </a:stretch>
         </p:blipFill>
         <p:spPr>
           <a:xfrm>
-            <a:off x="353864" y="1587623"/>
-            <a:ext cx="9243607" cy="4367814"/>
+            <a:off x="1267327" y="129465"/>
+            <a:ext cx="9898604" cy="6599069"/>
           </a:xfrm>
         </p:spPr>
       </p:pic>
     </p:spTree>
     <p:extLst>
       <p:ext uri="{BB962C8B-B14F-4D97-AF65-F5344CB8AC3E}">
-        <p14:creationId xmlns:p14="http://schemas.microsoft.com/office/powerpoint/2010/main" val="2966645675"/>
+        <p14:creationId xmlns:p14="http://schemas.microsoft.com/office/powerpoint/2010/main" val="1855985092"/>
       </p:ext>
     </p:extLst>
   </p:cSld>
@@ -6172,12 +6148,37 @@
           <a:chExt cx="0" cy="0"/>
         </a:xfrm>
       </p:grpSpPr>
+      <p:sp>
+        <p:nvSpPr>
+          <p:cNvPr id="2" name="Title 1">
+            <a:extLst>
+              <a:ext uri="{FF2B5EF4-FFF2-40B4-BE49-F238E27FC236}">
+                <a16:creationId xmlns:a16="http://schemas.microsoft.com/office/drawing/2014/main" id="{7E781093-2703-4C82-9B8F-C3E838AF4A95}"/>
+              </a:ext>
+            </a:extLst>
+          </p:cNvPr>
+          <p:cNvSpPr>
+            <a:spLocks noGrp="1"/>
+          </p:cNvSpPr>
+          <p:nvPr>
+            <p:ph type="title"/>
+          </p:nvPr>
+        </p:nvSpPr>
+        <p:spPr/>
+        <p:txBody>
+          <a:bodyPr/>
+          <a:lstStyle/>
+          <a:p>
+            <a:endParaRPr lang="en-US"/>
+          </a:p>
+        </p:txBody>
+      </p:sp>
       <p:pic>
         <p:nvPicPr>
-          <p:cNvPr id="7" name="Content Placeholder 6">
+          <p:cNvPr id="5" name="Content Placeholder 4">
             <a:extLst>
               <a:ext uri="{FF2B5EF4-FFF2-40B4-BE49-F238E27FC236}">
-                <a16:creationId xmlns:a16="http://schemas.microsoft.com/office/drawing/2014/main" id="{313362AB-6A27-421A-B51C-A23CC47371BB}"/>
+                <a16:creationId xmlns:a16="http://schemas.microsoft.com/office/drawing/2014/main" id="{110EC511-B753-4FA0-AD33-2FC81B57351C}"/>
               </a:ext>
             </a:extLst>
           </p:cNvPr>
@@ -6196,53 +6197,20 @@
               </a:ext>
             </a:extLst>
           </a:blip>
-          <a:srcRect b="3161"/>
+          <a:srcRect l="6687" r="7719"/>
           <a:stretch/>
         </p:blipFill>
         <p:spPr>
           <a:xfrm>
-            <a:off x="1542257" y="1922635"/>
-            <a:ext cx="7104593" cy="4586670"/>
+            <a:off x="100523" y="365125"/>
+            <a:ext cx="12091477" cy="5889207"/>
           </a:xfrm>
         </p:spPr>
       </p:pic>
-      <p:sp>
-        <p:nvSpPr>
-          <p:cNvPr id="8" name="Title 1">
-            <a:extLst>
-              <a:ext uri="{FF2B5EF4-FFF2-40B4-BE49-F238E27FC236}">
-                <a16:creationId xmlns:a16="http://schemas.microsoft.com/office/drawing/2014/main" id="{7DDA2CDB-F0AC-43E9-A07E-46D72F978CF3}"/>
-              </a:ext>
-            </a:extLst>
-          </p:cNvPr>
-          <p:cNvSpPr>
-            <a:spLocks noGrp="1"/>
-          </p:cNvSpPr>
-          <p:nvPr>
-            <p:ph type="title"/>
-          </p:nvPr>
-        </p:nvSpPr>
-        <p:spPr>
-          <a:xfrm>
-            <a:off x="677863" y="609600"/>
-            <a:ext cx="8596312" cy="1320800"/>
-          </a:xfrm>
-        </p:spPr>
-        <p:txBody>
-          <a:bodyPr/>
-          <a:lstStyle/>
-          <a:p>
-            <a:r>
-              <a:rPr lang="en-US" dirty="0"/>
-              <a:t>HEV and PEV Model Debuted by Year</a:t>
-            </a:r>
-          </a:p>
-        </p:txBody>
-      </p:sp>
     </p:spTree>
     <p:extLst>
       <p:ext uri="{BB962C8B-B14F-4D97-AF65-F5344CB8AC3E}">
-        <p14:creationId xmlns:p14="http://schemas.microsoft.com/office/powerpoint/2010/main" val="2525985050"/>
+        <p14:creationId xmlns:p14="http://schemas.microsoft.com/office/powerpoint/2010/main" val="2484642320"/>
       </p:ext>
     </p:extLst>
   </p:cSld>
@@ -6274,7 +6242,7 @@
           <p:cNvPr id="2" name="Title 1">
             <a:extLst>
               <a:ext uri="{FF2B5EF4-FFF2-40B4-BE49-F238E27FC236}">
-                <a16:creationId xmlns:a16="http://schemas.microsoft.com/office/drawing/2014/main" id="{E7C00285-63C8-4A2E-B29C-7E92ABE00940}"/>
+                <a16:creationId xmlns:a16="http://schemas.microsoft.com/office/drawing/2014/main" id="{8C824809-D103-574C-8253-CDA835BC430E}"/>
               </a:ext>
             </a:extLst>
           </p:cNvPr>
@@ -6290,57 +6258,49 @@
           <a:bodyPr/>
           <a:lstStyle/>
           <a:p>
-            <a:r>
-              <a:rPr lang="en-US" dirty="0"/>
-              <a:t>Summary</a:t>
-            </a:r>
-          </a:p>
-        </p:txBody>
-      </p:sp>
-      <p:sp>
-        <p:nvSpPr>
-          <p:cNvPr id="3" name="Content Placeholder 2">
+            <a:endParaRPr lang="en-US"/>
+          </a:p>
+        </p:txBody>
+      </p:sp>
+      <p:pic>
+        <p:nvPicPr>
+          <p:cNvPr id="5" name="Content Placeholder 4">
             <a:extLst>
               <a:ext uri="{FF2B5EF4-FFF2-40B4-BE49-F238E27FC236}">
-                <a16:creationId xmlns:a16="http://schemas.microsoft.com/office/drawing/2014/main" id="{00F547DE-D171-433E-BD11-94DCAD5F0E9A}"/>
+                <a16:creationId xmlns:a16="http://schemas.microsoft.com/office/drawing/2014/main" id="{5FE49816-1446-2D44-ADE4-EFD5FF3DBFA5}"/>
               </a:ext>
             </a:extLst>
           </p:cNvPr>
-          <p:cNvSpPr>
-            <a:spLocks noGrp="1"/>
-          </p:cNvSpPr>
+          <p:cNvPicPr>
+            <a:picLocks noGrp="1" noChangeAspect="1"/>
+          </p:cNvPicPr>
           <p:nvPr>
             <p:ph idx="1"/>
           </p:nvPr>
-        </p:nvSpPr>
-        <p:spPr/>
-        <p:txBody>
-          <a:bodyPr/>
-          <a:lstStyle/>
-          <a:p>
-            <a:r>
-              <a:rPr lang="en-US" dirty="0"/>
-              <a:t>There is an increase in the number of brands producing PEV vehicles that increases with sales. </a:t>
-            </a:r>
-          </a:p>
-          <a:p>
-            <a:r>
-              <a:rPr lang="en-US" dirty="0"/>
-              <a:t>As sales of PEV vehicles rise, we see the introduction of luxury car makers into the market.</a:t>
-            </a:r>
-          </a:p>
-          <a:p>
-            <a:r>
-              <a:rPr lang="en-US" dirty="0"/>
-              <a:t>There is a decrease in the release of new HEV vehicles that correlates with the volatility in hybrid vehicle sales. </a:t>
-            </a:r>
-          </a:p>
-        </p:txBody>
-      </p:sp>
+        </p:nvPicPr>
+        <p:blipFill>
+          <a:blip r:embed="rId2">
+            <a:extLst>
+              <a:ext uri="{28A0092B-C50C-407E-A947-70E740481C1C}">
+                <a14:useLocalDpi xmlns:a14="http://schemas.microsoft.com/office/drawing/2010/main" val="0"/>
+              </a:ext>
+            </a:extLst>
+          </a:blip>
+          <a:stretch>
+            <a:fillRect/>
+          </a:stretch>
+        </p:blipFill>
+        <p:spPr>
+          <a:xfrm>
+            <a:off x="317855" y="178569"/>
+            <a:ext cx="10465682" cy="5814268"/>
+          </a:xfrm>
+        </p:spPr>
+      </p:pic>
     </p:spTree>
     <p:extLst>
       <p:ext uri="{BB962C8B-B14F-4D97-AF65-F5344CB8AC3E}">
-        <p14:creationId xmlns:p14="http://schemas.microsoft.com/office/powerpoint/2010/main" val="3424065690"/>
+        <p14:creationId xmlns:p14="http://schemas.microsoft.com/office/powerpoint/2010/main" val="2966645675"/>
       </p:ext>
     </p:extLst>
   </p:cSld>
@@ -6372,7 +6332,7 @@
           <p:cNvPr id="2" name="Title 1">
             <a:extLst>
               <a:ext uri="{FF2B5EF4-FFF2-40B4-BE49-F238E27FC236}">
-                <a16:creationId xmlns:a16="http://schemas.microsoft.com/office/drawing/2014/main" id="{52A38E1D-35D9-4BF0-A46C-4B13999514AD}"/>
+                <a16:creationId xmlns:a16="http://schemas.microsoft.com/office/drawing/2014/main" id="{5A3016F7-078E-CD42-8F20-B5FA545BED3A}"/>
               </a:ext>
             </a:extLst>
           </p:cNvPr>
@@ -6388,19 +6348,16 @@
           <a:bodyPr/>
           <a:lstStyle/>
           <a:p>
-            <a:r>
-              <a:rPr lang="en-US" dirty="0"/>
-              <a:t>External Market Factors – Gas Prices</a:t>
-            </a:r>
+            <a:endParaRPr lang="en-US"/>
           </a:p>
         </p:txBody>
       </p:sp>
       <p:pic>
         <p:nvPicPr>
-          <p:cNvPr id="4" name="Content Placeholder 4">
+          <p:cNvPr id="5" name="Content Placeholder 4">
             <a:extLst>
               <a:ext uri="{FF2B5EF4-FFF2-40B4-BE49-F238E27FC236}">
-                <a16:creationId xmlns:a16="http://schemas.microsoft.com/office/drawing/2014/main" id="{FE87658C-D3DB-40CB-828A-5AF5162B0E9C}"/>
+                <a16:creationId xmlns:a16="http://schemas.microsoft.com/office/drawing/2014/main" id="{8D5CFFF3-E8DB-C442-8CD2-D27A57522DAF}"/>
               </a:ext>
             </a:extLst>
           </p:cNvPr>
@@ -6425,64 +6382,15 @@
         </p:blipFill>
         <p:spPr>
           <a:xfrm>
-            <a:off x="677863" y="2310408"/>
-            <a:ext cx="8596312" cy="3581796"/>
+            <a:off x="967393" y="609600"/>
+            <a:ext cx="10550358" cy="5312898"/>
           </a:xfrm>
         </p:spPr>
       </p:pic>
-      <p:sp>
-        <p:nvSpPr>
-          <p:cNvPr id="5" name="TextBox 4">
-            <a:extLst>
-              <a:ext uri="{FF2B5EF4-FFF2-40B4-BE49-F238E27FC236}">
-                <a16:creationId xmlns:a16="http://schemas.microsoft.com/office/drawing/2014/main" id="{0669D6AA-A132-40BD-A72B-062E051E59B9}"/>
-              </a:ext>
-            </a:extLst>
-          </p:cNvPr>
-          <p:cNvSpPr txBox="1"/>
-          <p:nvPr/>
-        </p:nvSpPr>
-        <p:spPr>
-          <a:xfrm>
-            <a:off x="768968" y="1607234"/>
-            <a:ext cx="8413400" cy="646331"/>
-          </a:xfrm>
-          <a:prstGeom prst="rect">
-            <a:avLst/>
-          </a:prstGeom>
-          <a:noFill/>
-        </p:spPr>
-        <p:txBody>
-          <a:bodyPr wrap="square" rtlCol="0">
-            <a:spAutoFit/>
-          </a:bodyPr>
-          <a:lstStyle/>
-          <a:p>
-            <a:pPr marL="285750" indent="-285750">
-              <a:buFontTx/>
-              <a:buChar char="-"/>
-            </a:pPr>
-            <a:r>
-              <a:rPr lang="en-US" dirty="0"/>
-              <a:t>Sales of Hybrid Vehicles appears to be heavily linked to gasoline prices.</a:t>
-            </a:r>
-          </a:p>
-          <a:p>
-            <a:pPr marL="285750" indent="-285750">
-              <a:buFontTx/>
-              <a:buChar char="-"/>
-            </a:pPr>
-            <a:r>
-              <a:rPr lang="en-US" dirty="0"/>
-              <a:t>Electric Vehicle sales were more resilient to changes in gasoline prices.</a:t>
-            </a:r>
-          </a:p>
-        </p:txBody>
-      </p:sp>
     </p:spTree>
     <p:extLst>
       <p:ext uri="{BB962C8B-B14F-4D97-AF65-F5344CB8AC3E}">
-        <p14:creationId xmlns:p14="http://schemas.microsoft.com/office/powerpoint/2010/main" val="2954927026"/>
+        <p14:creationId xmlns:p14="http://schemas.microsoft.com/office/powerpoint/2010/main" val="2682109016"/>
       </p:ext>
     </p:extLst>
   </p:cSld>
@@ -6514,7 +6422,7 @@
           <p:cNvPr id="2" name="Title 1">
             <a:extLst>
               <a:ext uri="{FF2B5EF4-FFF2-40B4-BE49-F238E27FC236}">
-                <a16:creationId xmlns:a16="http://schemas.microsoft.com/office/drawing/2014/main" id="{7B4FC43C-9236-4146-98EF-ED6351E8B4A6}"/>
+                <a16:creationId xmlns:a16="http://schemas.microsoft.com/office/drawing/2014/main" id="{EFE0997F-1367-4C96-8D30-497D7641C999}"/>
               </a:ext>
             </a:extLst>
           </p:cNvPr>
@@ -6525,323 +6433,32 @@
             <p:ph type="title"/>
           </p:nvPr>
         </p:nvSpPr>
-        <p:spPr>
-          <a:xfrm>
-            <a:off x="677334" y="582967"/>
-            <a:ext cx="8596668" cy="988381"/>
-          </a:xfrm>
-        </p:spPr>
-        <p:txBody>
-          <a:bodyPr>
-            <a:normAutofit fontScale="90000"/>
-          </a:bodyPr>
-          <a:lstStyle/>
-          <a:p>
-            <a:r>
-              <a:rPr lang="en-US" dirty="0"/>
-              <a:t>External Market Factors – Charging Infrastructure</a:t>
-            </a:r>
-          </a:p>
-        </p:txBody>
-      </p:sp>
-      <p:sp>
-        <p:nvSpPr>
-          <p:cNvPr id="10" name="Content Placeholder 2">
+        <p:spPr/>
+        <p:txBody>
+          <a:bodyPr/>
+          <a:lstStyle/>
+          <a:p>
+            <a:endParaRPr lang="en-US"/>
+          </a:p>
+        </p:txBody>
+      </p:sp>
+      <p:pic>
+        <p:nvPicPr>
+          <p:cNvPr id="5" name="Content Placeholder 4">
             <a:extLst>
               <a:ext uri="{FF2B5EF4-FFF2-40B4-BE49-F238E27FC236}">
-                <a16:creationId xmlns:a16="http://schemas.microsoft.com/office/drawing/2014/main" id="{A640F93D-227D-4EE7-AC95-88F137D30E1E}"/>
-              </a:ext>
-            </a:extLst>
-          </p:cNvPr>
-          <p:cNvSpPr txBox="1">
-            <a:spLocks/>
-          </p:cNvSpPr>
-          <p:nvPr/>
-        </p:nvSpPr>
-        <p:spPr>
-          <a:xfrm>
-            <a:off x="5548544" y="1979721"/>
-            <a:ext cx="4145872" cy="3893598"/>
-          </a:xfrm>
-          <a:prstGeom prst="rect">
-            <a:avLst/>
-          </a:prstGeom>
-        </p:spPr>
-        <p:txBody>
-          <a:bodyPr vert="horz" lIns="91440" tIns="45720" rIns="91440" bIns="45720" rtlCol="0">
-            <a:normAutofit/>
-          </a:bodyPr>
-          <a:lstStyle>
-            <a:lvl1pPr marL="342900" indent="-342900" algn="l" defTabSz="457200" rtl="0" eaLnBrk="1" latinLnBrk="0" hangingPunct="1">
-              <a:spcBef>
-                <a:spcPts val="1000"/>
-              </a:spcBef>
-              <a:spcAft>
-                <a:spcPts val="0"/>
-              </a:spcAft>
-              <a:buClr>
-                <a:schemeClr val="accent1"/>
-              </a:buClr>
-              <a:buSzPct val="80000"/>
-              <a:buFont typeface="Wingdings 3" charset="2"/>
-              <a:buChar char=""/>
-              <a:defRPr sz="1800" kern="1200">
-                <a:solidFill>
-                  <a:schemeClr val="tx1">
-                    <a:lumMod val="75000"/>
-                    <a:lumOff val="25000"/>
-                  </a:schemeClr>
-                </a:solidFill>
-                <a:latin typeface="+mn-lt"/>
-                <a:ea typeface="+mn-ea"/>
-                <a:cs typeface="+mn-cs"/>
-              </a:defRPr>
-            </a:lvl1pPr>
-            <a:lvl2pPr marL="742950" indent="-285750" algn="l" defTabSz="457200" rtl="0" eaLnBrk="1" latinLnBrk="0" hangingPunct="1">
-              <a:spcBef>
-                <a:spcPts val="1000"/>
-              </a:spcBef>
-              <a:spcAft>
-                <a:spcPts val="0"/>
-              </a:spcAft>
-              <a:buClr>
-                <a:schemeClr val="accent1"/>
-              </a:buClr>
-              <a:buSzPct val="80000"/>
-              <a:buFont typeface="Wingdings 3" charset="2"/>
-              <a:buChar char=""/>
-              <a:defRPr sz="1600" kern="1200">
-                <a:solidFill>
-                  <a:schemeClr val="tx1">
-                    <a:lumMod val="75000"/>
-                    <a:lumOff val="25000"/>
-                  </a:schemeClr>
-                </a:solidFill>
-                <a:latin typeface="+mn-lt"/>
-                <a:ea typeface="+mn-ea"/>
-                <a:cs typeface="+mn-cs"/>
-              </a:defRPr>
-            </a:lvl2pPr>
-            <a:lvl3pPr marL="1143000" indent="-228600" algn="l" defTabSz="457200" rtl="0" eaLnBrk="1" latinLnBrk="0" hangingPunct="1">
-              <a:spcBef>
-                <a:spcPts val="1000"/>
-              </a:spcBef>
-              <a:spcAft>
-                <a:spcPts val="0"/>
-              </a:spcAft>
-              <a:buClr>
-                <a:schemeClr val="accent1"/>
-              </a:buClr>
-              <a:buSzPct val="80000"/>
-              <a:buFont typeface="Wingdings 3" charset="2"/>
-              <a:buChar char=""/>
-              <a:defRPr sz="1400" kern="1200">
-                <a:solidFill>
-                  <a:schemeClr val="tx1">
-                    <a:lumMod val="75000"/>
-                    <a:lumOff val="25000"/>
-                  </a:schemeClr>
-                </a:solidFill>
-                <a:latin typeface="+mn-lt"/>
-                <a:ea typeface="+mn-ea"/>
-                <a:cs typeface="+mn-cs"/>
-              </a:defRPr>
-            </a:lvl3pPr>
-            <a:lvl4pPr marL="1600200" indent="-228600" algn="l" defTabSz="457200" rtl="0" eaLnBrk="1" latinLnBrk="0" hangingPunct="1">
-              <a:spcBef>
-                <a:spcPts val="1000"/>
-              </a:spcBef>
-              <a:spcAft>
-                <a:spcPts val="0"/>
-              </a:spcAft>
-              <a:buClr>
-                <a:schemeClr val="accent1"/>
-              </a:buClr>
-              <a:buSzPct val="80000"/>
-              <a:buFont typeface="Wingdings 3" charset="2"/>
-              <a:buChar char=""/>
-              <a:defRPr sz="1200" kern="1200">
-                <a:solidFill>
-                  <a:schemeClr val="tx1">
-                    <a:lumMod val="75000"/>
-                    <a:lumOff val="25000"/>
-                  </a:schemeClr>
-                </a:solidFill>
-                <a:latin typeface="+mn-lt"/>
-                <a:ea typeface="+mn-ea"/>
-                <a:cs typeface="+mn-cs"/>
-              </a:defRPr>
-            </a:lvl4pPr>
-            <a:lvl5pPr marL="2057400" indent="-228600" algn="l" defTabSz="457200" rtl="0" eaLnBrk="1" latinLnBrk="0" hangingPunct="1">
-              <a:spcBef>
-                <a:spcPts val="1000"/>
-              </a:spcBef>
-              <a:spcAft>
-                <a:spcPts val="0"/>
-              </a:spcAft>
-              <a:buClr>
-                <a:schemeClr val="accent1"/>
-              </a:buClr>
-              <a:buSzPct val="80000"/>
-              <a:buFont typeface="Wingdings 3" charset="2"/>
-              <a:buChar char=""/>
-              <a:defRPr sz="1200" kern="1200">
-                <a:solidFill>
-                  <a:schemeClr val="tx1">
-                    <a:lumMod val="75000"/>
-                    <a:lumOff val="25000"/>
-                  </a:schemeClr>
-                </a:solidFill>
-                <a:latin typeface="+mn-lt"/>
-                <a:ea typeface="+mn-ea"/>
-                <a:cs typeface="+mn-cs"/>
-              </a:defRPr>
-            </a:lvl5pPr>
-            <a:lvl6pPr marL="2514600" indent="-228600" algn="l" defTabSz="457200" rtl="0" eaLnBrk="1" latinLnBrk="0" hangingPunct="1">
-              <a:spcBef>
-                <a:spcPts val="1000"/>
-              </a:spcBef>
-              <a:spcAft>
-                <a:spcPts val="0"/>
-              </a:spcAft>
-              <a:buClr>
-                <a:schemeClr val="accent1"/>
-              </a:buClr>
-              <a:buSzPct val="80000"/>
-              <a:buFont typeface="Wingdings 3" charset="2"/>
-              <a:buChar char=""/>
-              <a:defRPr sz="1200" kern="1200">
-                <a:solidFill>
-                  <a:schemeClr val="tx1">
-                    <a:lumMod val="75000"/>
-                    <a:lumOff val="25000"/>
-                  </a:schemeClr>
-                </a:solidFill>
-                <a:latin typeface="+mn-lt"/>
-                <a:ea typeface="+mn-ea"/>
-                <a:cs typeface="+mn-cs"/>
-              </a:defRPr>
-            </a:lvl6pPr>
-            <a:lvl7pPr marL="2971800" indent="-228600" algn="l" defTabSz="457200" rtl="0" eaLnBrk="1" latinLnBrk="0" hangingPunct="1">
-              <a:spcBef>
-                <a:spcPts val="1000"/>
-              </a:spcBef>
-              <a:spcAft>
-                <a:spcPts val="0"/>
-              </a:spcAft>
-              <a:buClr>
-                <a:schemeClr val="accent1"/>
-              </a:buClr>
-              <a:buSzPct val="80000"/>
-              <a:buFont typeface="Wingdings 3" charset="2"/>
-              <a:buChar char=""/>
-              <a:defRPr sz="1200" kern="1200">
-                <a:solidFill>
-                  <a:schemeClr val="tx1">
-                    <a:lumMod val="75000"/>
-                    <a:lumOff val="25000"/>
-                  </a:schemeClr>
-                </a:solidFill>
-                <a:latin typeface="+mn-lt"/>
-                <a:ea typeface="+mn-ea"/>
-                <a:cs typeface="+mn-cs"/>
-              </a:defRPr>
-            </a:lvl7pPr>
-            <a:lvl8pPr marL="3429000" indent="-228600" algn="l" defTabSz="457200" rtl="0" eaLnBrk="1" latinLnBrk="0" hangingPunct="1">
-              <a:spcBef>
-                <a:spcPts val="1000"/>
-              </a:spcBef>
-              <a:spcAft>
-                <a:spcPts val="0"/>
-              </a:spcAft>
-              <a:buClr>
-                <a:schemeClr val="accent1"/>
-              </a:buClr>
-              <a:buSzPct val="80000"/>
-              <a:buFont typeface="Wingdings 3" charset="2"/>
-              <a:buChar char=""/>
-              <a:defRPr sz="1200" kern="1200">
-                <a:solidFill>
-                  <a:schemeClr val="tx1">
-                    <a:lumMod val="75000"/>
-                    <a:lumOff val="25000"/>
-                  </a:schemeClr>
-                </a:solidFill>
-                <a:latin typeface="+mn-lt"/>
-                <a:ea typeface="+mn-ea"/>
-                <a:cs typeface="+mn-cs"/>
-              </a:defRPr>
-            </a:lvl8pPr>
-            <a:lvl9pPr marL="3886200" indent="-228600" algn="l" defTabSz="457200" rtl="0" eaLnBrk="1" latinLnBrk="0" hangingPunct="1">
-              <a:spcBef>
-                <a:spcPts val="1000"/>
-              </a:spcBef>
-              <a:spcAft>
-                <a:spcPts val="0"/>
-              </a:spcAft>
-              <a:buClr>
-                <a:schemeClr val="accent1"/>
-              </a:buClr>
-              <a:buSzPct val="80000"/>
-              <a:buFont typeface="Wingdings 3" charset="2"/>
-              <a:buChar char=""/>
-              <a:defRPr sz="1200" kern="1200">
-                <a:solidFill>
-                  <a:schemeClr val="tx1">
-                    <a:lumMod val="75000"/>
-                    <a:lumOff val="25000"/>
-                  </a:schemeClr>
-                </a:solidFill>
-                <a:latin typeface="+mn-lt"/>
-                <a:ea typeface="+mn-ea"/>
-                <a:cs typeface="+mn-cs"/>
-              </a:defRPr>
-            </a:lvl9pPr>
-          </a:lstStyle>
-          <a:p>
-            <a:r>
-              <a:rPr lang="en-US" sz="2500" dirty="0"/>
-              <a:t>What is “Range Anxiety”?</a:t>
-            </a:r>
-          </a:p>
-          <a:p>
-            <a:r>
-              <a:rPr lang="en-US" sz="2000" dirty="0"/>
-              <a:t>Most people only drive an average of 50 miles per day</a:t>
-            </a:r>
-          </a:p>
-          <a:p>
-            <a:r>
-              <a:rPr lang="en-US" sz="2000" dirty="0"/>
-              <a:t>The average miles per battery charge is 200.</a:t>
-            </a:r>
-          </a:p>
-          <a:p>
-            <a:r>
-              <a:rPr lang="en-US" sz="2000" dirty="0"/>
-              <a:t>So what’s the big deal?</a:t>
-            </a:r>
-          </a:p>
-          <a:p>
-            <a:endParaRPr lang="en-US" dirty="0"/>
-          </a:p>
-        </p:txBody>
-      </p:sp>
-      <p:pic>
-        <p:nvPicPr>
-          <p:cNvPr id="7" name="Content Placeholder 4">
-            <a:extLst>
-              <a:ext uri="{FF2B5EF4-FFF2-40B4-BE49-F238E27FC236}">
-                <a16:creationId xmlns:a16="http://schemas.microsoft.com/office/drawing/2014/main" id="{313C99C6-304B-4EFE-9AB3-43C1BBCAA22A}"/>
+                <a16:creationId xmlns:a16="http://schemas.microsoft.com/office/drawing/2014/main" id="{35FA793F-E88C-4635-9220-34537C5803FD}"/>
               </a:ext>
             </a:extLst>
           </p:cNvPr>
           <p:cNvPicPr>
-            <a:picLocks noChangeAspect="1"/>
+            <a:picLocks noGrp="1" noChangeAspect="1"/>
           </p:cNvPicPr>
-          <p:nvPr/>
+          <p:nvPr>
+            <p:ph idx="1"/>
+          </p:nvPr>
         </p:nvPicPr>
-        <p:blipFill rotWithShape="1">
+        <p:blipFill>
           <a:blip r:embed="rId2">
             <a:extLst>
               <a:ext uri="{28A0092B-C50C-407E-A947-70E740481C1C}">
@@ -6849,23 +6466,21 @@
               </a:ext>
             </a:extLst>
           </a:blip>
-          <a:srcRect t="16611" b="15001"/>
-          <a:stretch/>
+          <a:stretch>
+            <a:fillRect/>
+          </a:stretch>
         </p:blipFill>
         <p:spPr>
           <a:xfrm>
-            <a:off x="1137960" y="1571348"/>
-            <a:ext cx="3870920" cy="4719299"/>
+            <a:off x="196236" y="1248967"/>
+            <a:ext cx="11799528" cy="4654527"/>
           </a:xfrm>
-          <a:prstGeom prst="rect">
-            <a:avLst/>
-          </a:prstGeom>
         </p:spPr>
       </p:pic>
     </p:spTree>
     <p:extLst>
       <p:ext uri="{BB962C8B-B14F-4D97-AF65-F5344CB8AC3E}">
-        <p14:creationId xmlns:p14="http://schemas.microsoft.com/office/powerpoint/2010/main" val="2668411226"/>
+        <p14:creationId xmlns:p14="http://schemas.microsoft.com/office/powerpoint/2010/main" val="2822931766"/>
       </p:ext>
     </p:extLst>
   </p:cSld>
@@ -6897,7 +6512,7 @@
           <p:cNvPr id="2" name="Title 1">
             <a:extLst>
               <a:ext uri="{FF2B5EF4-FFF2-40B4-BE49-F238E27FC236}">
-                <a16:creationId xmlns:a16="http://schemas.microsoft.com/office/drawing/2014/main" id="{8964B4CD-11F0-45D4-8D43-85C3CFBB04E4}"/>
+                <a16:creationId xmlns:a16="http://schemas.microsoft.com/office/drawing/2014/main" id="{61BFD9FD-3A23-487B-8B40-D87F39F78DEE}"/>
               </a:ext>
             </a:extLst>
           </p:cNvPr>
@@ -6913,19 +6528,16 @@
           <a:bodyPr/>
           <a:lstStyle/>
           <a:p>
-            <a:r>
-              <a:rPr lang="en-US" dirty="0"/>
-              <a:t>External Market Factors – Charging Infrastructure</a:t>
-            </a:r>
+            <a:endParaRPr lang="en-US"/>
           </a:p>
         </p:txBody>
       </p:sp>
       <p:pic>
         <p:nvPicPr>
-          <p:cNvPr id="4" name="Content Placeholder 3">
+          <p:cNvPr id="5" name="Content Placeholder 4">
             <a:extLst>
               <a:ext uri="{FF2B5EF4-FFF2-40B4-BE49-F238E27FC236}">
-                <a16:creationId xmlns:a16="http://schemas.microsoft.com/office/drawing/2014/main" id="{4728C59C-052D-4B8B-8C2F-F9331A363C3E}"/>
+                <a16:creationId xmlns:a16="http://schemas.microsoft.com/office/drawing/2014/main" id="{203863B3-F97A-4C67-AF6E-D10447A85A22}"/>
               </a:ext>
             </a:extLst>
           </p:cNvPr>
@@ -6937,287 +6549,28 @@
           </p:nvPr>
         </p:nvPicPr>
         <p:blipFill>
-          <a:blip r:embed="rId2"/>
+          <a:blip r:embed="rId2">
+            <a:extLst>
+              <a:ext uri="{28A0092B-C50C-407E-A947-70E740481C1C}">
+                <a14:useLocalDpi xmlns:a14="http://schemas.microsoft.com/office/drawing/2010/main" val="0"/>
+              </a:ext>
+            </a:extLst>
+          </a:blip>
           <a:stretch>
             <a:fillRect/>
           </a:stretch>
         </p:blipFill>
         <p:spPr>
           <a:xfrm>
-            <a:off x="677335" y="2116201"/>
-            <a:ext cx="5212918" cy="3461640"/>
+            <a:off x="257627" y="365125"/>
+            <a:ext cx="11725826" cy="6246110"/>
           </a:xfrm>
-          <a:prstGeom prst="rect">
-            <a:avLst/>
-          </a:prstGeom>
         </p:spPr>
       </p:pic>
-      <p:sp>
-        <p:nvSpPr>
-          <p:cNvPr id="9" name="Content Placeholder 2">
-            <a:extLst>
-              <a:ext uri="{FF2B5EF4-FFF2-40B4-BE49-F238E27FC236}">
-                <a16:creationId xmlns:a16="http://schemas.microsoft.com/office/drawing/2014/main" id="{165CEF20-51FA-4A4A-85D3-4863C0F1020B}"/>
-              </a:ext>
-            </a:extLst>
-          </p:cNvPr>
-          <p:cNvSpPr txBox="1">
-            <a:spLocks/>
-          </p:cNvSpPr>
-          <p:nvPr/>
-        </p:nvSpPr>
-        <p:spPr>
-          <a:xfrm>
-            <a:off x="6096000" y="2670601"/>
-            <a:ext cx="3804162" cy="1850599"/>
-          </a:xfrm>
-          <a:prstGeom prst="rect">
-            <a:avLst/>
-          </a:prstGeom>
-        </p:spPr>
-        <p:txBody>
-          <a:bodyPr vert="horz" lIns="91440" tIns="45720" rIns="91440" bIns="45720" rtlCol="0">
-            <a:normAutofit/>
-          </a:bodyPr>
-          <a:lstStyle>
-            <a:lvl1pPr marL="342900" indent="-342900" algn="l" defTabSz="457200" rtl="0" eaLnBrk="1" latinLnBrk="0" hangingPunct="1">
-              <a:spcBef>
-                <a:spcPts val="1000"/>
-              </a:spcBef>
-              <a:spcAft>
-                <a:spcPts val="0"/>
-              </a:spcAft>
-              <a:buClr>
-                <a:schemeClr val="accent1"/>
-              </a:buClr>
-              <a:buSzPct val="80000"/>
-              <a:buFont typeface="Wingdings 3" charset="2"/>
-              <a:buChar char=""/>
-              <a:defRPr sz="1800" kern="1200">
-                <a:solidFill>
-                  <a:schemeClr val="tx1">
-                    <a:lumMod val="75000"/>
-                    <a:lumOff val="25000"/>
-                  </a:schemeClr>
-                </a:solidFill>
-                <a:latin typeface="+mn-lt"/>
-                <a:ea typeface="+mn-ea"/>
-                <a:cs typeface="+mn-cs"/>
-              </a:defRPr>
-            </a:lvl1pPr>
-            <a:lvl2pPr marL="742950" indent="-285750" algn="l" defTabSz="457200" rtl="0" eaLnBrk="1" latinLnBrk="0" hangingPunct="1">
-              <a:spcBef>
-                <a:spcPts val="1000"/>
-              </a:spcBef>
-              <a:spcAft>
-                <a:spcPts val="0"/>
-              </a:spcAft>
-              <a:buClr>
-                <a:schemeClr val="accent1"/>
-              </a:buClr>
-              <a:buSzPct val="80000"/>
-              <a:buFont typeface="Wingdings 3" charset="2"/>
-              <a:buChar char=""/>
-              <a:defRPr sz="1600" kern="1200">
-                <a:solidFill>
-                  <a:schemeClr val="tx1">
-                    <a:lumMod val="75000"/>
-                    <a:lumOff val="25000"/>
-                  </a:schemeClr>
-                </a:solidFill>
-                <a:latin typeface="+mn-lt"/>
-                <a:ea typeface="+mn-ea"/>
-                <a:cs typeface="+mn-cs"/>
-              </a:defRPr>
-            </a:lvl2pPr>
-            <a:lvl3pPr marL="1143000" indent="-228600" algn="l" defTabSz="457200" rtl="0" eaLnBrk="1" latinLnBrk="0" hangingPunct="1">
-              <a:spcBef>
-                <a:spcPts val="1000"/>
-              </a:spcBef>
-              <a:spcAft>
-                <a:spcPts val="0"/>
-              </a:spcAft>
-              <a:buClr>
-                <a:schemeClr val="accent1"/>
-              </a:buClr>
-              <a:buSzPct val="80000"/>
-              <a:buFont typeface="Wingdings 3" charset="2"/>
-              <a:buChar char=""/>
-              <a:defRPr sz="1400" kern="1200">
-                <a:solidFill>
-                  <a:schemeClr val="tx1">
-                    <a:lumMod val="75000"/>
-                    <a:lumOff val="25000"/>
-                  </a:schemeClr>
-                </a:solidFill>
-                <a:latin typeface="+mn-lt"/>
-                <a:ea typeface="+mn-ea"/>
-                <a:cs typeface="+mn-cs"/>
-              </a:defRPr>
-            </a:lvl3pPr>
-            <a:lvl4pPr marL="1600200" indent="-228600" algn="l" defTabSz="457200" rtl="0" eaLnBrk="1" latinLnBrk="0" hangingPunct="1">
-              <a:spcBef>
-                <a:spcPts val="1000"/>
-              </a:spcBef>
-              <a:spcAft>
-                <a:spcPts val="0"/>
-              </a:spcAft>
-              <a:buClr>
-                <a:schemeClr val="accent1"/>
-              </a:buClr>
-              <a:buSzPct val="80000"/>
-              <a:buFont typeface="Wingdings 3" charset="2"/>
-              <a:buChar char=""/>
-              <a:defRPr sz="1200" kern="1200">
-                <a:solidFill>
-                  <a:schemeClr val="tx1">
-                    <a:lumMod val="75000"/>
-                    <a:lumOff val="25000"/>
-                  </a:schemeClr>
-                </a:solidFill>
-                <a:latin typeface="+mn-lt"/>
-                <a:ea typeface="+mn-ea"/>
-                <a:cs typeface="+mn-cs"/>
-              </a:defRPr>
-            </a:lvl4pPr>
-            <a:lvl5pPr marL="2057400" indent="-228600" algn="l" defTabSz="457200" rtl="0" eaLnBrk="1" latinLnBrk="0" hangingPunct="1">
-              <a:spcBef>
-                <a:spcPts val="1000"/>
-              </a:spcBef>
-              <a:spcAft>
-                <a:spcPts val="0"/>
-              </a:spcAft>
-              <a:buClr>
-                <a:schemeClr val="accent1"/>
-              </a:buClr>
-              <a:buSzPct val="80000"/>
-              <a:buFont typeface="Wingdings 3" charset="2"/>
-              <a:buChar char=""/>
-              <a:defRPr sz="1200" kern="1200">
-                <a:solidFill>
-                  <a:schemeClr val="tx1">
-                    <a:lumMod val="75000"/>
-                    <a:lumOff val="25000"/>
-                  </a:schemeClr>
-                </a:solidFill>
-                <a:latin typeface="+mn-lt"/>
-                <a:ea typeface="+mn-ea"/>
-                <a:cs typeface="+mn-cs"/>
-              </a:defRPr>
-            </a:lvl5pPr>
-            <a:lvl6pPr marL="2514600" indent="-228600" algn="l" defTabSz="457200" rtl="0" eaLnBrk="1" latinLnBrk="0" hangingPunct="1">
-              <a:spcBef>
-                <a:spcPts val="1000"/>
-              </a:spcBef>
-              <a:spcAft>
-                <a:spcPts val="0"/>
-              </a:spcAft>
-              <a:buClr>
-                <a:schemeClr val="accent1"/>
-              </a:buClr>
-              <a:buSzPct val="80000"/>
-              <a:buFont typeface="Wingdings 3" charset="2"/>
-              <a:buChar char=""/>
-              <a:defRPr sz="1200" kern="1200">
-                <a:solidFill>
-                  <a:schemeClr val="tx1">
-                    <a:lumMod val="75000"/>
-                    <a:lumOff val="25000"/>
-                  </a:schemeClr>
-                </a:solidFill>
-                <a:latin typeface="+mn-lt"/>
-                <a:ea typeface="+mn-ea"/>
-                <a:cs typeface="+mn-cs"/>
-              </a:defRPr>
-            </a:lvl6pPr>
-            <a:lvl7pPr marL="2971800" indent="-228600" algn="l" defTabSz="457200" rtl="0" eaLnBrk="1" latinLnBrk="0" hangingPunct="1">
-              <a:spcBef>
-                <a:spcPts val="1000"/>
-              </a:spcBef>
-              <a:spcAft>
-                <a:spcPts val="0"/>
-              </a:spcAft>
-              <a:buClr>
-                <a:schemeClr val="accent1"/>
-              </a:buClr>
-              <a:buSzPct val="80000"/>
-              <a:buFont typeface="Wingdings 3" charset="2"/>
-              <a:buChar char=""/>
-              <a:defRPr sz="1200" kern="1200">
-                <a:solidFill>
-                  <a:schemeClr val="tx1">
-                    <a:lumMod val="75000"/>
-                    <a:lumOff val="25000"/>
-                  </a:schemeClr>
-                </a:solidFill>
-                <a:latin typeface="+mn-lt"/>
-                <a:ea typeface="+mn-ea"/>
-                <a:cs typeface="+mn-cs"/>
-              </a:defRPr>
-            </a:lvl7pPr>
-            <a:lvl8pPr marL="3429000" indent="-228600" algn="l" defTabSz="457200" rtl="0" eaLnBrk="1" latinLnBrk="0" hangingPunct="1">
-              <a:spcBef>
-                <a:spcPts val="1000"/>
-              </a:spcBef>
-              <a:spcAft>
-                <a:spcPts val="0"/>
-              </a:spcAft>
-              <a:buClr>
-                <a:schemeClr val="accent1"/>
-              </a:buClr>
-              <a:buSzPct val="80000"/>
-              <a:buFont typeface="Wingdings 3" charset="2"/>
-              <a:buChar char=""/>
-              <a:defRPr sz="1200" kern="1200">
-                <a:solidFill>
-                  <a:schemeClr val="tx1">
-                    <a:lumMod val="75000"/>
-                    <a:lumOff val="25000"/>
-                  </a:schemeClr>
-                </a:solidFill>
-                <a:latin typeface="+mn-lt"/>
-                <a:ea typeface="+mn-ea"/>
-                <a:cs typeface="+mn-cs"/>
-              </a:defRPr>
-            </a:lvl8pPr>
-            <a:lvl9pPr marL="3886200" indent="-228600" algn="l" defTabSz="457200" rtl="0" eaLnBrk="1" latinLnBrk="0" hangingPunct="1">
-              <a:spcBef>
-                <a:spcPts val="1000"/>
-              </a:spcBef>
-              <a:spcAft>
-                <a:spcPts val="0"/>
-              </a:spcAft>
-              <a:buClr>
-                <a:schemeClr val="accent1"/>
-              </a:buClr>
-              <a:buSzPct val="80000"/>
-              <a:buFont typeface="Wingdings 3" charset="2"/>
-              <a:buChar char=""/>
-              <a:defRPr sz="1200" kern="1200">
-                <a:solidFill>
-                  <a:schemeClr val="tx1">
-                    <a:lumMod val="75000"/>
-                    <a:lumOff val="25000"/>
-                  </a:schemeClr>
-                </a:solidFill>
-                <a:latin typeface="+mn-lt"/>
-                <a:ea typeface="+mn-ea"/>
-                <a:cs typeface="+mn-cs"/>
-              </a:defRPr>
-            </a:lvl9pPr>
-          </a:lstStyle>
-          <a:p>
-            <a:r>
-              <a:rPr lang="en-US" dirty="0"/>
-              <a:t>If “Range Anxiety” is considered a hurdle to electric vehicle adoption, do we see a correlation between PEV and the spread of charging stations?</a:t>
-            </a:r>
-          </a:p>
-        </p:txBody>
-      </p:sp>
     </p:spTree>
     <p:extLst>
       <p:ext uri="{BB962C8B-B14F-4D97-AF65-F5344CB8AC3E}">
-        <p14:creationId xmlns:p14="http://schemas.microsoft.com/office/powerpoint/2010/main" val="998570539"/>
+        <p14:creationId xmlns:p14="http://schemas.microsoft.com/office/powerpoint/2010/main" val="1391742119"/>
       </p:ext>
     </p:extLst>
   </p:cSld>
@@ -7249,7 +6602,7 @@
           <p:cNvPr id="2" name="Title 1">
             <a:extLst>
               <a:ext uri="{FF2B5EF4-FFF2-40B4-BE49-F238E27FC236}">
-                <a16:creationId xmlns:a16="http://schemas.microsoft.com/office/drawing/2014/main" id="{91A44D4B-56C5-4A80-A12D-43FDF9977D14}"/>
+                <a16:creationId xmlns:a16="http://schemas.microsoft.com/office/drawing/2014/main" id="{66BDF998-36B8-42BB-84F2-840D49E74BEB}"/>
               </a:ext>
             </a:extLst>
           </p:cNvPr>
@@ -7265,111 +6618,83 @@
           <a:bodyPr/>
           <a:lstStyle/>
           <a:p>
-            <a:r>
-              <a:rPr lang="en-US" dirty="0"/>
-              <a:t>Gathering and Cleaning Data</a:t>
-            </a:r>
-          </a:p>
-        </p:txBody>
-      </p:sp>
-      <p:sp>
-        <p:nvSpPr>
-          <p:cNvPr id="3" name="Content Placeholder 2">
+            <a:endParaRPr lang="en-US"/>
+          </a:p>
+        </p:txBody>
+      </p:sp>
+      <p:pic>
+        <p:nvPicPr>
+          <p:cNvPr id="5" name="Content Placeholder 4">
             <a:extLst>
               <a:ext uri="{FF2B5EF4-FFF2-40B4-BE49-F238E27FC236}">
-                <a16:creationId xmlns:a16="http://schemas.microsoft.com/office/drawing/2014/main" id="{1B9E2DC4-14C2-42A7-89C1-06FD370EC602}"/>
+                <a16:creationId xmlns:a16="http://schemas.microsoft.com/office/drawing/2014/main" id="{A6609C36-8FB5-4E06-BEAB-624D606DC64B}"/>
               </a:ext>
             </a:extLst>
           </p:cNvPr>
-          <p:cNvSpPr>
-            <a:spLocks noGrp="1"/>
-          </p:cNvSpPr>
+          <p:cNvPicPr>
+            <a:picLocks noGrp="1" noChangeAspect="1"/>
+          </p:cNvPicPr>
           <p:nvPr>
             <p:ph idx="1"/>
           </p:nvPr>
-        </p:nvSpPr>
+        </p:nvPicPr>
+        <p:blipFill rotWithShape="1">
+          <a:blip r:embed="rId2">
+            <a:extLst>
+              <a:ext uri="{28A0092B-C50C-407E-A947-70E740481C1C}">
+                <a14:useLocalDpi xmlns:a14="http://schemas.microsoft.com/office/drawing/2010/main" val="0"/>
+              </a:ext>
+            </a:extLst>
+          </a:blip>
+          <a:srcRect l="13555" r="16876"/>
+          <a:stretch/>
+        </p:blipFill>
         <p:spPr>
           <a:xfrm>
-            <a:off x="677334" y="2160589"/>
-            <a:ext cx="9549742" cy="3880773"/>
+            <a:off x="152399" y="125879"/>
+            <a:ext cx="6467475" cy="3667125"/>
           </a:xfrm>
         </p:spPr>
-        <p:txBody>
-          <a:bodyPr/>
-          <a:lstStyle/>
-          <a:p>
-            <a:r>
-              <a:rPr lang="en-US" dirty="0"/>
-              <a:t>National Renewable Energy Laboratory API for Alternative Fuel Stations </a:t>
-            </a:r>
-            <a:r>
-              <a:rPr lang="en-US" dirty="0">
-                <a:hlinkClick r:id="rId2"/>
-              </a:rPr>
-              <a:t>https://developer.nrel.gov/docs/transportation/alt-fuel-stations-v1/</a:t>
-            </a:r>
-            <a:endParaRPr lang="en-US" dirty="0"/>
-          </a:p>
-          <a:p>
-            <a:r>
-              <a:rPr lang="en-US" dirty="0"/>
-              <a:t>Parameters </a:t>
-            </a:r>
-          </a:p>
-          <a:p>
-            <a:pPr lvl="1"/>
-            <a:r>
-              <a:rPr lang="en-US" dirty="0"/>
-              <a:t>Type of Fuel Station (Electric Only)</a:t>
-            </a:r>
-          </a:p>
-          <a:p>
-            <a:r>
-              <a:rPr lang="en-US" dirty="0"/>
-              <a:t>Data Pulled State-By-State</a:t>
-            </a:r>
-          </a:p>
-          <a:p>
-            <a:pPr lvl="1"/>
-            <a:r>
-              <a:rPr lang="en-US" dirty="0"/>
-              <a:t>Pulled state abbreviations from the python library “US”</a:t>
-            </a:r>
-          </a:p>
-          <a:p>
-            <a:pPr lvl="1"/>
-            <a:r>
-              <a:rPr lang="en-US" dirty="0"/>
-              <a:t>Fields gathered - Date Opened, Access Type, Lat, Long, State</a:t>
-            </a:r>
-          </a:p>
-          <a:p>
-            <a:pPr marL="457200" lvl="1" indent="0">
-              <a:buNone/>
-            </a:pPr>
-            <a:endParaRPr lang="en-US" dirty="0"/>
-          </a:p>
-          <a:p>
-            <a:pPr marL="457200" lvl="1" indent="0">
-              <a:buNone/>
-            </a:pPr>
-            <a:endParaRPr lang="en-US" dirty="0"/>
-          </a:p>
-          <a:p>
-            <a:endParaRPr lang="en-US" dirty="0"/>
-          </a:p>
-          <a:p>
-            <a:pPr marL="457200" lvl="1" indent="0">
-              <a:buNone/>
-            </a:pPr>
-            <a:endParaRPr lang="en-US" dirty="0"/>
-          </a:p>
-        </p:txBody>
-      </p:sp>
+      </p:pic>
+      <p:pic>
+        <p:nvPicPr>
+          <p:cNvPr id="6" name="Content Placeholder 4">
+            <a:extLst>
+              <a:ext uri="{FF2B5EF4-FFF2-40B4-BE49-F238E27FC236}">
+                <a16:creationId xmlns:a16="http://schemas.microsoft.com/office/drawing/2014/main" id="{E1729295-0D8A-4B70-AF08-9429A3224B9A}"/>
+              </a:ext>
+            </a:extLst>
+          </p:cNvPr>
+          <p:cNvPicPr>
+            <a:picLocks noChangeAspect="1"/>
+          </p:cNvPicPr>
+          <p:nvPr/>
+        </p:nvPicPr>
+        <p:blipFill rotWithShape="1">
+          <a:blip r:embed="rId3">
+            <a:extLst>
+              <a:ext uri="{28A0092B-C50C-407E-A947-70E740481C1C}">
+                <a14:useLocalDpi xmlns:a14="http://schemas.microsoft.com/office/drawing/2010/main" val="0"/>
+              </a:ext>
+            </a:extLst>
+          </a:blip>
+          <a:srcRect l="4754" t="3735" r="8425" b="6112"/>
+          <a:stretch/>
+        </p:blipFill>
+        <p:spPr>
+          <a:xfrm>
+            <a:off x="5376459" y="2806699"/>
+            <a:ext cx="6664271" cy="3686175"/>
+          </a:xfrm>
+          <a:prstGeom prst="rect">
+            <a:avLst/>
+          </a:prstGeom>
+        </p:spPr>
+      </p:pic>
     </p:spTree>
     <p:extLst>
       <p:ext uri="{BB962C8B-B14F-4D97-AF65-F5344CB8AC3E}">
-        <p14:creationId xmlns:p14="http://schemas.microsoft.com/office/powerpoint/2010/main" val="2486743307"/>
+        <p14:creationId xmlns:p14="http://schemas.microsoft.com/office/powerpoint/2010/main" val="645101227"/>
       </p:ext>
     </p:extLst>
   </p:cSld>
@@ -7401,7 +6726,7 @@
           <p:cNvPr id="2" name="Title 1">
             <a:extLst>
               <a:ext uri="{FF2B5EF4-FFF2-40B4-BE49-F238E27FC236}">
-                <a16:creationId xmlns:a16="http://schemas.microsoft.com/office/drawing/2014/main" id="{518AF9A3-57F8-4E7F-9D44-B07389531EFE}"/>
+                <a16:creationId xmlns:a16="http://schemas.microsoft.com/office/drawing/2014/main" id="{AF353DCC-6F59-4BE2-A889-9A7B170318C3}"/>
               </a:ext>
             </a:extLst>
           </p:cNvPr>
@@ -7417,19 +6742,16 @@
           <a:bodyPr/>
           <a:lstStyle/>
           <a:p>
-            <a:r>
-              <a:rPr lang="en-US" dirty="0"/>
-              <a:t>API Call Example</a:t>
-            </a:r>
+            <a:endParaRPr lang="en-US" dirty="0"/>
           </a:p>
         </p:txBody>
       </p:sp>
       <p:pic>
         <p:nvPicPr>
-          <p:cNvPr id="4" name="Content Placeholder 3">
+          <p:cNvPr id="5" name="Content Placeholder 4">
             <a:extLst>
               <a:ext uri="{FF2B5EF4-FFF2-40B4-BE49-F238E27FC236}">
-                <a16:creationId xmlns:a16="http://schemas.microsoft.com/office/drawing/2014/main" id="{5F5D18DF-650E-4CB2-882E-75BB69DA2C34}"/>
+                <a16:creationId xmlns:a16="http://schemas.microsoft.com/office/drawing/2014/main" id="{13015B56-CC34-42D4-9D17-AB9C4B864762}"/>
               </a:ext>
             </a:extLst>
           </p:cNvPr>
@@ -7440,26 +6762,28 @@
             <p:ph idx="1"/>
           </p:nvPr>
         </p:nvPicPr>
-        <p:blipFill>
-          <a:blip r:embed="rId2"/>
-          <a:stretch>
-            <a:fillRect/>
-          </a:stretch>
+        <p:blipFill rotWithShape="1">
+          <a:blip r:embed="rId2">
+            <a:extLst>
+              <a:ext uri="{28A0092B-C50C-407E-A947-70E740481C1C}">
+                <a14:useLocalDpi xmlns:a14="http://schemas.microsoft.com/office/drawing/2010/main" val="0"/>
+              </a:ext>
+            </a:extLst>
+          </a:blip>
+          <a:srcRect l="8272" r="8081"/>
+          <a:stretch/>
         </p:blipFill>
         <p:spPr>
           <a:xfrm>
-            <a:off x="0" y="0"/>
-            <a:ext cx="12493438" cy="6858000"/>
+            <a:off x="152994" y="650240"/>
+            <a:ext cx="11812758" cy="5648960"/>
           </a:xfrm>
-          <a:prstGeom prst="rect">
-            <a:avLst/>
-          </a:prstGeom>
         </p:spPr>
       </p:pic>
     </p:spTree>
     <p:extLst>
       <p:ext uri="{BB962C8B-B14F-4D97-AF65-F5344CB8AC3E}">
-        <p14:creationId xmlns:p14="http://schemas.microsoft.com/office/powerpoint/2010/main" val="1763339339"/>
+        <p14:creationId xmlns:p14="http://schemas.microsoft.com/office/powerpoint/2010/main" val="1382909509"/>
       </p:ext>
     </p:extLst>
   </p:cSld>
@@ -7486,12 +6810,37 @@
           <a:chExt cx="0" cy="0"/>
         </a:xfrm>
       </p:grpSpPr>
+      <p:sp>
+        <p:nvSpPr>
+          <p:cNvPr id="2" name="Title 1">
+            <a:extLst>
+              <a:ext uri="{FF2B5EF4-FFF2-40B4-BE49-F238E27FC236}">
+                <a16:creationId xmlns:a16="http://schemas.microsoft.com/office/drawing/2014/main" id="{7E104447-B520-4A5D-BAF7-1104054A91D3}"/>
+              </a:ext>
+            </a:extLst>
+          </p:cNvPr>
+          <p:cNvSpPr>
+            <a:spLocks noGrp="1"/>
+          </p:cNvSpPr>
+          <p:nvPr>
+            <p:ph type="title"/>
+          </p:nvPr>
+        </p:nvSpPr>
+        <p:spPr/>
+        <p:txBody>
+          <a:bodyPr/>
+          <a:lstStyle/>
+          <a:p>
+            <a:endParaRPr lang="en-US" dirty="0"/>
+          </a:p>
+        </p:txBody>
+      </p:sp>
       <p:pic>
         <p:nvPicPr>
           <p:cNvPr id="5" name="Content Placeholder 4">
             <a:extLst>
               <a:ext uri="{FF2B5EF4-FFF2-40B4-BE49-F238E27FC236}">
-                <a16:creationId xmlns:a16="http://schemas.microsoft.com/office/drawing/2014/main" id="{42DFD729-14D3-4FC7-937B-950F03115C26}"/>
+                <a16:creationId xmlns:a16="http://schemas.microsoft.com/office/drawing/2014/main" id="{2FD0B86D-8317-473D-9FB6-94823344041B}"/>
               </a:ext>
             </a:extLst>
           </p:cNvPr>
@@ -7502,7 +6851,7 @@
             <p:ph idx="1"/>
           </p:nvPr>
         </p:nvPicPr>
-        <p:blipFill>
+        <p:blipFill rotWithShape="1">
           <a:blip r:embed="rId2">
             <a:extLst>
               <a:ext uri="{28A0092B-C50C-407E-A947-70E740481C1C}">
@@ -7510,57 +6859,20 @@
               </a:ext>
             </a:extLst>
           </a:blip>
-          <a:stretch>
-            <a:fillRect/>
-          </a:stretch>
+          <a:srcRect l="7636" r="8637"/>
+          <a:stretch/>
         </p:blipFill>
         <p:spPr>
           <a:xfrm>
-            <a:off x="307533" y="170888"/>
-            <a:ext cx="7746889" cy="5164592"/>
+            <a:off x="2479" y="670560"/>
+            <a:ext cx="12187042" cy="5822315"/>
           </a:xfrm>
-        </p:spPr>
-      </p:pic>
-      <p:pic>
-        <p:nvPicPr>
-          <p:cNvPr id="4" name="Content Placeholder 4">
-            <a:extLst>
-              <a:ext uri="{FF2B5EF4-FFF2-40B4-BE49-F238E27FC236}">
-                <a16:creationId xmlns:a16="http://schemas.microsoft.com/office/drawing/2014/main" id="{1C9EFD59-6CE3-42BF-8014-00C302B620AC}"/>
-              </a:ext>
-            </a:extLst>
-          </p:cNvPr>
-          <p:cNvPicPr>
-            <a:picLocks noChangeAspect="1"/>
-          </p:cNvPicPr>
-          <p:nvPr/>
-        </p:nvPicPr>
-        <p:blipFill>
-          <a:blip r:embed="rId3">
-            <a:extLst>
-              <a:ext uri="{28A0092B-C50C-407E-A947-70E740481C1C}">
-                <a14:useLocalDpi xmlns:a14="http://schemas.microsoft.com/office/drawing/2010/main" val="0"/>
-              </a:ext>
-            </a:extLst>
-          </a:blip>
-          <a:stretch>
-            <a:fillRect/>
-          </a:stretch>
-        </p:blipFill>
-        <p:spPr>
-          <a:xfrm>
-            <a:off x="7519386" y="3767356"/>
-            <a:ext cx="4551511" cy="2984112"/>
-          </a:xfrm>
-          <a:prstGeom prst="rect">
-            <a:avLst/>
-          </a:prstGeom>
         </p:spPr>
       </p:pic>
     </p:spTree>
     <p:extLst>
       <p:ext uri="{BB962C8B-B14F-4D97-AF65-F5344CB8AC3E}">
-        <p14:creationId xmlns:p14="http://schemas.microsoft.com/office/powerpoint/2010/main" val="1855985092"/>
+        <p14:creationId xmlns:p14="http://schemas.microsoft.com/office/powerpoint/2010/main" val="3010841564"/>
       </p:ext>
     </p:extLst>
   </p:cSld>
@@ -7610,7 +6922,7 @@
           <a:p>
             <a:r>
               <a:rPr lang="en-US" dirty="0"/>
-              <a:t>Motivations</a:t>
+              <a:t>Motivation &amp; Summary</a:t>
             </a:r>
           </a:p>
         </p:txBody>
@@ -7631,101 +6943,30 @@
             <p:ph idx="1"/>
           </p:nvPr>
         </p:nvSpPr>
-        <p:spPr>
-          <a:xfrm>
-            <a:off x="677334" y="1881187"/>
-            <a:ext cx="3571418" cy="4160176"/>
-          </a:xfrm>
-        </p:spPr>
+        <p:spPr/>
         <p:txBody>
           <a:bodyPr/>
           <a:lstStyle/>
           <a:p>
             <a:r>
               <a:rPr lang="en-US" dirty="0"/>
-              <a:t>Global Warming </a:t>
-            </a:r>
-          </a:p>
-          <a:p>
-            <a:pPr lvl="1"/>
-            <a:endParaRPr lang="en-US" dirty="0"/>
-          </a:p>
-          <a:p>
-            <a:pPr marL="0" indent="0">
-              <a:buNone/>
-            </a:pPr>
-            <a:endParaRPr lang="en-US" dirty="0"/>
+              <a:t>Historical analysis of Hybrid and Electric Vehicle market shares</a:t>
+            </a:r>
           </a:p>
           <a:p>
             <a:r>
               <a:rPr lang="en-US" dirty="0"/>
-              <a:t>Electric Vehicle “Hype” </a:t>
-            </a:r>
-          </a:p>
-          <a:p>
-            <a:pPr marL="457200" lvl="1" indent="0">
-              <a:buNone/>
-            </a:pPr>
-            <a:endParaRPr lang="en-US" dirty="0"/>
-          </a:p>
-          <a:p>
-            <a:endParaRPr lang="en-US" dirty="0"/>
-          </a:p>
-          <a:p>
-            <a:endParaRPr lang="en-US" dirty="0"/>
-          </a:p>
-          <a:p>
-            <a:endParaRPr lang="en-US" dirty="0"/>
-          </a:p>
-        </p:txBody>
-      </p:sp>
-      <p:pic>
-        <p:nvPicPr>
-          <p:cNvPr id="1026" name="Picture 2" descr="Related image">
-            <a:extLst>
-              <a:ext uri="{FF2B5EF4-FFF2-40B4-BE49-F238E27FC236}">
-                <a16:creationId xmlns:a16="http://schemas.microsoft.com/office/drawing/2014/main" id="{B9B72C9D-6194-449E-A375-CA81F3092DEB}"/>
-              </a:ext>
-            </a:extLst>
-          </p:cNvPr>
-          <p:cNvPicPr>
-            <a:picLocks noChangeAspect="1" noChangeArrowheads="1"/>
-          </p:cNvPicPr>
-          <p:nvPr/>
-        </p:nvPicPr>
-        <p:blipFill>
-          <a:blip r:embed="rId2">
-            <a:extLst>
-              <a:ext uri="{28A0092B-C50C-407E-A947-70E740481C1C}">
-                <a14:useLocalDpi xmlns:a14="http://schemas.microsoft.com/office/drawing/2010/main" val="0"/>
-              </a:ext>
-            </a:extLst>
-          </a:blip>
-          <a:srcRect/>
-          <a:stretch>
-            <a:fillRect/>
-          </a:stretch>
-        </p:blipFill>
-        <p:spPr bwMode="auto">
-          <a:xfrm>
-            <a:off x="4248752" y="1881187"/>
-            <a:ext cx="5114925" cy="3095625"/>
-          </a:xfrm>
-          <a:prstGeom prst="rect">
-            <a:avLst/>
-          </a:prstGeom>
-          <a:noFill/>
-          <a:extLst>
-            <a:ext uri="{909E8E84-426E-40DD-AFC4-6F175D3DCCD1}">
-              <a14:hiddenFill xmlns:a14="http://schemas.microsoft.com/office/drawing/2010/main">
-                <a:solidFill>
-                  <a:srgbClr val="FFFFFF"/>
-                </a:solidFill>
-              </a14:hiddenFill>
-            </a:ext>
-          </a:extLst>
-        </p:spPr>
-      </p:pic>
+              <a:t>How do green initiatives vary from state to state?</a:t>
+            </a:r>
+          </a:p>
+          <a:p>
+            <a:r>
+              <a:rPr lang="en-US" dirty="0"/>
+              <a:t>With the growth in purchases of electric vehicles, how has air pollution been impacted?</a:t>
+            </a:r>
+          </a:p>
+        </p:txBody>
+      </p:sp>
     </p:spTree>
     <p:extLst>
       <p:ext uri="{BB962C8B-B14F-4D97-AF65-F5344CB8AC3E}">
@@ -7758,937 +6999,6 @@
       </p:grpSpPr>
       <p:sp>
         <p:nvSpPr>
-          <p:cNvPr id="4" name="Title 1">
-            <a:extLst>
-              <a:ext uri="{FF2B5EF4-FFF2-40B4-BE49-F238E27FC236}">
-                <a16:creationId xmlns:a16="http://schemas.microsoft.com/office/drawing/2014/main" id="{63CEC4D6-6FE6-43EC-B0B2-E42162773AFD}"/>
-              </a:ext>
-            </a:extLst>
-          </p:cNvPr>
-          <p:cNvSpPr>
-            <a:spLocks noGrp="1"/>
-          </p:cNvSpPr>
-          <p:nvPr>
-            <p:ph type="title"/>
-          </p:nvPr>
-        </p:nvSpPr>
-        <p:spPr>
-          <a:xfrm>
-            <a:off x="677334" y="609600"/>
-            <a:ext cx="8596668" cy="793072"/>
-          </a:xfrm>
-        </p:spPr>
-        <p:txBody>
-          <a:bodyPr/>
-          <a:lstStyle/>
-          <a:p>
-            <a:r>
-              <a:rPr lang="en-US" dirty="0"/>
-              <a:t>Electric Charging Density in the U.S.</a:t>
-            </a:r>
-          </a:p>
-        </p:txBody>
-      </p:sp>
-      <p:pic>
-        <p:nvPicPr>
-          <p:cNvPr id="3" name="Picture 2">
-            <a:extLst>
-              <a:ext uri="{FF2B5EF4-FFF2-40B4-BE49-F238E27FC236}">
-                <a16:creationId xmlns:a16="http://schemas.microsoft.com/office/drawing/2014/main" id="{C3FC814F-3536-4FA9-B8E1-40549F83A9A3}"/>
-              </a:ext>
-            </a:extLst>
-          </p:cNvPr>
-          <p:cNvPicPr>
-            <a:picLocks noChangeAspect="1"/>
-          </p:cNvPicPr>
-          <p:nvPr/>
-        </p:nvPicPr>
-        <p:blipFill>
-          <a:blip r:embed="rId2"/>
-          <a:stretch>
-            <a:fillRect/>
-          </a:stretch>
-        </p:blipFill>
-        <p:spPr>
-          <a:xfrm>
-            <a:off x="1232343" y="1333500"/>
-            <a:ext cx="7486650" cy="4191000"/>
-          </a:xfrm>
-          <a:prstGeom prst="rect">
-            <a:avLst/>
-          </a:prstGeom>
-        </p:spPr>
-      </p:pic>
-      <p:sp>
-        <p:nvSpPr>
-          <p:cNvPr id="8" name="Content Placeholder 2">
-            <a:extLst>
-              <a:ext uri="{FF2B5EF4-FFF2-40B4-BE49-F238E27FC236}">
-                <a16:creationId xmlns:a16="http://schemas.microsoft.com/office/drawing/2014/main" id="{DCF7DB5F-CFE1-4CB2-AAAA-B0001DC3D5D1}"/>
-              </a:ext>
-            </a:extLst>
-          </p:cNvPr>
-          <p:cNvSpPr txBox="1">
-            <a:spLocks/>
-          </p:cNvSpPr>
-          <p:nvPr/>
-        </p:nvSpPr>
-        <p:spPr>
-          <a:xfrm>
-            <a:off x="1083075" y="5708343"/>
-            <a:ext cx="8078680" cy="945472"/>
-          </a:xfrm>
-          <a:prstGeom prst="rect">
-            <a:avLst/>
-          </a:prstGeom>
-        </p:spPr>
-        <p:txBody>
-          <a:bodyPr vert="horz" lIns="91440" tIns="45720" rIns="91440" bIns="45720" rtlCol="0">
-            <a:normAutofit fontScale="92500" lnSpcReduction="10000"/>
-          </a:bodyPr>
-          <a:lstStyle>
-            <a:lvl1pPr marL="342900" indent="-342900" algn="l" defTabSz="457200" rtl="0" eaLnBrk="1" latinLnBrk="0" hangingPunct="1">
-              <a:spcBef>
-                <a:spcPts val="1000"/>
-              </a:spcBef>
-              <a:spcAft>
-                <a:spcPts val="0"/>
-              </a:spcAft>
-              <a:buClr>
-                <a:schemeClr val="accent1"/>
-              </a:buClr>
-              <a:buSzPct val="80000"/>
-              <a:buFont typeface="Wingdings 3" charset="2"/>
-              <a:buChar char=""/>
-              <a:defRPr sz="1800" kern="1200">
-                <a:solidFill>
-                  <a:schemeClr val="tx1">
-                    <a:lumMod val="75000"/>
-                    <a:lumOff val="25000"/>
-                  </a:schemeClr>
-                </a:solidFill>
-                <a:latin typeface="+mn-lt"/>
-                <a:ea typeface="+mn-ea"/>
-                <a:cs typeface="+mn-cs"/>
-              </a:defRPr>
-            </a:lvl1pPr>
-            <a:lvl2pPr marL="742950" indent="-285750" algn="l" defTabSz="457200" rtl="0" eaLnBrk="1" latinLnBrk="0" hangingPunct="1">
-              <a:spcBef>
-                <a:spcPts val="1000"/>
-              </a:spcBef>
-              <a:spcAft>
-                <a:spcPts val="0"/>
-              </a:spcAft>
-              <a:buClr>
-                <a:schemeClr val="accent1"/>
-              </a:buClr>
-              <a:buSzPct val="80000"/>
-              <a:buFont typeface="Wingdings 3" charset="2"/>
-              <a:buChar char=""/>
-              <a:defRPr sz="1600" kern="1200">
-                <a:solidFill>
-                  <a:schemeClr val="tx1">
-                    <a:lumMod val="75000"/>
-                    <a:lumOff val="25000"/>
-                  </a:schemeClr>
-                </a:solidFill>
-                <a:latin typeface="+mn-lt"/>
-                <a:ea typeface="+mn-ea"/>
-                <a:cs typeface="+mn-cs"/>
-              </a:defRPr>
-            </a:lvl2pPr>
-            <a:lvl3pPr marL="1143000" indent="-228600" algn="l" defTabSz="457200" rtl="0" eaLnBrk="1" latinLnBrk="0" hangingPunct="1">
-              <a:spcBef>
-                <a:spcPts val="1000"/>
-              </a:spcBef>
-              <a:spcAft>
-                <a:spcPts val="0"/>
-              </a:spcAft>
-              <a:buClr>
-                <a:schemeClr val="accent1"/>
-              </a:buClr>
-              <a:buSzPct val="80000"/>
-              <a:buFont typeface="Wingdings 3" charset="2"/>
-              <a:buChar char=""/>
-              <a:defRPr sz="1400" kern="1200">
-                <a:solidFill>
-                  <a:schemeClr val="tx1">
-                    <a:lumMod val="75000"/>
-                    <a:lumOff val="25000"/>
-                  </a:schemeClr>
-                </a:solidFill>
-                <a:latin typeface="+mn-lt"/>
-                <a:ea typeface="+mn-ea"/>
-                <a:cs typeface="+mn-cs"/>
-              </a:defRPr>
-            </a:lvl3pPr>
-            <a:lvl4pPr marL="1600200" indent="-228600" algn="l" defTabSz="457200" rtl="0" eaLnBrk="1" latinLnBrk="0" hangingPunct="1">
-              <a:spcBef>
-                <a:spcPts val="1000"/>
-              </a:spcBef>
-              <a:spcAft>
-                <a:spcPts val="0"/>
-              </a:spcAft>
-              <a:buClr>
-                <a:schemeClr val="accent1"/>
-              </a:buClr>
-              <a:buSzPct val="80000"/>
-              <a:buFont typeface="Wingdings 3" charset="2"/>
-              <a:buChar char=""/>
-              <a:defRPr sz="1200" kern="1200">
-                <a:solidFill>
-                  <a:schemeClr val="tx1">
-                    <a:lumMod val="75000"/>
-                    <a:lumOff val="25000"/>
-                  </a:schemeClr>
-                </a:solidFill>
-                <a:latin typeface="+mn-lt"/>
-                <a:ea typeface="+mn-ea"/>
-                <a:cs typeface="+mn-cs"/>
-              </a:defRPr>
-            </a:lvl4pPr>
-            <a:lvl5pPr marL="2057400" indent="-228600" algn="l" defTabSz="457200" rtl="0" eaLnBrk="1" latinLnBrk="0" hangingPunct="1">
-              <a:spcBef>
-                <a:spcPts val="1000"/>
-              </a:spcBef>
-              <a:spcAft>
-                <a:spcPts val="0"/>
-              </a:spcAft>
-              <a:buClr>
-                <a:schemeClr val="accent1"/>
-              </a:buClr>
-              <a:buSzPct val="80000"/>
-              <a:buFont typeface="Wingdings 3" charset="2"/>
-              <a:buChar char=""/>
-              <a:defRPr sz="1200" kern="1200">
-                <a:solidFill>
-                  <a:schemeClr val="tx1">
-                    <a:lumMod val="75000"/>
-                    <a:lumOff val="25000"/>
-                  </a:schemeClr>
-                </a:solidFill>
-                <a:latin typeface="+mn-lt"/>
-                <a:ea typeface="+mn-ea"/>
-                <a:cs typeface="+mn-cs"/>
-              </a:defRPr>
-            </a:lvl5pPr>
-            <a:lvl6pPr marL="2514600" indent="-228600" algn="l" defTabSz="457200" rtl="0" eaLnBrk="1" latinLnBrk="0" hangingPunct="1">
-              <a:spcBef>
-                <a:spcPts val="1000"/>
-              </a:spcBef>
-              <a:spcAft>
-                <a:spcPts val="0"/>
-              </a:spcAft>
-              <a:buClr>
-                <a:schemeClr val="accent1"/>
-              </a:buClr>
-              <a:buSzPct val="80000"/>
-              <a:buFont typeface="Wingdings 3" charset="2"/>
-              <a:buChar char=""/>
-              <a:defRPr sz="1200" kern="1200">
-                <a:solidFill>
-                  <a:schemeClr val="tx1">
-                    <a:lumMod val="75000"/>
-                    <a:lumOff val="25000"/>
-                  </a:schemeClr>
-                </a:solidFill>
-                <a:latin typeface="+mn-lt"/>
-                <a:ea typeface="+mn-ea"/>
-                <a:cs typeface="+mn-cs"/>
-              </a:defRPr>
-            </a:lvl6pPr>
-            <a:lvl7pPr marL="2971800" indent="-228600" algn="l" defTabSz="457200" rtl="0" eaLnBrk="1" latinLnBrk="0" hangingPunct="1">
-              <a:spcBef>
-                <a:spcPts val="1000"/>
-              </a:spcBef>
-              <a:spcAft>
-                <a:spcPts val="0"/>
-              </a:spcAft>
-              <a:buClr>
-                <a:schemeClr val="accent1"/>
-              </a:buClr>
-              <a:buSzPct val="80000"/>
-              <a:buFont typeface="Wingdings 3" charset="2"/>
-              <a:buChar char=""/>
-              <a:defRPr sz="1200" kern="1200">
-                <a:solidFill>
-                  <a:schemeClr val="tx1">
-                    <a:lumMod val="75000"/>
-                    <a:lumOff val="25000"/>
-                  </a:schemeClr>
-                </a:solidFill>
-                <a:latin typeface="+mn-lt"/>
-                <a:ea typeface="+mn-ea"/>
-                <a:cs typeface="+mn-cs"/>
-              </a:defRPr>
-            </a:lvl7pPr>
-            <a:lvl8pPr marL="3429000" indent="-228600" algn="l" defTabSz="457200" rtl="0" eaLnBrk="1" latinLnBrk="0" hangingPunct="1">
-              <a:spcBef>
-                <a:spcPts val="1000"/>
-              </a:spcBef>
-              <a:spcAft>
-                <a:spcPts val="0"/>
-              </a:spcAft>
-              <a:buClr>
-                <a:schemeClr val="accent1"/>
-              </a:buClr>
-              <a:buSzPct val="80000"/>
-              <a:buFont typeface="Wingdings 3" charset="2"/>
-              <a:buChar char=""/>
-              <a:defRPr sz="1200" kern="1200">
-                <a:solidFill>
-                  <a:schemeClr val="tx1">
-                    <a:lumMod val="75000"/>
-                    <a:lumOff val="25000"/>
-                  </a:schemeClr>
-                </a:solidFill>
-                <a:latin typeface="+mn-lt"/>
-                <a:ea typeface="+mn-ea"/>
-                <a:cs typeface="+mn-cs"/>
-              </a:defRPr>
-            </a:lvl8pPr>
-            <a:lvl9pPr marL="3886200" indent="-228600" algn="l" defTabSz="457200" rtl="0" eaLnBrk="1" latinLnBrk="0" hangingPunct="1">
-              <a:spcBef>
-                <a:spcPts val="1000"/>
-              </a:spcBef>
-              <a:spcAft>
-                <a:spcPts val="0"/>
-              </a:spcAft>
-              <a:buClr>
-                <a:schemeClr val="accent1"/>
-              </a:buClr>
-              <a:buSzPct val="80000"/>
-              <a:buFont typeface="Wingdings 3" charset="2"/>
-              <a:buChar char=""/>
-              <a:defRPr sz="1200" kern="1200">
-                <a:solidFill>
-                  <a:schemeClr val="tx1">
-                    <a:lumMod val="75000"/>
-                    <a:lumOff val="25000"/>
-                  </a:schemeClr>
-                </a:solidFill>
-                <a:latin typeface="+mn-lt"/>
-                <a:ea typeface="+mn-ea"/>
-                <a:cs typeface="+mn-cs"/>
-              </a:defRPr>
-            </a:lvl9pPr>
-          </a:lstStyle>
-          <a:p>
-            <a:pPr marL="457200" lvl="1" indent="0">
-              <a:buNone/>
-            </a:pPr>
-            <a:r>
-              <a:rPr lang="en-US" sz="2000" dirty="0"/>
-              <a:t>Approximate BEV driving coverage enabled by providing DCFC stations along the U.S. Interstate System from NREL Report on Station Infrastructure</a:t>
-            </a:r>
-          </a:p>
-        </p:txBody>
-      </p:sp>
-    </p:spTree>
-    <p:extLst>
-      <p:ext uri="{BB962C8B-B14F-4D97-AF65-F5344CB8AC3E}">
-        <p14:creationId xmlns:p14="http://schemas.microsoft.com/office/powerpoint/2010/main" val="2822931766"/>
-      </p:ext>
-    </p:extLst>
-  </p:cSld>
-  <p:clrMapOvr>
-    <a:masterClrMapping/>
-  </p:clrMapOvr>
-</p:sld>
-</file>
-
-<file path=ppt/slides/slide21.xml><?xml version="1.0" encoding="utf-8"?>
-<p:sld xmlns:a="http://schemas.openxmlformats.org/drawingml/2006/main" xmlns:r="http://schemas.openxmlformats.org/officeDocument/2006/relationships" xmlns:p="http://schemas.openxmlformats.org/presentationml/2006/main">
-  <p:cSld>
-    <p:spTree>
-      <p:nvGrpSpPr>
-        <p:cNvPr id="1" name=""/>
-        <p:cNvGrpSpPr/>
-        <p:nvPr/>
-      </p:nvGrpSpPr>
-      <p:grpSpPr>
-        <a:xfrm>
-          <a:off x="0" y="0"/>
-          <a:ext cx="0" cy="0"/>
-          <a:chOff x="0" y="0"/>
-          <a:chExt cx="0" cy="0"/>
-        </a:xfrm>
-      </p:grpSpPr>
-      <p:sp>
-        <p:nvSpPr>
-          <p:cNvPr id="2" name="Title 1">
-            <a:extLst>
-              <a:ext uri="{FF2B5EF4-FFF2-40B4-BE49-F238E27FC236}">
-                <a16:creationId xmlns:a16="http://schemas.microsoft.com/office/drawing/2014/main" id="{D4AEE445-4C6B-41A6-8054-73192ADCFCEE}"/>
-              </a:ext>
-            </a:extLst>
-          </p:cNvPr>
-          <p:cNvSpPr>
-            <a:spLocks noGrp="1"/>
-          </p:cNvSpPr>
-          <p:nvPr>
-            <p:ph type="title"/>
-          </p:nvPr>
-        </p:nvSpPr>
-        <p:spPr/>
-        <p:txBody>
-          <a:bodyPr/>
-          <a:lstStyle/>
-          <a:p>
-            <a:r>
-              <a:rPr lang="en-US" dirty="0"/>
-              <a:t>Electric Charging Density in the U.S.</a:t>
-            </a:r>
-          </a:p>
-        </p:txBody>
-      </p:sp>
-      <p:sp>
-        <p:nvSpPr>
-          <p:cNvPr id="3" name="Content Placeholder 2">
-            <a:extLst>
-              <a:ext uri="{FF2B5EF4-FFF2-40B4-BE49-F238E27FC236}">
-                <a16:creationId xmlns:a16="http://schemas.microsoft.com/office/drawing/2014/main" id="{E41C0CDC-C682-45BF-A06C-34325AFF2418}"/>
-              </a:ext>
-            </a:extLst>
-          </p:cNvPr>
-          <p:cNvSpPr>
-            <a:spLocks noGrp="1"/>
-          </p:cNvSpPr>
-          <p:nvPr>
-            <p:ph idx="1"/>
-          </p:nvPr>
-        </p:nvSpPr>
-        <p:spPr/>
-        <p:txBody>
-          <a:bodyPr/>
-          <a:lstStyle/>
-          <a:p>
-            <a:endParaRPr lang="en-US" dirty="0"/>
-          </a:p>
-        </p:txBody>
-      </p:sp>
-      <p:pic>
-        <p:nvPicPr>
-          <p:cNvPr id="4" name="Content Placeholder 4">
-            <a:extLst>
-              <a:ext uri="{FF2B5EF4-FFF2-40B4-BE49-F238E27FC236}">
-                <a16:creationId xmlns:a16="http://schemas.microsoft.com/office/drawing/2014/main" id="{60766F10-1767-4928-898B-39FACD7D2578}"/>
-              </a:ext>
-            </a:extLst>
-          </p:cNvPr>
-          <p:cNvPicPr>
-            <a:picLocks noChangeAspect="1"/>
-          </p:cNvPicPr>
-          <p:nvPr/>
-        </p:nvPicPr>
-        <p:blipFill rotWithShape="1">
-          <a:blip r:embed="rId2">
-            <a:extLst>
-              <a:ext uri="{28A0092B-C50C-407E-A947-70E740481C1C}">
-                <a14:useLocalDpi xmlns:a14="http://schemas.microsoft.com/office/drawing/2010/main" val="0"/>
-              </a:ext>
-            </a:extLst>
-          </a:blip>
-          <a:srcRect l="12030" r="16570"/>
-          <a:stretch/>
-        </p:blipFill>
-        <p:spPr>
-          <a:xfrm>
-            <a:off x="915447" y="1498981"/>
-            <a:ext cx="8596668" cy="4749419"/>
-          </a:xfrm>
-          <a:prstGeom prst="rect">
-            <a:avLst/>
-          </a:prstGeom>
-        </p:spPr>
-      </p:pic>
-    </p:spTree>
-    <p:extLst>
-      <p:ext uri="{BB962C8B-B14F-4D97-AF65-F5344CB8AC3E}">
-        <p14:creationId xmlns:p14="http://schemas.microsoft.com/office/powerpoint/2010/main" val="82525152"/>
-      </p:ext>
-    </p:extLst>
-  </p:cSld>
-  <p:clrMapOvr>
-    <a:masterClrMapping/>
-  </p:clrMapOvr>
-</p:sld>
-</file>
-
-<file path=ppt/slides/slide22.xml><?xml version="1.0" encoding="utf-8"?>
-<p:sld xmlns:a="http://schemas.openxmlformats.org/drawingml/2006/main" xmlns:r="http://schemas.openxmlformats.org/officeDocument/2006/relationships" xmlns:p="http://schemas.openxmlformats.org/presentationml/2006/main">
-  <p:cSld>
-    <p:spTree>
-      <p:nvGrpSpPr>
-        <p:cNvPr id="1" name=""/>
-        <p:cNvGrpSpPr/>
-        <p:nvPr/>
-      </p:nvGrpSpPr>
-      <p:grpSpPr>
-        <a:xfrm>
-          <a:off x="0" y="0"/>
-          <a:ext cx="0" cy="0"/>
-          <a:chOff x="0" y="0"/>
-          <a:chExt cx="0" cy="0"/>
-        </a:xfrm>
-      </p:grpSpPr>
-      <p:sp>
-        <p:nvSpPr>
-          <p:cNvPr id="2" name="Title 1">
-            <a:extLst>
-              <a:ext uri="{FF2B5EF4-FFF2-40B4-BE49-F238E27FC236}">
-                <a16:creationId xmlns:a16="http://schemas.microsoft.com/office/drawing/2014/main" id="{997B157C-337B-4C8D-BAC4-30E27C7A5680}"/>
-              </a:ext>
-            </a:extLst>
-          </p:cNvPr>
-          <p:cNvSpPr>
-            <a:spLocks noGrp="1"/>
-          </p:cNvSpPr>
-          <p:nvPr>
-            <p:ph type="title"/>
-          </p:nvPr>
-        </p:nvSpPr>
-        <p:spPr/>
-        <p:txBody>
-          <a:bodyPr/>
-          <a:lstStyle/>
-          <a:p>
-            <a:r>
-              <a:rPr lang="en-US" dirty="0"/>
-              <a:t>Electric Charging Infrastructure in the U.S.</a:t>
-            </a:r>
-          </a:p>
-        </p:txBody>
-      </p:sp>
-      <p:sp>
-        <p:nvSpPr>
-          <p:cNvPr id="3" name="Content Placeholder 2">
-            <a:extLst>
-              <a:ext uri="{FF2B5EF4-FFF2-40B4-BE49-F238E27FC236}">
-                <a16:creationId xmlns:a16="http://schemas.microsoft.com/office/drawing/2014/main" id="{36FB75B0-AC1A-4239-BA92-EB3611538CBA}"/>
-              </a:ext>
-            </a:extLst>
-          </p:cNvPr>
-          <p:cNvSpPr>
-            <a:spLocks noGrp="1"/>
-          </p:cNvSpPr>
-          <p:nvPr>
-            <p:ph idx="1"/>
-          </p:nvPr>
-        </p:nvSpPr>
-        <p:spPr>
-          <a:xfrm>
-            <a:off x="677334" y="2160589"/>
-            <a:ext cx="8596668" cy="3630611"/>
-          </a:xfrm>
-        </p:spPr>
-        <p:txBody>
-          <a:bodyPr>
-            <a:normAutofit/>
-          </a:bodyPr>
-          <a:lstStyle/>
-          <a:p>
-            <a:r>
-              <a:rPr lang="en-US" dirty="0"/>
-              <a:t>We see an increase in stations opened that does track with PEV sales.</a:t>
-            </a:r>
-          </a:p>
-          <a:p>
-            <a:r>
-              <a:rPr lang="en-US" dirty="0"/>
-              <a:t>Station openings slightly lead sales. </a:t>
-            </a:r>
-          </a:p>
-          <a:p>
-            <a:pPr lvl="1"/>
-            <a:r>
-              <a:rPr lang="en-US" dirty="0"/>
-              <a:t>Largest jump in openings occurs in 2010 – 2011, where PEV sales begin to take off.</a:t>
-            </a:r>
-          </a:p>
-          <a:p>
-            <a:pPr lvl="1"/>
-            <a:r>
-              <a:rPr lang="en-US" dirty="0"/>
-              <a:t>Largest increase in stations opened track to the years that the Nissan Leaf and Chevy Volt were introduced (2010 and 2011 respectively) and peaks at the introduction of the Tesla Model S (2012) and again at the introduction of the Model 3 (2016), suggesting station openings are effected by sales and enthusiasm around new car models.</a:t>
-            </a:r>
-          </a:p>
-          <a:p>
-            <a:r>
-              <a:rPr lang="en-US" dirty="0"/>
-              <a:t>Current station density is not high enough to connect most areas of the country outside of dense urban areas and the Eastern Seaboard. </a:t>
-            </a:r>
-          </a:p>
-          <a:p>
-            <a:pPr marL="0" indent="0">
-              <a:buNone/>
-            </a:pPr>
-            <a:endParaRPr lang="en-US" dirty="0"/>
-          </a:p>
-          <a:p>
-            <a:pPr marL="457200" lvl="1" indent="0">
-              <a:buNone/>
-            </a:pPr>
-            <a:endParaRPr lang="en-US" dirty="0"/>
-          </a:p>
-          <a:p>
-            <a:pPr lvl="1"/>
-            <a:endParaRPr lang="en-US" dirty="0"/>
-          </a:p>
-        </p:txBody>
-      </p:sp>
-    </p:spTree>
-    <p:extLst>
-      <p:ext uri="{BB962C8B-B14F-4D97-AF65-F5344CB8AC3E}">
-        <p14:creationId xmlns:p14="http://schemas.microsoft.com/office/powerpoint/2010/main" val="850676878"/>
-      </p:ext>
-    </p:extLst>
-  </p:cSld>
-  <p:clrMapOvr>
-    <a:masterClrMapping/>
-  </p:clrMapOvr>
-</p:sld>
-</file>
-
-<file path=ppt/slides/slide23.xml><?xml version="1.0" encoding="utf-8"?>
-<p:sld xmlns:a="http://schemas.openxmlformats.org/drawingml/2006/main" xmlns:r="http://schemas.openxmlformats.org/officeDocument/2006/relationships" xmlns:p="http://schemas.openxmlformats.org/presentationml/2006/main">
-  <p:cSld>
-    <p:spTree>
-      <p:nvGrpSpPr>
-        <p:cNvPr id="1" name=""/>
-        <p:cNvGrpSpPr/>
-        <p:nvPr/>
-      </p:nvGrpSpPr>
-      <p:grpSpPr>
-        <a:xfrm>
-          <a:off x="0" y="0"/>
-          <a:ext cx="0" cy="0"/>
-          <a:chOff x="0" y="0"/>
-          <a:chExt cx="0" cy="0"/>
-        </a:xfrm>
-      </p:grpSpPr>
-      <p:sp>
-        <p:nvSpPr>
-          <p:cNvPr id="2" name="Title 1">
-            <a:extLst>
-              <a:ext uri="{FF2B5EF4-FFF2-40B4-BE49-F238E27FC236}">
-                <a16:creationId xmlns:a16="http://schemas.microsoft.com/office/drawing/2014/main" id="{BD5C7F76-319F-49A8-B1A7-4B2FEFE45BEE}"/>
-              </a:ext>
-            </a:extLst>
-          </p:cNvPr>
-          <p:cNvSpPr>
-            <a:spLocks noGrp="1"/>
-          </p:cNvSpPr>
-          <p:nvPr>
-            <p:ph type="title"/>
-          </p:nvPr>
-        </p:nvSpPr>
-        <p:spPr/>
-        <p:txBody>
-          <a:bodyPr/>
-          <a:lstStyle/>
-          <a:p>
-            <a:r>
-              <a:rPr lang="en-US" dirty="0"/>
-              <a:t>External Market Factors – State and Federal Incentives and Regulation</a:t>
-            </a:r>
-          </a:p>
-        </p:txBody>
-      </p:sp>
-      <p:sp>
-        <p:nvSpPr>
-          <p:cNvPr id="3" name="Content Placeholder 2">
-            <a:extLst>
-              <a:ext uri="{FF2B5EF4-FFF2-40B4-BE49-F238E27FC236}">
-                <a16:creationId xmlns:a16="http://schemas.microsoft.com/office/drawing/2014/main" id="{1E83FD51-5E0D-4EEC-8863-AE9BB00383AB}"/>
-              </a:ext>
-            </a:extLst>
-          </p:cNvPr>
-          <p:cNvSpPr>
-            <a:spLocks noGrp="1"/>
-          </p:cNvSpPr>
-          <p:nvPr>
-            <p:ph idx="1"/>
-          </p:nvPr>
-        </p:nvSpPr>
-        <p:spPr/>
-        <p:txBody>
-          <a:bodyPr/>
-          <a:lstStyle/>
-          <a:p>
-            <a:r>
-              <a:rPr lang="en-US" dirty="0"/>
-              <a:t>Are sales of electric vehicles effected by incentives (such as tax breaks)?</a:t>
-            </a:r>
-          </a:p>
-          <a:p>
-            <a:endParaRPr lang="en-US" dirty="0"/>
-          </a:p>
-          <a:p>
-            <a:r>
-              <a:rPr lang="en-US" dirty="0"/>
-              <a:t>National Renewable Energy Laboratory API for Alternative Fuel Stations </a:t>
-            </a:r>
-            <a:r>
-              <a:rPr lang="en-US" u="sng" dirty="0">
-                <a:hlinkClick r:id="rId2"/>
-              </a:rPr>
-              <a:t>https://developer.nrel.gov/docs/transportation/transportation-incentives-laws-v1/</a:t>
-            </a:r>
-            <a:endParaRPr lang="en-US" u="sng" dirty="0"/>
-          </a:p>
-          <a:p>
-            <a:r>
-              <a:rPr lang="en-US" dirty="0"/>
-              <a:t>Parameters</a:t>
-            </a:r>
-          </a:p>
-          <a:p>
-            <a:pPr lvl="1"/>
-            <a:r>
-              <a:rPr lang="en-US" dirty="0"/>
-              <a:t>Electric, Plug in Electric, or Hybrid Vehicles </a:t>
-            </a:r>
-          </a:p>
-          <a:p>
-            <a:pPr lvl="1"/>
-            <a:r>
-              <a:rPr lang="en-US" dirty="0"/>
-              <a:t>Must include provisions that effect individuals (IND parameter key)</a:t>
-            </a:r>
-          </a:p>
-          <a:p>
-            <a:pPr lvl="1"/>
-            <a:endParaRPr lang="en-US" dirty="0"/>
-          </a:p>
-          <a:p>
-            <a:endParaRPr lang="en-US" dirty="0"/>
-          </a:p>
-          <a:p>
-            <a:endParaRPr lang="en-US" dirty="0"/>
-          </a:p>
-        </p:txBody>
-      </p:sp>
-    </p:spTree>
-    <p:extLst>
-      <p:ext uri="{BB962C8B-B14F-4D97-AF65-F5344CB8AC3E}">
-        <p14:creationId xmlns:p14="http://schemas.microsoft.com/office/powerpoint/2010/main" val="1286086221"/>
-      </p:ext>
-    </p:extLst>
-  </p:cSld>
-  <p:clrMapOvr>
-    <a:masterClrMapping/>
-  </p:clrMapOvr>
-</p:sld>
-</file>
-
-<file path=ppt/slides/slide24.xml><?xml version="1.0" encoding="utf-8"?>
-<p:sld xmlns:a="http://schemas.openxmlformats.org/drawingml/2006/main" xmlns:r="http://schemas.openxmlformats.org/officeDocument/2006/relationships" xmlns:p="http://schemas.openxmlformats.org/presentationml/2006/main">
-  <p:cSld>
-    <p:spTree>
-      <p:nvGrpSpPr>
-        <p:cNvPr id="1" name=""/>
-        <p:cNvGrpSpPr/>
-        <p:nvPr/>
-      </p:nvGrpSpPr>
-      <p:grpSpPr>
-        <a:xfrm>
-          <a:off x="0" y="0"/>
-          <a:ext cx="0" cy="0"/>
-          <a:chOff x="0" y="0"/>
-          <a:chExt cx="0" cy="0"/>
-        </a:xfrm>
-      </p:grpSpPr>
-      <p:sp>
-        <p:nvSpPr>
-          <p:cNvPr id="2" name="Title 1">
-            <a:extLst>
-              <a:ext uri="{FF2B5EF4-FFF2-40B4-BE49-F238E27FC236}">
-                <a16:creationId xmlns:a16="http://schemas.microsoft.com/office/drawing/2014/main" id="{A3D70A1E-4DF4-4EC3-9EDA-D1E64A643E54}"/>
-              </a:ext>
-            </a:extLst>
-          </p:cNvPr>
-          <p:cNvSpPr>
-            <a:spLocks noGrp="1"/>
-          </p:cNvSpPr>
-          <p:nvPr>
-            <p:ph type="title"/>
-          </p:nvPr>
-        </p:nvSpPr>
-        <p:spPr/>
-        <p:txBody>
-          <a:bodyPr/>
-          <a:lstStyle/>
-          <a:p>
-            <a:r>
-              <a:rPr lang="en-US" dirty="0"/>
-              <a:t>State and Federal Exemptions for Electric and Hybrid Vehicles</a:t>
-            </a:r>
-          </a:p>
-        </p:txBody>
-      </p:sp>
-      <p:pic>
-        <p:nvPicPr>
-          <p:cNvPr id="4" name="Content Placeholder 7">
-            <a:extLst>
-              <a:ext uri="{FF2B5EF4-FFF2-40B4-BE49-F238E27FC236}">
-                <a16:creationId xmlns:a16="http://schemas.microsoft.com/office/drawing/2014/main" id="{7DE1A20B-25B0-4966-AC97-C7A5FEC97D81}"/>
-              </a:ext>
-            </a:extLst>
-          </p:cNvPr>
-          <p:cNvPicPr>
-            <a:picLocks noGrp="1" noChangeAspect="1"/>
-          </p:cNvPicPr>
-          <p:nvPr>
-            <p:ph idx="1"/>
-          </p:nvPr>
-        </p:nvPicPr>
-        <p:blipFill>
-          <a:blip r:embed="rId2">
-            <a:extLst>
-              <a:ext uri="{28A0092B-C50C-407E-A947-70E740481C1C}">
-                <a14:useLocalDpi xmlns:a14="http://schemas.microsoft.com/office/drawing/2010/main" val="0"/>
-              </a:ext>
-            </a:extLst>
-          </a:blip>
-          <a:stretch>
-            <a:fillRect/>
-          </a:stretch>
-        </p:blipFill>
-        <p:spPr>
-          <a:xfrm>
-            <a:off x="1737359" y="1727200"/>
-            <a:ext cx="7264401" cy="4842934"/>
-          </a:xfrm>
-          <a:prstGeom prst="rect">
-            <a:avLst/>
-          </a:prstGeom>
-        </p:spPr>
-      </p:pic>
-    </p:spTree>
-    <p:extLst>
-      <p:ext uri="{BB962C8B-B14F-4D97-AF65-F5344CB8AC3E}">
-        <p14:creationId xmlns:p14="http://schemas.microsoft.com/office/powerpoint/2010/main" val="705474371"/>
-      </p:ext>
-    </p:extLst>
-  </p:cSld>
-  <p:clrMapOvr>
-    <a:masterClrMapping/>
-  </p:clrMapOvr>
-</p:sld>
-</file>
-
-<file path=ppt/slides/slide25.xml><?xml version="1.0" encoding="utf-8"?>
-<p:sld xmlns:a="http://schemas.openxmlformats.org/drawingml/2006/main" xmlns:r="http://schemas.openxmlformats.org/officeDocument/2006/relationships" xmlns:p="http://schemas.openxmlformats.org/presentationml/2006/main">
-  <p:cSld>
-    <p:spTree>
-      <p:nvGrpSpPr>
-        <p:cNvPr id="1" name=""/>
-        <p:cNvGrpSpPr/>
-        <p:nvPr/>
-      </p:nvGrpSpPr>
-      <p:grpSpPr>
-        <a:xfrm>
-          <a:off x="0" y="0"/>
-          <a:ext cx="0" cy="0"/>
-          <a:chOff x="0" y="0"/>
-          <a:chExt cx="0" cy="0"/>
-        </a:xfrm>
-      </p:grpSpPr>
-      <p:sp>
-        <p:nvSpPr>
-          <p:cNvPr id="2" name="Title 1">
-            <a:extLst>
-              <a:ext uri="{FF2B5EF4-FFF2-40B4-BE49-F238E27FC236}">
-                <a16:creationId xmlns:a16="http://schemas.microsoft.com/office/drawing/2014/main" id="{1B01FD76-E15C-4B1C-9FF8-8B4DBCB5CD43}"/>
-              </a:ext>
-            </a:extLst>
-          </p:cNvPr>
-          <p:cNvSpPr>
-            <a:spLocks noGrp="1"/>
-          </p:cNvSpPr>
-          <p:nvPr>
-            <p:ph type="title"/>
-          </p:nvPr>
-        </p:nvSpPr>
-        <p:spPr/>
-        <p:txBody>
-          <a:bodyPr/>
-          <a:lstStyle/>
-          <a:p>
-            <a:r>
-              <a:rPr lang="en-US" dirty="0"/>
-              <a:t>Summary</a:t>
-            </a:r>
-          </a:p>
-        </p:txBody>
-      </p:sp>
-      <p:sp>
-        <p:nvSpPr>
-          <p:cNvPr id="3" name="Content Placeholder 2">
-            <a:extLst>
-              <a:ext uri="{FF2B5EF4-FFF2-40B4-BE49-F238E27FC236}">
-                <a16:creationId xmlns:a16="http://schemas.microsoft.com/office/drawing/2014/main" id="{0BC4A7CB-4614-4161-BF47-3547851FE87C}"/>
-              </a:ext>
-            </a:extLst>
-          </p:cNvPr>
-          <p:cNvSpPr>
-            <a:spLocks noGrp="1"/>
-          </p:cNvSpPr>
-          <p:nvPr>
-            <p:ph idx="1"/>
-          </p:nvPr>
-        </p:nvSpPr>
-        <p:spPr/>
-        <p:txBody>
-          <a:bodyPr/>
-          <a:lstStyle/>
-          <a:p>
-            <a:r>
-              <a:rPr lang="en-US" dirty="0"/>
-              <a:t>There is a rise in incentives passed at the state and federal level and the rise in PEV sales.</a:t>
-            </a:r>
-          </a:p>
-          <a:p>
-            <a:r>
-              <a:rPr lang="en-US" dirty="0"/>
-              <a:t>Limits of the data</a:t>
-            </a:r>
-          </a:p>
-        </p:txBody>
-      </p:sp>
-    </p:spTree>
-    <p:extLst>
-      <p:ext uri="{BB962C8B-B14F-4D97-AF65-F5344CB8AC3E}">
-        <p14:creationId xmlns:p14="http://schemas.microsoft.com/office/powerpoint/2010/main" val="3337232669"/>
-      </p:ext>
-    </p:extLst>
-  </p:cSld>
-  <p:clrMapOvr>
-    <a:masterClrMapping/>
-  </p:clrMapOvr>
-</p:sld>
-</file>
-
-<file path=ppt/slides/slide26.xml><?xml version="1.0" encoding="utf-8"?>
-<p:sld xmlns:a="http://schemas.openxmlformats.org/drawingml/2006/main" xmlns:r="http://schemas.openxmlformats.org/officeDocument/2006/relationships" xmlns:p="http://schemas.openxmlformats.org/presentationml/2006/main">
-  <p:cSld>
-    <p:spTree>
-      <p:nvGrpSpPr>
-        <p:cNvPr id="1" name=""/>
-        <p:cNvGrpSpPr/>
-        <p:nvPr/>
-      </p:nvGrpSpPr>
-      <p:grpSpPr>
-        <a:xfrm>
-          <a:off x="0" y="0"/>
-          <a:ext cx="0" cy="0"/>
-          <a:chOff x="0" y="0"/>
-          <a:chExt cx="0" cy="0"/>
-        </a:xfrm>
-      </p:grpSpPr>
-      <p:sp>
-        <p:nvSpPr>
           <p:cNvPr id="2" name="Title 1">
             <a:extLst>
               <a:ext uri="{FF2B5EF4-FFF2-40B4-BE49-F238E27FC236}">
@@ -8916,164 +7226,7 @@
 </p:sld>
 </file>
 
-<file path=ppt/slides/slide27.xml><?xml version="1.0" encoding="utf-8"?>
-<p:sld xmlns:a="http://schemas.openxmlformats.org/drawingml/2006/main" xmlns:r="http://schemas.openxmlformats.org/officeDocument/2006/relationships" xmlns:p="http://schemas.openxmlformats.org/presentationml/2006/main">
-  <p:cSld>
-    <p:spTree>
-      <p:nvGrpSpPr>
-        <p:cNvPr id="1" name=""/>
-        <p:cNvGrpSpPr/>
-        <p:nvPr/>
-      </p:nvGrpSpPr>
-      <p:grpSpPr>
-        <a:xfrm>
-          <a:off x="0" y="0"/>
-          <a:ext cx="0" cy="0"/>
-          <a:chOff x="0" y="0"/>
-          <a:chExt cx="0" cy="0"/>
-        </a:xfrm>
-      </p:grpSpPr>
-      <p:sp>
-        <p:nvSpPr>
-          <p:cNvPr id="2" name="Title 1">
-            <a:extLst>
-              <a:ext uri="{FF2B5EF4-FFF2-40B4-BE49-F238E27FC236}">
-                <a16:creationId xmlns:a16="http://schemas.microsoft.com/office/drawing/2014/main" id="{5E0CDF61-D443-46B4-8853-6216FBEBC082}"/>
-              </a:ext>
-            </a:extLst>
-          </p:cNvPr>
-          <p:cNvSpPr>
-            <a:spLocks noGrp="1"/>
-          </p:cNvSpPr>
-          <p:nvPr>
-            <p:ph type="title"/>
-          </p:nvPr>
-        </p:nvSpPr>
-        <p:spPr/>
-        <p:txBody>
-          <a:bodyPr/>
-          <a:lstStyle/>
-          <a:p>
-            <a:r>
-              <a:rPr lang="en-US" dirty="0"/>
-              <a:t>Data Cleanup &amp; Exploration</a:t>
-            </a:r>
-          </a:p>
-        </p:txBody>
-      </p:sp>
-      <p:sp>
-        <p:nvSpPr>
-          <p:cNvPr id="3" name="Content Placeholder 2">
-            <a:extLst>
-              <a:ext uri="{FF2B5EF4-FFF2-40B4-BE49-F238E27FC236}">
-                <a16:creationId xmlns:a16="http://schemas.microsoft.com/office/drawing/2014/main" id="{BDECCC88-8DF0-4508-9084-6EB00371806F}"/>
-              </a:ext>
-            </a:extLst>
-          </p:cNvPr>
-          <p:cNvSpPr>
-            <a:spLocks noGrp="1"/>
-          </p:cNvSpPr>
-          <p:nvPr>
-            <p:ph idx="1"/>
-          </p:nvPr>
-        </p:nvSpPr>
-        <p:spPr>
-          <a:xfrm>
-            <a:off x="677334" y="1488613"/>
-            <a:ext cx="8596668" cy="3880773"/>
-          </a:xfrm>
-        </p:spPr>
-        <p:txBody>
-          <a:bodyPr/>
-          <a:lstStyle/>
-          <a:p>
-            <a:r>
-              <a:rPr lang="en-US" dirty="0"/>
-              <a:t>US Air Pollution data (2000-2016) via Kaggle</a:t>
-            </a:r>
-          </a:p>
-          <a:p>
-            <a:r>
-              <a:rPr lang="en-US" dirty="0"/>
-              <a:t>Read CSV into a pandas </a:t>
-            </a:r>
-            <a:r>
-              <a:rPr lang="en-US" dirty="0" err="1"/>
-              <a:t>DataFrame</a:t>
-            </a:r>
-            <a:endParaRPr lang="en-US" dirty="0"/>
-          </a:p>
-          <a:p>
-            <a:r>
-              <a:rPr lang="en-US" dirty="0"/>
-              <a:t>Get rid of unnecessary data</a:t>
-            </a:r>
-          </a:p>
-          <a:p>
-            <a:r>
-              <a:rPr lang="en-US" dirty="0"/>
-              <a:t>Handle multiple records for same day (measured in morning and afternoon)</a:t>
-            </a:r>
-          </a:p>
-          <a:p>
-            <a:r>
-              <a:rPr lang="en-US" dirty="0"/>
-              <a:t>Separate data by Year, and return max AQI value for each pollutant by Year</a:t>
-            </a:r>
-          </a:p>
-          <a:p>
-            <a:r>
-              <a:rPr lang="en-US" dirty="0"/>
-              <a:t>Using </a:t>
-            </a:r>
-            <a:r>
-              <a:rPr lang="en-US" dirty="0" err="1"/>
-              <a:t>Cartopy</a:t>
-            </a:r>
-            <a:r>
-              <a:rPr lang="en-US" dirty="0"/>
-              <a:t>, create a US Map Figure while color coding shape based on AQI value for a given year</a:t>
-            </a:r>
-          </a:p>
-          <a:p>
-            <a:r>
-              <a:rPr lang="en-US" dirty="0"/>
-              <a:t>Using matplotlib, leverage </a:t>
-            </a:r>
-            <a:r>
-              <a:rPr lang="en-US" dirty="0" err="1"/>
-              <a:t>FuncAnimation</a:t>
-            </a:r>
-            <a:r>
-              <a:rPr lang="en-US" dirty="0"/>
-              <a:t> to create animation that shows Max AQI values for each year from 2000-2016</a:t>
-            </a:r>
-          </a:p>
-          <a:p>
-            <a:r>
-              <a:rPr lang="en-US" dirty="0"/>
-              <a:t>Repeat for each air pollutant</a:t>
-            </a:r>
-          </a:p>
-          <a:p>
-            <a:endParaRPr lang="en-US" dirty="0"/>
-          </a:p>
-        </p:txBody>
-      </p:sp>
-    </p:spTree>
-    <p:extLst>
-      <p:ext uri="{BB962C8B-B14F-4D97-AF65-F5344CB8AC3E}">
-        <p14:creationId xmlns:p14="http://schemas.microsoft.com/office/powerpoint/2010/main" val="4294828183"/>
-      </p:ext>
-    </p:extLst>
-  </p:cSld>
-  <p:clrMapOvr>
-    <a:masterClrMapping/>
-  </p:clrMapOvr>
-</p:sld>
-</file>
-
-<file path=ppt/slides/slide28.xml><?xml version="1.0" encoding="utf-8"?>
+<file path=ppt/slides/slide21.xml><?xml version="1.0" encoding="utf-8"?>
 <p:sld xmlns:a="http://schemas.openxmlformats.org/drawingml/2006/main" xmlns:r="http://schemas.openxmlformats.org/officeDocument/2006/relationships" xmlns:p="http://schemas.openxmlformats.org/presentationml/2006/main">
   <p:cSld>
     <p:spTree>
@@ -9235,229 +7388,7 @@
 </p:sld>
 </file>
 
-<file path=ppt/slides/slide29.xml><?xml version="1.0" encoding="utf-8"?>
-<p:sld xmlns:a="http://schemas.openxmlformats.org/drawingml/2006/main" xmlns:r="http://schemas.openxmlformats.org/officeDocument/2006/relationships" xmlns:p="http://schemas.openxmlformats.org/presentationml/2006/main">
-  <p:cSld>
-    <p:spTree>
-      <p:nvGrpSpPr>
-        <p:cNvPr id="1" name=""/>
-        <p:cNvGrpSpPr/>
-        <p:nvPr/>
-      </p:nvGrpSpPr>
-      <p:grpSpPr>
-        <a:xfrm>
-          <a:off x="0" y="0"/>
-          <a:ext cx="0" cy="0"/>
-          <a:chOff x="0" y="0"/>
-          <a:chExt cx="0" cy="0"/>
-        </a:xfrm>
-      </p:grpSpPr>
-      <p:sp>
-        <p:nvSpPr>
-          <p:cNvPr id="2" name="Title 1">
-            <a:extLst>
-              <a:ext uri="{FF2B5EF4-FFF2-40B4-BE49-F238E27FC236}">
-                <a16:creationId xmlns:a16="http://schemas.microsoft.com/office/drawing/2014/main" id="{1511E2FD-328E-4E61-BBB4-31052CCEF18D}"/>
-              </a:ext>
-            </a:extLst>
-          </p:cNvPr>
-          <p:cNvSpPr>
-            <a:spLocks noGrp="1"/>
-          </p:cNvSpPr>
-          <p:nvPr>
-            <p:ph type="title"/>
-          </p:nvPr>
-        </p:nvSpPr>
-        <p:spPr/>
-        <p:txBody>
-          <a:bodyPr/>
-          <a:lstStyle/>
-          <a:p>
-            <a:endParaRPr lang="en-US"/>
-          </a:p>
-        </p:txBody>
-      </p:sp>
-      <p:pic>
-        <p:nvPicPr>
-          <p:cNvPr id="4" name="Picture 3">
-            <a:extLst>
-              <a:ext uri="{FF2B5EF4-FFF2-40B4-BE49-F238E27FC236}">
-                <a16:creationId xmlns:a16="http://schemas.microsoft.com/office/drawing/2014/main" id="{3E3349A6-CBD9-4F6A-B1C3-E6CF197D798D}"/>
-              </a:ext>
-            </a:extLst>
-          </p:cNvPr>
-          <p:cNvPicPr>
-            <a:picLocks noChangeAspect="1"/>
-          </p:cNvPicPr>
-          <p:nvPr/>
-        </p:nvPicPr>
-        <p:blipFill>
-          <a:blip r:embed="rId2"/>
-          <a:stretch>
-            <a:fillRect/>
-          </a:stretch>
-        </p:blipFill>
-        <p:spPr>
-          <a:xfrm>
-            <a:off x="297401" y="0"/>
-            <a:ext cx="11597198" cy="6858000"/>
-          </a:xfrm>
-          <a:prstGeom prst="rect">
-            <a:avLst/>
-          </a:prstGeom>
-        </p:spPr>
-      </p:pic>
-    </p:spTree>
-    <p:extLst>
-      <p:ext uri="{BB962C8B-B14F-4D97-AF65-F5344CB8AC3E}">
-        <p14:creationId xmlns:p14="http://schemas.microsoft.com/office/powerpoint/2010/main" val="1334711474"/>
-      </p:ext>
-    </p:extLst>
-  </p:cSld>
-  <p:clrMapOvr>
-    <a:masterClrMapping/>
-  </p:clrMapOvr>
-</p:sld>
-</file>
-
-<file path=ppt/slides/slide3.xml><?xml version="1.0" encoding="utf-8"?>
-<p:sld xmlns:a="http://schemas.openxmlformats.org/drawingml/2006/main" xmlns:r="http://schemas.openxmlformats.org/officeDocument/2006/relationships" xmlns:p="http://schemas.openxmlformats.org/presentationml/2006/main">
-  <p:cSld>
-    <p:spTree>
-      <p:nvGrpSpPr>
-        <p:cNvPr id="1" name=""/>
-        <p:cNvGrpSpPr/>
-        <p:nvPr/>
-      </p:nvGrpSpPr>
-      <p:grpSpPr>
-        <a:xfrm>
-          <a:off x="0" y="0"/>
-          <a:ext cx="0" cy="0"/>
-          <a:chOff x="0" y="0"/>
-          <a:chExt cx="0" cy="0"/>
-        </a:xfrm>
-      </p:grpSpPr>
-      <p:sp>
-        <p:nvSpPr>
-          <p:cNvPr id="2" name="Title 1">
-            <a:extLst>
-              <a:ext uri="{FF2B5EF4-FFF2-40B4-BE49-F238E27FC236}">
-                <a16:creationId xmlns:a16="http://schemas.microsoft.com/office/drawing/2014/main" id="{EAD63432-2154-4C58-A66A-E16DC15663A2}"/>
-              </a:ext>
-            </a:extLst>
-          </p:cNvPr>
-          <p:cNvSpPr>
-            <a:spLocks noGrp="1"/>
-          </p:cNvSpPr>
-          <p:nvPr>
-            <p:ph type="title"/>
-          </p:nvPr>
-        </p:nvSpPr>
-        <p:spPr/>
-        <p:txBody>
-          <a:bodyPr/>
-          <a:lstStyle/>
-          <a:p>
-            <a:r>
-              <a:rPr lang="en-US" dirty="0"/>
-              <a:t>Questions</a:t>
-            </a:r>
-          </a:p>
-        </p:txBody>
-      </p:sp>
-      <p:sp>
-        <p:nvSpPr>
-          <p:cNvPr id="3" name="Content Placeholder 2">
-            <a:extLst>
-              <a:ext uri="{FF2B5EF4-FFF2-40B4-BE49-F238E27FC236}">
-                <a16:creationId xmlns:a16="http://schemas.microsoft.com/office/drawing/2014/main" id="{70D8A547-BA4D-4C0F-A46B-7499FE4AF5CD}"/>
-              </a:ext>
-            </a:extLst>
-          </p:cNvPr>
-          <p:cNvSpPr>
-            <a:spLocks noGrp="1"/>
-          </p:cNvSpPr>
-          <p:nvPr>
-            <p:ph idx="1"/>
-          </p:nvPr>
-        </p:nvSpPr>
-        <p:spPr/>
-        <p:txBody>
-          <a:bodyPr/>
-          <a:lstStyle/>
-          <a:p>
-            <a:r>
-              <a:rPr lang="en-US" dirty="0"/>
-              <a:t>What is the market share of Plug-in Electric (PEV) and Hybrid Vehicles (HEV) and how does it compare to gas powered cars over time?</a:t>
-            </a:r>
-          </a:p>
-          <a:p>
-            <a:pPr lvl="1"/>
-            <a:r>
-              <a:rPr lang="en-US" dirty="0"/>
-              <a:t>Is there an increase or decrease in overall sales of PEVs and HEVs?</a:t>
-            </a:r>
-          </a:p>
-          <a:p>
-            <a:r>
-              <a:rPr lang="en-US" dirty="0"/>
-              <a:t>What factors affect sales of electric vehicles?</a:t>
-            </a:r>
-          </a:p>
-          <a:p>
-            <a:pPr lvl="1"/>
-            <a:r>
-              <a:rPr lang="en-US" dirty="0"/>
-              <a:t>Internal Market Factors</a:t>
-            </a:r>
-          </a:p>
-          <a:p>
-            <a:pPr lvl="1"/>
-            <a:r>
-              <a:rPr lang="en-US" dirty="0"/>
-              <a:t>External Market Factors</a:t>
-            </a:r>
-          </a:p>
-          <a:p>
-            <a:r>
-              <a:rPr lang="en-US" dirty="0"/>
-              <a:t>Is there a correlation between electric vehicle adoption and air pollution levels?</a:t>
-            </a:r>
-          </a:p>
-          <a:p>
-            <a:pPr marL="0" indent="0">
-              <a:buNone/>
-            </a:pPr>
-            <a:endParaRPr lang="en-US" dirty="0"/>
-          </a:p>
-          <a:p>
-            <a:endParaRPr lang="en-US" dirty="0"/>
-          </a:p>
-          <a:p>
-            <a:pPr marL="0" indent="0">
-              <a:buNone/>
-            </a:pPr>
-            <a:endParaRPr lang="en-US" dirty="0"/>
-          </a:p>
-          <a:p>
-            <a:endParaRPr lang="en-US" dirty="0"/>
-          </a:p>
-        </p:txBody>
-      </p:sp>
-    </p:spTree>
-    <p:extLst>
-      <p:ext uri="{BB962C8B-B14F-4D97-AF65-F5344CB8AC3E}">
-        <p14:creationId xmlns:p14="http://schemas.microsoft.com/office/powerpoint/2010/main" val="1180815208"/>
-      </p:ext>
-    </p:extLst>
-  </p:cSld>
-  <p:clrMapOvr>
-    <a:masterClrMapping/>
-  </p:clrMapOvr>
-</p:sld>
-</file>
-
-<file path=ppt/slides/slide30.xml><?xml version="1.0" encoding="utf-8"?>
+<file path=ppt/slides/slide22.xml><?xml version="1.0" encoding="utf-8"?>
 <p:sld xmlns:a="http://schemas.openxmlformats.org/drawingml/2006/main" xmlns:r="http://schemas.openxmlformats.org/officeDocument/2006/relationships" xmlns:p="http://schemas.openxmlformats.org/presentationml/2006/main">
   <p:cSld>
     <p:spTree>
@@ -9720,7 +7651,7 @@
 </p:sld>
 </file>
 
-<file path=ppt/slides/slide31.xml><?xml version="1.0" encoding="utf-8"?>
+<file path=ppt/slides/slide23.xml><?xml version="1.0" encoding="utf-8"?>
 <p:sld xmlns:a="http://schemas.openxmlformats.org/drawingml/2006/main" xmlns:r="http://schemas.openxmlformats.org/officeDocument/2006/relationships" xmlns:p="http://schemas.openxmlformats.org/presentationml/2006/main">
   <p:cSld>
     <p:spTree>
@@ -9912,7 +7843,7 @@
 </p:sld>
 </file>
 
-<file path=ppt/slides/slide32.xml><?xml version="1.0" encoding="utf-8"?>
+<file path=ppt/slides/slide24.xml><?xml version="1.0" encoding="utf-8"?>
 <p:sld xmlns:a="http://schemas.openxmlformats.org/drawingml/2006/main" xmlns:r="http://schemas.openxmlformats.org/officeDocument/2006/relationships" xmlns:p="http://schemas.openxmlformats.org/presentationml/2006/main">
   <p:cSld>
     <p:spTree>
@@ -9973,77 +7904,12 @@
             <p:ph idx="1"/>
           </p:nvPr>
         </p:nvSpPr>
-        <p:spPr>
-          <a:xfrm>
-            <a:off x="677334" y="1584961"/>
-            <a:ext cx="8934026" cy="4456402"/>
-          </a:xfrm>
-        </p:spPr>
-        <p:txBody>
-          <a:bodyPr>
-            <a:normAutofit lnSpcReduction="10000"/>
-          </a:bodyPr>
-          <a:lstStyle/>
-          <a:p>
-            <a:r>
-              <a:rPr lang="en-US" dirty="0"/>
-              <a:t>There is an increase in sales and market share of Plug-in Electric vehicles, while sales of Hybrid vehicles seem to be in </a:t>
-            </a:r>
-            <a:r>
-              <a:rPr lang="en-US"/>
-              <a:t>decline.</a:t>
-            </a:r>
-          </a:p>
-          <a:p>
-            <a:r>
-              <a:rPr lang="en-US"/>
-              <a:t>Internal </a:t>
-            </a:r>
-            <a:r>
-              <a:rPr lang="en-US" dirty="0"/>
-              <a:t>market factors </a:t>
-            </a:r>
-          </a:p>
-          <a:p>
-            <a:pPr lvl="1"/>
-            <a:r>
-              <a:rPr lang="en-US" dirty="0"/>
-              <a:t>There is an expansion of offerings by US and Global car makers in the PEV market, driven in part by enthusiasm surrounding particular brands, such as Tesla.</a:t>
-            </a:r>
-          </a:p>
-          <a:p>
-            <a:r>
-              <a:rPr lang="en-US" dirty="0"/>
-              <a:t>External market factors</a:t>
-            </a:r>
-          </a:p>
-          <a:p>
-            <a:pPr lvl="1"/>
-            <a:r>
-              <a:rPr lang="en-US" dirty="0"/>
-              <a:t>Gas prices have a large impact in HEV sales and almost no impact on PEV sales, suggesting PEV buyers are driven by other factors.</a:t>
-            </a:r>
-          </a:p>
-          <a:p>
-            <a:pPr lvl="1"/>
-            <a:r>
-              <a:rPr lang="en-US" dirty="0"/>
-              <a:t>The availability of electric charging stations is on the rise, but mostly in the Eastern US, California and Urban centers. </a:t>
-            </a:r>
-          </a:p>
-          <a:p>
-            <a:pPr lvl="1"/>
-            <a:r>
-              <a:rPr lang="en-US" dirty="0"/>
-              <a:t>Incentives track to the increase in sales, but it is inconclusive as to which types of incentives have the largest impact.</a:t>
-            </a:r>
-          </a:p>
-          <a:p>
-            <a:pPr lvl="1"/>
-            <a:r>
-              <a:rPr lang="en-US" dirty="0"/>
-              <a:t>The Air Quality index of the US has improved along with the increase in electric vehicles sales, despite the fact that Americans are driving more miles overall. </a:t>
-            </a:r>
+        <p:spPr/>
+        <p:txBody>
+          <a:bodyPr/>
+          <a:lstStyle/>
+          <a:p>
+            <a:endParaRPr lang="en-US"/>
           </a:p>
         </p:txBody>
       </p:sp>
@@ -10060,7 +7926,7 @@
 </p:sld>
 </file>
 
-<file path=ppt/slides/slide33.xml><?xml version="1.0" encoding="utf-8"?>
+<file path=ppt/slides/slide25.xml><?xml version="1.0" encoding="utf-8"?>
 <p:sld xmlns:a="http://schemas.openxmlformats.org/drawingml/2006/main" xmlns:r="http://schemas.openxmlformats.org/officeDocument/2006/relationships" xmlns:p="http://schemas.openxmlformats.org/presentationml/2006/main">
   <p:cSld>
     <p:spTree>
@@ -10109,6 +7975,123 @@
     <p:extLst>
       <p:ext uri="{BB962C8B-B14F-4D97-AF65-F5344CB8AC3E}">
         <p14:creationId xmlns:p14="http://schemas.microsoft.com/office/powerpoint/2010/main" val="872807738"/>
+      </p:ext>
+    </p:extLst>
+  </p:cSld>
+  <p:clrMapOvr>
+    <a:masterClrMapping/>
+  </p:clrMapOvr>
+</p:sld>
+</file>
+
+<file path=ppt/slides/slide3.xml><?xml version="1.0" encoding="utf-8"?>
+<p:sld xmlns:a="http://schemas.openxmlformats.org/drawingml/2006/main" xmlns:r="http://schemas.openxmlformats.org/officeDocument/2006/relationships" xmlns:p="http://schemas.openxmlformats.org/presentationml/2006/main">
+  <p:cSld>
+    <p:spTree>
+      <p:nvGrpSpPr>
+        <p:cNvPr id="1" name=""/>
+        <p:cNvGrpSpPr/>
+        <p:nvPr/>
+      </p:nvGrpSpPr>
+      <p:grpSpPr>
+        <a:xfrm>
+          <a:off x="0" y="0"/>
+          <a:ext cx="0" cy="0"/>
+          <a:chOff x="0" y="0"/>
+          <a:chExt cx="0" cy="0"/>
+        </a:xfrm>
+      </p:grpSpPr>
+      <p:sp>
+        <p:nvSpPr>
+          <p:cNvPr id="2" name="Title 1">
+            <a:extLst>
+              <a:ext uri="{FF2B5EF4-FFF2-40B4-BE49-F238E27FC236}">
+                <a16:creationId xmlns:a16="http://schemas.microsoft.com/office/drawing/2014/main" id="{EAD63432-2154-4C58-A66A-E16DC15663A2}"/>
+              </a:ext>
+            </a:extLst>
+          </p:cNvPr>
+          <p:cNvSpPr>
+            <a:spLocks noGrp="1"/>
+          </p:cNvSpPr>
+          <p:nvPr>
+            <p:ph type="title"/>
+          </p:nvPr>
+        </p:nvSpPr>
+        <p:spPr/>
+        <p:txBody>
+          <a:bodyPr/>
+          <a:lstStyle/>
+          <a:p>
+            <a:r>
+              <a:rPr lang="en-US" dirty="0"/>
+              <a:t>Questions &amp; Data</a:t>
+            </a:r>
+          </a:p>
+        </p:txBody>
+      </p:sp>
+      <p:sp>
+        <p:nvSpPr>
+          <p:cNvPr id="3" name="Content Placeholder 2">
+            <a:extLst>
+              <a:ext uri="{FF2B5EF4-FFF2-40B4-BE49-F238E27FC236}">
+                <a16:creationId xmlns:a16="http://schemas.microsoft.com/office/drawing/2014/main" id="{70D8A547-BA4D-4C0F-A46B-7499FE4AF5CD}"/>
+              </a:ext>
+            </a:extLst>
+          </p:cNvPr>
+          <p:cNvSpPr>
+            <a:spLocks noGrp="1"/>
+          </p:cNvSpPr>
+          <p:nvPr>
+            <p:ph idx="1"/>
+          </p:nvPr>
+        </p:nvSpPr>
+        <p:spPr/>
+        <p:txBody>
+          <a:bodyPr/>
+          <a:lstStyle/>
+          <a:p>
+            <a:r>
+              <a:rPr lang="en-US" dirty="0"/>
+              <a:t>Historical analysis of Electric Vehicle (EV) Market share</a:t>
+            </a:r>
+          </a:p>
+          <a:p>
+            <a:r>
+              <a:rPr lang="en-US" dirty="0"/>
+              <a:t>With the growth in purchases of electric vehicles, how has air pollution been impacted?</a:t>
+            </a:r>
+          </a:p>
+          <a:p>
+            <a:endParaRPr lang="en-US" dirty="0"/>
+          </a:p>
+          <a:p>
+            <a:r>
+              <a:rPr lang="en-US" dirty="0"/>
+              <a:t>Data sourced from Kaggle “U.S. Pollution Data” (</a:t>
+            </a:r>
+            <a:r>
+              <a:rPr lang="en-US" dirty="0">
+                <a:hlinkClick r:id="rId2"/>
+              </a:rPr>
+              <a:t>https://www.kaggle.com/sogun3/uspollution/version/1</a:t>
+            </a:r>
+            <a:r>
+              <a:rPr lang="en-US" dirty="0"/>
+              <a:t>)</a:t>
+            </a:r>
+          </a:p>
+          <a:p>
+            <a:endParaRPr lang="en-US" dirty="0"/>
+          </a:p>
+          <a:p>
+            <a:endParaRPr lang="en-US" dirty="0"/>
+          </a:p>
+        </p:txBody>
+      </p:sp>
+    </p:spTree>
+    <p:extLst>
+      <p:ext uri="{BB962C8B-B14F-4D97-AF65-F5344CB8AC3E}">
+        <p14:creationId xmlns:p14="http://schemas.microsoft.com/office/powerpoint/2010/main" val="1180815208"/>
       </p:ext>
     </p:extLst>
   </p:cSld>
@@ -10140,7 +8123,7 @@
           <p:cNvPr id="2" name="Title 1">
             <a:extLst>
               <a:ext uri="{FF2B5EF4-FFF2-40B4-BE49-F238E27FC236}">
-                <a16:creationId xmlns:a16="http://schemas.microsoft.com/office/drawing/2014/main" id="{056AD39A-413A-485F-89FC-8A8269327A0A}"/>
+                <a16:creationId xmlns:a16="http://schemas.microsoft.com/office/drawing/2014/main" id="{5E0CDF61-D443-46B4-8853-6216FBEBC082}"/>
               </a:ext>
             </a:extLst>
           </p:cNvPr>
@@ -10158,7 +8141,7 @@
           <a:p>
             <a:r>
               <a:rPr lang="en-US" dirty="0"/>
-              <a:t>Market Share and Sales Growth of Electric Vehicles</a:t>
+              <a:t>Data Cleanup &amp; Exploration</a:t>
             </a:r>
           </a:p>
         </p:txBody>
@@ -10168,7 +8151,7 @@
           <p:cNvPr id="3" name="Content Placeholder 2">
             <a:extLst>
               <a:ext uri="{FF2B5EF4-FFF2-40B4-BE49-F238E27FC236}">
-                <a16:creationId xmlns:a16="http://schemas.microsoft.com/office/drawing/2014/main" id="{815E26F2-F5C9-42AB-ADD8-6247B02D27C0}"/>
+                <a16:creationId xmlns:a16="http://schemas.microsoft.com/office/drawing/2014/main" id="{BDECCC88-8DF0-4508-9084-6EB00371806F}"/>
               </a:ext>
             </a:extLst>
           </p:cNvPr>
@@ -10179,57 +8162,87 @@
             <p:ph idx="1"/>
           </p:nvPr>
         </p:nvSpPr>
-        <p:spPr/>
+        <p:spPr>
+          <a:xfrm>
+            <a:off x="677334" y="1488613"/>
+            <a:ext cx="8596668" cy="3880773"/>
+          </a:xfrm>
+        </p:spPr>
         <p:txBody>
           <a:bodyPr/>
           <a:lstStyle/>
           <a:p>
             <a:r>
               <a:rPr lang="en-US" dirty="0"/>
-              <a:t>Do we see an increase in sales and market share of electric vehicles?</a:t>
-            </a:r>
-          </a:p>
-          <a:p>
+              <a:t>Read csv into a pandas </a:t>
+            </a:r>
+            <a:r>
+              <a:rPr lang="en-US" dirty="0" err="1"/>
+              <a:t>DataFrame</a:t>
+            </a:r>
             <a:endParaRPr lang="en-US" dirty="0"/>
           </a:p>
           <a:p>
             <a:r>
               <a:rPr lang="en-US" dirty="0"/>
-              <a:t>Data provided by:</a:t>
-            </a:r>
-          </a:p>
-          <a:p>
-            <a:pPr lvl="1"/>
+              <a:t>Get rid of unnecessary data</a:t>
+            </a:r>
+          </a:p>
+          <a:p>
             <a:r>
               <a:rPr lang="en-US" dirty="0"/>
-              <a:t>D.O.E. Oak Ridge National Laboratory</a:t>
-            </a:r>
-          </a:p>
-          <a:p>
-            <a:pPr lvl="1"/>
+              <a:t>Handle multiple records for same day (measured in morning and afternoon)</a:t>
+            </a:r>
+          </a:p>
+          <a:p>
             <a:r>
               <a:rPr lang="en-US" dirty="0"/>
-              <a:t>U.S. Energy Information Administration</a:t>
-            </a:r>
-          </a:p>
-          <a:p>
-            <a:pPr marL="0" indent="0">
-              <a:buNone/>
-            </a:pPr>
+              <a:t>Separate data by Year, and return max AQI value for each pollutant by Year</a:t>
+            </a:r>
+          </a:p>
+          <a:p>
+            <a:r>
+              <a:rPr lang="en-US" dirty="0"/>
+              <a:t>Using </a:t>
+            </a:r>
+            <a:r>
+              <a:rPr lang="en-US" dirty="0" err="1"/>
+              <a:t>Cartopy</a:t>
+            </a:r>
+            <a:r>
+              <a:rPr lang="en-US" dirty="0"/>
+              <a:t>, create a US Map Figure while color coding shape based on AQI value for a given year</a:t>
+            </a:r>
+          </a:p>
+          <a:p>
+            <a:r>
+              <a:rPr lang="en-US" dirty="0"/>
+              <a:t>Using matplotlib, leverage </a:t>
+            </a:r>
+            <a:r>
+              <a:rPr lang="en-US" dirty="0" err="1"/>
+              <a:t>FuncAnimation</a:t>
+            </a:r>
+            <a:r>
+              <a:rPr lang="en-US" dirty="0"/>
+              <a:t> to create animation that shows Max AQI values for each year from 2000-2016</a:t>
+            </a:r>
+          </a:p>
+          <a:p>
+            <a:r>
+              <a:rPr lang="en-US" dirty="0"/>
+              <a:t>Repeat for each air pollutant</a:t>
+            </a:r>
+          </a:p>
+          <a:p>
             <a:endParaRPr lang="en-US" dirty="0"/>
-          </a:p>
-          <a:p>
-            <a:r>
-              <a:rPr lang="en-US" dirty="0"/>
-              <a:t>Data cleaned and visualized using Pandas and Matplotlib</a:t>
-            </a:r>
           </a:p>
         </p:txBody>
       </p:sp>
     </p:spTree>
     <p:extLst>
       <p:ext uri="{BB962C8B-B14F-4D97-AF65-F5344CB8AC3E}">
-        <p14:creationId xmlns:p14="http://schemas.microsoft.com/office/powerpoint/2010/main" val="1031626957"/>
+        <p14:creationId xmlns:p14="http://schemas.microsoft.com/office/powerpoint/2010/main" val="4294828183"/>
       </p:ext>
     </p:extLst>
   </p:cSld>
@@ -10256,6 +8269,36 @@
           <a:chExt cx="0" cy="0"/>
         </a:xfrm>
       </p:grpSpPr>
+      <p:sp>
+        <p:nvSpPr>
+          <p:cNvPr id="2" name="Title 1">
+            <a:extLst>
+              <a:ext uri="{FF2B5EF4-FFF2-40B4-BE49-F238E27FC236}">
+                <a16:creationId xmlns:a16="http://schemas.microsoft.com/office/drawing/2014/main" id="{574F119C-EEA3-4EB2-BE31-F79ACAB60D87}"/>
+              </a:ext>
+            </a:extLst>
+          </p:cNvPr>
+          <p:cNvSpPr>
+            <a:spLocks noGrp="1"/>
+          </p:cNvSpPr>
+          <p:nvPr>
+            <p:ph type="title"/>
+          </p:nvPr>
+        </p:nvSpPr>
+        <p:spPr/>
+        <p:txBody>
+          <a:bodyPr>
+            <a:normAutofit/>
+          </a:bodyPr>
+          <a:lstStyle/>
+          <a:p>
+            <a:r>
+              <a:rPr lang="en-US" sz="3200" dirty="0"/>
+              <a:t>Growth of Hybrid and Electric Vehicle Sales:</a:t>
+            </a:r>
+          </a:p>
+        </p:txBody>
+      </p:sp>
       <p:pic>
         <p:nvPicPr>
           <p:cNvPr id="5" name="Content Placeholder 4">
@@ -10272,7 +8315,7 @@
             <p:ph idx="1"/>
           </p:nvPr>
         </p:nvPicPr>
-        <p:blipFill rotWithShape="1">
+        <p:blipFill>
           <a:blip r:embed="rId2">
             <a:extLst>
               <a:ext uri="{28A0092B-C50C-407E-A947-70E740481C1C}">
@@ -10280,46 +8323,17 @@
               </a:ext>
             </a:extLst>
           </a:blip>
-          <a:srcRect l="14720" t="4214" r="10353" b="12428"/>
-          <a:stretch/>
+          <a:stretch>
+            <a:fillRect/>
+          </a:stretch>
         </p:blipFill>
         <p:spPr>
           <a:xfrm>
-            <a:off x="280972" y="1285043"/>
-            <a:ext cx="9249994" cy="4287913"/>
+            <a:off x="291969" y="2268463"/>
+            <a:ext cx="8596312" cy="3581796"/>
           </a:xfrm>
         </p:spPr>
       </p:pic>
-      <p:sp>
-        <p:nvSpPr>
-          <p:cNvPr id="2" name="Title 1">
-            <a:extLst>
-              <a:ext uri="{FF2B5EF4-FFF2-40B4-BE49-F238E27FC236}">
-                <a16:creationId xmlns:a16="http://schemas.microsoft.com/office/drawing/2014/main" id="{574F119C-EEA3-4EB2-BE31-F79ACAB60D87}"/>
-              </a:ext>
-            </a:extLst>
-          </p:cNvPr>
-          <p:cNvSpPr>
-            <a:spLocks noGrp="1"/>
-          </p:cNvSpPr>
-          <p:nvPr>
-            <p:ph type="title"/>
-          </p:nvPr>
-        </p:nvSpPr>
-        <p:spPr/>
-        <p:txBody>
-          <a:bodyPr>
-            <a:normAutofit/>
-          </a:bodyPr>
-          <a:lstStyle/>
-          <a:p>
-            <a:r>
-              <a:rPr lang="en-US" sz="3200" dirty="0"/>
-              <a:t>Growth of Hybrid and Electric Vehicle Sales:</a:t>
-            </a:r>
-          </a:p>
-        </p:txBody>
-      </p:sp>
     </p:spTree>
     <p:extLst>
       <p:ext uri="{BB962C8B-B14F-4D97-AF65-F5344CB8AC3E}">
@@ -10366,12 +8380,7 @@
             <p:ph type="title"/>
           </p:nvPr>
         </p:nvSpPr>
-        <p:spPr>
-          <a:xfrm>
-            <a:off x="668945" y="609600"/>
-            <a:ext cx="8596668" cy="1320800"/>
-          </a:xfrm>
-        </p:spPr>
+        <p:spPr/>
         <p:txBody>
           <a:bodyPr>
             <a:normAutofit/>
@@ -10387,19 +8396,21 @@
       </p:sp>
       <p:pic>
         <p:nvPicPr>
-          <p:cNvPr id="4" name="Picture 3">
+          <p:cNvPr id="5" name="Content Placeholder 4">
             <a:extLst>
               <a:ext uri="{FF2B5EF4-FFF2-40B4-BE49-F238E27FC236}">
-                <a16:creationId xmlns:a16="http://schemas.microsoft.com/office/drawing/2014/main" id="{D8CE468F-74EF-45A9-B9EA-52413BB2DDF4}"/>
+                <a16:creationId xmlns:a16="http://schemas.microsoft.com/office/drawing/2014/main" id="{CC05FC64-3A88-49B3-8BA2-66FC9947DA90}"/>
               </a:ext>
             </a:extLst>
           </p:cNvPr>
           <p:cNvPicPr>
-            <a:picLocks noChangeAspect="1"/>
+            <a:picLocks noGrp="1" noChangeAspect="1"/>
           </p:cNvPicPr>
-          <p:nvPr/>
+          <p:nvPr>
+            <p:ph idx="1"/>
+          </p:nvPr>
         </p:nvPicPr>
-        <p:blipFill rotWithShape="1">
+        <p:blipFill>
           <a:blip r:embed="rId2">
             <a:extLst>
               <a:ext uri="{28A0092B-C50C-407E-A947-70E740481C1C}">
@@ -10407,17 +8418,15 @@
               </a:ext>
             </a:extLst>
           </a:blip>
-          <a:srcRect l="13733" t="3032" r="10163" b="11183"/>
-          <a:stretch/>
+          <a:stretch>
+            <a:fillRect/>
+          </a:stretch>
         </p:blipFill>
         <p:spPr>
           <a:xfrm>
-            <a:off x="153619" y="1224243"/>
-            <a:ext cx="9388603" cy="4409514"/>
+            <a:off x="308747" y="2285241"/>
+            <a:ext cx="8596312" cy="3581796"/>
           </a:xfrm>
-          <a:prstGeom prst="rect">
-            <a:avLst/>
-          </a:prstGeom>
         </p:spPr>
       </p:pic>
     </p:spTree>
@@ -10496,7 +8505,7 @@
             <p:ph idx="1"/>
           </p:nvPr>
         </p:nvPicPr>
-        <p:blipFill rotWithShape="1">
+        <p:blipFill>
           <a:blip r:embed="rId2">
             <a:extLst>
               <a:ext uri="{28A0092B-C50C-407E-A947-70E740481C1C}">
@@ -10504,13 +8513,14 @@
               </a:ext>
             </a:extLst>
           </a:blip>
-          <a:srcRect l="14894" t="6053" r="12608" b="14138"/>
-          <a:stretch/>
+          <a:stretch>
+            <a:fillRect/>
+          </a:stretch>
         </p:blipFill>
         <p:spPr>
           <a:xfrm>
-            <a:off x="274199" y="1364942"/>
-            <a:ext cx="8999803" cy="4128116"/>
+            <a:off x="308748" y="2260074"/>
+            <a:ext cx="8596312" cy="3581796"/>
           </a:xfrm>
         </p:spPr>
       </p:pic>
@@ -10595,7 +8605,7 @@
             <p:ph idx="1"/>
           </p:nvPr>
         </p:nvPicPr>
-        <p:blipFill rotWithShape="1">
+        <p:blipFill>
           <a:blip r:embed="rId2">
             <a:extLst>
               <a:ext uri="{28A0092B-C50C-407E-A947-70E740481C1C}">
@@ -10603,16 +8613,52 @@
               </a:ext>
             </a:extLst>
           </a:blip>
-          <a:srcRect l="2010" t="3414" r="6372"/>
-          <a:stretch/>
+          <a:stretch>
+            <a:fillRect/>
+          </a:stretch>
         </p:blipFill>
         <p:spPr>
           <a:xfrm>
-            <a:off x="967667" y="1242875"/>
-            <a:ext cx="8008412" cy="5535226"/>
+            <a:off x="744446" y="1889998"/>
+            <a:ext cx="7577434" cy="4968002"/>
           </a:xfrm>
         </p:spPr>
       </p:pic>
+      <p:sp>
+        <p:nvSpPr>
+          <p:cNvPr id="3" name="TextBox 2">
+            <a:extLst>
+              <a:ext uri="{FF2B5EF4-FFF2-40B4-BE49-F238E27FC236}">
+                <a16:creationId xmlns:a16="http://schemas.microsoft.com/office/drawing/2014/main" id="{A7886B13-621B-468A-9F02-6FD505AEC26E}"/>
+              </a:ext>
+            </a:extLst>
+          </p:cNvPr>
+          <p:cNvSpPr txBox="1"/>
+          <p:nvPr/>
+        </p:nvSpPr>
+        <p:spPr>
+          <a:xfrm>
+            <a:off x="780213" y="1561068"/>
+            <a:ext cx="4014240" cy="369332"/>
+          </a:xfrm>
+          <a:prstGeom prst="rect">
+            <a:avLst/>
+          </a:prstGeom>
+          <a:noFill/>
+        </p:spPr>
+        <p:txBody>
+          <a:bodyPr wrap="none" rtlCol="0">
+            <a:spAutoFit/>
+          </a:bodyPr>
+          <a:lstStyle/>
+          <a:p>
+            <a:r>
+              <a:rPr lang="en-US" dirty="0"/>
+              <a:t>Why do sales trends vary in this way?</a:t>
+            </a:r>
+          </a:p>
+        </p:txBody>
+      </p:sp>
     </p:spTree>
     <p:extLst>
       <p:ext uri="{BB962C8B-B14F-4D97-AF65-F5344CB8AC3E}">
@@ -10648,7 +8694,7 @@
           <p:cNvPr id="2" name="Title 1">
             <a:extLst>
               <a:ext uri="{FF2B5EF4-FFF2-40B4-BE49-F238E27FC236}">
-                <a16:creationId xmlns:a16="http://schemas.microsoft.com/office/drawing/2014/main" id="{EDDCE49F-B966-4D58-8EFD-2E889BB81E9B}"/>
+                <a16:creationId xmlns:a16="http://schemas.microsoft.com/office/drawing/2014/main" id="{9F2FC880-1F23-4B21-BF8B-8F83C578D037}"/>
               </a:ext>
             </a:extLst>
           </p:cNvPr>
@@ -10666,58 +8712,99 @@
           <a:p>
             <a:r>
               <a:rPr lang="en-US" dirty="0"/>
-              <a:t>Summary</a:t>
-            </a:r>
-          </a:p>
-        </p:txBody>
-      </p:sp>
-      <p:sp>
-        <p:nvSpPr>
-          <p:cNvPr id="3" name="Content Placeholder 2">
+              <a:t>Factors Impacting Sales:</a:t>
+            </a:r>
+          </a:p>
+        </p:txBody>
+      </p:sp>
+      <p:pic>
+        <p:nvPicPr>
+          <p:cNvPr id="5" name="Content Placeholder 4">
             <a:extLst>
               <a:ext uri="{FF2B5EF4-FFF2-40B4-BE49-F238E27FC236}">
-                <a16:creationId xmlns:a16="http://schemas.microsoft.com/office/drawing/2014/main" id="{7F1DCB36-60D8-4577-8125-686472341A87}"/>
+                <a16:creationId xmlns:a16="http://schemas.microsoft.com/office/drawing/2014/main" id="{4C75B6EC-F102-41D3-8E7B-B9FC45CD8F9B}"/>
               </a:ext>
             </a:extLst>
           </p:cNvPr>
-          <p:cNvSpPr>
-            <a:spLocks noGrp="1"/>
-          </p:cNvSpPr>
+          <p:cNvPicPr>
+            <a:picLocks noGrp="1" noChangeAspect="1"/>
+          </p:cNvPicPr>
           <p:nvPr>
             <p:ph idx="1"/>
           </p:nvPr>
-        </p:nvSpPr>
-        <p:spPr/>
-        <p:txBody>
-          <a:bodyPr/>
-          <a:lstStyle/>
-          <a:p>
+        </p:nvPicPr>
+        <p:blipFill>
+          <a:blip r:embed="rId2">
+            <a:extLst>
+              <a:ext uri="{28A0092B-C50C-407E-A947-70E740481C1C}">
+                <a14:useLocalDpi xmlns:a14="http://schemas.microsoft.com/office/drawing/2010/main" val="0"/>
+              </a:ext>
+            </a:extLst>
+          </a:blip>
+          <a:stretch>
+            <a:fillRect/>
+          </a:stretch>
+        </p:blipFill>
+        <p:spPr>
+          <a:xfrm>
+            <a:off x="466049" y="2709644"/>
+            <a:ext cx="8807953" cy="3669981"/>
+          </a:xfrm>
+        </p:spPr>
+      </p:pic>
+      <p:sp>
+        <p:nvSpPr>
+          <p:cNvPr id="3" name="TextBox 2">
+            <a:extLst>
+              <a:ext uri="{FF2B5EF4-FFF2-40B4-BE49-F238E27FC236}">
+                <a16:creationId xmlns:a16="http://schemas.microsoft.com/office/drawing/2014/main" id="{2C127AAC-048D-4E1E-82AB-102E28695E11}"/>
+              </a:ext>
+            </a:extLst>
+          </p:cNvPr>
+          <p:cNvSpPr txBox="1"/>
+          <p:nvPr/>
+        </p:nvSpPr>
+        <p:spPr>
+          <a:xfrm>
+            <a:off x="677334" y="1509315"/>
+            <a:ext cx="5377343" cy="1200329"/>
+          </a:xfrm>
+          <a:prstGeom prst="rect">
+            <a:avLst/>
+          </a:prstGeom>
+          <a:noFill/>
+        </p:spPr>
+        <p:txBody>
+          <a:bodyPr wrap="square" rtlCol="0">
+            <a:spAutoFit/>
+          </a:bodyPr>
+          <a:lstStyle/>
+          <a:p>
+            <a:pPr marL="285750" indent="-285750">
+              <a:buFontTx/>
+              <a:buChar char="-"/>
+            </a:pPr>
             <a:r>
               <a:rPr lang="en-US" dirty="0"/>
-              <a:t>We see a small increase in the market share of electric vehicles over time. .</a:t>
-            </a:r>
-          </a:p>
-          <a:p>
+              <a:t>Sales of Hybrid Vehicles appears to be heavily linked to gasoline prices.</a:t>
+            </a:r>
+          </a:p>
+          <a:p>
+            <a:pPr marL="285750" indent="-285750">
+              <a:buFontTx/>
+              <a:buChar char="-"/>
+            </a:pPr>
             <a:r>
               <a:rPr lang="en-US" dirty="0"/>
-              <a:t>Hybrid vehicles have instable growth patterns, while Plug-in Electric vehicles have had steady, consistent growth since 2010.</a:t>
-            </a:r>
-          </a:p>
-          <a:p>
-            <a:r>
-              <a:rPr lang="en-US" dirty="0"/>
-              <a:t>Growth points in electric vehicles seem to correlate to debuts in particular models (2010/2011 – Nissan Leaf and Chevy Volt) (2012 – Tesla Model S) (2016-Tesla Model 3).</a:t>
-            </a:r>
-          </a:p>
-          <a:p>
-            <a:endParaRPr lang="en-US" dirty="0"/>
+              <a:t>Electric Vehicle sales were more resilient to changes in gasoline prices.</a:t>
+            </a:r>
           </a:p>
         </p:txBody>
       </p:sp>
     </p:spTree>
     <p:extLst>
       <p:ext uri="{BB962C8B-B14F-4D97-AF65-F5344CB8AC3E}">
-        <p14:creationId xmlns:p14="http://schemas.microsoft.com/office/powerpoint/2010/main" val="3308006863"/>
+        <p14:creationId xmlns:p14="http://schemas.microsoft.com/office/powerpoint/2010/main" val="2348836302"/>
       </p:ext>
     </p:extLst>
   </p:cSld>

--- a/Presentation1.pptx
+++ b/Presentation1.pptx
@@ -866,7 +866,7 @@
           <a:p>
             <a:fld id="{010A7FB3-A316-402C-99FC-ECFF33919AD8}" type="datetimeFigureOut">
               <a:rPr lang="en-US" smtClean="0"/>
-              <a:t>4/12/2019</a:t>
+              <a:t>4/13/2019</a:t>
             </a:fld>
             <a:endParaRPr lang="en-US"/>
           </a:p>
@@ -1117,7 +1117,7 @@
           <a:p>
             <a:fld id="{010A7FB3-A316-402C-99FC-ECFF33919AD8}" type="datetimeFigureOut">
               <a:rPr lang="en-US" smtClean="0"/>
-              <a:t>4/12/2019</a:t>
+              <a:t>4/13/2019</a:t>
             </a:fld>
             <a:endParaRPr lang="en-US"/>
           </a:p>
@@ -1431,7 +1431,7 @@
           <a:p>
             <a:fld id="{010A7FB3-A316-402C-99FC-ECFF33919AD8}" type="datetimeFigureOut">
               <a:rPr lang="en-US" smtClean="0"/>
-              <a:t>4/12/2019</a:t>
+              <a:t>4/13/2019</a:t>
             </a:fld>
             <a:endParaRPr lang="en-US"/>
           </a:p>
@@ -1772,7 +1772,7 @@
           <a:p>
             <a:fld id="{010A7FB3-A316-402C-99FC-ECFF33919AD8}" type="datetimeFigureOut">
               <a:rPr lang="en-US" smtClean="0"/>
-              <a:t>4/12/2019</a:t>
+              <a:t>4/13/2019</a:t>
             </a:fld>
             <a:endParaRPr lang="en-US"/>
           </a:p>
@@ -2086,7 +2086,7 @@
           <a:p>
             <a:fld id="{010A7FB3-A316-402C-99FC-ECFF33919AD8}" type="datetimeFigureOut">
               <a:rPr lang="en-US" smtClean="0"/>
-              <a:t>4/12/2019</a:t>
+              <a:t>4/13/2019</a:t>
             </a:fld>
             <a:endParaRPr lang="en-US"/>
           </a:p>
@@ -2479,7 +2479,7 @@
           <a:p>
             <a:fld id="{010A7FB3-A316-402C-99FC-ECFF33919AD8}" type="datetimeFigureOut">
               <a:rPr lang="en-US" smtClean="0"/>
-              <a:t>4/12/2019</a:t>
+              <a:t>4/13/2019</a:t>
             </a:fld>
             <a:endParaRPr lang="en-US"/>
           </a:p>
@@ -2649,7 +2649,7 @@
           <a:p>
             <a:fld id="{010A7FB3-A316-402C-99FC-ECFF33919AD8}" type="datetimeFigureOut">
               <a:rPr lang="en-US" smtClean="0"/>
-              <a:t>4/12/2019</a:t>
+              <a:t>4/13/2019</a:t>
             </a:fld>
             <a:endParaRPr lang="en-US"/>
           </a:p>
@@ -2829,7 +2829,7 @@
           <a:p>
             <a:fld id="{010A7FB3-A316-402C-99FC-ECFF33919AD8}" type="datetimeFigureOut">
               <a:rPr lang="en-US" smtClean="0"/>
-              <a:t>4/12/2019</a:t>
+              <a:t>4/13/2019</a:t>
             </a:fld>
             <a:endParaRPr lang="en-US"/>
           </a:p>
@@ -3005,7 +3005,7 @@
           <a:p>
             <a:fld id="{010A7FB3-A316-402C-99FC-ECFF33919AD8}" type="datetimeFigureOut">
               <a:rPr lang="en-US" smtClean="0"/>
-              <a:t>4/12/2019</a:t>
+              <a:t>4/13/2019</a:t>
             </a:fld>
             <a:endParaRPr lang="en-US"/>
           </a:p>
@@ -3252,7 +3252,7 @@
           <a:p>
             <a:fld id="{010A7FB3-A316-402C-99FC-ECFF33919AD8}" type="datetimeFigureOut">
               <a:rPr lang="en-US" smtClean="0"/>
-              <a:t>4/12/2019</a:t>
+              <a:t>4/13/2019</a:t>
             </a:fld>
             <a:endParaRPr lang="en-US"/>
           </a:p>
@@ -3484,7 +3484,7 @@
           <a:p>
             <a:fld id="{010A7FB3-A316-402C-99FC-ECFF33919AD8}" type="datetimeFigureOut">
               <a:rPr lang="en-US" smtClean="0"/>
-              <a:t>4/12/2019</a:t>
+              <a:t>4/13/2019</a:t>
             </a:fld>
             <a:endParaRPr lang="en-US"/>
           </a:p>
@@ -3858,7 +3858,7 @@
           <a:p>
             <a:fld id="{010A7FB3-A316-402C-99FC-ECFF33919AD8}" type="datetimeFigureOut">
               <a:rPr lang="en-US" smtClean="0"/>
-              <a:t>4/12/2019</a:t>
+              <a:t>4/13/2019</a:t>
             </a:fld>
             <a:endParaRPr lang="en-US"/>
           </a:p>
@@ -3981,7 +3981,7 @@
           <a:p>
             <a:fld id="{010A7FB3-A316-402C-99FC-ECFF33919AD8}" type="datetimeFigureOut">
               <a:rPr lang="en-US" smtClean="0"/>
-              <a:t>4/12/2019</a:t>
+              <a:t>4/13/2019</a:t>
             </a:fld>
             <a:endParaRPr lang="en-US"/>
           </a:p>
@@ -4076,7 +4076,7 @@
           <a:p>
             <a:fld id="{010A7FB3-A316-402C-99FC-ECFF33919AD8}" type="datetimeFigureOut">
               <a:rPr lang="en-US" smtClean="0"/>
-              <a:t>4/12/2019</a:t>
+              <a:t>4/13/2019</a:t>
             </a:fld>
             <a:endParaRPr lang="en-US"/>
           </a:p>
@@ -4331,7 +4331,7 @@
           <a:p>
             <a:fld id="{010A7FB3-A316-402C-99FC-ECFF33919AD8}" type="datetimeFigureOut">
               <a:rPr lang="en-US" smtClean="0"/>
-              <a:t>4/12/2019</a:t>
+              <a:t>4/13/2019</a:t>
             </a:fld>
             <a:endParaRPr lang="en-US"/>
           </a:p>
@@ -4594,7 +4594,7 @@
           <a:p>
             <a:fld id="{010A7FB3-A316-402C-99FC-ECFF33919AD8}" type="datetimeFigureOut">
               <a:rPr lang="en-US" smtClean="0"/>
-              <a:t>4/12/2019</a:t>
+              <a:t>4/13/2019</a:t>
             </a:fld>
             <a:endParaRPr lang="en-US"/>
           </a:p>
@@ -5337,7 +5337,7 @@
           <a:p>
             <a:fld id="{010A7FB3-A316-402C-99FC-ECFF33919AD8}" type="datetimeFigureOut">
               <a:rPr lang="en-US" smtClean="0"/>
-              <a:t>4/12/2019</a:t>
+              <a:t>4/13/2019</a:t>
             </a:fld>
             <a:endParaRPr lang="en-US"/>
           </a:p>
@@ -8652,7 +8652,7 @@
           <a:p>
             <a:r>
               <a:rPr lang="en-US" dirty="0"/>
-              <a:t>Limits of the data</a:t>
+              <a:t>There are some limits to the data. </a:t>
             </a:r>
           </a:p>
         </p:txBody>
